--- a/presentations/ssc2017/SSC 2017.pptx
+++ b/presentations/ssc2017/SSC 2017.pptx
@@ -1,53 +1,53 @@
 
 <file path=ppt/presentation.xml><?xml version="1.0" encoding="utf-8"?>
-<p:presentation xmlns:a="http://schemas.openxmlformats.org/drawingml/2006/main" xmlns:r="http://schemas.openxmlformats.org/officeDocument/2006/relationships" xmlns:mc="http://schemas.openxmlformats.org/markup-compatibility/2006" xmlns:mv="urn:schemas-microsoft-com:mac:vml" xmlns:p="http://schemas.openxmlformats.org/presentationml/2006/main" xmlns:c="http://schemas.openxmlformats.org/drawingml/2006/chart" xmlns:dgm="http://schemas.openxmlformats.org/drawingml/2006/diagram" xmlns:o="urn:schemas-microsoft-com:office:office" xmlns:v="urn:schemas-microsoft-com:vml" xmlns:pvml="urn:schemas-microsoft-com:office:powerpoint" xmlns:com="http://schemas.openxmlformats.org/drawingml/2006/compatibility" xmlns:p14="http://schemas.microsoft.com/office/powerpoint/2010/main" xmlns:p15="http://schemas.microsoft.com/office/powerpoint/2012/main" autoCompressPictures="0" embedTrueTypeFonts="1" strictFirstAndLastChars="0" saveSubsetFonts="1" showSpecialPlsOnTitleSld="0">
+<p:presentation xmlns:a="http://schemas.openxmlformats.org/drawingml/2006/main" xmlns:r="http://schemas.openxmlformats.org/officeDocument/2006/relationships" xmlns:p="http://schemas.openxmlformats.org/presentationml/2006/main" showSpecialPlsOnTitleSld="0" strictFirstAndLastChars="0" embedTrueTypeFonts="1" saveSubsetFonts="1" autoCompressPictures="0">
   <p:sldMasterIdLst>
-    <p:sldMasterId id="2147483659" r:id="rId3"/>
+    <p:sldMasterId id="2147483659" r:id="rId1"/>
   </p:sldMasterIdLst>
   <p:notesMasterIdLst>
-    <p:notesMasterId r:id="rId4"/>
+    <p:notesMasterId r:id="rId29"/>
   </p:notesMasterIdLst>
   <p:sldIdLst>
-    <p:sldId id="256" r:id="rId5"/>
-    <p:sldId id="257" r:id="rId6"/>
-    <p:sldId id="258" r:id="rId7"/>
-    <p:sldId id="259" r:id="rId8"/>
-    <p:sldId id="260" r:id="rId9"/>
-    <p:sldId id="261" r:id="rId10"/>
-    <p:sldId id="262" r:id="rId11"/>
-    <p:sldId id="263" r:id="rId12"/>
-    <p:sldId id="264" r:id="rId13"/>
-    <p:sldId id="265" r:id="rId14"/>
-    <p:sldId id="266" r:id="rId15"/>
-    <p:sldId id="267" r:id="rId16"/>
-    <p:sldId id="268" r:id="rId17"/>
-    <p:sldId id="269" r:id="rId18"/>
-    <p:sldId id="270" r:id="rId19"/>
-    <p:sldId id="271" r:id="rId20"/>
-    <p:sldId id="272" r:id="rId21"/>
-    <p:sldId id="273" r:id="rId22"/>
-    <p:sldId id="274" r:id="rId23"/>
-    <p:sldId id="275" r:id="rId24"/>
-    <p:sldId id="276" r:id="rId25"/>
-    <p:sldId id="277" r:id="rId26"/>
-    <p:sldId id="278" r:id="rId27"/>
-    <p:sldId id="279" r:id="rId28"/>
-    <p:sldId id="280" r:id="rId29"/>
-    <p:sldId id="281" r:id="rId30"/>
-    <p:sldId id="282" r:id="rId31"/>
+    <p:sldId id="256" r:id="rId2"/>
+    <p:sldId id="257" r:id="rId3"/>
+    <p:sldId id="258" r:id="rId4"/>
+    <p:sldId id="259" r:id="rId5"/>
+    <p:sldId id="260" r:id="rId6"/>
+    <p:sldId id="261" r:id="rId7"/>
+    <p:sldId id="262" r:id="rId8"/>
+    <p:sldId id="263" r:id="rId9"/>
+    <p:sldId id="264" r:id="rId10"/>
+    <p:sldId id="265" r:id="rId11"/>
+    <p:sldId id="266" r:id="rId12"/>
+    <p:sldId id="267" r:id="rId13"/>
+    <p:sldId id="268" r:id="rId14"/>
+    <p:sldId id="269" r:id="rId15"/>
+    <p:sldId id="270" r:id="rId16"/>
+    <p:sldId id="271" r:id="rId17"/>
+    <p:sldId id="272" r:id="rId18"/>
+    <p:sldId id="273" r:id="rId19"/>
+    <p:sldId id="274" r:id="rId20"/>
+    <p:sldId id="275" r:id="rId21"/>
+    <p:sldId id="276" r:id="rId22"/>
+    <p:sldId id="277" r:id="rId23"/>
+    <p:sldId id="278" r:id="rId24"/>
+    <p:sldId id="279" r:id="rId25"/>
+    <p:sldId id="280" r:id="rId26"/>
+    <p:sldId id="281" r:id="rId27"/>
+    <p:sldId id="282" r:id="rId28"/>
   </p:sldIdLst>
-  <p:sldSz cy="6858000" cx="9144000"/>
+  <p:sldSz cx="9144000" cy="6858000" type="screen4x3"/>
   <p:notesSz cx="6858000" cy="9144000"/>
   <p:embeddedFontLst>
     <p:embeddedFont>
-      <p:font typeface="Old Standard TT"/>
-      <p:regular r:id="rId32"/>
-      <p:bold r:id="rId33"/>
-      <p:italic r:id="rId34"/>
+      <p:font typeface="Old Standard TT" panose="020B0604020202020204" charset="0"/>
+      <p:regular r:id="rId30"/>
+      <p:bold r:id="rId31"/>
+      <p:italic r:id="rId32"/>
     </p:embeddedFont>
   </p:embeddedFontLst>
   <p:defaultTextStyle>
-    <a:defPPr lvl="0" marR="0" rtl="0" algn="l">
+    <a:defPPr marR="0" lvl="0" algn="l" rtl="0">
       <a:lnSpc>
         <a:spcPct val="100000"/>
       </a:lnSpc>
@@ -58,7 +58,7 @@
         <a:spcPts val="0"/>
       </a:spcAft>
     </a:defPPr>
-    <a:lvl1pPr lvl="0" marR="0" rtl="0" algn="l">
+    <a:lvl1pPr marR="0" lvl="0" algn="l" rtl="0">
       <a:lnSpc>
         <a:spcPct val="100000"/>
       </a:lnSpc>
@@ -69,7 +69,7 @@
         <a:spcPts val="0"/>
       </a:spcAft>
       <a:buNone/>
-      <a:defRPr b="0" i="0" sz="1400" u="none" cap="none" strike="noStrike">
+      <a:defRPr sz="1400" b="0" i="0" u="none" strike="noStrike" cap="none">
         <a:solidFill>
           <a:srgbClr val="000000"/>
         </a:solidFill>
@@ -79,7 +79,7 @@
         <a:sym typeface="Arial"/>
       </a:defRPr>
     </a:lvl1pPr>
-    <a:lvl2pPr lvl="1" marR="0" rtl="0" algn="l">
+    <a:lvl2pPr marR="0" lvl="1" algn="l" rtl="0">
       <a:lnSpc>
         <a:spcPct val="100000"/>
       </a:lnSpc>
@@ -90,7 +90,7 @@
         <a:spcPts val="0"/>
       </a:spcAft>
       <a:buNone/>
-      <a:defRPr b="0" i="0" sz="1400" u="none" cap="none" strike="noStrike">
+      <a:defRPr sz="1400" b="0" i="0" u="none" strike="noStrike" cap="none">
         <a:solidFill>
           <a:srgbClr val="000000"/>
         </a:solidFill>
@@ -100,7 +100,7 @@
         <a:sym typeface="Arial"/>
       </a:defRPr>
     </a:lvl2pPr>
-    <a:lvl3pPr lvl="2" marR="0" rtl="0" algn="l">
+    <a:lvl3pPr marR="0" lvl="2" algn="l" rtl="0">
       <a:lnSpc>
         <a:spcPct val="100000"/>
       </a:lnSpc>
@@ -111,7 +111,7 @@
         <a:spcPts val="0"/>
       </a:spcAft>
       <a:buNone/>
-      <a:defRPr b="0" i="0" sz="1400" u="none" cap="none" strike="noStrike">
+      <a:defRPr sz="1400" b="0" i="0" u="none" strike="noStrike" cap="none">
         <a:solidFill>
           <a:srgbClr val="000000"/>
         </a:solidFill>
@@ -121,7 +121,7 @@
         <a:sym typeface="Arial"/>
       </a:defRPr>
     </a:lvl3pPr>
-    <a:lvl4pPr lvl="3" marR="0" rtl="0" algn="l">
+    <a:lvl4pPr marR="0" lvl="3" algn="l" rtl="0">
       <a:lnSpc>
         <a:spcPct val="100000"/>
       </a:lnSpc>
@@ -132,7 +132,7 @@
         <a:spcPts val="0"/>
       </a:spcAft>
       <a:buNone/>
-      <a:defRPr b="0" i="0" sz="1400" u="none" cap="none" strike="noStrike">
+      <a:defRPr sz="1400" b="0" i="0" u="none" strike="noStrike" cap="none">
         <a:solidFill>
           <a:srgbClr val="000000"/>
         </a:solidFill>
@@ -142,7 +142,7 @@
         <a:sym typeface="Arial"/>
       </a:defRPr>
     </a:lvl4pPr>
-    <a:lvl5pPr lvl="4" marR="0" rtl="0" algn="l">
+    <a:lvl5pPr marR="0" lvl="4" algn="l" rtl="0">
       <a:lnSpc>
         <a:spcPct val="100000"/>
       </a:lnSpc>
@@ -153,7 +153,7 @@
         <a:spcPts val="0"/>
       </a:spcAft>
       <a:buNone/>
-      <a:defRPr b="0" i="0" sz="1400" u="none" cap="none" strike="noStrike">
+      <a:defRPr sz="1400" b="0" i="0" u="none" strike="noStrike" cap="none">
         <a:solidFill>
           <a:srgbClr val="000000"/>
         </a:solidFill>
@@ -163,7 +163,7 @@
         <a:sym typeface="Arial"/>
       </a:defRPr>
     </a:lvl5pPr>
-    <a:lvl6pPr lvl="5" marR="0" rtl="0" algn="l">
+    <a:lvl6pPr marR="0" lvl="5" algn="l" rtl="0">
       <a:lnSpc>
         <a:spcPct val="100000"/>
       </a:lnSpc>
@@ -174,7 +174,7 @@
         <a:spcPts val="0"/>
       </a:spcAft>
       <a:buNone/>
-      <a:defRPr b="0" i="0" sz="1400" u="none" cap="none" strike="noStrike">
+      <a:defRPr sz="1400" b="0" i="0" u="none" strike="noStrike" cap="none">
         <a:solidFill>
           <a:srgbClr val="000000"/>
         </a:solidFill>
@@ -184,7 +184,7 @@
         <a:sym typeface="Arial"/>
       </a:defRPr>
     </a:lvl6pPr>
-    <a:lvl7pPr lvl="6" marR="0" rtl="0" algn="l">
+    <a:lvl7pPr marR="0" lvl="6" algn="l" rtl="0">
       <a:lnSpc>
         <a:spcPct val="100000"/>
       </a:lnSpc>
@@ -195,7 +195,7 @@
         <a:spcPts val="0"/>
       </a:spcAft>
       <a:buNone/>
-      <a:defRPr b="0" i="0" sz="1400" u="none" cap="none" strike="noStrike">
+      <a:defRPr sz="1400" b="0" i="0" u="none" strike="noStrike" cap="none">
         <a:solidFill>
           <a:srgbClr val="000000"/>
         </a:solidFill>
@@ -205,7 +205,7 @@
         <a:sym typeface="Arial"/>
       </a:defRPr>
     </a:lvl7pPr>
-    <a:lvl8pPr lvl="7" marR="0" rtl="0" algn="l">
+    <a:lvl8pPr marR="0" lvl="7" algn="l" rtl="0">
       <a:lnSpc>
         <a:spcPct val="100000"/>
       </a:lnSpc>
@@ -216,7 +216,7 @@
         <a:spcPts val="0"/>
       </a:spcAft>
       <a:buNone/>
-      <a:defRPr b="0" i="0" sz="1400" u="none" cap="none" strike="noStrike">
+      <a:defRPr sz="1400" b="0" i="0" u="none" strike="noStrike" cap="none">
         <a:solidFill>
           <a:srgbClr val="000000"/>
         </a:solidFill>
@@ -226,7 +226,7 @@
         <a:sym typeface="Arial"/>
       </a:defRPr>
     </a:lvl8pPr>
-    <a:lvl9pPr lvl="8" marR="0" rtl="0" algn="l">
+    <a:lvl9pPr marR="0" lvl="8" algn="l" rtl="0">
       <a:lnSpc>
         <a:spcPct val="100000"/>
       </a:lnSpc>
@@ -237,7 +237,7 @@
         <a:spcPts val="0"/>
       </a:spcAft>
       <a:buNone/>
-      <a:defRPr b="0" i="0" sz="1400" u="none" cap="none" strike="noStrike">
+      <a:defRPr sz="1400" b="0" i="0" u="none" strike="noStrike" cap="none">
         <a:solidFill>
           <a:srgbClr val="000000"/>
         </a:solidFill>
@@ -251,12 +251,21 @@
 </p:presentation>
 </file>
 
+<file path=ppt/revisionInfo.xml><?xml version="1.0" encoding="utf-8"?>
+<p1510:revInfo xmlns:a="http://schemas.openxmlformats.org/drawingml/2006/main" xmlns:r="http://schemas.openxmlformats.org/officeDocument/2006/relationships" xmlns:p1510="http://schemas.microsoft.com/office/powerpoint/2015/10/main"/>
+</file>
+
 <file path=ppt/notesMasters/notesMaster1.xml><?xml version="1.0" encoding="utf-8"?>
-<p:notesMaster xmlns:a="http://schemas.openxmlformats.org/drawingml/2006/main" xmlns:r="http://schemas.openxmlformats.org/officeDocument/2006/relationships" xmlns:mc="http://schemas.openxmlformats.org/markup-compatibility/2006" xmlns:mv="urn:schemas-microsoft-com:mac:vml" xmlns:p="http://schemas.openxmlformats.org/presentationml/2006/main" xmlns:c="http://schemas.openxmlformats.org/drawingml/2006/chart" xmlns:dgm="http://schemas.openxmlformats.org/drawingml/2006/diagram" xmlns:o="urn:schemas-microsoft-com:office:office" xmlns:v="urn:schemas-microsoft-com:vml" xmlns:pvml="urn:schemas-microsoft-com:office:powerpoint" xmlns:com="http://schemas.openxmlformats.org/drawingml/2006/compatibility" xmlns:p14="http://schemas.microsoft.com/office/powerpoint/2010/main" xmlns:p15="http://schemas.microsoft.com/office/powerpoint/2012/main">
+<p:notesMaster xmlns:a="http://schemas.openxmlformats.org/drawingml/2006/main" xmlns:r="http://schemas.openxmlformats.org/officeDocument/2006/relationships" xmlns:p="http://schemas.openxmlformats.org/presentationml/2006/main">
   <p:cSld>
+    <p:bg>
+      <p:bgRef idx="1001">
+        <a:schemeClr val="bg1"/>
+      </p:bgRef>
+    </p:bg>
     <p:spTree>
       <p:nvGrpSpPr>
-        <p:cNvPr id="2" name="Shape 2"/>
+        <p:cNvPr id="1" name="Shape 2"/>
         <p:cNvGrpSpPr/>
         <p:nvPr/>
       </p:nvGrpSpPr>
@@ -271,9 +280,11 @@
       <p:sp>
         <p:nvSpPr>
           <p:cNvPr id="3" name="Shape 3"/>
-          <p:cNvSpPr/>
-          <p:nvPr>
-            <p:ph idx="2" type="sldImg"/>
+          <p:cNvSpPr>
+            <a:spLocks noGrp="1" noRot="1" noChangeAspect="1"/>
+          </p:cNvSpPr>
+          <p:nvPr>
+            <p:ph type="sldImg" idx="2"/>
           </p:nvPr>
         </p:nvSpPr>
         <p:spPr>
@@ -282,8 +293,13 @@
             <a:ext cx="4572000" cy="3429000"/>
           </a:xfrm>
           <a:custGeom>
+            <a:avLst/>
+            <a:gdLst/>
+            <a:ahLst/>
+            <a:cxnLst/>
+            <a:rect l="0" t="0" r="0" b="0"/>
             <a:pathLst>
-              <a:path extrusionOk="0" h="120000" w="120000">
+              <a:path w="120000" h="120000" extrusionOk="0">
                 <a:moveTo>
                   <a:pt x="0" y="0"/>
                 </a:moveTo>
@@ -301,23 +317,25 @@
             </a:pathLst>
           </a:custGeom>
           <a:noFill/>
-          <a:ln cap="flat" cmpd="sng" w="9525">
+          <a:ln w="9525" cap="flat" cmpd="sng">
             <a:solidFill>
               <a:srgbClr val="000000"/>
             </a:solidFill>
             <a:prstDash val="solid"/>
             <a:round/>
-            <a:headEnd len="med" w="med" type="none"/>
-            <a:tailEnd len="med" w="med" type="none"/>
+            <a:headEnd type="none" w="med" len="med"/>
+            <a:tailEnd type="none" w="med" len="med"/>
           </a:ln>
         </p:spPr>
       </p:sp>
       <p:sp>
         <p:nvSpPr>
           <p:cNvPr id="4" name="Shape 4"/>
-          <p:cNvSpPr txBox="1"/>
-          <p:nvPr>
-            <p:ph idx="1" type="body"/>
+          <p:cNvSpPr txBox="1">
+            <a:spLocks noGrp="1"/>
+          </p:cNvSpPr>
+          <p:nvPr>
+            <p:ph type="body" idx="1"/>
           </p:nvPr>
         </p:nvSpPr>
         <p:spPr>
@@ -334,7 +352,7 @@
           </a:ln>
         </p:spPr>
         <p:txBody>
-          <a:bodyPr anchorCtr="0" anchor="t" bIns="91425" lIns="91425" rIns="91425" wrap="square" tIns="91425"/>
+          <a:bodyPr wrap="square" lIns="91425" tIns="91425" rIns="91425" bIns="91425" anchor="t" anchorCtr="0"/>
           <a:lstStyle>
             <a:lvl1pPr lvl="0">
               <a:spcBef>
@@ -400,21 +418,115 @@
               <a:defRPr sz="1100"/>
             </a:lvl9pPr>
           </a:lstStyle>
-          <a:p/>
+          <a:p>
+            <a:endParaRPr/>
+          </a:p>
         </p:txBody>
       </p:sp>
     </p:spTree>
   </p:cSld>
-  <p:clrMap accent1="accent1" accent2="accent2" accent3="accent3" accent4="accent4" accent5="accent5" accent6="accent6" bg1="lt1" bg2="dk2" tx1="dk1" tx2="lt2" folHlink="folHlink" hlink="hlink"/>
+  <p:clrMap bg1="lt1" tx1="dk1" bg2="dk2" tx2="lt2" accent1="accent1" accent2="accent2" accent3="accent3" accent4="accent4" accent5="accent5" accent6="accent6" hlink="hlink" folHlink="folHlink"/>
+  <p:notesStyle>
+    <a:lvl1pPr marL="0" algn="l" defTabSz="914400" rtl="0" eaLnBrk="1" latinLnBrk="0" hangingPunct="1">
+      <a:defRPr sz="1200" kern="1200">
+        <a:solidFill>
+          <a:schemeClr val="tx1"/>
+        </a:solidFill>
+        <a:latin typeface="+mn-lt"/>
+        <a:ea typeface="+mn-ea"/>
+        <a:cs typeface="+mn-cs"/>
+      </a:defRPr>
+    </a:lvl1pPr>
+    <a:lvl2pPr marL="457200" algn="l" defTabSz="914400" rtl="0" eaLnBrk="1" latinLnBrk="0" hangingPunct="1">
+      <a:defRPr sz="1200" kern="1200">
+        <a:solidFill>
+          <a:schemeClr val="tx1"/>
+        </a:solidFill>
+        <a:latin typeface="+mn-lt"/>
+        <a:ea typeface="+mn-ea"/>
+        <a:cs typeface="+mn-cs"/>
+      </a:defRPr>
+    </a:lvl2pPr>
+    <a:lvl3pPr marL="914400" algn="l" defTabSz="914400" rtl="0" eaLnBrk="1" latinLnBrk="0" hangingPunct="1">
+      <a:defRPr sz="1200" kern="1200">
+        <a:solidFill>
+          <a:schemeClr val="tx1"/>
+        </a:solidFill>
+        <a:latin typeface="+mn-lt"/>
+        <a:ea typeface="+mn-ea"/>
+        <a:cs typeface="+mn-cs"/>
+      </a:defRPr>
+    </a:lvl3pPr>
+    <a:lvl4pPr marL="1371600" algn="l" defTabSz="914400" rtl="0" eaLnBrk="1" latinLnBrk="0" hangingPunct="1">
+      <a:defRPr sz="1200" kern="1200">
+        <a:solidFill>
+          <a:schemeClr val="tx1"/>
+        </a:solidFill>
+        <a:latin typeface="+mn-lt"/>
+        <a:ea typeface="+mn-ea"/>
+        <a:cs typeface="+mn-cs"/>
+      </a:defRPr>
+    </a:lvl4pPr>
+    <a:lvl5pPr marL="1828800" algn="l" defTabSz="914400" rtl="0" eaLnBrk="1" latinLnBrk="0" hangingPunct="1">
+      <a:defRPr sz="1200" kern="1200">
+        <a:solidFill>
+          <a:schemeClr val="tx1"/>
+        </a:solidFill>
+        <a:latin typeface="+mn-lt"/>
+        <a:ea typeface="+mn-ea"/>
+        <a:cs typeface="+mn-cs"/>
+      </a:defRPr>
+    </a:lvl5pPr>
+    <a:lvl6pPr marL="2286000" algn="l" defTabSz="914400" rtl="0" eaLnBrk="1" latinLnBrk="0" hangingPunct="1">
+      <a:defRPr sz="1200" kern="1200">
+        <a:solidFill>
+          <a:schemeClr val="tx1"/>
+        </a:solidFill>
+        <a:latin typeface="+mn-lt"/>
+        <a:ea typeface="+mn-ea"/>
+        <a:cs typeface="+mn-cs"/>
+      </a:defRPr>
+    </a:lvl6pPr>
+    <a:lvl7pPr marL="2743200" algn="l" defTabSz="914400" rtl="0" eaLnBrk="1" latinLnBrk="0" hangingPunct="1">
+      <a:defRPr sz="1200" kern="1200">
+        <a:solidFill>
+          <a:schemeClr val="tx1"/>
+        </a:solidFill>
+        <a:latin typeface="+mn-lt"/>
+        <a:ea typeface="+mn-ea"/>
+        <a:cs typeface="+mn-cs"/>
+      </a:defRPr>
+    </a:lvl7pPr>
+    <a:lvl8pPr marL="3200400" algn="l" defTabSz="914400" rtl="0" eaLnBrk="1" latinLnBrk="0" hangingPunct="1">
+      <a:defRPr sz="1200" kern="1200">
+        <a:solidFill>
+          <a:schemeClr val="tx1"/>
+        </a:solidFill>
+        <a:latin typeface="+mn-lt"/>
+        <a:ea typeface="+mn-ea"/>
+        <a:cs typeface="+mn-cs"/>
+      </a:defRPr>
+    </a:lvl8pPr>
+    <a:lvl9pPr marL="3657600" algn="l" defTabSz="914400" rtl="0" eaLnBrk="1" latinLnBrk="0" hangingPunct="1">
+      <a:defRPr sz="1200" kern="1200">
+        <a:solidFill>
+          <a:schemeClr val="tx1"/>
+        </a:solidFill>
+        <a:latin typeface="+mn-lt"/>
+        <a:ea typeface="+mn-ea"/>
+        <a:cs typeface="+mn-cs"/>
+      </a:defRPr>
+    </a:lvl9pPr>
+  </p:notesStyle>
 </p:notesMaster>
 </file>
 
 <file path=ppt/notesSlides/notesSlide1.xml><?xml version="1.0" encoding="utf-8"?>
-<p:notes xmlns:a="http://schemas.openxmlformats.org/drawingml/2006/main" xmlns:r="http://schemas.openxmlformats.org/officeDocument/2006/relationships" xmlns:mc="http://schemas.openxmlformats.org/markup-compatibility/2006" xmlns:mv="urn:schemas-microsoft-com:mac:vml" xmlns:p="http://schemas.openxmlformats.org/presentationml/2006/main" xmlns:c="http://schemas.openxmlformats.org/drawingml/2006/chart" xmlns:dgm="http://schemas.openxmlformats.org/drawingml/2006/diagram" xmlns:o="urn:schemas-microsoft-com:office:office" xmlns:v="urn:schemas-microsoft-com:vml" xmlns:pvml="urn:schemas-microsoft-com:office:powerpoint" xmlns:com="http://schemas.openxmlformats.org/drawingml/2006/compatibility" xmlns:p14="http://schemas.microsoft.com/office/powerpoint/2010/main" xmlns:p15="http://schemas.microsoft.com/office/powerpoint/2012/main" showMasterPhAnim="0" showMasterSp="0">
+<p:notes xmlns:a="http://schemas.openxmlformats.org/drawingml/2006/main" xmlns:r="http://schemas.openxmlformats.org/officeDocument/2006/relationships" xmlns:p="http://schemas.openxmlformats.org/presentationml/2006/main" showMasterSp="0" showMasterPhAnim="0">
   <p:cSld>
     <p:spTree>
       <p:nvGrpSpPr>
-        <p:cNvPr id="55" name="Shape 55"/>
+        <p:cNvPr id="1" name="Shape 55"/>
         <p:cNvGrpSpPr/>
         <p:nvPr/>
       </p:nvGrpSpPr>
@@ -429,19 +541,26 @@
       <p:sp>
         <p:nvSpPr>
           <p:cNvPr id="56" name="Shape 56"/>
-          <p:cNvSpPr/>
-          <p:nvPr>
-            <p:ph idx="2" type="sldImg"/>
-          </p:nvPr>
-        </p:nvSpPr>
-        <p:spPr>
-          <a:xfrm>
-            <a:off x="1143224" y="685800"/>
-            <a:ext cx="4572300" cy="3429000"/>
+          <p:cNvSpPr>
+            <a:spLocks noGrp="1" noRot="1" noChangeAspect="1"/>
+          </p:cNvSpPr>
+          <p:nvPr>
+            <p:ph type="sldImg" idx="2"/>
+          </p:nvPr>
+        </p:nvSpPr>
+        <p:spPr>
+          <a:xfrm>
+            <a:off x="1143000" y="685800"/>
+            <a:ext cx="4572000" cy="3429000"/>
           </a:xfrm>
           <a:custGeom>
+            <a:avLst/>
+            <a:gdLst/>
+            <a:ahLst/>
+            <a:cxnLst/>
+            <a:rect l="0" t="0" r="0" b="0"/>
             <a:pathLst>
-              <a:path extrusionOk="0" h="120000" w="120000">
+              <a:path w="120000" h="120000" extrusionOk="0">
                 <a:moveTo>
                   <a:pt x="0" y="0"/>
                 </a:moveTo>
@@ -463,9 +582,11 @@
       <p:sp>
         <p:nvSpPr>
           <p:cNvPr id="57" name="Shape 57"/>
-          <p:cNvSpPr txBox="1"/>
-          <p:nvPr>
-            <p:ph idx="1" type="body"/>
+          <p:cNvSpPr txBox="1">
+            <a:spLocks noGrp="1"/>
+          </p:cNvSpPr>
+          <p:nvPr>
+            <p:ph type="body" idx="1"/>
           </p:nvPr>
         </p:nvSpPr>
         <p:spPr>
@@ -478,7 +599,7 @@
           </a:prstGeom>
         </p:spPr>
         <p:txBody>
-          <a:bodyPr anchorCtr="0" anchor="t" bIns="91425" lIns="91425" rIns="91425" wrap="square" tIns="91425">
+          <a:bodyPr wrap="square" lIns="91425" tIns="91425" rIns="91425" bIns="91425" anchor="t" anchorCtr="0">
             <a:noAutofit/>
           </a:bodyPr>
           <a:lstStyle/>
@@ -489,9 +610,6 @@
               </a:spcBef>
               <a:buNone/>
             </a:pPr>
-            <a:r>
-              <a:t/>
-            </a:r>
             <a:endParaRPr/>
           </a:p>
         </p:txBody>
@@ -505,11 +623,11 @@
 </file>
 
 <file path=ppt/notesSlides/notesSlide10.xml><?xml version="1.0" encoding="utf-8"?>
-<p:notes xmlns:a="http://schemas.openxmlformats.org/drawingml/2006/main" xmlns:r="http://schemas.openxmlformats.org/officeDocument/2006/relationships" xmlns:mc="http://schemas.openxmlformats.org/markup-compatibility/2006" xmlns:mv="urn:schemas-microsoft-com:mac:vml" xmlns:p="http://schemas.openxmlformats.org/presentationml/2006/main" xmlns:c="http://schemas.openxmlformats.org/drawingml/2006/chart" xmlns:dgm="http://schemas.openxmlformats.org/drawingml/2006/diagram" xmlns:o="urn:schemas-microsoft-com:office:office" xmlns:v="urn:schemas-microsoft-com:vml" xmlns:pvml="urn:schemas-microsoft-com:office:powerpoint" xmlns:com="http://schemas.openxmlformats.org/drawingml/2006/compatibility" xmlns:p14="http://schemas.microsoft.com/office/powerpoint/2010/main" xmlns:p15="http://schemas.microsoft.com/office/powerpoint/2012/main" showMasterPhAnim="0" showMasterSp="0">
+<p:notes xmlns:a="http://schemas.openxmlformats.org/drawingml/2006/main" xmlns:r="http://schemas.openxmlformats.org/officeDocument/2006/relationships" xmlns:p="http://schemas.openxmlformats.org/presentationml/2006/main" showMasterSp="0" showMasterPhAnim="0">
   <p:cSld>
     <p:spTree>
       <p:nvGrpSpPr>
-        <p:cNvPr id="115" name="Shape 115"/>
+        <p:cNvPr id="1" name="Shape 115"/>
         <p:cNvGrpSpPr/>
         <p:nvPr/>
       </p:nvGrpSpPr>
@@ -524,19 +642,26 @@
       <p:sp>
         <p:nvSpPr>
           <p:cNvPr id="116" name="Shape 116"/>
-          <p:cNvSpPr/>
-          <p:nvPr>
-            <p:ph idx="2" type="sldImg"/>
-          </p:nvPr>
-        </p:nvSpPr>
-        <p:spPr>
-          <a:xfrm>
-            <a:off x="1143300" y="685800"/>
+          <p:cNvSpPr>
+            <a:spLocks noGrp="1" noRot="1" noChangeAspect="1"/>
+          </p:cNvSpPr>
+          <p:nvPr>
+            <p:ph type="sldImg" idx="2"/>
+          </p:nvPr>
+        </p:nvSpPr>
+        <p:spPr>
+          <a:xfrm>
+            <a:off x="1143000" y="685800"/>
             <a:ext cx="4572000" cy="3429000"/>
           </a:xfrm>
           <a:custGeom>
+            <a:avLst/>
+            <a:gdLst/>
+            <a:ahLst/>
+            <a:cxnLst/>
+            <a:rect l="0" t="0" r="0" b="0"/>
             <a:pathLst>
-              <a:path extrusionOk="0" h="120000" w="120000">
+              <a:path w="120000" h="120000" extrusionOk="0">
                 <a:moveTo>
                   <a:pt x="0" y="0"/>
                 </a:moveTo>
@@ -558,9 +683,11 @@
       <p:sp>
         <p:nvSpPr>
           <p:cNvPr id="117" name="Shape 117"/>
-          <p:cNvSpPr txBox="1"/>
-          <p:nvPr>
-            <p:ph idx="1" type="body"/>
+          <p:cNvSpPr txBox="1">
+            <a:spLocks noGrp="1"/>
+          </p:cNvSpPr>
+          <p:nvPr>
+            <p:ph type="body" idx="1"/>
           </p:nvPr>
         </p:nvSpPr>
         <p:spPr>
@@ -573,7 +700,7 @@
           </a:prstGeom>
         </p:spPr>
         <p:txBody>
-          <a:bodyPr anchorCtr="0" anchor="t" bIns="91425" lIns="91425" rIns="91425" wrap="square" tIns="91425">
+          <a:bodyPr wrap="square" lIns="91425" tIns="91425" rIns="91425" bIns="91425" anchor="t" anchorCtr="0">
             <a:noAutofit/>
           </a:bodyPr>
           <a:lstStyle/>
@@ -584,9 +711,6 @@
               </a:spcBef>
               <a:buNone/>
             </a:pPr>
-            <a:r>
-              <a:t/>
-            </a:r>
             <a:endParaRPr/>
           </a:p>
         </p:txBody>
@@ -600,11 +724,11 @@
 </file>
 
 <file path=ppt/notesSlides/notesSlide11.xml><?xml version="1.0" encoding="utf-8"?>
-<p:notes xmlns:a="http://schemas.openxmlformats.org/drawingml/2006/main" xmlns:r="http://schemas.openxmlformats.org/officeDocument/2006/relationships" xmlns:mc="http://schemas.openxmlformats.org/markup-compatibility/2006" xmlns:mv="urn:schemas-microsoft-com:mac:vml" xmlns:p="http://schemas.openxmlformats.org/presentationml/2006/main" xmlns:c="http://schemas.openxmlformats.org/drawingml/2006/chart" xmlns:dgm="http://schemas.openxmlformats.org/drawingml/2006/diagram" xmlns:o="urn:schemas-microsoft-com:office:office" xmlns:v="urn:schemas-microsoft-com:vml" xmlns:pvml="urn:schemas-microsoft-com:office:powerpoint" xmlns:com="http://schemas.openxmlformats.org/drawingml/2006/compatibility" xmlns:p14="http://schemas.microsoft.com/office/powerpoint/2010/main" xmlns:p15="http://schemas.microsoft.com/office/powerpoint/2012/main" showMasterPhAnim="0" showMasterSp="0">
+<p:notes xmlns:a="http://schemas.openxmlformats.org/drawingml/2006/main" xmlns:r="http://schemas.openxmlformats.org/officeDocument/2006/relationships" xmlns:p="http://schemas.openxmlformats.org/presentationml/2006/main" showMasterSp="0" showMasterPhAnim="0">
   <p:cSld>
     <p:spTree>
       <p:nvGrpSpPr>
-        <p:cNvPr id="121" name="Shape 121"/>
+        <p:cNvPr id="1" name="Shape 121"/>
         <p:cNvGrpSpPr/>
         <p:nvPr/>
       </p:nvGrpSpPr>
@@ -619,19 +743,26 @@
       <p:sp>
         <p:nvSpPr>
           <p:cNvPr id="122" name="Shape 122"/>
-          <p:cNvSpPr/>
-          <p:nvPr>
-            <p:ph idx="2" type="sldImg"/>
-          </p:nvPr>
-        </p:nvSpPr>
-        <p:spPr>
-          <a:xfrm>
-            <a:off x="1143300" y="685800"/>
+          <p:cNvSpPr>
+            <a:spLocks noGrp="1" noRot="1" noChangeAspect="1"/>
+          </p:cNvSpPr>
+          <p:nvPr>
+            <p:ph type="sldImg" idx="2"/>
+          </p:nvPr>
+        </p:nvSpPr>
+        <p:spPr>
+          <a:xfrm>
+            <a:off x="1143000" y="685800"/>
             <a:ext cx="4572000" cy="3429000"/>
           </a:xfrm>
           <a:custGeom>
+            <a:avLst/>
+            <a:gdLst/>
+            <a:ahLst/>
+            <a:cxnLst/>
+            <a:rect l="0" t="0" r="0" b="0"/>
             <a:pathLst>
-              <a:path extrusionOk="0" h="120000" w="120000">
+              <a:path w="120000" h="120000" extrusionOk="0">
                 <a:moveTo>
                   <a:pt x="0" y="0"/>
                 </a:moveTo>
@@ -653,9 +784,11 @@
       <p:sp>
         <p:nvSpPr>
           <p:cNvPr id="123" name="Shape 123"/>
-          <p:cNvSpPr txBox="1"/>
-          <p:nvPr>
-            <p:ph idx="1" type="body"/>
+          <p:cNvSpPr txBox="1">
+            <a:spLocks noGrp="1"/>
+          </p:cNvSpPr>
+          <p:nvPr>
+            <p:ph type="body" idx="1"/>
           </p:nvPr>
         </p:nvSpPr>
         <p:spPr>
@@ -668,12 +801,12 @@
           </a:prstGeom>
         </p:spPr>
         <p:txBody>
-          <a:bodyPr anchorCtr="0" anchor="t" bIns="91425" lIns="91425" rIns="91425" wrap="square" tIns="91425">
+          <a:bodyPr wrap="square" lIns="91425" tIns="91425" rIns="91425" bIns="91425" anchor="t" anchorCtr="0">
             <a:noAutofit/>
           </a:bodyPr>
           <a:lstStyle/>
           <a:p>
-            <a:pPr indent="-342900" lvl="0" marL="457200" rtl="0">
+            <a:pPr marL="457200" lvl="0" indent="-342900" rtl="0">
               <a:lnSpc>
                 <a:spcPct val="115000"/>
               </a:lnSpc>
@@ -712,9 +845,18 @@
                 <a:sym typeface="Old Standard TT"/>
               </a:rPr>
             </a:br>
-          </a:p>
-          <a:p>
-            <a:pPr indent="-342900" lvl="0" marL="457200" rtl="0">
+            <a:endParaRPr lang="en" sz="1800">
+              <a:solidFill>
+                <a:schemeClr val="dk1"/>
+              </a:solidFill>
+              <a:latin typeface="Old Standard TT"/>
+              <a:ea typeface="Old Standard TT"/>
+              <a:cs typeface="Old Standard TT"/>
+              <a:sym typeface="Old Standard TT"/>
+            </a:endParaRPr>
+          </a:p>
+          <a:p>
+            <a:pPr marL="457200" lvl="0" indent="-342900" rtl="0">
               <a:lnSpc>
                 <a:spcPct val="115000"/>
               </a:lnSpc>
@@ -744,7 +886,7 @@
             </a:r>
           </a:p>
           <a:p>
-            <a:pPr indent="-342900" lvl="0" marL="457200" rtl="0">
+            <a:pPr marL="457200" lvl="0" indent="-342900" rtl="0">
               <a:lnSpc>
                 <a:spcPct val="115000"/>
               </a:lnSpc>
@@ -774,7 +916,7 @@
             </a:r>
           </a:p>
           <a:p>
-            <a:pPr indent="-342900" lvl="0" marL="457200" rtl="0">
+            <a:pPr marL="457200" lvl="0" indent="-342900" rtl="0">
               <a:lnSpc>
                 <a:spcPct val="115000"/>
               </a:lnSpc>
@@ -836,9 +978,6 @@
               </a:spcBef>
               <a:buNone/>
             </a:pPr>
-            <a:r>
-              <a:t/>
-            </a:r>
             <a:endParaRPr/>
           </a:p>
         </p:txBody>
@@ -852,11 +991,11 @@
 </file>
 
 <file path=ppt/notesSlides/notesSlide12.xml><?xml version="1.0" encoding="utf-8"?>
-<p:notes xmlns:a="http://schemas.openxmlformats.org/drawingml/2006/main" xmlns:r="http://schemas.openxmlformats.org/officeDocument/2006/relationships" xmlns:mc="http://schemas.openxmlformats.org/markup-compatibility/2006" xmlns:mv="urn:schemas-microsoft-com:mac:vml" xmlns:p="http://schemas.openxmlformats.org/presentationml/2006/main" xmlns:c="http://schemas.openxmlformats.org/drawingml/2006/chart" xmlns:dgm="http://schemas.openxmlformats.org/drawingml/2006/diagram" xmlns:o="urn:schemas-microsoft-com:office:office" xmlns:v="urn:schemas-microsoft-com:vml" xmlns:pvml="urn:schemas-microsoft-com:office:powerpoint" xmlns:com="http://schemas.openxmlformats.org/drawingml/2006/compatibility" xmlns:p14="http://schemas.microsoft.com/office/powerpoint/2010/main" xmlns:p15="http://schemas.microsoft.com/office/powerpoint/2012/main" showMasterPhAnim="0" showMasterSp="0">
+<p:notes xmlns:a="http://schemas.openxmlformats.org/drawingml/2006/main" xmlns:r="http://schemas.openxmlformats.org/officeDocument/2006/relationships" xmlns:p="http://schemas.openxmlformats.org/presentationml/2006/main" showMasterSp="0" showMasterPhAnim="0">
   <p:cSld>
     <p:spTree>
       <p:nvGrpSpPr>
-        <p:cNvPr id="128" name="Shape 128"/>
+        <p:cNvPr id="1" name="Shape 128"/>
         <p:cNvGrpSpPr/>
         <p:nvPr/>
       </p:nvGrpSpPr>
@@ -871,19 +1010,26 @@
       <p:sp>
         <p:nvSpPr>
           <p:cNvPr id="129" name="Shape 129"/>
-          <p:cNvSpPr/>
-          <p:nvPr>
-            <p:ph idx="2" type="sldImg"/>
-          </p:nvPr>
-        </p:nvSpPr>
-        <p:spPr>
-          <a:xfrm>
-            <a:off x="1143300" y="685800"/>
+          <p:cNvSpPr>
+            <a:spLocks noGrp="1" noRot="1" noChangeAspect="1"/>
+          </p:cNvSpPr>
+          <p:nvPr>
+            <p:ph type="sldImg" idx="2"/>
+          </p:nvPr>
+        </p:nvSpPr>
+        <p:spPr>
+          <a:xfrm>
+            <a:off x="1143000" y="685800"/>
             <a:ext cx="4572000" cy="3429000"/>
           </a:xfrm>
           <a:custGeom>
+            <a:avLst/>
+            <a:gdLst/>
+            <a:ahLst/>
+            <a:cxnLst/>
+            <a:rect l="0" t="0" r="0" b="0"/>
             <a:pathLst>
-              <a:path extrusionOk="0" h="120000" w="120000">
+              <a:path w="120000" h="120000" extrusionOk="0">
                 <a:moveTo>
                   <a:pt x="0" y="0"/>
                 </a:moveTo>
@@ -905,9 +1051,11 @@
       <p:sp>
         <p:nvSpPr>
           <p:cNvPr id="130" name="Shape 130"/>
-          <p:cNvSpPr txBox="1"/>
-          <p:nvPr>
-            <p:ph idx="1" type="body"/>
+          <p:cNvSpPr txBox="1">
+            <a:spLocks noGrp="1"/>
+          </p:cNvSpPr>
+          <p:nvPr>
+            <p:ph type="body" idx="1"/>
           </p:nvPr>
         </p:nvSpPr>
         <p:spPr>
@@ -920,7 +1068,7 @@
           </a:prstGeom>
         </p:spPr>
         <p:txBody>
-          <a:bodyPr anchorCtr="0" anchor="t" bIns="91425" lIns="91425" rIns="91425" wrap="square" tIns="91425">
+          <a:bodyPr wrap="square" lIns="91425" tIns="91425" rIns="91425" bIns="91425" anchor="t" anchorCtr="0">
             <a:noAutofit/>
           </a:bodyPr>
           <a:lstStyle/>
@@ -937,9 +1085,6 @@
               </a:spcAft>
               <a:buNone/>
             </a:pPr>
-            <a:r>
-              <a:t/>
-            </a:r>
             <a:endParaRPr/>
           </a:p>
         </p:txBody>
@@ -953,11 +1098,11 @@
 </file>
 
 <file path=ppt/notesSlides/notesSlide13.xml><?xml version="1.0" encoding="utf-8"?>
-<p:notes xmlns:a="http://schemas.openxmlformats.org/drawingml/2006/main" xmlns:r="http://schemas.openxmlformats.org/officeDocument/2006/relationships" xmlns:mc="http://schemas.openxmlformats.org/markup-compatibility/2006" xmlns:mv="urn:schemas-microsoft-com:mac:vml" xmlns:p="http://schemas.openxmlformats.org/presentationml/2006/main" xmlns:c="http://schemas.openxmlformats.org/drawingml/2006/chart" xmlns:dgm="http://schemas.openxmlformats.org/drawingml/2006/diagram" xmlns:o="urn:schemas-microsoft-com:office:office" xmlns:v="urn:schemas-microsoft-com:vml" xmlns:pvml="urn:schemas-microsoft-com:office:powerpoint" xmlns:com="http://schemas.openxmlformats.org/drawingml/2006/compatibility" xmlns:p14="http://schemas.microsoft.com/office/powerpoint/2010/main" xmlns:p15="http://schemas.microsoft.com/office/powerpoint/2012/main" showMasterPhAnim="0" showMasterSp="0">
+<p:notes xmlns:a="http://schemas.openxmlformats.org/drawingml/2006/main" xmlns:r="http://schemas.openxmlformats.org/officeDocument/2006/relationships" xmlns:p="http://schemas.openxmlformats.org/presentationml/2006/main" showMasterSp="0" showMasterPhAnim="0">
   <p:cSld>
     <p:spTree>
       <p:nvGrpSpPr>
-        <p:cNvPr id="135" name="Shape 135"/>
+        <p:cNvPr id="1" name="Shape 135"/>
         <p:cNvGrpSpPr/>
         <p:nvPr/>
       </p:nvGrpSpPr>
@@ -972,19 +1117,26 @@
       <p:sp>
         <p:nvSpPr>
           <p:cNvPr id="136" name="Shape 136"/>
-          <p:cNvSpPr/>
-          <p:nvPr>
-            <p:ph idx="2" type="sldImg"/>
-          </p:nvPr>
-        </p:nvSpPr>
-        <p:spPr>
-          <a:xfrm>
-            <a:off x="1143300" y="685800"/>
+          <p:cNvSpPr>
+            <a:spLocks noGrp="1" noRot="1" noChangeAspect="1"/>
+          </p:cNvSpPr>
+          <p:nvPr>
+            <p:ph type="sldImg" idx="2"/>
+          </p:nvPr>
+        </p:nvSpPr>
+        <p:spPr>
+          <a:xfrm>
+            <a:off x="1143000" y="685800"/>
             <a:ext cx="4572000" cy="3429000"/>
           </a:xfrm>
           <a:custGeom>
+            <a:avLst/>
+            <a:gdLst/>
+            <a:ahLst/>
+            <a:cxnLst/>
+            <a:rect l="0" t="0" r="0" b="0"/>
             <a:pathLst>
-              <a:path extrusionOk="0" h="120000" w="120000">
+              <a:path w="120000" h="120000" extrusionOk="0">
                 <a:moveTo>
                   <a:pt x="0" y="0"/>
                 </a:moveTo>
@@ -1006,9 +1158,11 @@
       <p:sp>
         <p:nvSpPr>
           <p:cNvPr id="137" name="Shape 137"/>
-          <p:cNvSpPr txBox="1"/>
-          <p:nvPr>
-            <p:ph idx="1" type="body"/>
+          <p:cNvSpPr txBox="1">
+            <a:spLocks noGrp="1"/>
+          </p:cNvSpPr>
+          <p:nvPr>
+            <p:ph type="body" idx="1"/>
           </p:nvPr>
         </p:nvSpPr>
         <p:spPr>
@@ -1021,12 +1175,12 @@
           </a:prstGeom>
         </p:spPr>
         <p:txBody>
-          <a:bodyPr anchorCtr="0" anchor="t" bIns="91425" lIns="91425" rIns="91425" wrap="square" tIns="91425">
+          <a:bodyPr wrap="square" lIns="91425" tIns="91425" rIns="91425" bIns="91425" anchor="t" anchorCtr="0">
             <a:noAutofit/>
           </a:bodyPr>
           <a:lstStyle/>
           <a:p>
-            <a:pPr indent="-342900" lvl="0" marL="457200" rtl="0">
+            <a:pPr marL="457200" lvl="0" indent="-342900" rtl="0">
               <a:lnSpc>
                 <a:spcPct val="115000"/>
               </a:lnSpc>
@@ -1056,7 +1210,7 @@
             </a:r>
           </a:p>
           <a:p>
-            <a:pPr indent="-342900" lvl="0" marL="457200" rtl="0">
+            <a:pPr marL="457200" lvl="0" indent="-342900" rtl="0">
               <a:lnSpc>
                 <a:spcPct val="115000"/>
               </a:lnSpc>
@@ -1086,7 +1240,7 @@
             </a:r>
           </a:p>
           <a:p>
-            <a:pPr indent="-342900" lvl="0" marL="457200" rtl="0">
+            <a:pPr marL="457200" lvl="0" indent="-342900" rtl="0">
               <a:lnSpc>
                 <a:spcPct val="115000"/>
               </a:lnSpc>
@@ -1126,11 +1280,11 @@
 </file>
 
 <file path=ppt/notesSlides/notesSlide14.xml><?xml version="1.0" encoding="utf-8"?>
-<p:notes xmlns:a="http://schemas.openxmlformats.org/drawingml/2006/main" xmlns:r="http://schemas.openxmlformats.org/officeDocument/2006/relationships" xmlns:mc="http://schemas.openxmlformats.org/markup-compatibility/2006" xmlns:mv="urn:schemas-microsoft-com:mac:vml" xmlns:p="http://schemas.openxmlformats.org/presentationml/2006/main" xmlns:c="http://schemas.openxmlformats.org/drawingml/2006/chart" xmlns:dgm="http://schemas.openxmlformats.org/drawingml/2006/diagram" xmlns:o="urn:schemas-microsoft-com:office:office" xmlns:v="urn:schemas-microsoft-com:vml" xmlns:pvml="urn:schemas-microsoft-com:office:powerpoint" xmlns:com="http://schemas.openxmlformats.org/drawingml/2006/compatibility" xmlns:p14="http://schemas.microsoft.com/office/powerpoint/2010/main" xmlns:p15="http://schemas.microsoft.com/office/powerpoint/2012/main" showMasterPhAnim="0" showMasterSp="0">
+<p:notes xmlns:a="http://schemas.openxmlformats.org/drawingml/2006/main" xmlns:r="http://schemas.openxmlformats.org/officeDocument/2006/relationships" xmlns:p="http://schemas.openxmlformats.org/presentationml/2006/main" showMasterSp="0" showMasterPhAnim="0">
   <p:cSld>
     <p:spTree>
       <p:nvGrpSpPr>
-        <p:cNvPr id="140" name="Shape 140"/>
+        <p:cNvPr id="1" name="Shape 140"/>
         <p:cNvGrpSpPr/>
         <p:nvPr/>
       </p:nvGrpSpPr>
@@ -1145,19 +1299,26 @@
       <p:sp>
         <p:nvSpPr>
           <p:cNvPr id="141" name="Shape 141"/>
-          <p:cNvSpPr/>
-          <p:nvPr>
-            <p:ph idx="2" type="sldImg"/>
-          </p:nvPr>
-        </p:nvSpPr>
-        <p:spPr>
-          <a:xfrm>
-            <a:off x="1143300" y="685800"/>
+          <p:cNvSpPr>
+            <a:spLocks noGrp="1" noRot="1" noChangeAspect="1"/>
+          </p:cNvSpPr>
+          <p:nvPr>
+            <p:ph type="sldImg" idx="2"/>
+          </p:nvPr>
+        </p:nvSpPr>
+        <p:spPr>
+          <a:xfrm>
+            <a:off x="1143000" y="685800"/>
             <a:ext cx="4572000" cy="3429000"/>
           </a:xfrm>
           <a:custGeom>
+            <a:avLst/>
+            <a:gdLst/>
+            <a:ahLst/>
+            <a:cxnLst/>
+            <a:rect l="0" t="0" r="0" b="0"/>
             <a:pathLst>
-              <a:path extrusionOk="0" h="120000" w="120000">
+              <a:path w="120000" h="120000" extrusionOk="0">
                 <a:moveTo>
                   <a:pt x="0" y="0"/>
                 </a:moveTo>
@@ -1179,9 +1340,11 @@
       <p:sp>
         <p:nvSpPr>
           <p:cNvPr id="142" name="Shape 142"/>
-          <p:cNvSpPr txBox="1"/>
-          <p:nvPr>
-            <p:ph idx="1" type="body"/>
+          <p:cNvSpPr txBox="1">
+            <a:spLocks noGrp="1"/>
+          </p:cNvSpPr>
+          <p:nvPr>
+            <p:ph type="body" idx="1"/>
           </p:nvPr>
         </p:nvSpPr>
         <p:spPr>
@@ -1194,7 +1357,7 @@
           </a:prstGeom>
         </p:spPr>
         <p:txBody>
-          <a:bodyPr anchorCtr="0" anchor="t" bIns="91425" lIns="91425" rIns="91425" wrap="square" tIns="91425">
+          <a:bodyPr wrap="square" lIns="91425" tIns="91425" rIns="91425" bIns="91425" anchor="t" anchorCtr="0">
             <a:noAutofit/>
           </a:bodyPr>
           <a:lstStyle/>
@@ -1211,9 +1374,6 @@
               </a:spcAft>
               <a:buNone/>
             </a:pPr>
-            <a:r>
-              <a:t/>
-            </a:r>
             <a:endParaRPr sz="1800">
               <a:solidFill>
                 <a:schemeClr val="dk1"/>
@@ -1231,9 +1391,6 @@
               </a:spcBef>
               <a:buNone/>
             </a:pPr>
-            <a:r>
-              <a:t/>
-            </a:r>
             <a:endParaRPr/>
           </a:p>
         </p:txBody>
@@ -1247,11 +1404,11 @@
 </file>
 
 <file path=ppt/notesSlides/notesSlide15.xml><?xml version="1.0" encoding="utf-8"?>
-<p:notes xmlns:a="http://schemas.openxmlformats.org/drawingml/2006/main" xmlns:r="http://schemas.openxmlformats.org/officeDocument/2006/relationships" xmlns:mc="http://schemas.openxmlformats.org/markup-compatibility/2006" xmlns:mv="urn:schemas-microsoft-com:mac:vml" xmlns:p="http://schemas.openxmlformats.org/presentationml/2006/main" xmlns:c="http://schemas.openxmlformats.org/drawingml/2006/chart" xmlns:dgm="http://schemas.openxmlformats.org/drawingml/2006/diagram" xmlns:o="urn:schemas-microsoft-com:office:office" xmlns:v="urn:schemas-microsoft-com:vml" xmlns:pvml="urn:schemas-microsoft-com:office:powerpoint" xmlns:com="http://schemas.openxmlformats.org/drawingml/2006/compatibility" xmlns:p14="http://schemas.microsoft.com/office/powerpoint/2010/main" xmlns:p15="http://schemas.microsoft.com/office/powerpoint/2012/main" showMasterPhAnim="0" showMasterSp="0">
+<p:notes xmlns:a="http://schemas.openxmlformats.org/drawingml/2006/main" xmlns:r="http://schemas.openxmlformats.org/officeDocument/2006/relationships" xmlns:p="http://schemas.openxmlformats.org/presentationml/2006/main" showMasterSp="0" showMasterPhAnim="0">
   <p:cSld>
     <p:spTree>
       <p:nvGrpSpPr>
-        <p:cNvPr id="148" name="Shape 148"/>
+        <p:cNvPr id="1" name="Shape 148"/>
         <p:cNvGrpSpPr/>
         <p:nvPr/>
       </p:nvGrpSpPr>
@@ -1266,19 +1423,26 @@
       <p:sp>
         <p:nvSpPr>
           <p:cNvPr id="149" name="Shape 149"/>
-          <p:cNvSpPr/>
-          <p:nvPr>
-            <p:ph idx="2" type="sldImg"/>
-          </p:nvPr>
-        </p:nvSpPr>
-        <p:spPr>
-          <a:xfrm>
-            <a:off x="1143300" y="685800"/>
+          <p:cNvSpPr>
+            <a:spLocks noGrp="1" noRot="1" noChangeAspect="1"/>
+          </p:cNvSpPr>
+          <p:nvPr>
+            <p:ph type="sldImg" idx="2"/>
+          </p:nvPr>
+        </p:nvSpPr>
+        <p:spPr>
+          <a:xfrm>
+            <a:off x="1143000" y="685800"/>
             <a:ext cx="4572000" cy="3429000"/>
           </a:xfrm>
           <a:custGeom>
+            <a:avLst/>
+            <a:gdLst/>
+            <a:ahLst/>
+            <a:cxnLst/>
+            <a:rect l="0" t="0" r="0" b="0"/>
             <a:pathLst>
-              <a:path extrusionOk="0" h="120000" w="120000">
+              <a:path w="120000" h="120000" extrusionOk="0">
                 <a:moveTo>
                   <a:pt x="0" y="0"/>
                 </a:moveTo>
@@ -1300,9 +1464,11 @@
       <p:sp>
         <p:nvSpPr>
           <p:cNvPr id="150" name="Shape 150"/>
-          <p:cNvSpPr txBox="1"/>
-          <p:nvPr>
-            <p:ph idx="1" type="body"/>
+          <p:cNvSpPr txBox="1">
+            <a:spLocks noGrp="1"/>
+          </p:cNvSpPr>
+          <p:nvPr>
+            <p:ph type="body" idx="1"/>
           </p:nvPr>
         </p:nvSpPr>
         <p:spPr>
@@ -1315,7 +1481,7 @@
           </a:prstGeom>
         </p:spPr>
         <p:txBody>
-          <a:bodyPr anchorCtr="0" anchor="t" bIns="91425" lIns="91425" rIns="91425" wrap="square" tIns="91425">
+          <a:bodyPr wrap="square" lIns="91425" tIns="91425" rIns="91425" bIns="91425" anchor="t" anchorCtr="0">
             <a:noAutofit/>
           </a:bodyPr>
           <a:lstStyle/>
@@ -1351,11 +1517,11 @@
 </file>
 
 <file path=ppt/notesSlides/notesSlide16.xml><?xml version="1.0" encoding="utf-8"?>
-<p:notes xmlns:a="http://schemas.openxmlformats.org/drawingml/2006/main" xmlns:r="http://schemas.openxmlformats.org/officeDocument/2006/relationships" xmlns:mc="http://schemas.openxmlformats.org/markup-compatibility/2006" xmlns:mv="urn:schemas-microsoft-com:mac:vml" xmlns:p="http://schemas.openxmlformats.org/presentationml/2006/main" xmlns:c="http://schemas.openxmlformats.org/drawingml/2006/chart" xmlns:dgm="http://schemas.openxmlformats.org/drawingml/2006/diagram" xmlns:o="urn:schemas-microsoft-com:office:office" xmlns:v="urn:schemas-microsoft-com:vml" xmlns:pvml="urn:schemas-microsoft-com:office:powerpoint" xmlns:com="http://schemas.openxmlformats.org/drawingml/2006/compatibility" xmlns:p14="http://schemas.microsoft.com/office/powerpoint/2010/main" xmlns:p15="http://schemas.microsoft.com/office/powerpoint/2012/main" showMasterPhAnim="0" showMasterSp="0">
+<p:notes xmlns:a="http://schemas.openxmlformats.org/drawingml/2006/main" xmlns:r="http://schemas.openxmlformats.org/officeDocument/2006/relationships" xmlns:p="http://schemas.openxmlformats.org/presentationml/2006/main" showMasterSp="0" showMasterPhAnim="0">
   <p:cSld>
     <p:spTree>
       <p:nvGrpSpPr>
-        <p:cNvPr id="156" name="Shape 156"/>
+        <p:cNvPr id="1" name="Shape 156"/>
         <p:cNvGrpSpPr/>
         <p:nvPr/>
       </p:nvGrpSpPr>
@@ -1370,19 +1536,26 @@
       <p:sp>
         <p:nvSpPr>
           <p:cNvPr id="157" name="Shape 157"/>
-          <p:cNvSpPr/>
-          <p:nvPr>
-            <p:ph idx="2" type="sldImg"/>
-          </p:nvPr>
-        </p:nvSpPr>
-        <p:spPr>
-          <a:xfrm>
-            <a:off x="1143300" y="685800"/>
+          <p:cNvSpPr>
+            <a:spLocks noGrp="1" noRot="1" noChangeAspect="1"/>
+          </p:cNvSpPr>
+          <p:nvPr>
+            <p:ph type="sldImg" idx="2"/>
+          </p:nvPr>
+        </p:nvSpPr>
+        <p:spPr>
+          <a:xfrm>
+            <a:off x="1143000" y="685800"/>
             <a:ext cx="4572000" cy="3429000"/>
           </a:xfrm>
           <a:custGeom>
+            <a:avLst/>
+            <a:gdLst/>
+            <a:ahLst/>
+            <a:cxnLst/>
+            <a:rect l="0" t="0" r="0" b="0"/>
             <a:pathLst>
-              <a:path extrusionOk="0" h="120000" w="120000">
+              <a:path w="120000" h="120000" extrusionOk="0">
                 <a:moveTo>
                   <a:pt x="0" y="0"/>
                 </a:moveTo>
@@ -1404,9 +1577,11 @@
       <p:sp>
         <p:nvSpPr>
           <p:cNvPr id="158" name="Shape 158"/>
-          <p:cNvSpPr txBox="1"/>
-          <p:nvPr>
-            <p:ph idx="1" type="body"/>
+          <p:cNvSpPr txBox="1">
+            <a:spLocks noGrp="1"/>
+          </p:cNvSpPr>
+          <p:nvPr>
+            <p:ph type="body" idx="1"/>
           </p:nvPr>
         </p:nvSpPr>
         <p:spPr>
@@ -1419,7 +1594,7 @@
           </a:prstGeom>
         </p:spPr>
         <p:txBody>
-          <a:bodyPr anchorCtr="0" anchor="t" bIns="91425" lIns="91425" rIns="91425" wrap="square" tIns="91425">
+          <a:bodyPr wrap="square" lIns="91425" tIns="91425" rIns="91425" bIns="91425" anchor="t" anchorCtr="0">
             <a:noAutofit/>
           </a:bodyPr>
           <a:lstStyle/>
@@ -1455,11 +1630,11 @@
 </file>
 
 <file path=ppt/notesSlides/notesSlide17.xml><?xml version="1.0" encoding="utf-8"?>
-<p:notes xmlns:a="http://schemas.openxmlformats.org/drawingml/2006/main" xmlns:r="http://schemas.openxmlformats.org/officeDocument/2006/relationships" xmlns:mc="http://schemas.openxmlformats.org/markup-compatibility/2006" xmlns:mv="urn:schemas-microsoft-com:mac:vml" xmlns:p="http://schemas.openxmlformats.org/presentationml/2006/main" xmlns:c="http://schemas.openxmlformats.org/drawingml/2006/chart" xmlns:dgm="http://schemas.openxmlformats.org/drawingml/2006/diagram" xmlns:o="urn:schemas-microsoft-com:office:office" xmlns:v="urn:schemas-microsoft-com:vml" xmlns:pvml="urn:schemas-microsoft-com:office:powerpoint" xmlns:com="http://schemas.openxmlformats.org/drawingml/2006/compatibility" xmlns:p14="http://schemas.microsoft.com/office/powerpoint/2010/main" xmlns:p15="http://schemas.microsoft.com/office/powerpoint/2012/main" showMasterPhAnim="0" showMasterSp="0">
+<p:notes xmlns:a="http://schemas.openxmlformats.org/drawingml/2006/main" xmlns:r="http://schemas.openxmlformats.org/officeDocument/2006/relationships" xmlns:p="http://schemas.openxmlformats.org/presentationml/2006/main" showMasterSp="0" showMasterPhAnim="0">
   <p:cSld>
     <p:spTree>
       <p:nvGrpSpPr>
-        <p:cNvPr id="164" name="Shape 164"/>
+        <p:cNvPr id="1" name="Shape 164"/>
         <p:cNvGrpSpPr/>
         <p:nvPr/>
       </p:nvGrpSpPr>
@@ -1474,19 +1649,26 @@
       <p:sp>
         <p:nvSpPr>
           <p:cNvPr id="165" name="Shape 165"/>
-          <p:cNvSpPr/>
-          <p:nvPr>
-            <p:ph idx="2" type="sldImg"/>
-          </p:nvPr>
-        </p:nvSpPr>
-        <p:spPr>
-          <a:xfrm>
-            <a:off x="1143300" y="685800"/>
+          <p:cNvSpPr>
+            <a:spLocks noGrp="1" noRot="1" noChangeAspect="1"/>
+          </p:cNvSpPr>
+          <p:nvPr>
+            <p:ph type="sldImg" idx="2"/>
+          </p:nvPr>
+        </p:nvSpPr>
+        <p:spPr>
+          <a:xfrm>
+            <a:off x="1143000" y="685800"/>
             <a:ext cx="4572000" cy="3429000"/>
           </a:xfrm>
           <a:custGeom>
+            <a:avLst/>
+            <a:gdLst/>
+            <a:ahLst/>
+            <a:cxnLst/>
+            <a:rect l="0" t="0" r="0" b="0"/>
             <a:pathLst>
-              <a:path extrusionOk="0" h="120000" w="120000">
+              <a:path w="120000" h="120000" extrusionOk="0">
                 <a:moveTo>
                   <a:pt x="0" y="0"/>
                 </a:moveTo>
@@ -1508,9 +1690,11 @@
       <p:sp>
         <p:nvSpPr>
           <p:cNvPr id="166" name="Shape 166"/>
-          <p:cNvSpPr txBox="1"/>
-          <p:nvPr>
-            <p:ph idx="1" type="body"/>
+          <p:cNvSpPr txBox="1">
+            <a:spLocks noGrp="1"/>
+          </p:cNvSpPr>
+          <p:nvPr>
+            <p:ph type="body" idx="1"/>
           </p:nvPr>
         </p:nvSpPr>
         <p:spPr>
@@ -1523,12 +1707,12 @@
           </a:prstGeom>
         </p:spPr>
         <p:txBody>
-          <a:bodyPr anchorCtr="0" anchor="t" bIns="91425" lIns="91425" rIns="91425" wrap="square" tIns="91425">
+          <a:bodyPr wrap="square" lIns="91425" tIns="91425" rIns="91425" bIns="91425" anchor="t" anchorCtr="0">
             <a:noAutofit/>
           </a:bodyPr>
           <a:lstStyle/>
           <a:p>
-            <a:pPr lvl="0" marR="0" rtl="0" algn="l">
+            <a:pPr marR="0" lvl="0" algn="l" rtl="0">
               <a:lnSpc>
                 <a:spcPct val="115000"/>
               </a:lnSpc>
@@ -1540,9 +1724,6 @@
               </a:spcAft>
               <a:buNone/>
             </a:pPr>
-            <a:r>
-              <a:t/>
-            </a:r>
             <a:endParaRPr sz="1800">
               <a:solidFill>
                 <a:schemeClr val="dk1"/>
@@ -1565,9 +1746,6 @@
               <a:buFont typeface="Arial"/>
               <a:buNone/>
             </a:pPr>
-            <a:r>
-              <a:t/>
-            </a:r>
             <a:endParaRPr>
               <a:solidFill>
                 <a:schemeClr val="dk1"/>
@@ -1585,11 +1763,11 @@
 </file>
 
 <file path=ppt/notesSlides/notesSlide18.xml><?xml version="1.0" encoding="utf-8"?>
-<p:notes xmlns:a="http://schemas.openxmlformats.org/drawingml/2006/main" xmlns:r="http://schemas.openxmlformats.org/officeDocument/2006/relationships" xmlns:mc="http://schemas.openxmlformats.org/markup-compatibility/2006" xmlns:mv="urn:schemas-microsoft-com:mac:vml" xmlns:p="http://schemas.openxmlformats.org/presentationml/2006/main" xmlns:c="http://schemas.openxmlformats.org/drawingml/2006/chart" xmlns:dgm="http://schemas.openxmlformats.org/drawingml/2006/diagram" xmlns:o="urn:schemas-microsoft-com:office:office" xmlns:v="urn:schemas-microsoft-com:vml" xmlns:pvml="urn:schemas-microsoft-com:office:powerpoint" xmlns:com="http://schemas.openxmlformats.org/drawingml/2006/compatibility" xmlns:p14="http://schemas.microsoft.com/office/powerpoint/2010/main" xmlns:p15="http://schemas.microsoft.com/office/powerpoint/2012/main" showMasterPhAnim="0" showMasterSp="0">
+<p:notes xmlns:a="http://schemas.openxmlformats.org/drawingml/2006/main" xmlns:r="http://schemas.openxmlformats.org/officeDocument/2006/relationships" xmlns:p="http://schemas.openxmlformats.org/presentationml/2006/main" showMasterSp="0" showMasterPhAnim="0">
   <p:cSld>
     <p:spTree>
       <p:nvGrpSpPr>
-        <p:cNvPr id="172" name="Shape 172"/>
+        <p:cNvPr id="1" name="Shape 172"/>
         <p:cNvGrpSpPr/>
         <p:nvPr/>
       </p:nvGrpSpPr>
@@ -1604,19 +1782,26 @@
       <p:sp>
         <p:nvSpPr>
           <p:cNvPr id="173" name="Shape 173"/>
-          <p:cNvSpPr/>
-          <p:nvPr>
-            <p:ph idx="2" type="sldImg"/>
-          </p:nvPr>
-        </p:nvSpPr>
-        <p:spPr>
-          <a:xfrm>
-            <a:off x="1143300" y="685800"/>
+          <p:cNvSpPr>
+            <a:spLocks noGrp="1" noRot="1" noChangeAspect="1"/>
+          </p:cNvSpPr>
+          <p:nvPr>
+            <p:ph type="sldImg" idx="2"/>
+          </p:nvPr>
+        </p:nvSpPr>
+        <p:spPr>
+          <a:xfrm>
+            <a:off x="1143000" y="685800"/>
             <a:ext cx="4572000" cy="3429000"/>
           </a:xfrm>
           <a:custGeom>
+            <a:avLst/>
+            <a:gdLst/>
+            <a:ahLst/>
+            <a:cxnLst/>
+            <a:rect l="0" t="0" r="0" b="0"/>
             <a:pathLst>
-              <a:path extrusionOk="0" h="120000" w="120000">
+              <a:path w="120000" h="120000" extrusionOk="0">
                 <a:moveTo>
                   <a:pt x="0" y="0"/>
                 </a:moveTo>
@@ -1638,9 +1823,11 @@
       <p:sp>
         <p:nvSpPr>
           <p:cNvPr id="174" name="Shape 174"/>
-          <p:cNvSpPr txBox="1"/>
-          <p:nvPr>
-            <p:ph idx="1" type="body"/>
+          <p:cNvSpPr txBox="1">
+            <a:spLocks noGrp="1"/>
+          </p:cNvSpPr>
+          <p:nvPr>
+            <p:ph type="body" idx="1"/>
           </p:nvPr>
         </p:nvSpPr>
         <p:spPr>
@@ -1653,7 +1840,7 @@
           </a:prstGeom>
         </p:spPr>
         <p:txBody>
-          <a:bodyPr anchorCtr="0" anchor="t" bIns="91425" lIns="91425" rIns="91425" wrap="square" tIns="91425">
+          <a:bodyPr wrap="square" lIns="91425" tIns="91425" rIns="91425" bIns="91425" anchor="t" anchorCtr="0">
             <a:noAutofit/>
           </a:bodyPr>
           <a:lstStyle/>
@@ -1689,11 +1876,11 @@
 </file>
 
 <file path=ppt/notesSlides/notesSlide19.xml><?xml version="1.0" encoding="utf-8"?>
-<p:notes xmlns:a="http://schemas.openxmlformats.org/drawingml/2006/main" xmlns:r="http://schemas.openxmlformats.org/officeDocument/2006/relationships" xmlns:mc="http://schemas.openxmlformats.org/markup-compatibility/2006" xmlns:mv="urn:schemas-microsoft-com:mac:vml" xmlns:p="http://schemas.openxmlformats.org/presentationml/2006/main" xmlns:c="http://schemas.openxmlformats.org/drawingml/2006/chart" xmlns:dgm="http://schemas.openxmlformats.org/drawingml/2006/diagram" xmlns:o="urn:schemas-microsoft-com:office:office" xmlns:v="urn:schemas-microsoft-com:vml" xmlns:pvml="urn:schemas-microsoft-com:office:powerpoint" xmlns:com="http://schemas.openxmlformats.org/drawingml/2006/compatibility" xmlns:p14="http://schemas.microsoft.com/office/powerpoint/2010/main" xmlns:p15="http://schemas.microsoft.com/office/powerpoint/2012/main" showMasterPhAnim="0" showMasterSp="0">
+<p:notes xmlns:a="http://schemas.openxmlformats.org/drawingml/2006/main" xmlns:r="http://schemas.openxmlformats.org/officeDocument/2006/relationships" xmlns:p="http://schemas.openxmlformats.org/presentationml/2006/main" showMasterSp="0" showMasterPhAnim="0">
   <p:cSld>
     <p:spTree>
       <p:nvGrpSpPr>
-        <p:cNvPr id="180" name="Shape 180"/>
+        <p:cNvPr id="1" name="Shape 180"/>
         <p:cNvGrpSpPr/>
         <p:nvPr/>
       </p:nvGrpSpPr>
@@ -1708,19 +1895,26 @@
       <p:sp>
         <p:nvSpPr>
           <p:cNvPr id="181" name="Shape 181"/>
-          <p:cNvSpPr/>
-          <p:nvPr>
-            <p:ph idx="2" type="sldImg"/>
-          </p:nvPr>
-        </p:nvSpPr>
-        <p:spPr>
-          <a:xfrm>
-            <a:off x="1143300" y="685800"/>
+          <p:cNvSpPr>
+            <a:spLocks noGrp="1" noRot="1" noChangeAspect="1"/>
+          </p:cNvSpPr>
+          <p:nvPr>
+            <p:ph type="sldImg" idx="2"/>
+          </p:nvPr>
+        </p:nvSpPr>
+        <p:spPr>
+          <a:xfrm>
+            <a:off x="1143000" y="685800"/>
             <a:ext cx="4572000" cy="3429000"/>
           </a:xfrm>
           <a:custGeom>
+            <a:avLst/>
+            <a:gdLst/>
+            <a:ahLst/>
+            <a:cxnLst/>
+            <a:rect l="0" t="0" r="0" b="0"/>
             <a:pathLst>
-              <a:path extrusionOk="0" h="120000" w="120000">
+              <a:path w="120000" h="120000" extrusionOk="0">
                 <a:moveTo>
                   <a:pt x="0" y="0"/>
                 </a:moveTo>
@@ -1742,9 +1936,11 @@
       <p:sp>
         <p:nvSpPr>
           <p:cNvPr id="182" name="Shape 182"/>
-          <p:cNvSpPr txBox="1"/>
-          <p:nvPr>
-            <p:ph idx="1" type="body"/>
+          <p:cNvSpPr txBox="1">
+            <a:spLocks noGrp="1"/>
+          </p:cNvSpPr>
+          <p:nvPr>
+            <p:ph type="body" idx="1"/>
           </p:nvPr>
         </p:nvSpPr>
         <p:spPr>
@@ -1757,7 +1953,7 @@
           </a:prstGeom>
         </p:spPr>
         <p:txBody>
-          <a:bodyPr anchorCtr="0" anchor="t" bIns="91425" lIns="91425" rIns="91425" wrap="square" tIns="91425">
+          <a:bodyPr wrap="square" lIns="91425" tIns="91425" rIns="91425" bIns="91425" anchor="t" anchorCtr="0">
             <a:noAutofit/>
           </a:bodyPr>
           <a:lstStyle/>
@@ -1793,11 +1989,11 @@
 </file>
 
 <file path=ppt/notesSlides/notesSlide2.xml><?xml version="1.0" encoding="utf-8"?>
-<p:notes xmlns:a="http://schemas.openxmlformats.org/drawingml/2006/main" xmlns:r="http://schemas.openxmlformats.org/officeDocument/2006/relationships" xmlns:mc="http://schemas.openxmlformats.org/markup-compatibility/2006" xmlns:mv="urn:schemas-microsoft-com:mac:vml" xmlns:p="http://schemas.openxmlformats.org/presentationml/2006/main" xmlns:c="http://schemas.openxmlformats.org/drawingml/2006/chart" xmlns:dgm="http://schemas.openxmlformats.org/drawingml/2006/diagram" xmlns:o="urn:schemas-microsoft-com:office:office" xmlns:v="urn:schemas-microsoft-com:vml" xmlns:pvml="urn:schemas-microsoft-com:office:powerpoint" xmlns:com="http://schemas.openxmlformats.org/drawingml/2006/compatibility" xmlns:p14="http://schemas.microsoft.com/office/powerpoint/2010/main" xmlns:p15="http://schemas.microsoft.com/office/powerpoint/2012/main" showMasterPhAnim="0" showMasterSp="0">
+<p:notes xmlns:a="http://schemas.openxmlformats.org/drawingml/2006/main" xmlns:r="http://schemas.openxmlformats.org/officeDocument/2006/relationships" xmlns:p="http://schemas.openxmlformats.org/presentationml/2006/main" showMasterSp="0" showMasterPhAnim="0">
   <p:cSld>
     <p:spTree>
       <p:nvGrpSpPr>
-        <p:cNvPr id="62" name="Shape 62"/>
+        <p:cNvPr id="1" name="Shape 62"/>
         <p:cNvGrpSpPr/>
         <p:nvPr/>
       </p:nvGrpSpPr>
@@ -1812,19 +2008,26 @@
       <p:sp>
         <p:nvSpPr>
           <p:cNvPr id="63" name="Shape 63"/>
-          <p:cNvSpPr/>
-          <p:nvPr>
-            <p:ph idx="2" type="sldImg"/>
-          </p:nvPr>
-        </p:nvSpPr>
-        <p:spPr>
-          <a:xfrm>
-            <a:off x="1143300" y="685800"/>
+          <p:cNvSpPr>
+            <a:spLocks noGrp="1" noRot="1" noChangeAspect="1"/>
+          </p:cNvSpPr>
+          <p:nvPr>
+            <p:ph type="sldImg" idx="2"/>
+          </p:nvPr>
+        </p:nvSpPr>
+        <p:spPr>
+          <a:xfrm>
+            <a:off x="1143000" y="685800"/>
             <a:ext cx="4572000" cy="3429000"/>
           </a:xfrm>
           <a:custGeom>
+            <a:avLst/>
+            <a:gdLst/>
+            <a:ahLst/>
+            <a:cxnLst/>
+            <a:rect l="0" t="0" r="0" b="0"/>
             <a:pathLst>
-              <a:path extrusionOk="0" h="120000" w="120000">
+              <a:path w="120000" h="120000" extrusionOk="0">
                 <a:moveTo>
                   <a:pt x="0" y="0"/>
                 </a:moveTo>
@@ -1846,9 +2049,11 @@
       <p:sp>
         <p:nvSpPr>
           <p:cNvPr id="64" name="Shape 64"/>
-          <p:cNvSpPr txBox="1"/>
-          <p:nvPr>
-            <p:ph idx="1" type="body"/>
+          <p:cNvSpPr txBox="1">
+            <a:spLocks noGrp="1"/>
+          </p:cNvSpPr>
+          <p:nvPr>
+            <p:ph type="body" idx="1"/>
           </p:nvPr>
         </p:nvSpPr>
         <p:spPr>
@@ -1861,7 +2066,7 @@
           </a:prstGeom>
         </p:spPr>
         <p:txBody>
-          <a:bodyPr anchorCtr="0" anchor="t" bIns="91425" lIns="91425" rIns="91425" wrap="square" tIns="91425">
+          <a:bodyPr wrap="square" lIns="91425" tIns="91425" rIns="91425" bIns="91425" anchor="t" anchorCtr="0">
             <a:noAutofit/>
           </a:bodyPr>
           <a:lstStyle/>
@@ -1872,9 +2077,6 @@
               </a:spcBef>
               <a:buNone/>
             </a:pPr>
-            <a:r>
-              <a:t/>
-            </a:r>
             <a:endParaRPr/>
           </a:p>
         </p:txBody>
@@ -1888,11 +2090,11 @@
 </file>
 
 <file path=ppt/notesSlides/notesSlide20.xml><?xml version="1.0" encoding="utf-8"?>
-<p:notes xmlns:a="http://schemas.openxmlformats.org/drawingml/2006/main" xmlns:r="http://schemas.openxmlformats.org/officeDocument/2006/relationships" xmlns:mc="http://schemas.openxmlformats.org/markup-compatibility/2006" xmlns:mv="urn:schemas-microsoft-com:mac:vml" xmlns:p="http://schemas.openxmlformats.org/presentationml/2006/main" xmlns:c="http://schemas.openxmlformats.org/drawingml/2006/chart" xmlns:dgm="http://schemas.openxmlformats.org/drawingml/2006/diagram" xmlns:o="urn:schemas-microsoft-com:office:office" xmlns:v="urn:schemas-microsoft-com:vml" xmlns:pvml="urn:schemas-microsoft-com:office:powerpoint" xmlns:com="http://schemas.openxmlformats.org/drawingml/2006/compatibility" xmlns:p14="http://schemas.microsoft.com/office/powerpoint/2010/main" xmlns:p15="http://schemas.microsoft.com/office/powerpoint/2012/main" showMasterPhAnim="0" showMasterSp="0">
+<p:notes xmlns:a="http://schemas.openxmlformats.org/drawingml/2006/main" xmlns:r="http://schemas.openxmlformats.org/officeDocument/2006/relationships" xmlns:p="http://schemas.openxmlformats.org/presentationml/2006/main" showMasterSp="0" showMasterPhAnim="0">
   <p:cSld>
     <p:spTree>
       <p:nvGrpSpPr>
-        <p:cNvPr id="188" name="Shape 188"/>
+        <p:cNvPr id="1" name="Shape 188"/>
         <p:cNvGrpSpPr/>
         <p:nvPr/>
       </p:nvGrpSpPr>
@@ -1907,19 +2109,26 @@
       <p:sp>
         <p:nvSpPr>
           <p:cNvPr id="189" name="Shape 189"/>
-          <p:cNvSpPr/>
-          <p:nvPr>
-            <p:ph idx="2" type="sldImg"/>
-          </p:nvPr>
-        </p:nvSpPr>
-        <p:spPr>
-          <a:xfrm>
-            <a:off x="1143300" y="685800"/>
+          <p:cNvSpPr>
+            <a:spLocks noGrp="1" noRot="1" noChangeAspect="1"/>
+          </p:cNvSpPr>
+          <p:nvPr>
+            <p:ph type="sldImg" idx="2"/>
+          </p:nvPr>
+        </p:nvSpPr>
+        <p:spPr>
+          <a:xfrm>
+            <a:off x="1143000" y="685800"/>
             <a:ext cx="4572000" cy="3429000"/>
           </a:xfrm>
           <a:custGeom>
+            <a:avLst/>
+            <a:gdLst/>
+            <a:ahLst/>
+            <a:cxnLst/>
+            <a:rect l="0" t="0" r="0" b="0"/>
             <a:pathLst>
-              <a:path extrusionOk="0" h="120000" w="120000">
+              <a:path w="120000" h="120000" extrusionOk="0">
                 <a:moveTo>
                   <a:pt x="0" y="0"/>
                 </a:moveTo>
@@ -1941,9 +2150,11 @@
       <p:sp>
         <p:nvSpPr>
           <p:cNvPr id="190" name="Shape 190"/>
-          <p:cNvSpPr txBox="1"/>
-          <p:nvPr>
-            <p:ph idx="1" type="body"/>
+          <p:cNvSpPr txBox="1">
+            <a:spLocks noGrp="1"/>
+          </p:cNvSpPr>
+          <p:nvPr>
+            <p:ph type="body" idx="1"/>
           </p:nvPr>
         </p:nvSpPr>
         <p:spPr>
@@ -1956,7 +2167,7 @@
           </a:prstGeom>
         </p:spPr>
         <p:txBody>
-          <a:bodyPr anchorCtr="0" anchor="t" bIns="91425" lIns="91425" rIns="91425" wrap="square" tIns="91425">
+          <a:bodyPr wrap="square" lIns="91425" tIns="91425" rIns="91425" bIns="91425" anchor="t" anchorCtr="0">
             <a:noAutofit/>
           </a:bodyPr>
           <a:lstStyle/>
@@ -1979,9 +2190,6 @@
               </a:spcBef>
               <a:buNone/>
             </a:pPr>
-            <a:r>
-              <a:t/>
-            </a:r>
             <a:endParaRPr/>
           </a:p>
         </p:txBody>
@@ -1995,11 +2203,11 @@
 </file>
 
 <file path=ppt/notesSlides/notesSlide21.xml><?xml version="1.0" encoding="utf-8"?>
-<p:notes xmlns:a="http://schemas.openxmlformats.org/drawingml/2006/main" xmlns:r="http://schemas.openxmlformats.org/officeDocument/2006/relationships" xmlns:mc="http://schemas.openxmlformats.org/markup-compatibility/2006" xmlns:mv="urn:schemas-microsoft-com:mac:vml" xmlns:p="http://schemas.openxmlformats.org/presentationml/2006/main" xmlns:c="http://schemas.openxmlformats.org/drawingml/2006/chart" xmlns:dgm="http://schemas.openxmlformats.org/drawingml/2006/diagram" xmlns:o="urn:schemas-microsoft-com:office:office" xmlns:v="urn:schemas-microsoft-com:vml" xmlns:pvml="urn:schemas-microsoft-com:office:powerpoint" xmlns:com="http://schemas.openxmlformats.org/drawingml/2006/compatibility" xmlns:p14="http://schemas.microsoft.com/office/powerpoint/2010/main" xmlns:p15="http://schemas.microsoft.com/office/powerpoint/2012/main" showMasterPhAnim="0" showMasterSp="0">
+<p:notes xmlns:a="http://schemas.openxmlformats.org/drawingml/2006/main" xmlns:r="http://schemas.openxmlformats.org/officeDocument/2006/relationships" xmlns:p="http://schemas.openxmlformats.org/presentationml/2006/main" showMasterSp="0" showMasterPhAnim="0">
   <p:cSld>
     <p:spTree>
       <p:nvGrpSpPr>
-        <p:cNvPr id="196" name="Shape 196"/>
+        <p:cNvPr id="1" name="Shape 196"/>
         <p:cNvGrpSpPr/>
         <p:nvPr/>
       </p:nvGrpSpPr>
@@ -2014,19 +2222,26 @@
       <p:sp>
         <p:nvSpPr>
           <p:cNvPr id="197" name="Shape 197"/>
-          <p:cNvSpPr/>
-          <p:nvPr>
-            <p:ph idx="2" type="sldImg"/>
-          </p:nvPr>
-        </p:nvSpPr>
-        <p:spPr>
-          <a:xfrm>
-            <a:off x="1143300" y="685800"/>
+          <p:cNvSpPr>
+            <a:spLocks noGrp="1" noRot="1" noChangeAspect="1"/>
+          </p:cNvSpPr>
+          <p:nvPr>
+            <p:ph type="sldImg" idx="2"/>
+          </p:nvPr>
+        </p:nvSpPr>
+        <p:spPr>
+          <a:xfrm>
+            <a:off x="1143000" y="685800"/>
             <a:ext cx="4572000" cy="3429000"/>
           </a:xfrm>
           <a:custGeom>
+            <a:avLst/>
+            <a:gdLst/>
+            <a:ahLst/>
+            <a:cxnLst/>
+            <a:rect l="0" t="0" r="0" b="0"/>
             <a:pathLst>
-              <a:path extrusionOk="0" h="120000" w="120000">
+              <a:path w="120000" h="120000" extrusionOk="0">
                 <a:moveTo>
                   <a:pt x="0" y="0"/>
                 </a:moveTo>
@@ -2048,9 +2263,11 @@
       <p:sp>
         <p:nvSpPr>
           <p:cNvPr id="198" name="Shape 198"/>
-          <p:cNvSpPr txBox="1"/>
-          <p:nvPr>
-            <p:ph idx="1" type="body"/>
+          <p:cNvSpPr txBox="1">
+            <a:spLocks noGrp="1"/>
+          </p:cNvSpPr>
+          <p:nvPr>
+            <p:ph type="body" idx="1"/>
           </p:nvPr>
         </p:nvSpPr>
         <p:spPr>
@@ -2063,7 +2280,7 @@
           </a:prstGeom>
         </p:spPr>
         <p:txBody>
-          <a:bodyPr anchorCtr="0" anchor="t" bIns="91425" lIns="91425" rIns="91425" wrap="square" tIns="91425">
+          <a:bodyPr wrap="square" lIns="91425" tIns="91425" rIns="91425" bIns="91425" anchor="t" anchorCtr="0">
             <a:noAutofit/>
           </a:bodyPr>
           <a:lstStyle/>
@@ -2099,11 +2316,11 @@
 </file>
 
 <file path=ppt/notesSlides/notesSlide22.xml><?xml version="1.0" encoding="utf-8"?>
-<p:notes xmlns:a="http://schemas.openxmlformats.org/drawingml/2006/main" xmlns:r="http://schemas.openxmlformats.org/officeDocument/2006/relationships" xmlns:mc="http://schemas.openxmlformats.org/markup-compatibility/2006" xmlns:mv="urn:schemas-microsoft-com:mac:vml" xmlns:p="http://schemas.openxmlformats.org/presentationml/2006/main" xmlns:c="http://schemas.openxmlformats.org/drawingml/2006/chart" xmlns:dgm="http://schemas.openxmlformats.org/drawingml/2006/diagram" xmlns:o="urn:schemas-microsoft-com:office:office" xmlns:v="urn:schemas-microsoft-com:vml" xmlns:pvml="urn:schemas-microsoft-com:office:powerpoint" xmlns:com="http://schemas.openxmlformats.org/drawingml/2006/compatibility" xmlns:p14="http://schemas.microsoft.com/office/powerpoint/2010/main" xmlns:p15="http://schemas.microsoft.com/office/powerpoint/2012/main" showMasterPhAnim="0" showMasterSp="0">
+<p:notes xmlns:a="http://schemas.openxmlformats.org/drawingml/2006/main" xmlns:r="http://schemas.openxmlformats.org/officeDocument/2006/relationships" xmlns:p="http://schemas.openxmlformats.org/presentationml/2006/main" showMasterSp="0" showMasterPhAnim="0">
   <p:cSld>
     <p:spTree>
       <p:nvGrpSpPr>
-        <p:cNvPr id="204" name="Shape 204"/>
+        <p:cNvPr id="1" name="Shape 204"/>
         <p:cNvGrpSpPr/>
         <p:nvPr/>
       </p:nvGrpSpPr>
@@ -2118,19 +2335,26 @@
       <p:sp>
         <p:nvSpPr>
           <p:cNvPr id="205" name="Shape 205"/>
-          <p:cNvSpPr/>
-          <p:nvPr>
-            <p:ph idx="2" type="sldImg"/>
-          </p:nvPr>
-        </p:nvSpPr>
-        <p:spPr>
-          <a:xfrm>
-            <a:off x="1143300" y="685800"/>
+          <p:cNvSpPr>
+            <a:spLocks noGrp="1" noRot="1" noChangeAspect="1"/>
+          </p:cNvSpPr>
+          <p:nvPr>
+            <p:ph type="sldImg" idx="2"/>
+          </p:nvPr>
+        </p:nvSpPr>
+        <p:spPr>
+          <a:xfrm>
+            <a:off x="1143000" y="685800"/>
             <a:ext cx="4572000" cy="3429000"/>
           </a:xfrm>
           <a:custGeom>
+            <a:avLst/>
+            <a:gdLst/>
+            <a:ahLst/>
+            <a:cxnLst/>
+            <a:rect l="0" t="0" r="0" b="0"/>
             <a:pathLst>
-              <a:path extrusionOk="0" h="120000" w="120000">
+              <a:path w="120000" h="120000" extrusionOk="0">
                 <a:moveTo>
                   <a:pt x="0" y="0"/>
                 </a:moveTo>
@@ -2152,9 +2376,11 @@
       <p:sp>
         <p:nvSpPr>
           <p:cNvPr id="206" name="Shape 206"/>
-          <p:cNvSpPr txBox="1"/>
-          <p:nvPr>
-            <p:ph idx="1" type="body"/>
+          <p:cNvSpPr txBox="1">
+            <a:spLocks noGrp="1"/>
+          </p:cNvSpPr>
+          <p:nvPr>
+            <p:ph type="body" idx="1"/>
           </p:nvPr>
         </p:nvSpPr>
         <p:spPr>
@@ -2167,7 +2393,7 @@
           </a:prstGeom>
         </p:spPr>
         <p:txBody>
-          <a:bodyPr anchorCtr="0" anchor="t" bIns="91425" lIns="91425" rIns="91425" wrap="square" tIns="91425">
+          <a:bodyPr wrap="square" lIns="91425" tIns="91425" rIns="91425" bIns="91425" anchor="t" anchorCtr="0">
             <a:noAutofit/>
           </a:bodyPr>
           <a:lstStyle/>
@@ -2203,11 +2429,11 @@
 </file>
 
 <file path=ppt/notesSlides/notesSlide23.xml><?xml version="1.0" encoding="utf-8"?>
-<p:notes xmlns:a="http://schemas.openxmlformats.org/drawingml/2006/main" xmlns:r="http://schemas.openxmlformats.org/officeDocument/2006/relationships" xmlns:mc="http://schemas.openxmlformats.org/markup-compatibility/2006" xmlns:mv="urn:schemas-microsoft-com:mac:vml" xmlns:p="http://schemas.openxmlformats.org/presentationml/2006/main" xmlns:c="http://schemas.openxmlformats.org/drawingml/2006/chart" xmlns:dgm="http://schemas.openxmlformats.org/drawingml/2006/diagram" xmlns:o="urn:schemas-microsoft-com:office:office" xmlns:v="urn:schemas-microsoft-com:vml" xmlns:pvml="urn:schemas-microsoft-com:office:powerpoint" xmlns:com="http://schemas.openxmlformats.org/drawingml/2006/compatibility" xmlns:p14="http://schemas.microsoft.com/office/powerpoint/2010/main" xmlns:p15="http://schemas.microsoft.com/office/powerpoint/2012/main" showMasterPhAnim="0" showMasterSp="0">
+<p:notes xmlns:a="http://schemas.openxmlformats.org/drawingml/2006/main" xmlns:r="http://schemas.openxmlformats.org/officeDocument/2006/relationships" xmlns:p="http://schemas.openxmlformats.org/presentationml/2006/main" showMasterSp="0" showMasterPhAnim="0">
   <p:cSld>
     <p:spTree>
       <p:nvGrpSpPr>
-        <p:cNvPr id="212" name="Shape 212"/>
+        <p:cNvPr id="1" name="Shape 212"/>
         <p:cNvGrpSpPr/>
         <p:nvPr/>
       </p:nvGrpSpPr>
@@ -2222,19 +2448,26 @@
       <p:sp>
         <p:nvSpPr>
           <p:cNvPr id="213" name="Shape 213"/>
-          <p:cNvSpPr/>
-          <p:nvPr>
-            <p:ph idx="2" type="sldImg"/>
-          </p:nvPr>
-        </p:nvSpPr>
-        <p:spPr>
-          <a:xfrm>
-            <a:off x="1143300" y="685800"/>
+          <p:cNvSpPr>
+            <a:spLocks noGrp="1" noRot="1" noChangeAspect="1"/>
+          </p:cNvSpPr>
+          <p:nvPr>
+            <p:ph type="sldImg" idx="2"/>
+          </p:nvPr>
+        </p:nvSpPr>
+        <p:spPr>
+          <a:xfrm>
+            <a:off x="1143000" y="685800"/>
             <a:ext cx="4572000" cy="3429000"/>
           </a:xfrm>
           <a:custGeom>
+            <a:avLst/>
+            <a:gdLst/>
+            <a:ahLst/>
+            <a:cxnLst/>
+            <a:rect l="0" t="0" r="0" b="0"/>
             <a:pathLst>
-              <a:path extrusionOk="0" h="120000" w="120000">
+              <a:path w="120000" h="120000" extrusionOk="0">
                 <a:moveTo>
                   <a:pt x="0" y="0"/>
                 </a:moveTo>
@@ -2256,9 +2489,11 @@
       <p:sp>
         <p:nvSpPr>
           <p:cNvPr id="214" name="Shape 214"/>
-          <p:cNvSpPr txBox="1"/>
-          <p:nvPr>
-            <p:ph idx="1" type="body"/>
+          <p:cNvSpPr txBox="1">
+            <a:spLocks noGrp="1"/>
+          </p:cNvSpPr>
+          <p:nvPr>
+            <p:ph type="body" idx="1"/>
           </p:nvPr>
         </p:nvSpPr>
         <p:spPr>
@@ -2271,12 +2506,12 @@
           </a:prstGeom>
         </p:spPr>
         <p:txBody>
-          <a:bodyPr anchorCtr="0" anchor="t" bIns="91425" lIns="91425" rIns="91425" wrap="square" tIns="91425">
+          <a:bodyPr wrap="square" lIns="91425" tIns="91425" rIns="91425" bIns="91425" anchor="t" anchorCtr="0">
             <a:noAutofit/>
           </a:bodyPr>
           <a:lstStyle/>
           <a:p>
-            <a:pPr lvl="0" marR="0" rtl="0" algn="l">
+            <a:pPr marR="0" lvl="0" algn="l" rtl="0">
               <a:lnSpc>
                 <a:spcPct val="115000"/>
               </a:lnSpc>
@@ -2288,9 +2523,6 @@
               </a:spcAft>
               <a:buNone/>
             </a:pPr>
-            <a:r>
-              <a:t/>
-            </a:r>
             <a:endParaRPr>
               <a:solidFill>
                 <a:schemeClr val="dk1"/>
@@ -2308,11 +2540,11 @@
 </file>
 
 <file path=ppt/notesSlides/notesSlide24.xml><?xml version="1.0" encoding="utf-8"?>
-<p:notes xmlns:a="http://schemas.openxmlformats.org/drawingml/2006/main" xmlns:r="http://schemas.openxmlformats.org/officeDocument/2006/relationships" xmlns:mc="http://schemas.openxmlformats.org/markup-compatibility/2006" xmlns:mv="urn:schemas-microsoft-com:mac:vml" xmlns:p="http://schemas.openxmlformats.org/presentationml/2006/main" xmlns:c="http://schemas.openxmlformats.org/drawingml/2006/chart" xmlns:dgm="http://schemas.openxmlformats.org/drawingml/2006/diagram" xmlns:o="urn:schemas-microsoft-com:office:office" xmlns:v="urn:schemas-microsoft-com:vml" xmlns:pvml="urn:schemas-microsoft-com:office:powerpoint" xmlns:com="http://schemas.openxmlformats.org/drawingml/2006/compatibility" xmlns:p14="http://schemas.microsoft.com/office/powerpoint/2010/main" xmlns:p15="http://schemas.microsoft.com/office/powerpoint/2012/main" showMasterPhAnim="0" showMasterSp="0">
+<p:notes xmlns:a="http://schemas.openxmlformats.org/drawingml/2006/main" xmlns:r="http://schemas.openxmlformats.org/officeDocument/2006/relationships" xmlns:p="http://schemas.openxmlformats.org/presentationml/2006/main" showMasterSp="0" showMasterPhAnim="0">
   <p:cSld>
     <p:spTree>
       <p:nvGrpSpPr>
-        <p:cNvPr id="220" name="Shape 220"/>
+        <p:cNvPr id="1" name="Shape 220"/>
         <p:cNvGrpSpPr/>
         <p:nvPr/>
       </p:nvGrpSpPr>
@@ -2327,19 +2559,26 @@
       <p:sp>
         <p:nvSpPr>
           <p:cNvPr id="221" name="Shape 221"/>
-          <p:cNvSpPr/>
-          <p:nvPr>
-            <p:ph idx="2" type="sldImg"/>
-          </p:nvPr>
-        </p:nvSpPr>
-        <p:spPr>
-          <a:xfrm>
-            <a:off x="1143300" y="685800"/>
+          <p:cNvSpPr>
+            <a:spLocks noGrp="1" noRot="1" noChangeAspect="1"/>
+          </p:cNvSpPr>
+          <p:nvPr>
+            <p:ph type="sldImg" idx="2"/>
+          </p:nvPr>
+        </p:nvSpPr>
+        <p:spPr>
+          <a:xfrm>
+            <a:off x="1143000" y="685800"/>
             <a:ext cx="4572000" cy="3429000"/>
           </a:xfrm>
           <a:custGeom>
+            <a:avLst/>
+            <a:gdLst/>
+            <a:ahLst/>
+            <a:cxnLst/>
+            <a:rect l="0" t="0" r="0" b="0"/>
             <a:pathLst>
-              <a:path extrusionOk="0" h="120000" w="120000">
+              <a:path w="120000" h="120000" extrusionOk="0">
                 <a:moveTo>
                   <a:pt x="0" y="0"/>
                 </a:moveTo>
@@ -2361,9 +2600,11 @@
       <p:sp>
         <p:nvSpPr>
           <p:cNvPr id="222" name="Shape 222"/>
-          <p:cNvSpPr txBox="1"/>
-          <p:nvPr>
-            <p:ph idx="1" type="body"/>
+          <p:cNvSpPr txBox="1">
+            <a:spLocks noGrp="1"/>
+          </p:cNvSpPr>
+          <p:nvPr>
+            <p:ph type="body" idx="1"/>
           </p:nvPr>
         </p:nvSpPr>
         <p:spPr>
@@ -2376,7 +2617,7 @@
           </a:prstGeom>
         </p:spPr>
         <p:txBody>
-          <a:bodyPr anchorCtr="0" anchor="t" bIns="91425" lIns="91425" rIns="91425" wrap="square" tIns="91425">
+          <a:bodyPr wrap="square" lIns="91425" tIns="91425" rIns="91425" bIns="91425" anchor="t" anchorCtr="0">
             <a:noAutofit/>
           </a:bodyPr>
           <a:lstStyle/>
@@ -2412,11 +2653,11 @@
 </file>
 
 <file path=ppt/notesSlides/notesSlide25.xml><?xml version="1.0" encoding="utf-8"?>
-<p:notes xmlns:a="http://schemas.openxmlformats.org/drawingml/2006/main" xmlns:r="http://schemas.openxmlformats.org/officeDocument/2006/relationships" xmlns:mc="http://schemas.openxmlformats.org/markup-compatibility/2006" xmlns:mv="urn:schemas-microsoft-com:mac:vml" xmlns:p="http://schemas.openxmlformats.org/presentationml/2006/main" xmlns:c="http://schemas.openxmlformats.org/drawingml/2006/chart" xmlns:dgm="http://schemas.openxmlformats.org/drawingml/2006/diagram" xmlns:o="urn:schemas-microsoft-com:office:office" xmlns:v="urn:schemas-microsoft-com:vml" xmlns:pvml="urn:schemas-microsoft-com:office:powerpoint" xmlns:com="http://schemas.openxmlformats.org/drawingml/2006/compatibility" xmlns:p14="http://schemas.microsoft.com/office/powerpoint/2010/main" xmlns:p15="http://schemas.microsoft.com/office/powerpoint/2012/main" showMasterPhAnim="0" showMasterSp="0">
+<p:notes xmlns:a="http://schemas.openxmlformats.org/drawingml/2006/main" xmlns:r="http://schemas.openxmlformats.org/officeDocument/2006/relationships" xmlns:p="http://schemas.openxmlformats.org/presentationml/2006/main" showMasterSp="0" showMasterPhAnim="0">
   <p:cSld>
     <p:spTree>
       <p:nvGrpSpPr>
-        <p:cNvPr id="228" name="Shape 228"/>
+        <p:cNvPr id="1" name="Shape 228"/>
         <p:cNvGrpSpPr/>
         <p:nvPr/>
       </p:nvGrpSpPr>
@@ -2431,19 +2672,26 @@
       <p:sp>
         <p:nvSpPr>
           <p:cNvPr id="229" name="Shape 229"/>
-          <p:cNvSpPr/>
-          <p:nvPr>
-            <p:ph idx="2" type="sldImg"/>
-          </p:nvPr>
-        </p:nvSpPr>
-        <p:spPr>
-          <a:xfrm>
-            <a:off x="1143300" y="685800"/>
+          <p:cNvSpPr>
+            <a:spLocks noGrp="1" noRot="1" noChangeAspect="1"/>
+          </p:cNvSpPr>
+          <p:nvPr>
+            <p:ph type="sldImg" idx="2"/>
+          </p:nvPr>
+        </p:nvSpPr>
+        <p:spPr>
+          <a:xfrm>
+            <a:off x="1143000" y="685800"/>
             <a:ext cx="4572000" cy="3429000"/>
           </a:xfrm>
           <a:custGeom>
+            <a:avLst/>
+            <a:gdLst/>
+            <a:ahLst/>
+            <a:cxnLst/>
+            <a:rect l="0" t="0" r="0" b="0"/>
             <a:pathLst>
-              <a:path extrusionOk="0" h="120000" w="120000">
+              <a:path w="120000" h="120000" extrusionOk="0">
                 <a:moveTo>
                   <a:pt x="0" y="0"/>
                 </a:moveTo>
@@ -2465,9 +2713,11 @@
       <p:sp>
         <p:nvSpPr>
           <p:cNvPr id="230" name="Shape 230"/>
-          <p:cNvSpPr txBox="1"/>
-          <p:nvPr>
-            <p:ph idx="1" type="body"/>
+          <p:cNvSpPr txBox="1">
+            <a:spLocks noGrp="1"/>
+          </p:cNvSpPr>
+          <p:nvPr>
+            <p:ph type="body" idx="1"/>
           </p:nvPr>
         </p:nvSpPr>
         <p:spPr>
@@ -2480,7 +2730,7 @@
           </a:prstGeom>
         </p:spPr>
         <p:txBody>
-          <a:bodyPr anchorCtr="0" anchor="t" bIns="91425" lIns="91425" rIns="91425" wrap="square" tIns="91425">
+          <a:bodyPr wrap="square" lIns="91425" tIns="91425" rIns="91425" bIns="91425" anchor="t" anchorCtr="0">
             <a:noAutofit/>
           </a:bodyPr>
           <a:lstStyle/>
@@ -2516,11 +2766,11 @@
 </file>
 
 <file path=ppt/notesSlides/notesSlide26.xml><?xml version="1.0" encoding="utf-8"?>
-<p:notes xmlns:a="http://schemas.openxmlformats.org/drawingml/2006/main" xmlns:r="http://schemas.openxmlformats.org/officeDocument/2006/relationships" xmlns:mc="http://schemas.openxmlformats.org/markup-compatibility/2006" xmlns:mv="urn:schemas-microsoft-com:mac:vml" xmlns:p="http://schemas.openxmlformats.org/presentationml/2006/main" xmlns:c="http://schemas.openxmlformats.org/drawingml/2006/chart" xmlns:dgm="http://schemas.openxmlformats.org/drawingml/2006/diagram" xmlns:o="urn:schemas-microsoft-com:office:office" xmlns:v="urn:schemas-microsoft-com:vml" xmlns:pvml="urn:schemas-microsoft-com:office:powerpoint" xmlns:com="http://schemas.openxmlformats.org/drawingml/2006/compatibility" xmlns:p14="http://schemas.microsoft.com/office/powerpoint/2010/main" xmlns:p15="http://schemas.microsoft.com/office/powerpoint/2012/main" showMasterPhAnim="0" showMasterSp="0">
+<p:notes xmlns:a="http://schemas.openxmlformats.org/drawingml/2006/main" xmlns:r="http://schemas.openxmlformats.org/officeDocument/2006/relationships" xmlns:p="http://schemas.openxmlformats.org/presentationml/2006/main" showMasterSp="0" showMasterPhAnim="0">
   <p:cSld>
     <p:spTree>
       <p:nvGrpSpPr>
-        <p:cNvPr id="236" name="Shape 236"/>
+        <p:cNvPr id="1" name="Shape 236"/>
         <p:cNvGrpSpPr/>
         <p:nvPr/>
       </p:nvGrpSpPr>
@@ -2535,19 +2785,26 @@
       <p:sp>
         <p:nvSpPr>
           <p:cNvPr id="237" name="Shape 237"/>
-          <p:cNvSpPr/>
-          <p:nvPr>
-            <p:ph idx="2" type="sldImg"/>
-          </p:nvPr>
-        </p:nvSpPr>
-        <p:spPr>
-          <a:xfrm>
-            <a:off x="1143300" y="685800"/>
+          <p:cNvSpPr>
+            <a:spLocks noGrp="1" noRot="1" noChangeAspect="1"/>
+          </p:cNvSpPr>
+          <p:nvPr>
+            <p:ph type="sldImg" idx="2"/>
+          </p:nvPr>
+        </p:nvSpPr>
+        <p:spPr>
+          <a:xfrm>
+            <a:off x="1143000" y="685800"/>
             <a:ext cx="4572000" cy="3429000"/>
           </a:xfrm>
           <a:custGeom>
+            <a:avLst/>
+            <a:gdLst/>
+            <a:ahLst/>
+            <a:cxnLst/>
+            <a:rect l="0" t="0" r="0" b="0"/>
             <a:pathLst>
-              <a:path extrusionOk="0" h="120000" w="120000">
+              <a:path w="120000" h="120000" extrusionOk="0">
                 <a:moveTo>
                   <a:pt x="0" y="0"/>
                 </a:moveTo>
@@ -2569,9 +2826,11 @@
       <p:sp>
         <p:nvSpPr>
           <p:cNvPr id="238" name="Shape 238"/>
-          <p:cNvSpPr txBox="1"/>
-          <p:nvPr>
-            <p:ph idx="1" type="body"/>
+          <p:cNvSpPr txBox="1">
+            <a:spLocks noGrp="1"/>
+          </p:cNvSpPr>
+          <p:nvPr>
+            <p:ph type="body" idx="1"/>
           </p:nvPr>
         </p:nvSpPr>
         <p:spPr>
@@ -2584,7 +2843,7 @@
           </a:prstGeom>
         </p:spPr>
         <p:txBody>
-          <a:bodyPr anchorCtr="0" anchor="t" bIns="91425" lIns="91425" rIns="91425" wrap="square" tIns="91425">
+          <a:bodyPr wrap="square" lIns="91425" tIns="91425" rIns="91425" bIns="91425" anchor="t" anchorCtr="0">
             <a:noAutofit/>
           </a:bodyPr>
           <a:lstStyle/>
@@ -2623,11 +2882,11 @@
 </file>
 
 <file path=ppt/notesSlides/notesSlide27.xml><?xml version="1.0" encoding="utf-8"?>
-<p:notes xmlns:a="http://schemas.openxmlformats.org/drawingml/2006/main" xmlns:r="http://schemas.openxmlformats.org/officeDocument/2006/relationships" xmlns:mc="http://schemas.openxmlformats.org/markup-compatibility/2006" xmlns:mv="urn:schemas-microsoft-com:mac:vml" xmlns:p="http://schemas.openxmlformats.org/presentationml/2006/main" xmlns:c="http://schemas.openxmlformats.org/drawingml/2006/chart" xmlns:dgm="http://schemas.openxmlformats.org/drawingml/2006/diagram" xmlns:o="urn:schemas-microsoft-com:office:office" xmlns:v="urn:schemas-microsoft-com:vml" xmlns:pvml="urn:schemas-microsoft-com:office:powerpoint" xmlns:com="http://schemas.openxmlformats.org/drawingml/2006/compatibility" xmlns:p14="http://schemas.microsoft.com/office/powerpoint/2010/main" xmlns:p15="http://schemas.microsoft.com/office/powerpoint/2012/main" showMasterPhAnim="0" showMasterSp="0">
+<p:notes xmlns:a="http://schemas.openxmlformats.org/drawingml/2006/main" xmlns:r="http://schemas.openxmlformats.org/officeDocument/2006/relationships" xmlns:p="http://schemas.openxmlformats.org/presentationml/2006/main" showMasterSp="0" showMasterPhAnim="0">
   <p:cSld>
     <p:spTree>
       <p:nvGrpSpPr>
-        <p:cNvPr id="243" name="Shape 243"/>
+        <p:cNvPr id="1" name="Shape 243"/>
         <p:cNvGrpSpPr/>
         <p:nvPr/>
       </p:nvGrpSpPr>
@@ -2642,19 +2901,26 @@
       <p:sp>
         <p:nvSpPr>
           <p:cNvPr id="244" name="Shape 244"/>
-          <p:cNvSpPr/>
-          <p:nvPr>
-            <p:ph idx="2" type="sldImg"/>
-          </p:nvPr>
-        </p:nvSpPr>
-        <p:spPr>
-          <a:xfrm>
-            <a:off x="1143300" y="685800"/>
+          <p:cNvSpPr>
+            <a:spLocks noGrp="1" noRot="1" noChangeAspect="1"/>
+          </p:cNvSpPr>
+          <p:nvPr>
+            <p:ph type="sldImg" idx="2"/>
+          </p:nvPr>
+        </p:nvSpPr>
+        <p:spPr>
+          <a:xfrm>
+            <a:off x="1143000" y="685800"/>
             <a:ext cx="4572000" cy="3429000"/>
           </a:xfrm>
           <a:custGeom>
+            <a:avLst/>
+            <a:gdLst/>
+            <a:ahLst/>
+            <a:cxnLst/>
+            <a:rect l="0" t="0" r="0" b="0"/>
             <a:pathLst>
-              <a:path extrusionOk="0" h="120000" w="120000">
+              <a:path w="120000" h="120000" extrusionOk="0">
                 <a:moveTo>
                   <a:pt x="0" y="0"/>
                 </a:moveTo>
@@ -2676,9 +2942,11 @@
       <p:sp>
         <p:nvSpPr>
           <p:cNvPr id="245" name="Shape 245"/>
-          <p:cNvSpPr txBox="1"/>
-          <p:nvPr>
-            <p:ph idx="1" type="body"/>
+          <p:cNvSpPr txBox="1">
+            <a:spLocks noGrp="1"/>
+          </p:cNvSpPr>
+          <p:nvPr>
+            <p:ph type="body" idx="1"/>
           </p:nvPr>
         </p:nvSpPr>
         <p:spPr>
@@ -2691,7 +2959,7 @@
           </a:prstGeom>
         </p:spPr>
         <p:txBody>
-          <a:bodyPr anchorCtr="0" anchor="t" bIns="91425" lIns="91425" rIns="91425" wrap="square" tIns="91425">
+          <a:bodyPr wrap="square" lIns="91425" tIns="91425" rIns="91425" bIns="91425" anchor="t" anchorCtr="0">
             <a:noAutofit/>
           </a:bodyPr>
           <a:lstStyle/>
@@ -2702,9 +2970,6 @@
               </a:spcBef>
               <a:buNone/>
             </a:pPr>
-            <a:r>
-              <a:t/>
-            </a:r>
             <a:endParaRPr/>
           </a:p>
         </p:txBody>
@@ -2718,11 +2983,11 @@
 </file>
 
 <file path=ppt/notesSlides/notesSlide3.xml><?xml version="1.0" encoding="utf-8"?>
-<p:notes xmlns:a="http://schemas.openxmlformats.org/drawingml/2006/main" xmlns:r="http://schemas.openxmlformats.org/officeDocument/2006/relationships" xmlns:mc="http://schemas.openxmlformats.org/markup-compatibility/2006" xmlns:mv="urn:schemas-microsoft-com:mac:vml" xmlns:p="http://schemas.openxmlformats.org/presentationml/2006/main" xmlns:c="http://schemas.openxmlformats.org/drawingml/2006/chart" xmlns:dgm="http://schemas.openxmlformats.org/drawingml/2006/diagram" xmlns:o="urn:schemas-microsoft-com:office:office" xmlns:v="urn:schemas-microsoft-com:vml" xmlns:pvml="urn:schemas-microsoft-com:office:powerpoint" xmlns:com="http://schemas.openxmlformats.org/drawingml/2006/compatibility" xmlns:p14="http://schemas.microsoft.com/office/powerpoint/2010/main" xmlns:p15="http://schemas.microsoft.com/office/powerpoint/2012/main" showMasterPhAnim="0" showMasterSp="0">
+<p:notes xmlns:a="http://schemas.openxmlformats.org/drawingml/2006/main" xmlns:r="http://schemas.openxmlformats.org/officeDocument/2006/relationships" xmlns:p="http://schemas.openxmlformats.org/presentationml/2006/main" showMasterSp="0" showMasterPhAnim="0">
   <p:cSld>
     <p:spTree>
       <p:nvGrpSpPr>
-        <p:cNvPr id="69" name="Shape 69"/>
+        <p:cNvPr id="1" name="Shape 69"/>
         <p:cNvGrpSpPr/>
         <p:nvPr/>
       </p:nvGrpSpPr>
@@ -2737,19 +3002,26 @@
       <p:sp>
         <p:nvSpPr>
           <p:cNvPr id="70" name="Shape 70"/>
-          <p:cNvSpPr/>
-          <p:nvPr>
-            <p:ph idx="2" type="sldImg"/>
-          </p:nvPr>
-        </p:nvSpPr>
-        <p:spPr>
-          <a:xfrm>
-            <a:off x="1143300" y="685800"/>
+          <p:cNvSpPr>
+            <a:spLocks noGrp="1" noRot="1" noChangeAspect="1"/>
+          </p:cNvSpPr>
+          <p:nvPr>
+            <p:ph type="sldImg" idx="2"/>
+          </p:nvPr>
+        </p:nvSpPr>
+        <p:spPr>
+          <a:xfrm>
+            <a:off x="1143000" y="685800"/>
             <a:ext cx="4572000" cy="3429000"/>
           </a:xfrm>
           <a:custGeom>
+            <a:avLst/>
+            <a:gdLst/>
+            <a:ahLst/>
+            <a:cxnLst/>
+            <a:rect l="0" t="0" r="0" b="0"/>
             <a:pathLst>
-              <a:path extrusionOk="0" h="120000" w="120000">
+              <a:path w="120000" h="120000" extrusionOk="0">
                 <a:moveTo>
                   <a:pt x="0" y="0"/>
                 </a:moveTo>
@@ -2771,9 +3043,11 @@
       <p:sp>
         <p:nvSpPr>
           <p:cNvPr id="71" name="Shape 71"/>
-          <p:cNvSpPr txBox="1"/>
-          <p:nvPr>
-            <p:ph idx="1" type="body"/>
+          <p:cNvSpPr txBox="1">
+            <a:spLocks noGrp="1"/>
+          </p:cNvSpPr>
+          <p:nvPr>
+            <p:ph type="body" idx="1"/>
           </p:nvPr>
         </p:nvSpPr>
         <p:spPr>
@@ -2786,7 +3060,7 @@
           </a:prstGeom>
         </p:spPr>
         <p:txBody>
-          <a:bodyPr anchorCtr="0" anchor="t" bIns="91425" lIns="91425" rIns="91425" wrap="square" tIns="91425">
+          <a:bodyPr wrap="square" lIns="91425" tIns="91425" rIns="91425" bIns="91425" anchor="t" anchorCtr="0">
             <a:noAutofit/>
           </a:bodyPr>
           <a:lstStyle/>
@@ -2797,9 +3071,6 @@
               </a:spcBef>
               <a:buNone/>
             </a:pPr>
-            <a:r>
-              <a:t/>
-            </a:r>
             <a:endParaRPr/>
           </a:p>
         </p:txBody>
@@ -2813,11 +3084,11 @@
 </file>
 
 <file path=ppt/notesSlides/notesSlide4.xml><?xml version="1.0" encoding="utf-8"?>
-<p:notes xmlns:a="http://schemas.openxmlformats.org/drawingml/2006/main" xmlns:r="http://schemas.openxmlformats.org/officeDocument/2006/relationships" xmlns:mc="http://schemas.openxmlformats.org/markup-compatibility/2006" xmlns:mv="urn:schemas-microsoft-com:mac:vml" xmlns:p="http://schemas.openxmlformats.org/presentationml/2006/main" xmlns:c="http://schemas.openxmlformats.org/drawingml/2006/chart" xmlns:dgm="http://schemas.openxmlformats.org/drawingml/2006/diagram" xmlns:o="urn:schemas-microsoft-com:office:office" xmlns:v="urn:schemas-microsoft-com:vml" xmlns:pvml="urn:schemas-microsoft-com:office:powerpoint" xmlns:com="http://schemas.openxmlformats.org/drawingml/2006/compatibility" xmlns:p14="http://schemas.microsoft.com/office/powerpoint/2010/main" xmlns:p15="http://schemas.microsoft.com/office/powerpoint/2012/main" showMasterPhAnim="0" showMasterSp="0">
+<p:notes xmlns:a="http://schemas.openxmlformats.org/drawingml/2006/main" xmlns:r="http://schemas.openxmlformats.org/officeDocument/2006/relationships" xmlns:p="http://schemas.openxmlformats.org/presentationml/2006/main" showMasterSp="0" showMasterPhAnim="0">
   <p:cSld>
     <p:spTree>
       <p:nvGrpSpPr>
-        <p:cNvPr id="74" name="Shape 74"/>
+        <p:cNvPr id="1" name="Shape 74"/>
         <p:cNvGrpSpPr/>
         <p:nvPr/>
       </p:nvGrpSpPr>
@@ -2832,19 +3103,26 @@
       <p:sp>
         <p:nvSpPr>
           <p:cNvPr id="75" name="Shape 75"/>
-          <p:cNvSpPr/>
-          <p:nvPr>
-            <p:ph idx="2" type="sldImg"/>
-          </p:nvPr>
-        </p:nvSpPr>
-        <p:spPr>
-          <a:xfrm>
-            <a:off x="1143300" y="685800"/>
+          <p:cNvSpPr>
+            <a:spLocks noGrp="1" noRot="1" noChangeAspect="1"/>
+          </p:cNvSpPr>
+          <p:nvPr>
+            <p:ph type="sldImg" idx="2"/>
+          </p:nvPr>
+        </p:nvSpPr>
+        <p:spPr>
+          <a:xfrm>
+            <a:off x="1143000" y="685800"/>
             <a:ext cx="4572000" cy="3429000"/>
           </a:xfrm>
           <a:custGeom>
+            <a:avLst/>
+            <a:gdLst/>
+            <a:ahLst/>
+            <a:cxnLst/>
+            <a:rect l="0" t="0" r="0" b="0"/>
             <a:pathLst>
-              <a:path extrusionOk="0" h="120000" w="120000">
+              <a:path w="120000" h="120000" extrusionOk="0">
                 <a:moveTo>
                   <a:pt x="0" y="0"/>
                 </a:moveTo>
@@ -2866,9 +3144,11 @@
       <p:sp>
         <p:nvSpPr>
           <p:cNvPr id="76" name="Shape 76"/>
-          <p:cNvSpPr txBox="1"/>
-          <p:nvPr>
-            <p:ph idx="1" type="body"/>
+          <p:cNvSpPr txBox="1">
+            <a:spLocks noGrp="1"/>
+          </p:cNvSpPr>
+          <p:nvPr>
+            <p:ph type="body" idx="1"/>
           </p:nvPr>
         </p:nvSpPr>
         <p:spPr>
@@ -2881,7 +3161,7 @@
           </a:prstGeom>
         </p:spPr>
         <p:txBody>
-          <a:bodyPr anchorCtr="0" anchor="t" bIns="91425" lIns="91425" rIns="91425" wrap="square" tIns="91425">
+          <a:bodyPr wrap="square" lIns="91425" tIns="91425" rIns="91425" bIns="91425" anchor="t" anchorCtr="0">
             <a:noAutofit/>
           </a:bodyPr>
           <a:lstStyle/>
@@ -2892,9 +3172,6 @@
               </a:spcBef>
               <a:buNone/>
             </a:pPr>
-            <a:r>
-              <a:t/>
-            </a:r>
             <a:endParaRPr/>
           </a:p>
         </p:txBody>
@@ -2908,11 +3185,11 @@
 </file>
 
 <file path=ppt/notesSlides/notesSlide5.xml><?xml version="1.0" encoding="utf-8"?>
-<p:notes xmlns:a="http://schemas.openxmlformats.org/drawingml/2006/main" xmlns:r="http://schemas.openxmlformats.org/officeDocument/2006/relationships" xmlns:mc="http://schemas.openxmlformats.org/markup-compatibility/2006" xmlns:mv="urn:schemas-microsoft-com:mac:vml" xmlns:p="http://schemas.openxmlformats.org/presentationml/2006/main" xmlns:c="http://schemas.openxmlformats.org/drawingml/2006/chart" xmlns:dgm="http://schemas.openxmlformats.org/drawingml/2006/diagram" xmlns:o="urn:schemas-microsoft-com:office:office" xmlns:v="urn:schemas-microsoft-com:vml" xmlns:pvml="urn:schemas-microsoft-com:office:powerpoint" xmlns:com="http://schemas.openxmlformats.org/drawingml/2006/compatibility" xmlns:p14="http://schemas.microsoft.com/office/powerpoint/2010/main" xmlns:p15="http://schemas.microsoft.com/office/powerpoint/2012/main" showMasterPhAnim="0" showMasterSp="0">
+<p:notes xmlns:a="http://schemas.openxmlformats.org/drawingml/2006/main" xmlns:r="http://schemas.openxmlformats.org/officeDocument/2006/relationships" xmlns:p="http://schemas.openxmlformats.org/presentationml/2006/main" showMasterSp="0" showMasterPhAnim="0">
   <p:cSld>
     <p:spTree>
       <p:nvGrpSpPr>
-        <p:cNvPr id="82" name="Shape 82"/>
+        <p:cNvPr id="1" name="Shape 82"/>
         <p:cNvGrpSpPr/>
         <p:nvPr/>
       </p:nvGrpSpPr>
@@ -2927,19 +3204,26 @@
       <p:sp>
         <p:nvSpPr>
           <p:cNvPr id="83" name="Shape 83"/>
-          <p:cNvSpPr/>
-          <p:nvPr>
-            <p:ph idx="2" type="sldImg"/>
-          </p:nvPr>
-        </p:nvSpPr>
-        <p:spPr>
-          <a:xfrm>
-            <a:off x="1143300" y="685800"/>
+          <p:cNvSpPr>
+            <a:spLocks noGrp="1" noRot="1" noChangeAspect="1"/>
+          </p:cNvSpPr>
+          <p:nvPr>
+            <p:ph type="sldImg" idx="2"/>
+          </p:nvPr>
+        </p:nvSpPr>
+        <p:spPr>
+          <a:xfrm>
+            <a:off x="1143000" y="685800"/>
             <a:ext cx="4572000" cy="3429000"/>
           </a:xfrm>
           <a:custGeom>
+            <a:avLst/>
+            <a:gdLst/>
+            <a:ahLst/>
+            <a:cxnLst/>
+            <a:rect l="0" t="0" r="0" b="0"/>
             <a:pathLst>
-              <a:path extrusionOk="0" h="120000" w="120000">
+              <a:path w="120000" h="120000" extrusionOk="0">
                 <a:moveTo>
                   <a:pt x="0" y="0"/>
                 </a:moveTo>
@@ -2961,9 +3245,11 @@
       <p:sp>
         <p:nvSpPr>
           <p:cNvPr id="84" name="Shape 84"/>
-          <p:cNvSpPr txBox="1"/>
-          <p:nvPr>
-            <p:ph idx="1" type="body"/>
+          <p:cNvSpPr txBox="1">
+            <a:spLocks noGrp="1"/>
+          </p:cNvSpPr>
+          <p:nvPr>
+            <p:ph type="body" idx="1"/>
           </p:nvPr>
         </p:nvSpPr>
         <p:spPr>
@@ -2976,12 +3262,12 @@
           </a:prstGeom>
         </p:spPr>
         <p:txBody>
-          <a:bodyPr anchorCtr="0" anchor="t" bIns="91425" lIns="91425" rIns="91425" wrap="square" tIns="91425">
+          <a:bodyPr wrap="square" lIns="91425" tIns="91425" rIns="91425" bIns="91425" anchor="t" anchorCtr="0">
             <a:noAutofit/>
           </a:bodyPr>
           <a:lstStyle/>
           <a:p>
-            <a:pPr indent="-342900" lvl="0" marL="457200" rtl="0">
+            <a:pPr marL="457200" lvl="0" indent="-342900" rtl="0">
               <a:lnSpc>
                 <a:spcPct val="115000"/>
               </a:lnSpc>
@@ -3011,7 +3297,7 @@
             </a:r>
           </a:p>
           <a:p>
-            <a:pPr indent="-228600" lvl="1" marL="914400" rtl="0">
+            <a:pPr marL="914400" lvl="1" indent="-228600" rtl="0">
               <a:lnSpc>
                 <a:spcPct val="115000"/>
               </a:lnSpc>
@@ -3040,7 +3326,7 @@
             </a:r>
           </a:p>
           <a:p>
-            <a:pPr indent="-228600" lvl="1" marL="914400" rtl="0">
+            <a:pPr marL="914400" lvl="1" indent="-228600" rtl="0">
               <a:lnSpc>
                 <a:spcPct val="115000"/>
               </a:lnSpc>
@@ -3069,7 +3355,7 @@
             </a:r>
           </a:p>
           <a:p>
-            <a:pPr indent="-228600" lvl="1" marL="914400" rtl="0">
+            <a:pPr marL="914400" lvl="1" indent="-228600" rtl="0">
               <a:lnSpc>
                 <a:spcPct val="115000"/>
               </a:lnSpc>
@@ -3098,7 +3384,7 @@
             </a:r>
           </a:p>
           <a:p>
-            <a:pPr indent="0" lvl="0" marL="457200" rtl="0">
+            <a:pPr marL="457200" lvl="0" indent="0" rtl="0">
               <a:lnSpc>
                 <a:spcPct val="115000"/>
               </a:lnSpc>
@@ -3110,9 +3396,6 @@
               </a:spcAft>
               <a:buNone/>
             </a:pPr>
-            <a:r>
-              <a:t/>
-            </a:r>
             <a:endParaRPr sz="1400">
               <a:solidFill>
                 <a:schemeClr val="dk1"/>
@@ -3124,7 +3407,7 @@
             </a:endParaRPr>
           </a:p>
           <a:p>
-            <a:pPr indent="-342900" lvl="0" marL="457200" rtl="0">
+            <a:pPr marL="457200" lvl="0" indent="-342900" rtl="0">
               <a:lnSpc>
                 <a:spcPct val="115000"/>
               </a:lnSpc>
@@ -3164,11 +3447,11 @@
 </file>
 
 <file path=ppt/notesSlides/notesSlide6.xml><?xml version="1.0" encoding="utf-8"?>
-<p:notes xmlns:a="http://schemas.openxmlformats.org/drawingml/2006/main" xmlns:r="http://schemas.openxmlformats.org/officeDocument/2006/relationships" xmlns:mc="http://schemas.openxmlformats.org/markup-compatibility/2006" xmlns:mv="urn:schemas-microsoft-com:mac:vml" xmlns:p="http://schemas.openxmlformats.org/presentationml/2006/main" xmlns:c="http://schemas.openxmlformats.org/drawingml/2006/chart" xmlns:dgm="http://schemas.openxmlformats.org/drawingml/2006/diagram" xmlns:o="urn:schemas-microsoft-com:office:office" xmlns:v="urn:schemas-microsoft-com:vml" xmlns:pvml="urn:schemas-microsoft-com:office:powerpoint" xmlns:com="http://schemas.openxmlformats.org/drawingml/2006/compatibility" xmlns:p14="http://schemas.microsoft.com/office/powerpoint/2010/main" xmlns:p15="http://schemas.microsoft.com/office/powerpoint/2012/main" showMasterPhAnim="0" showMasterSp="0">
+<p:notes xmlns:a="http://schemas.openxmlformats.org/drawingml/2006/main" xmlns:r="http://schemas.openxmlformats.org/officeDocument/2006/relationships" xmlns:p="http://schemas.openxmlformats.org/presentationml/2006/main" showMasterSp="0" showMasterPhAnim="0">
   <p:cSld>
     <p:spTree>
       <p:nvGrpSpPr>
-        <p:cNvPr id="89" name="Shape 89"/>
+        <p:cNvPr id="1" name="Shape 89"/>
         <p:cNvGrpSpPr/>
         <p:nvPr/>
       </p:nvGrpSpPr>
@@ -3183,19 +3466,26 @@
       <p:sp>
         <p:nvSpPr>
           <p:cNvPr id="90" name="Shape 90"/>
-          <p:cNvSpPr/>
-          <p:nvPr>
-            <p:ph idx="2" type="sldImg"/>
-          </p:nvPr>
-        </p:nvSpPr>
-        <p:spPr>
-          <a:xfrm>
-            <a:off x="1143300" y="685800"/>
+          <p:cNvSpPr>
+            <a:spLocks noGrp="1" noRot="1" noChangeAspect="1"/>
+          </p:cNvSpPr>
+          <p:nvPr>
+            <p:ph type="sldImg" idx="2"/>
+          </p:nvPr>
+        </p:nvSpPr>
+        <p:spPr>
+          <a:xfrm>
+            <a:off x="1143000" y="685800"/>
             <a:ext cx="4572000" cy="3429000"/>
           </a:xfrm>
           <a:custGeom>
+            <a:avLst/>
+            <a:gdLst/>
+            <a:ahLst/>
+            <a:cxnLst/>
+            <a:rect l="0" t="0" r="0" b="0"/>
             <a:pathLst>
-              <a:path extrusionOk="0" h="120000" w="120000">
+              <a:path w="120000" h="120000" extrusionOk="0">
                 <a:moveTo>
                   <a:pt x="0" y="0"/>
                 </a:moveTo>
@@ -3217,9 +3507,11 @@
       <p:sp>
         <p:nvSpPr>
           <p:cNvPr id="91" name="Shape 91"/>
-          <p:cNvSpPr txBox="1"/>
-          <p:nvPr>
-            <p:ph idx="1" type="body"/>
+          <p:cNvSpPr txBox="1">
+            <a:spLocks noGrp="1"/>
+          </p:cNvSpPr>
+          <p:nvPr>
+            <p:ph type="body" idx="1"/>
           </p:nvPr>
         </p:nvSpPr>
         <p:spPr>
@@ -3232,7 +3524,7 @@
           </a:prstGeom>
         </p:spPr>
         <p:txBody>
-          <a:bodyPr anchorCtr="0" anchor="t" bIns="91425" lIns="91425" rIns="91425" wrap="square" tIns="91425">
+          <a:bodyPr wrap="square" lIns="91425" tIns="91425" rIns="91425" bIns="91425" anchor="t" anchorCtr="0">
             <a:noAutofit/>
           </a:bodyPr>
           <a:lstStyle/>
@@ -3279,9 +3571,6 @@
               <a:buFont typeface="Arial"/>
               <a:buNone/>
             </a:pPr>
-            <a:r>
-              <a:t/>
-            </a:r>
             <a:endParaRPr/>
           </a:p>
         </p:txBody>
@@ -3295,11 +3584,11 @@
 </file>
 
 <file path=ppt/notesSlides/notesSlide7.xml><?xml version="1.0" encoding="utf-8"?>
-<p:notes xmlns:a="http://schemas.openxmlformats.org/drawingml/2006/main" xmlns:r="http://schemas.openxmlformats.org/officeDocument/2006/relationships" xmlns:mc="http://schemas.openxmlformats.org/markup-compatibility/2006" xmlns:mv="urn:schemas-microsoft-com:mac:vml" xmlns:p="http://schemas.openxmlformats.org/presentationml/2006/main" xmlns:c="http://schemas.openxmlformats.org/drawingml/2006/chart" xmlns:dgm="http://schemas.openxmlformats.org/drawingml/2006/diagram" xmlns:o="urn:schemas-microsoft-com:office:office" xmlns:v="urn:schemas-microsoft-com:vml" xmlns:pvml="urn:schemas-microsoft-com:office:powerpoint" xmlns:com="http://schemas.openxmlformats.org/drawingml/2006/compatibility" xmlns:p14="http://schemas.microsoft.com/office/powerpoint/2010/main" xmlns:p15="http://schemas.microsoft.com/office/powerpoint/2012/main" showMasterPhAnim="0" showMasterSp="0">
+<p:notes xmlns:a="http://schemas.openxmlformats.org/drawingml/2006/main" xmlns:r="http://schemas.openxmlformats.org/officeDocument/2006/relationships" xmlns:p="http://schemas.openxmlformats.org/presentationml/2006/main" showMasterSp="0" showMasterPhAnim="0">
   <p:cSld>
     <p:spTree>
       <p:nvGrpSpPr>
-        <p:cNvPr id="97" name="Shape 97"/>
+        <p:cNvPr id="1" name="Shape 97"/>
         <p:cNvGrpSpPr/>
         <p:nvPr/>
       </p:nvGrpSpPr>
@@ -3314,19 +3603,26 @@
       <p:sp>
         <p:nvSpPr>
           <p:cNvPr id="98" name="Shape 98"/>
-          <p:cNvSpPr/>
-          <p:nvPr>
-            <p:ph idx="2" type="sldImg"/>
-          </p:nvPr>
-        </p:nvSpPr>
-        <p:spPr>
-          <a:xfrm>
-            <a:off x="1143300" y="685800"/>
+          <p:cNvSpPr>
+            <a:spLocks noGrp="1" noRot="1" noChangeAspect="1"/>
+          </p:cNvSpPr>
+          <p:nvPr>
+            <p:ph type="sldImg" idx="2"/>
+          </p:nvPr>
+        </p:nvSpPr>
+        <p:spPr>
+          <a:xfrm>
+            <a:off x="1143000" y="685800"/>
             <a:ext cx="4572000" cy="3429000"/>
           </a:xfrm>
           <a:custGeom>
+            <a:avLst/>
+            <a:gdLst/>
+            <a:ahLst/>
+            <a:cxnLst/>
+            <a:rect l="0" t="0" r="0" b="0"/>
             <a:pathLst>
-              <a:path extrusionOk="0" h="120000" w="120000">
+              <a:path w="120000" h="120000" extrusionOk="0">
                 <a:moveTo>
                   <a:pt x="0" y="0"/>
                 </a:moveTo>
@@ -3348,9 +3644,11 @@
       <p:sp>
         <p:nvSpPr>
           <p:cNvPr id="99" name="Shape 99"/>
-          <p:cNvSpPr txBox="1"/>
-          <p:nvPr>
-            <p:ph idx="1" type="body"/>
+          <p:cNvSpPr txBox="1">
+            <a:spLocks noGrp="1"/>
+          </p:cNvSpPr>
+          <p:nvPr>
+            <p:ph type="body" idx="1"/>
           </p:nvPr>
         </p:nvSpPr>
         <p:spPr>
@@ -3363,7 +3661,7 @@
           </a:prstGeom>
         </p:spPr>
         <p:txBody>
-          <a:bodyPr anchorCtr="0" anchor="t" bIns="91425" lIns="91425" rIns="91425" wrap="square" tIns="91425">
+          <a:bodyPr wrap="square" lIns="91425" tIns="91425" rIns="91425" bIns="91425" anchor="t" anchorCtr="0">
             <a:noAutofit/>
           </a:bodyPr>
           <a:lstStyle/>
@@ -3390,11 +3688,11 @@
 </file>
 
 <file path=ppt/notesSlides/notesSlide8.xml><?xml version="1.0" encoding="utf-8"?>
-<p:notes xmlns:a="http://schemas.openxmlformats.org/drawingml/2006/main" xmlns:r="http://schemas.openxmlformats.org/officeDocument/2006/relationships" xmlns:mc="http://schemas.openxmlformats.org/markup-compatibility/2006" xmlns:mv="urn:schemas-microsoft-com:mac:vml" xmlns:p="http://schemas.openxmlformats.org/presentationml/2006/main" xmlns:c="http://schemas.openxmlformats.org/drawingml/2006/chart" xmlns:dgm="http://schemas.openxmlformats.org/drawingml/2006/diagram" xmlns:o="urn:schemas-microsoft-com:office:office" xmlns:v="urn:schemas-microsoft-com:vml" xmlns:pvml="urn:schemas-microsoft-com:office:powerpoint" xmlns:com="http://schemas.openxmlformats.org/drawingml/2006/compatibility" xmlns:p14="http://schemas.microsoft.com/office/powerpoint/2010/main" xmlns:p15="http://schemas.microsoft.com/office/powerpoint/2012/main" showMasterPhAnim="0" showMasterSp="0">
+<p:notes xmlns:a="http://schemas.openxmlformats.org/drawingml/2006/main" xmlns:r="http://schemas.openxmlformats.org/officeDocument/2006/relationships" xmlns:p="http://schemas.openxmlformats.org/presentationml/2006/main" showMasterSp="0" showMasterPhAnim="0">
   <p:cSld>
     <p:spTree>
       <p:nvGrpSpPr>
-        <p:cNvPr id="102" name="Shape 102"/>
+        <p:cNvPr id="1" name="Shape 102"/>
         <p:cNvGrpSpPr/>
         <p:nvPr/>
       </p:nvGrpSpPr>
@@ -3409,19 +3707,26 @@
       <p:sp>
         <p:nvSpPr>
           <p:cNvPr id="103" name="Shape 103"/>
-          <p:cNvSpPr/>
-          <p:nvPr>
-            <p:ph idx="2" type="sldImg"/>
-          </p:nvPr>
-        </p:nvSpPr>
-        <p:spPr>
-          <a:xfrm>
-            <a:off x="1143300" y="685800"/>
+          <p:cNvSpPr>
+            <a:spLocks noGrp="1" noRot="1" noChangeAspect="1"/>
+          </p:cNvSpPr>
+          <p:nvPr>
+            <p:ph type="sldImg" idx="2"/>
+          </p:nvPr>
+        </p:nvSpPr>
+        <p:spPr>
+          <a:xfrm>
+            <a:off x="1143000" y="685800"/>
             <a:ext cx="4572000" cy="3429000"/>
           </a:xfrm>
           <a:custGeom>
+            <a:avLst/>
+            <a:gdLst/>
+            <a:ahLst/>
+            <a:cxnLst/>
+            <a:rect l="0" t="0" r="0" b="0"/>
             <a:pathLst>
-              <a:path extrusionOk="0" h="120000" w="120000">
+              <a:path w="120000" h="120000" extrusionOk="0">
                 <a:moveTo>
                   <a:pt x="0" y="0"/>
                 </a:moveTo>
@@ -3443,9 +3748,11 @@
       <p:sp>
         <p:nvSpPr>
           <p:cNvPr id="104" name="Shape 104"/>
-          <p:cNvSpPr txBox="1"/>
-          <p:nvPr>
-            <p:ph idx="1" type="body"/>
+          <p:cNvSpPr txBox="1">
+            <a:spLocks noGrp="1"/>
+          </p:cNvSpPr>
+          <p:nvPr>
+            <p:ph type="body" idx="1"/>
           </p:nvPr>
         </p:nvSpPr>
         <p:spPr>
@@ -3458,12 +3765,12 @@
           </a:prstGeom>
         </p:spPr>
         <p:txBody>
-          <a:bodyPr anchorCtr="0" anchor="t" bIns="91425" lIns="91425" rIns="91425" wrap="square" tIns="91425">
+          <a:bodyPr wrap="square" lIns="91425" tIns="91425" rIns="91425" bIns="91425" anchor="t" anchorCtr="0">
             <a:noAutofit/>
           </a:bodyPr>
           <a:lstStyle/>
           <a:p>
-            <a:pPr indent="-342900" lvl="0" marL="457200" rtl="0">
+            <a:pPr marL="457200" lvl="0" indent="-342900" rtl="0">
               <a:lnSpc>
                 <a:spcPct val="115000"/>
               </a:lnSpc>
@@ -3493,7 +3800,7 @@
             </a:r>
           </a:p>
           <a:p>
-            <a:pPr indent="-342900" lvl="0" marL="457200" rtl="0">
+            <a:pPr marL="457200" lvl="0" indent="-342900" rtl="0">
               <a:lnSpc>
                 <a:spcPct val="115000"/>
               </a:lnSpc>
@@ -3535,9 +3842,6 @@
               </a:spcAft>
               <a:buNone/>
             </a:pPr>
-            <a:r>
-              <a:t/>
-            </a:r>
             <a:endParaRPr sz="1800">
               <a:solidFill>
                 <a:schemeClr val="dk1"/>
@@ -3549,7 +3853,7 @@
             </a:endParaRPr>
           </a:p>
           <a:p>
-            <a:pPr indent="-342900" lvl="0" marL="457200" rtl="0">
+            <a:pPr marL="457200" lvl="0" indent="-342900" rtl="0">
               <a:lnSpc>
                 <a:spcPct val="115000"/>
               </a:lnSpc>
@@ -3588,6 +3892,15 @@
                 <a:sym typeface="Old Standard TT"/>
               </a:rPr>
             </a:br>
+            <a:endParaRPr lang="en" sz="1800">
+              <a:solidFill>
+                <a:schemeClr val="dk1"/>
+              </a:solidFill>
+              <a:latin typeface="Old Standard TT"/>
+              <a:ea typeface="Old Standard TT"/>
+              <a:cs typeface="Old Standard TT"/>
+              <a:sym typeface="Old Standard TT"/>
+            </a:endParaRPr>
           </a:p>
         </p:txBody>
       </p:sp>
@@ -3600,11 +3913,11 @@
 </file>
 
 <file path=ppt/notesSlides/notesSlide9.xml><?xml version="1.0" encoding="utf-8"?>
-<p:notes xmlns:a="http://schemas.openxmlformats.org/drawingml/2006/main" xmlns:r="http://schemas.openxmlformats.org/officeDocument/2006/relationships" xmlns:mc="http://schemas.openxmlformats.org/markup-compatibility/2006" xmlns:mv="urn:schemas-microsoft-com:mac:vml" xmlns:p="http://schemas.openxmlformats.org/presentationml/2006/main" xmlns:c="http://schemas.openxmlformats.org/drawingml/2006/chart" xmlns:dgm="http://schemas.openxmlformats.org/drawingml/2006/diagram" xmlns:o="urn:schemas-microsoft-com:office:office" xmlns:v="urn:schemas-microsoft-com:vml" xmlns:pvml="urn:schemas-microsoft-com:office:powerpoint" xmlns:com="http://schemas.openxmlformats.org/drawingml/2006/compatibility" xmlns:p14="http://schemas.microsoft.com/office/powerpoint/2010/main" xmlns:p15="http://schemas.microsoft.com/office/powerpoint/2012/main" showMasterPhAnim="0" showMasterSp="0">
+<p:notes xmlns:a="http://schemas.openxmlformats.org/drawingml/2006/main" xmlns:r="http://schemas.openxmlformats.org/officeDocument/2006/relationships" xmlns:p="http://schemas.openxmlformats.org/presentationml/2006/main" showMasterSp="0" showMasterPhAnim="0">
   <p:cSld>
     <p:spTree>
       <p:nvGrpSpPr>
-        <p:cNvPr id="109" name="Shape 109"/>
+        <p:cNvPr id="1" name="Shape 109"/>
         <p:cNvGrpSpPr/>
         <p:nvPr/>
       </p:nvGrpSpPr>
@@ -3619,19 +3932,26 @@
       <p:sp>
         <p:nvSpPr>
           <p:cNvPr id="110" name="Shape 110"/>
-          <p:cNvSpPr/>
-          <p:nvPr>
-            <p:ph idx="2" type="sldImg"/>
-          </p:nvPr>
-        </p:nvSpPr>
-        <p:spPr>
-          <a:xfrm>
-            <a:off x="1143300" y="685800"/>
+          <p:cNvSpPr>
+            <a:spLocks noGrp="1" noRot="1" noChangeAspect="1"/>
+          </p:cNvSpPr>
+          <p:nvPr>
+            <p:ph type="sldImg" idx="2"/>
+          </p:nvPr>
+        </p:nvSpPr>
+        <p:spPr>
+          <a:xfrm>
+            <a:off x="1143000" y="685800"/>
             <a:ext cx="4572000" cy="3429000"/>
           </a:xfrm>
           <a:custGeom>
+            <a:avLst/>
+            <a:gdLst/>
+            <a:ahLst/>
+            <a:cxnLst/>
+            <a:rect l="0" t="0" r="0" b="0"/>
             <a:pathLst>
-              <a:path extrusionOk="0" h="120000" w="120000">
+              <a:path w="120000" h="120000" extrusionOk="0">
                 <a:moveTo>
                   <a:pt x="0" y="0"/>
                 </a:moveTo>
@@ -3653,9 +3973,11 @@
       <p:sp>
         <p:nvSpPr>
           <p:cNvPr id="111" name="Shape 111"/>
-          <p:cNvSpPr txBox="1"/>
-          <p:nvPr>
-            <p:ph idx="1" type="body"/>
+          <p:cNvSpPr txBox="1">
+            <a:spLocks noGrp="1"/>
+          </p:cNvSpPr>
+          <p:nvPr>
+            <p:ph type="body" idx="1"/>
           </p:nvPr>
         </p:nvSpPr>
         <p:spPr>
@@ -3668,7 +3990,7 @@
           </a:prstGeom>
         </p:spPr>
         <p:txBody>
-          <a:bodyPr anchorCtr="0" anchor="t" bIns="91425" lIns="91425" rIns="91425" wrap="square" tIns="91425">
+          <a:bodyPr wrap="square" lIns="91425" tIns="91425" rIns="91425" bIns="91425" anchor="t" anchorCtr="0">
             <a:noAutofit/>
           </a:bodyPr>
           <a:lstStyle/>
@@ -3679,9 +4001,6 @@
               </a:spcBef>
               <a:buNone/>
             </a:pPr>
-            <a:r>
-              <a:t/>
-            </a:r>
             <a:endParaRPr/>
           </a:p>
         </p:txBody>
@@ -3695,18 +4014,19 @@
 </file>
 
 <file path=ppt/slideLayouts/slideLayout1.xml><?xml version="1.0" encoding="utf-8"?>
-<p:sldLayout xmlns:a="http://schemas.openxmlformats.org/drawingml/2006/main" xmlns:r="http://schemas.openxmlformats.org/officeDocument/2006/relationships" xmlns:mc="http://schemas.openxmlformats.org/markup-compatibility/2006" xmlns:mv="urn:schemas-microsoft-com:mac:vml" xmlns:p="http://schemas.openxmlformats.org/presentationml/2006/main" xmlns:c="http://schemas.openxmlformats.org/drawingml/2006/chart" xmlns:dgm="http://schemas.openxmlformats.org/drawingml/2006/diagram" xmlns:o="urn:schemas-microsoft-com:office:office" xmlns:v="urn:schemas-microsoft-com:vml" xmlns:pvml="urn:schemas-microsoft-com:office:powerpoint" xmlns:com="http://schemas.openxmlformats.org/drawingml/2006/compatibility" xmlns:p14="http://schemas.microsoft.com/office/powerpoint/2010/main" xmlns:p15="http://schemas.microsoft.com/office/powerpoint/2012/main" type="title">
+<p:sldLayout xmlns:a="http://schemas.openxmlformats.org/drawingml/2006/main" xmlns:r="http://schemas.openxmlformats.org/officeDocument/2006/relationships" xmlns:p="http://schemas.openxmlformats.org/presentationml/2006/main" type="title">
   <p:cSld name="Title slide">
     <p:bg>
       <p:bgPr>
         <a:solidFill>
           <a:schemeClr val="dk1"/>
         </a:solidFill>
+        <a:effectLst/>
       </p:bgPr>
     </p:bg>
     <p:spTree>
       <p:nvGrpSpPr>
-        <p:cNvPr id="9" name="Shape 9"/>
+        <p:cNvPr id="1" name="Shape 9"/>
         <p:cNvGrpSpPr/>
         <p:nvPr/>
       </p:nvGrpSpPr>
@@ -3740,7 +4060,7 @@
           </a:ln>
         </p:spPr>
         <p:txBody>
-          <a:bodyPr anchorCtr="0" anchor="ctr" bIns="91425" lIns="91425" rIns="91425" wrap="square" tIns="91425">
+          <a:bodyPr wrap="square" lIns="91425" tIns="91425" rIns="91425" bIns="91425" anchor="ctr" anchorCtr="0">
             <a:noAutofit/>
           </a:bodyPr>
           <a:lstStyle/>
@@ -3751,9 +4071,6 @@
               </a:spcBef>
               <a:buNone/>
             </a:pPr>
-            <a:r>
-              <a:t/>
-            </a:r>
             <a:endParaRPr/>
           </a:p>
         </p:txBody>
@@ -3773,21 +4090,23 @@
             <a:avLst/>
           </a:prstGeom>
           <a:noFill/>
-          <a:ln cap="flat" cmpd="sng" w="28575">
+          <a:ln w="28575" cap="flat" cmpd="sng">
             <a:solidFill>
               <a:schemeClr val="accent1"/>
             </a:solidFill>
             <a:prstDash val="solid"/>
             <a:round/>
-            <a:headEnd len="med" w="med" type="none"/>
-            <a:tailEnd len="med" w="med" type="none"/>
+            <a:headEnd type="none" w="med" len="med"/>
+            <a:tailEnd type="none" w="med" len="med"/>
           </a:ln>
         </p:spPr>
       </p:cxnSp>
       <p:sp>
         <p:nvSpPr>
           <p:cNvPr id="12" name="Shape 12"/>
-          <p:cNvSpPr txBox="1"/>
+          <p:cNvSpPr txBox="1">
+            <a:spLocks noGrp="1"/>
+          </p:cNvSpPr>
           <p:nvPr>
             <p:ph type="ctrTitle"/>
           </p:nvPr>
@@ -3802,7 +4121,7 @@
           </a:prstGeom>
         </p:spPr>
         <p:txBody>
-          <a:bodyPr anchorCtr="0" anchor="b" bIns="91425" lIns="91425" rIns="91425" wrap="square" tIns="91425"/>
+          <a:bodyPr wrap="square" lIns="91425" tIns="91425" rIns="91425" bIns="91425" anchor="b" anchorCtr="0"/>
           <a:lstStyle>
             <a:lvl1pPr lvl="0">
               <a:spcBef>
@@ -3931,15 +4250,19 @@
               </a:defRPr>
             </a:lvl9pPr>
           </a:lstStyle>
-          <a:p/>
+          <a:p>
+            <a:endParaRPr/>
+          </a:p>
         </p:txBody>
       </p:sp>
       <p:sp>
         <p:nvSpPr>
           <p:cNvPr id="13" name="Shape 13"/>
-          <p:cNvSpPr txBox="1"/>
-          <p:nvPr>
-            <p:ph idx="1" type="subTitle"/>
+          <p:cNvSpPr txBox="1">
+            <a:spLocks noGrp="1"/>
+          </p:cNvSpPr>
+          <p:nvPr>
+            <p:ph type="subTitle" idx="1"/>
           </p:nvPr>
         </p:nvSpPr>
         <p:spPr>
@@ -3952,7 +4275,7 @@
           </a:prstGeom>
         </p:spPr>
         <p:txBody>
-          <a:bodyPr anchorCtr="0" anchor="t" bIns="91425" lIns="91425" rIns="91425" wrap="square" tIns="91425"/>
+          <a:bodyPr wrap="square" lIns="91425" tIns="91425" rIns="91425" bIns="91425" anchor="t" anchorCtr="0"/>
           <a:lstStyle>
             <a:lvl1pPr lvl="0">
               <a:lnSpc>
@@ -4144,15 +4467,19 @@
               </a:defRPr>
             </a:lvl9pPr>
           </a:lstStyle>
-          <a:p/>
+          <a:p>
+            <a:endParaRPr/>
+          </a:p>
         </p:txBody>
       </p:sp>
       <p:sp>
         <p:nvSpPr>
           <p:cNvPr id="14" name="Shape 14"/>
-          <p:cNvSpPr txBox="1"/>
-          <p:nvPr>
-            <p:ph idx="12" type="sldNum"/>
+          <p:cNvSpPr txBox="1">
+            <a:spLocks noGrp="1"/>
+          </p:cNvSpPr>
+          <p:nvPr>
+            <p:ph type="sldNum" idx="12"/>
           </p:nvPr>
         </p:nvSpPr>
         <p:spPr>
@@ -4165,7 +4492,7 @@
           </a:prstGeom>
         </p:spPr>
         <p:txBody>
-          <a:bodyPr anchorCtr="0" anchor="ctr" bIns="91425" lIns="91425" rIns="91425" wrap="square" tIns="91425">
+          <a:bodyPr wrap="square" lIns="91425" tIns="91425" rIns="91425" bIns="91425" anchor="ctr" anchorCtr="0">
             <a:noAutofit/>
           </a:bodyPr>
           <a:lstStyle/>
@@ -4182,8 +4509,13 @@
                   <a:schemeClr val="accent1"/>
                 </a:solidFill>
               </a:rPr>
-              <a:t>‹#›</a:t>
+              <a:t>‹Nr.›</a:t>
             </a:fld>
+            <a:endParaRPr lang="en">
+              <a:solidFill>
+                <a:schemeClr val="accent1"/>
+              </a:solidFill>
+            </a:endParaRPr>
           </a:p>
         </p:txBody>
       </p:sp>
@@ -4196,11 +4528,11 @@
 </file>
 
 <file path=ppt/slideLayouts/slideLayout10.xml><?xml version="1.0" encoding="utf-8"?>
-<p:sldLayout xmlns:a="http://schemas.openxmlformats.org/drawingml/2006/main" xmlns:r="http://schemas.openxmlformats.org/officeDocument/2006/relationships" xmlns:mc="http://schemas.openxmlformats.org/markup-compatibility/2006" xmlns:mv="urn:schemas-microsoft-com:mac:vml" xmlns:p="http://schemas.openxmlformats.org/presentationml/2006/main" xmlns:c="http://schemas.openxmlformats.org/drawingml/2006/chart" xmlns:dgm="http://schemas.openxmlformats.org/drawingml/2006/diagram" xmlns:o="urn:schemas-microsoft-com:office:office" xmlns:v="urn:schemas-microsoft-com:vml" xmlns:pvml="urn:schemas-microsoft-com:office:powerpoint" xmlns:com="http://schemas.openxmlformats.org/drawingml/2006/compatibility" xmlns:p14="http://schemas.microsoft.com/office/powerpoint/2010/main" xmlns:p15="http://schemas.microsoft.com/office/powerpoint/2012/main">
+<p:sldLayout xmlns:a="http://schemas.openxmlformats.org/drawingml/2006/main" xmlns:r="http://schemas.openxmlformats.org/officeDocument/2006/relationships" xmlns:p="http://schemas.openxmlformats.org/presentationml/2006/main">
   <p:cSld name="Big number">
     <p:spTree>
       <p:nvGrpSpPr>
-        <p:cNvPr id="49" name="Shape 49"/>
+        <p:cNvPr id="1" name="Shape 49"/>
         <p:cNvGrpSpPr/>
         <p:nvPr/>
       </p:nvGrpSpPr>
@@ -4215,7 +4547,9 @@
       <p:sp>
         <p:nvSpPr>
           <p:cNvPr id="50" name="Shape 50"/>
-          <p:cNvSpPr txBox="1"/>
+          <p:cNvSpPr txBox="1">
+            <a:spLocks noGrp="1"/>
+          </p:cNvSpPr>
           <p:nvPr>
             <p:ph type="title"/>
           </p:nvPr>
@@ -4230,81 +4564,85 @@
           </a:prstGeom>
         </p:spPr>
         <p:txBody>
-          <a:bodyPr anchorCtr="0" anchor="b" bIns="91425" lIns="91425" rIns="91425" wrap="square" tIns="91425"/>
+          <a:bodyPr wrap="square" lIns="91425" tIns="91425" rIns="91425" bIns="91425" anchor="b" anchorCtr="0"/>
           <a:lstStyle>
             <a:lvl1pPr lvl="0" algn="ctr">
               <a:spcBef>
                 <a:spcPts val="0"/>
               </a:spcBef>
               <a:buSzPct val="100000"/>
-              <a:defRPr b="1" sz="14000"/>
+              <a:defRPr sz="14000" b="1"/>
             </a:lvl1pPr>
             <a:lvl2pPr lvl="1" algn="ctr">
               <a:spcBef>
                 <a:spcPts val="0"/>
               </a:spcBef>
               <a:buSzPct val="100000"/>
-              <a:defRPr b="1" sz="14000"/>
+              <a:defRPr sz="14000" b="1"/>
             </a:lvl2pPr>
             <a:lvl3pPr lvl="2" algn="ctr">
               <a:spcBef>
                 <a:spcPts val="0"/>
               </a:spcBef>
               <a:buSzPct val="100000"/>
-              <a:defRPr b="1" sz="14000"/>
+              <a:defRPr sz="14000" b="1"/>
             </a:lvl3pPr>
             <a:lvl4pPr lvl="3" algn="ctr">
               <a:spcBef>
                 <a:spcPts val="0"/>
               </a:spcBef>
               <a:buSzPct val="100000"/>
-              <a:defRPr b="1" sz="14000"/>
+              <a:defRPr sz="14000" b="1"/>
             </a:lvl4pPr>
             <a:lvl5pPr lvl="4" algn="ctr">
               <a:spcBef>
                 <a:spcPts val="0"/>
               </a:spcBef>
               <a:buSzPct val="100000"/>
-              <a:defRPr b="1" sz="14000"/>
+              <a:defRPr sz="14000" b="1"/>
             </a:lvl5pPr>
             <a:lvl6pPr lvl="5" algn="ctr">
               <a:spcBef>
                 <a:spcPts val="0"/>
               </a:spcBef>
               <a:buSzPct val="100000"/>
-              <a:defRPr b="1" sz="14000"/>
+              <a:defRPr sz="14000" b="1"/>
             </a:lvl6pPr>
             <a:lvl7pPr lvl="6" algn="ctr">
               <a:spcBef>
                 <a:spcPts val="0"/>
               </a:spcBef>
               <a:buSzPct val="100000"/>
-              <a:defRPr b="1" sz="14000"/>
+              <a:defRPr sz="14000" b="1"/>
             </a:lvl7pPr>
             <a:lvl8pPr lvl="7" algn="ctr">
               <a:spcBef>
                 <a:spcPts val="0"/>
               </a:spcBef>
               <a:buSzPct val="100000"/>
-              <a:defRPr b="1" sz="14000"/>
+              <a:defRPr sz="14000" b="1"/>
             </a:lvl8pPr>
             <a:lvl9pPr lvl="8" algn="ctr">
               <a:spcBef>
                 <a:spcPts val="0"/>
               </a:spcBef>
               <a:buSzPct val="100000"/>
-              <a:defRPr b="1" sz="14000"/>
+              <a:defRPr sz="14000" b="1"/>
             </a:lvl9pPr>
           </a:lstStyle>
-          <a:p/>
+          <a:p>
+            <a:endParaRPr/>
+          </a:p>
         </p:txBody>
       </p:sp>
       <p:sp>
         <p:nvSpPr>
           <p:cNvPr id="51" name="Shape 51"/>
-          <p:cNvSpPr txBox="1"/>
-          <p:nvPr>
-            <p:ph idx="1" type="body"/>
+          <p:cNvSpPr txBox="1">
+            <a:spLocks noGrp="1"/>
+          </p:cNvSpPr>
+          <p:nvPr>
+            <p:ph type="body" idx="1"/>
           </p:nvPr>
         </p:nvSpPr>
         <p:spPr>
@@ -4317,7 +4655,7 @@
           </a:prstGeom>
         </p:spPr>
         <p:txBody>
-          <a:bodyPr anchorCtr="0" anchor="t" bIns="91425" lIns="91425" rIns="91425" wrap="square" tIns="91425"/>
+          <a:bodyPr wrap="square" lIns="91425" tIns="91425" rIns="91425" bIns="91425" anchor="t" anchorCtr="0"/>
           <a:lstStyle>
             <a:lvl1pPr lvl="0" algn="ctr">
               <a:spcBef>
@@ -4374,15 +4712,19 @@
               <a:defRPr/>
             </a:lvl9pPr>
           </a:lstStyle>
-          <a:p/>
+          <a:p>
+            <a:endParaRPr/>
+          </a:p>
         </p:txBody>
       </p:sp>
       <p:sp>
         <p:nvSpPr>
           <p:cNvPr id="52" name="Shape 52"/>
-          <p:cNvSpPr txBox="1"/>
-          <p:nvPr>
-            <p:ph idx="12" type="sldNum"/>
+          <p:cNvSpPr txBox="1">
+            <a:spLocks noGrp="1"/>
+          </p:cNvSpPr>
+          <p:nvPr>
+            <p:ph type="sldNum" idx="12"/>
           </p:nvPr>
         </p:nvSpPr>
         <p:spPr>
@@ -4395,7 +4737,7 @@
           </a:prstGeom>
         </p:spPr>
         <p:txBody>
-          <a:bodyPr anchorCtr="0" anchor="ctr" bIns="91425" lIns="91425" rIns="91425" wrap="square" tIns="91425">
+          <a:bodyPr wrap="square" lIns="91425" tIns="91425" rIns="91425" bIns="91425" anchor="ctr" anchorCtr="0">
             <a:noAutofit/>
           </a:bodyPr>
           <a:lstStyle/>
@@ -4408,8 +4750,9 @@
             </a:pPr>
             <a:fld id="{00000000-1234-1234-1234-123412341234}" type="slidenum">
               <a:rPr lang="en"/>
-              <a:t>‹#›</a:t>
+              <a:t>‹Nr.›</a:t>
             </a:fld>
+            <a:endParaRPr lang="en"/>
           </a:p>
         </p:txBody>
       </p:sp>
@@ -4422,11 +4765,11 @@
 </file>
 
 <file path=ppt/slideLayouts/slideLayout11.xml><?xml version="1.0" encoding="utf-8"?>
-<p:sldLayout xmlns:a="http://schemas.openxmlformats.org/drawingml/2006/main" xmlns:r="http://schemas.openxmlformats.org/officeDocument/2006/relationships" xmlns:mc="http://schemas.openxmlformats.org/markup-compatibility/2006" xmlns:mv="urn:schemas-microsoft-com:mac:vml" xmlns:p="http://schemas.openxmlformats.org/presentationml/2006/main" xmlns:c="http://schemas.openxmlformats.org/drawingml/2006/chart" xmlns:dgm="http://schemas.openxmlformats.org/drawingml/2006/diagram" xmlns:o="urn:schemas-microsoft-com:office:office" xmlns:v="urn:schemas-microsoft-com:vml" xmlns:pvml="urn:schemas-microsoft-com:office:powerpoint" xmlns:com="http://schemas.openxmlformats.org/drawingml/2006/compatibility" xmlns:p14="http://schemas.microsoft.com/office/powerpoint/2010/main" xmlns:p15="http://schemas.microsoft.com/office/powerpoint/2012/main" type="blank">
+<p:sldLayout xmlns:a="http://schemas.openxmlformats.org/drawingml/2006/main" xmlns:r="http://schemas.openxmlformats.org/officeDocument/2006/relationships" xmlns:p="http://schemas.openxmlformats.org/presentationml/2006/main" type="blank">
   <p:cSld name="Blank">
     <p:spTree>
       <p:nvGrpSpPr>
-        <p:cNvPr id="53" name="Shape 53"/>
+        <p:cNvPr id="1" name="Shape 53"/>
         <p:cNvGrpSpPr/>
         <p:nvPr/>
       </p:nvGrpSpPr>
@@ -4441,9 +4784,11 @@
       <p:sp>
         <p:nvSpPr>
           <p:cNvPr id="54" name="Shape 54"/>
-          <p:cNvSpPr txBox="1"/>
-          <p:nvPr>
-            <p:ph idx="12" type="sldNum"/>
+          <p:cNvSpPr txBox="1">
+            <a:spLocks noGrp="1"/>
+          </p:cNvSpPr>
+          <p:nvPr>
+            <p:ph type="sldNum" idx="12"/>
           </p:nvPr>
         </p:nvSpPr>
         <p:spPr>
@@ -4456,7 +4801,7 @@
           </a:prstGeom>
         </p:spPr>
         <p:txBody>
-          <a:bodyPr anchorCtr="0" anchor="ctr" bIns="91425" lIns="91425" rIns="91425" wrap="square" tIns="91425">
+          <a:bodyPr wrap="square" lIns="91425" tIns="91425" rIns="91425" bIns="91425" anchor="ctr" anchorCtr="0">
             <a:noAutofit/>
           </a:bodyPr>
           <a:lstStyle/>
@@ -4469,8 +4814,9 @@
             </a:pPr>
             <a:fld id="{00000000-1234-1234-1234-123412341234}" type="slidenum">
               <a:rPr lang="en"/>
-              <a:t>‹#›</a:t>
+              <a:t>‹Nr.›</a:t>
             </a:fld>
+            <a:endParaRPr lang="en"/>
           </a:p>
         </p:txBody>
       </p:sp>
@@ -4483,18 +4829,19 @@
 </file>
 
 <file path=ppt/slideLayouts/slideLayout2.xml><?xml version="1.0" encoding="utf-8"?>
-<p:sldLayout xmlns:a="http://schemas.openxmlformats.org/drawingml/2006/main" xmlns:r="http://schemas.openxmlformats.org/officeDocument/2006/relationships" xmlns:mc="http://schemas.openxmlformats.org/markup-compatibility/2006" xmlns:mv="urn:schemas-microsoft-com:mac:vml" xmlns:p="http://schemas.openxmlformats.org/presentationml/2006/main" xmlns:c="http://schemas.openxmlformats.org/drawingml/2006/chart" xmlns:dgm="http://schemas.openxmlformats.org/drawingml/2006/diagram" xmlns:o="urn:schemas-microsoft-com:office:office" xmlns:v="urn:schemas-microsoft-com:vml" xmlns:pvml="urn:schemas-microsoft-com:office:powerpoint" xmlns:com="http://schemas.openxmlformats.org/drawingml/2006/compatibility" xmlns:p14="http://schemas.microsoft.com/office/powerpoint/2010/main" xmlns:p15="http://schemas.microsoft.com/office/powerpoint/2012/main" type="secHead">
+<p:sldLayout xmlns:a="http://schemas.openxmlformats.org/drawingml/2006/main" xmlns:r="http://schemas.openxmlformats.org/officeDocument/2006/relationships" xmlns:p="http://schemas.openxmlformats.org/presentationml/2006/main" type="secHead">
   <p:cSld name="Section header">
     <p:bg>
       <p:bgPr>
         <a:solidFill>
           <a:schemeClr val="dk1"/>
         </a:solidFill>
+        <a:effectLst/>
       </p:bgPr>
     </p:bg>
     <p:spTree>
       <p:nvGrpSpPr>
-        <p:cNvPr id="15" name="Shape 15"/>
+        <p:cNvPr id="1" name="Shape 15"/>
         <p:cNvGrpSpPr/>
         <p:nvPr/>
       </p:nvGrpSpPr>
@@ -4521,21 +4868,23 @@
             <a:avLst/>
           </a:prstGeom>
           <a:noFill/>
-          <a:ln cap="flat" cmpd="sng" w="28575">
+          <a:ln w="28575" cap="flat" cmpd="sng">
             <a:solidFill>
               <a:schemeClr val="lt2"/>
             </a:solidFill>
             <a:prstDash val="solid"/>
             <a:round/>
-            <a:headEnd len="med" w="med" type="none"/>
-            <a:tailEnd len="med" w="med" type="none"/>
+            <a:headEnd type="none" w="med" len="med"/>
+            <a:tailEnd type="none" w="med" len="med"/>
           </a:ln>
         </p:spPr>
       </p:cxnSp>
       <p:sp>
         <p:nvSpPr>
           <p:cNvPr id="17" name="Shape 17"/>
-          <p:cNvSpPr txBox="1"/>
+          <p:cNvSpPr txBox="1">
+            <a:spLocks noGrp="1"/>
+          </p:cNvSpPr>
           <p:nvPr>
             <p:ph type="title"/>
           </p:nvPr>
@@ -4550,7 +4899,7 @@
           </a:prstGeom>
         </p:spPr>
         <p:txBody>
-          <a:bodyPr anchorCtr="0" anchor="b" bIns="91425" lIns="91425" rIns="91425" wrap="square" tIns="91425"/>
+          <a:bodyPr wrap="square" lIns="91425" tIns="91425" rIns="91425" bIns="91425" anchor="b" anchorCtr="0"/>
           <a:lstStyle>
             <a:lvl1pPr lvl="0">
               <a:spcBef>
@@ -4679,15 +5028,19 @@
               </a:defRPr>
             </a:lvl9pPr>
           </a:lstStyle>
-          <a:p/>
+          <a:p>
+            <a:endParaRPr/>
+          </a:p>
         </p:txBody>
       </p:sp>
       <p:sp>
         <p:nvSpPr>
           <p:cNvPr id="18" name="Shape 18"/>
-          <p:cNvSpPr txBox="1"/>
-          <p:nvPr>
-            <p:ph idx="12" type="sldNum"/>
+          <p:cNvSpPr txBox="1">
+            <a:spLocks noGrp="1"/>
+          </p:cNvSpPr>
+          <p:nvPr>
+            <p:ph type="sldNum" idx="12"/>
           </p:nvPr>
         </p:nvSpPr>
         <p:spPr>
@@ -4700,7 +5053,7 @@
           </a:prstGeom>
         </p:spPr>
         <p:txBody>
-          <a:bodyPr anchorCtr="0" anchor="ctr" bIns="91425" lIns="91425" rIns="91425" wrap="square" tIns="91425">
+          <a:bodyPr wrap="square" lIns="91425" tIns="91425" rIns="91425" bIns="91425" anchor="ctr" anchorCtr="0">
             <a:noAutofit/>
           </a:bodyPr>
           <a:lstStyle/>
@@ -4717,8 +5070,13 @@
                   <a:schemeClr val="accent1"/>
                 </a:solidFill>
               </a:rPr>
-              <a:t>‹#›</a:t>
+              <a:t>‹Nr.›</a:t>
             </a:fld>
+            <a:endParaRPr lang="en">
+              <a:solidFill>
+                <a:schemeClr val="accent1"/>
+              </a:solidFill>
+            </a:endParaRPr>
           </a:p>
         </p:txBody>
       </p:sp>
@@ -4731,11 +5089,11 @@
 </file>
 
 <file path=ppt/slideLayouts/slideLayout3.xml><?xml version="1.0" encoding="utf-8"?>
-<p:sldLayout xmlns:a="http://schemas.openxmlformats.org/drawingml/2006/main" xmlns:r="http://schemas.openxmlformats.org/officeDocument/2006/relationships" xmlns:mc="http://schemas.openxmlformats.org/markup-compatibility/2006" xmlns:mv="urn:schemas-microsoft-com:mac:vml" xmlns:p="http://schemas.openxmlformats.org/presentationml/2006/main" xmlns:c="http://schemas.openxmlformats.org/drawingml/2006/chart" xmlns:dgm="http://schemas.openxmlformats.org/drawingml/2006/diagram" xmlns:o="urn:schemas-microsoft-com:office:office" xmlns:v="urn:schemas-microsoft-com:vml" xmlns:pvml="urn:schemas-microsoft-com:office:powerpoint" xmlns:com="http://schemas.openxmlformats.org/drawingml/2006/compatibility" xmlns:p14="http://schemas.microsoft.com/office/powerpoint/2010/main" xmlns:p15="http://schemas.microsoft.com/office/powerpoint/2012/main" type="tx">
+<p:sldLayout xmlns:a="http://schemas.openxmlformats.org/drawingml/2006/main" xmlns:r="http://schemas.openxmlformats.org/officeDocument/2006/relationships" xmlns:p="http://schemas.openxmlformats.org/presentationml/2006/main" type="tx">
   <p:cSld name="Title and body">
     <p:spTree>
       <p:nvGrpSpPr>
-        <p:cNvPr id="19" name="Shape 19"/>
+        <p:cNvPr id="1" name="Shape 19"/>
         <p:cNvGrpSpPr/>
         <p:nvPr/>
       </p:nvGrpSpPr>
@@ -4769,7 +5127,7 @@
           </a:ln>
         </p:spPr>
         <p:txBody>
-          <a:bodyPr anchorCtr="0" anchor="ctr" bIns="91425" lIns="91425" rIns="91425" wrap="square" tIns="91425">
+          <a:bodyPr wrap="square" lIns="91425" tIns="91425" rIns="91425" bIns="91425" anchor="ctr" anchorCtr="0">
             <a:noAutofit/>
           </a:bodyPr>
           <a:lstStyle/>
@@ -4780,9 +5138,6 @@
               </a:spcBef>
               <a:buNone/>
             </a:pPr>
-            <a:r>
-              <a:t/>
-            </a:r>
             <a:endParaRPr/>
           </a:p>
         </p:txBody>
@@ -4790,7 +5145,9 @@
       <p:sp>
         <p:nvSpPr>
           <p:cNvPr id="21" name="Shape 21"/>
-          <p:cNvSpPr txBox="1"/>
+          <p:cNvSpPr txBox="1">
+            <a:spLocks noGrp="1"/>
+          </p:cNvSpPr>
           <p:nvPr>
             <p:ph type="title"/>
           </p:nvPr>
@@ -4805,7 +5162,7 @@
           </a:prstGeom>
         </p:spPr>
         <p:txBody>
-          <a:bodyPr anchorCtr="0" anchor="t" bIns="91425" lIns="91425" rIns="91425" wrap="square" tIns="91425"/>
+          <a:bodyPr wrap="square" lIns="91425" tIns="91425" rIns="91425" bIns="91425" anchor="t" anchorCtr="0"/>
           <a:lstStyle>
             <a:lvl1pPr lvl="0">
               <a:spcBef>
@@ -4862,15 +5219,19 @@
               <a:defRPr/>
             </a:lvl9pPr>
           </a:lstStyle>
-          <a:p/>
+          <a:p>
+            <a:endParaRPr/>
+          </a:p>
         </p:txBody>
       </p:sp>
       <p:sp>
         <p:nvSpPr>
           <p:cNvPr id="22" name="Shape 22"/>
-          <p:cNvSpPr txBox="1"/>
-          <p:nvPr>
-            <p:ph idx="1" type="body"/>
+          <p:cNvSpPr txBox="1">
+            <a:spLocks noGrp="1"/>
+          </p:cNvSpPr>
+          <p:nvPr>
+            <p:ph type="body" idx="1"/>
           </p:nvPr>
         </p:nvSpPr>
         <p:spPr>
@@ -4883,7 +5244,7 @@
           </a:prstGeom>
         </p:spPr>
         <p:txBody>
-          <a:bodyPr anchorCtr="0" anchor="t" bIns="91425" lIns="91425" rIns="91425" wrap="square" tIns="91425"/>
+          <a:bodyPr wrap="square" lIns="91425" tIns="91425" rIns="91425" bIns="91425" anchor="t" anchorCtr="0"/>
           <a:lstStyle>
             <a:lvl1pPr lvl="0">
               <a:spcBef>
@@ -4940,15 +5301,19 @@
               <a:defRPr/>
             </a:lvl9pPr>
           </a:lstStyle>
-          <a:p/>
+          <a:p>
+            <a:endParaRPr/>
+          </a:p>
         </p:txBody>
       </p:sp>
       <p:sp>
         <p:nvSpPr>
           <p:cNvPr id="23" name="Shape 23"/>
-          <p:cNvSpPr txBox="1"/>
-          <p:nvPr>
-            <p:ph idx="12" type="sldNum"/>
+          <p:cNvSpPr txBox="1">
+            <a:spLocks noGrp="1"/>
+          </p:cNvSpPr>
+          <p:nvPr>
+            <p:ph type="sldNum" idx="12"/>
           </p:nvPr>
         </p:nvSpPr>
         <p:spPr>
@@ -4961,7 +5326,7 @@
           </a:prstGeom>
         </p:spPr>
         <p:txBody>
-          <a:bodyPr anchorCtr="0" anchor="ctr" bIns="91425" lIns="91425" rIns="91425" wrap="square" tIns="91425">
+          <a:bodyPr wrap="square" lIns="91425" tIns="91425" rIns="91425" bIns="91425" anchor="ctr" anchorCtr="0">
             <a:noAutofit/>
           </a:bodyPr>
           <a:lstStyle/>
@@ -4974,8 +5339,9 @@
             </a:pPr>
             <a:fld id="{00000000-1234-1234-1234-123412341234}" type="slidenum">
               <a:rPr lang="en"/>
-              <a:t>‹#›</a:t>
+              <a:t>‹Nr.›</a:t>
             </a:fld>
+            <a:endParaRPr lang="en"/>
           </a:p>
         </p:txBody>
       </p:sp>
@@ -4988,11 +5354,11 @@
 </file>
 
 <file path=ppt/slideLayouts/slideLayout4.xml><?xml version="1.0" encoding="utf-8"?>
-<p:sldLayout xmlns:a="http://schemas.openxmlformats.org/drawingml/2006/main" xmlns:r="http://schemas.openxmlformats.org/officeDocument/2006/relationships" xmlns:mc="http://schemas.openxmlformats.org/markup-compatibility/2006" xmlns:mv="urn:schemas-microsoft-com:mac:vml" xmlns:p="http://schemas.openxmlformats.org/presentationml/2006/main" xmlns:c="http://schemas.openxmlformats.org/drawingml/2006/chart" xmlns:dgm="http://schemas.openxmlformats.org/drawingml/2006/diagram" xmlns:o="urn:schemas-microsoft-com:office:office" xmlns:v="urn:schemas-microsoft-com:vml" xmlns:pvml="urn:schemas-microsoft-com:office:powerpoint" xmlns:com="http://schemas.openxmlformats.org/drawingml/2006/compatibility" xmlns:p14="http://schemas.microsoft.com/office/powerpoint/2010/main" xmlns:p15="http://schemas.microsoft.com/office/powerpoint/2012/main" type="twoColTx">
+<p:sldLayout xmlns:a="http://schemas.openxmlformats.org/drawingml/2006/main" xmlns:r="http://schemas.openxmlformats.org/officeDocument/2006/relationships" xmlns:p="http://schemas.openxmlformats.org/presentationml/2006/main" type="twoColTx">
   <p:cSld name="Title and two columns">
     <p:spTree>
       <p:nvGrpSpPr>
-        <p:cNvPr id="24" name="Shape 24"/>
+        <p:cNvPr id="1" name="Shape 24"/>
         <p:cNvGrpSpPr/>
         <p:nvPr/>
       </p:nvGrpSpPr>
@@ -5007,7 +5373,9 @@
       <p:sp>
         <p:nvSpPr>
           <p:cNvPr id="25" name="Shape 25"/>
-          <p:cNvSpPr txBox="1"/>
+          <p:cNvSpPr txBox="1">
+            <a:spLocks noGrp="1"/>
+          </p:cNvSpPr>
           <p:nvPr>
             <p:ph type="title"/>
           </p:nvPr>
@@ -5022,7 +5390,7 @@
           </a:prstGeom>
         </p:spPr>
         <p:txBody>
-          <a:bodyPr anchorCtr="0" anchor="t" bIns="91425" lIns="91425" rIns="91425" wrap="square" tIns="91425"/>
+          <a:bodyPr wrap="square" lIns="91425" tIns="91425" rIns="91425" bIns="91425" anchor="t" anchorCtr="0"/>
           <a:lstStyle>
             <a:lvl1pPr lvl="0">
               <a:spcBef>
@@ -5079,15 +5447,19 @@
               <a:defRPr/>
             </a:lvl9pPr>
           </a:lstStyle>
-          <a:p/>
+          <a:p>
+            <a:endParaRPr/>
+          </a:p>
         </p:txBody>
       </p:sp>
       <p:sp>
         <p:nvSpPr>
           <p:cNvPr id="26" name="Shape 26"/>
-          <p:cNvSpPr txBox="1"/>
-          <p:nvPr>
-            <p:ph idx="1" type="body"/>
+          <p:cNvSpPr txBox="1">
+            <a:spLocks noGrp="1"/>
+          </p:cNvSpPr>
+          <p:nvPr>
+            <p:ph type="body" idx="1"/>
           </p:nvPr>
         </p:nvSpPr>
         <p:spPr>
@@ -5100,7 +5472,7 @@
           </a:prstGeom>
         </p:spPr>
         <p:txBody>
-          <a:bodyPr anchorCtr="0" anchor="t" bIns="91425" lIns="91425" rIns="91425" wrap="square" tIns="91425"/>
+          <a:bodyPr wrap="square" lIns="91425" tIns="91425" rIns="91425" bIns="91425" anchor="t" anchorCtr="0"/>
           <a:lstStyle>
             <a:lvl1pPr lvl="0">
               <a:spcBef>
@@ -5166,15 +5538,19 @@
               <a:defRPr sz="1200"/>
             </a:lvl9pPr>
           </a:lstStyle>
-          <a:p/>
+          <a:p>
+            <a:endParaRPr/>
+          </a:p>
         </p:txBody>
       </p:sp>
       <p:sp>
         <p:nvSpPr>
           <p:cNvPr id="27" name="Shape 27"/>
-          <p:cNvSpPr txBox="1"/>
-          <p:nvPr>
-            <p:ph idx="2" type="body"/>
+          <p:cNvSpPr txBox="1">
+            <a:spLocks noGrp="1"/>
+          </p:cNvSpPr>
+          <p:nvPr>
+            <p:ph type="body" idx="2"/>
           </p:nvPr>
         </p:nvSpPr>
         <p:spPr>
@@ -5187,7 +5563,7 @@
           </a:prstGeom>
         </p:spPr>
         <p:txBody>
-          <a:bodyPr anchorCtr="0" anchor="t" bIns="91425" lIns="91425" rIns="91425" wrap="square" tIns="91425"/>
+          <a:bodyPr wrap="square" lIns="91425" tIns="91425" rIns="91425" bIns="91425" anchor="t" anchorCtr="0"/>
           <a:lstStyle>
             <a:lvl1pPr lvl="0">
               <a:spcBef>
@@ -5253,15 +5629,19 @@
               <a:defRPr sz="1200"/>
             </a:lvl9pPr>
           </a:lstStyle>
-          <a:p/>
+          <a:p>
+            <a:endParaRPr/>
+          </a:p>
         </p:txBody>
       </p:sp>
       <p:sp>
         <p:nvSpPr>
           <p:cNvPr id="28" name="Shape 28"/>
-          <p:cNvSpPr txBox="1"/>
-          <p:nvPr>
-            <p:ph idx="12" type="sldNum"/>
+          <p:cNvSpPr txBox="1">
+            <a:spLocks noGrp="1"/>
+          </p:cNvSpPr>
+          <p:nvPr>
+            <p:ph type="sldNum" idx="12"/>
           </p:nvPr>
         </p:nvSpPr>
         <p:spPr>
@@ -5274,7 +5654,7 @@
           </a:prstGeom>
         </p:spPr>
         <p:txBody>
-          <a:bodyPr anchorCtr="0" anchor="ctr" bIns="91425" lIns="91425" rIns="91425" wrap="square" tIns="91425">
+          <a:bodyPr wrap="square" lIns="91425" tIns="91425" rIns="91425" bIns="91425" anchor="ctr" anchorCtr="0">
             <a:noAutofit/>
           </a:bodyPr>
           <a:lstStyle/>
@@ -5287,8 +5667,9 @@
             </a:pPr>
             <a:fld id="{00000000-1234-1234-1234-123412341234}" type="slidenum">
               <a:rPr lang="en"/>
-              <a:t>‹#›</a:t>
+              <a:t>‹Nr.›</a:t>
             </a:fld>
+            <a:endParaRPr lang="en"/>
           </a:p>
         </p:txBody>
       </p:sp>
@@ -5301,11 +5682,11 @@
 </file>
 
 <file path=ppt/slideLayouts/slideLayout5.xml><?xml version="1.0" encoding="utf-8"?>
-<p:sldLayout xmlns:a="http://schemas.openxmlformats.org/drawingml/2006/main" xmlns:r="http://schemas.openxmlformats.org/officeDocument/2006/relationships" xmlns:mc="http://schemas.openxmlformats.org/markup-compatibility/2006" xmlns:mv="urn:schemas-microsoft-com:mac:vml" xmlns:p="http://schemas.openxmlformats.org/presentationml/2006/main" xmlns:c="http://schemas.openxmlformats.org/drawingml/2006/chart" xmlns:dgm="http://schemas.openxmlformats.org/drawingml/2006/diagram" xmlns:o="urn:schemas-microsoft-com:office:office" xmlns:v="urn:schemas-microsoft-com:vml" xmlns:pvml="urn:schemas-microsoft-com:office:powerpoint" xmlns:com="http://schemas.openxmlformats.org/drawingml/2006/compatibility" xmlns:p14="http://schemas.microsoft.com/office/powerpoint/2010/main" xmlns:p15="http://schemas.microsoft.com/office/powerpoint/2012/main" type="titleOnly">
+<p:sldLayout xmlns:a="http://schemas.openxmlformats.org/drawingml/2006/main" xmlns:r="http://schemas.openxmlformats.org/officeDocument/2006/relationships" xmlns:p="http://schemas.openxmlformats.org/presentationml/2006/main" type="titleOnly">
   <p:cSld name="Title only">
     <p:spTree>
       <p:nvGrpSpPr>
-        <p:cNvPr id="29" name="Shape 29"/>
+        <p:cNvPr id="1" name="Shape 29"/>
         <p:cNvGrpSpPr/>
         <p:nvPr/>
       </p:nvGrpSpPr>
@@ -5320,7 +5701,9 @@
       <p:sp>
         <p:nvSpPr>
           <p:cNvPr id="30" name="Shape 30"/>
-          <p:cNvSpPr txBox="1"/>
+          <p:cNvSpPr txBox="1">
+            <a:spLocks noGrp="1"/>
+          </p:cNvSpPr>
           <p:nvPr>
             <p:ph type="title"/>
           </p:nvPr>
@@ -5335,7 +5718,7 @@
           </a:prstGeom>
         </p:spPr>
         <p:txBody>
-          <a:bodyPr anchorCtr="0" anchor="t" bIns="91425" lIns="91425" rIns="91425" wrap="square" tIns="91425"/>
+          <a:bodyPr wrap="square" lIns="91425" tIns="91425" rIns="91425" bIns="91425" anchor="t" anchorCtr="0"/>
           <a:lstStyle>
             <a:lvl1pPr lvl="0">
               <a:spcBef>
@@ -5392,15 +5775,19 @@
               <a:defRPr/>
             </a:lvl9pPr>
           </a:lstStyle>
-          <a:p/>
+          <a:p>
+            <a:endParaRPr/>
+          </a:p>
         </p:txBody>
       </p:sp>
       <p:sp>
         <p:nvSpPr>
           <p:cNvPr id="31" name="Shape 31"/>
-          <p:cNvSpPr txBox="1"/>
-          <p:nvPr>
-            <p:ph idx="12" type="sldNum"/>
+          <p:cNvSpPr txBox="1">
+            <a:spLocks noGrp="1"/>
+          </p:cNvSpPr>
+          <p:nvPr>
+            <p:ph type="sldNum" idx="12"/>
           </p:nvPr>
         </p:nvSpPr>
         <p:spPr>
@@ -5413,7 +5800,7 @@
           </a:prstGeom>
         </p:spPr>
         <p:txBody>
-          <a:bodyPr anchorCtr="0" anchor="ctr" bIns="91425" lIns="91425" rIns="91425" wrap="square" tIns="91425">
+          <a:bodyPr wrap="square" lIns="91425" tIns="91425" rIns="91425" bIns="91425" anchor="ctr" anchorCtr="0">
             <a:noAutofit/>
           </a:bodyPr>
           <a:lstStyle/>
@@ -5426,8 +5813,9 @@
             </a:pPr>
             <a:fld id="{00000000-1234-1234-1234-123412341234}" type="slidenum">
               <a:rPr lang="en"/>
-              <a:t>‹#›</a:t>
+              <a:t>‹Nr.›</a:t>
             </a:fld>
+            <a:endParaRPr lang="en"/>
           </a:p>
         </p:txBody>
       </p:sp>
@@ -5440,11 +5828,11 @@
 </file>
 
 <file path=ppt/slideLayouts/slideLayout6.xml><?xml version="1.0" encoding="utf-8"?>
-<p:sldLayout xmlns:a="http://schemas.openxmlformats.org/drawingml/2006/main" xmlns:r="http://schemas.openxmlformats.org/officeDocument/2006/relationships" xmlns:mc="http://schemas.openxmlformats.org/markup-compatibility/2006" xmlns:mv="urn:schemas-microsoft-com:mac:vml" xmlns:p="http://schemas.openxmlformats.org/presentationml/2006/main" xmlns:c="http://schemas.openxmlformats.org/drawingml/2006/chart" xmlns:dgm="http://schemas.openxmlformats.org/drawingml/2006/diagram" xmlns:o="urn:schemas-microsoft-com:office:office" xmlns:v="urn:schemas-microsoft-com:vml" xmlns:pvml="urn:schemas-microsoft-com:office:powerpoint" xmlns:com="http://schemas.openxmlformats.org/drawingml/2006/compatibility" xmlns:p14="http://schemas.microsoft.com/office/powerpoint/2010/main" xmlns:p15="http://schemas.microsoft.com/office/powerpoint/2012/main">
+<p:sldLayout xmlns:a="http://schemas.openxmlformats.org/drawingml/2006/main" xmlns:r="http://schemas.openxmlformats.org/officeDocument/2006/relationships" xmlns:p="http://schemas.openxmlformats.org/presentationml/2006/main">
   <p:cSld name="One column text">
     <p:spTree>
       <p:nvGrpSpPr>
-        <p:cNvPr id="32" name="Shape 32"/>
+        <p:cNvPr id="1" name="Shape 32"/>
         <p:cNvGrpSpPr/>
         <p:nvPr/>
       </p:nvGrpSpPr>
@@ -5459,7 +5847,9 @@
       <p:sp>
         <p:nvSpPr>
           <p:cNvPr id="33" name="Shape 33"/>
-          <p:cNvSpPr txBox="1"/>
+          <p:cNvSpPr txBox="1">
+            <a:spLocks noGrp="1"/>
+          </p:cNvSpPr>
           <p:nvPr>
             <p:ph type="title"/>
           </p:nvPr>
@@ -5474,7 +5864,7 @@
           </a:prstGeom>
         </p:spPr>
         <p:txBody>
-          <a:bodyPr anchorCtr="0" anchor="b" bIns="91425" lIns="91425" rIns="91425" wrap="square" tIns="91425"/>
+          <a:bodyPr wrap="square" lIns="91425" tIns="91425" rIns="91425" bIns="91425" anchor="b" anchorCtr="0"/>
           <a:lstStyle>
             <a:lvl1pPr lvl="0">
               <a:spcBef>
@@ -5540,15 +5930,19 @@
               <a:defRPr sz="2400"/>
             </a:lvl9pPr>
           </a:lstStyle>
-          <a:p/>
+          <a:p>
+            <a:endParaRPr/>
+          </a:p>
         </p:txBody>
       </p:sp>
       <p:sp>
         <p:nvSpPr>
           <p:cNvPr id="34" name="Shape 34"/>
-          <p:cNvSpPr txBox="1"/>
-          <p:nvPr>
-            <p:ph idx="1" type="body"/>
+          <p:cNvSpPr txBox="1">
+            <a:spLocks noGrp="1"/>
+          </p:cNvSpPr>
+          <p:nvPr>
+            <p:ph type="body" idx="1"/>
           </p:nvPr>
         </p:nvSpPr>
         <p:spPr>
@@ -5561,7 +5955,7 @@
           </a:prstGeom>
         </p:spPr>
         <p:txBody>
-          <a:bodyPr anchorCtr="0" anchor="t" bIns="91425" lIns="91425" rIns="91425" wrap="square" tIns="91425"/>
+          <a:bodyPr wrap="square" lIns="91425" tIns="91425" rIns="91425" bIns="91425" anchor="t" anchorCtr="0"/>
           <a:lstStyle>
             <a:lvl1pPr lvl="0">
               <a:spcBef>
@@ -5627,15 +6021,19 @@
               <a:defRPr sz="1200"/>
             </a:lvl9pPr>
           </a:lstStyle>
-          <a:p/>
+          <a:p>
+            <a:endParaRPr/>
+          </a:p>
         </p:txBody>
       </p:sp>
       <p:sp>
         <p:nvSpPr>
           <p:cNvPr id="35" name="Shape 35"/>
-          <p:cNvSpPr txBox="1"/>
-          <p:nvPr>
-            <p:ph idx="12" type="sldNum"/>
+          <p:cNvSpPr txBox="1">
+            <a:spLocks noGrp="1"/>
+          </p:cNvSpPr>
+          <p:nvPr>
+            <p:ph type="sldNum" idx="12"/>
           </p:nvPr>
         </p:nvSpPr>
         <p:spPr>
@@ -5648,7 +6046,7 @@
           </a:prstGeom>
         </p:spPr>
         <p:txBody>
-          <a:bodyPr anchorCtr="0" anchor="ctr" bIns="91425" lIns="91425" rIns="91425" wrap="square" tIns="91425">
+          <a:bodyPr wrap="square" lIns="91425" tIns="91425" rIns="91425" bIns="91425" anchor="ctr" anchorCtr="0">
             <a:noAutofit/>
           </a:bodyPr>
           <a:lstStyle/>
@@ -5661,8 +6059,9 @@
             </a:pPr>
             <a:fld id="{00000000-1234-1234-1234-123412341234}" type="slidenum">
               <a:rPr lang="en"/>
-              <a:t>‹#›</a:t>
+              <a:t>‹Nr.›</a:t>
             </a:fld>
+            <a:endParaRPr lang="en"/>
           </a:p>
         </p:txBody>
       </p:sp>
@@ -5675,18 +6074,19 @@
 </file>
 
 <file path=ppt/slideLayouts/slideLayout7.xml><?xml version="1.0" encoding="utf-8"?>
-<p:sldLayout xmlns:a="http://schemas.openxmlformats.org/drawingml/2006/main" xmlns:r="http://schemas.openxmlformats.org/officeDocument/2006/relationships" xmlns:mc="http://schemas.openxmlformats.org/markup-compatibility/2006" xmlns:mv="urn:schemas-microsoft-com:mac:vml" xmlns:p="http://schemas.openxmlformats.org/presentationml/2006/main" xmlns:c="http://schemas.openxmlformats.org/drawingml/2006/chart" xmlns:dgm="http://schemas.openxmlformats.org/drawingml/2006/diagram" xmlns:o="urn:schemas-microsoft-com:office:office" xmlns:v="urn:schemas-microsoft-com:vml" xmlns:pvml="urn:schemas-microsoft-com:office:powerpoint" xmlns:com="http://schemas.openxmlformats.org/drawingml/2006/compatibility" xmlns:p14="http://schemas.microsoft.com/office/powerpoint/2010/main" xmlns:p15="http://schemas.microsoft.com/office/powerpoint/2012/main">
+<p:sldLayout xmlns:a="http://schemas.openxmlformats.org/drawingml/2006/main" xmlns:r="http://schemas.openxmlformats.org/officeDocument/2006/relationships" xmlns:p="http://schemas.openxmlformats.org/presentationml/2006/main">
   <p:cSld name="Main point">
     <p:bg>
       <p:bgPr>
         <a:solidFill>
           <a:schemeClr val="lt2"/>
         </a:solidFill>
+        <a:effectLst/>
       </p:bgPr>
     </p:bg>
     <p:spTree>
       <p:nvGrpSpPr>
-        <p:cNvPr id="36" name="Shape 36"/>
+        <p:cNvPr id="1" name="Shape 36"/>
         <p:cNvGrpSpPr/>
         <p:nvPr/>
       </p:nvGrpSpPr>
@@ -5701,7 +6101,9 @@
       <p:sp>
         <p:nvSpPr>
           <p:cNvPr id="37" name="Shape 37"/>
-          <p:cNvSpPr txBox="1"/>
+          <p:cNvSpPr txBox="1">
+            <a:spLocks noGrp="1"/>
+          </p:cNvSpPr>
           <p:nvPr>
             <p:ph type="title"/>
           </p:nvPr>
@@ -5716,7 +6118,7 @@
           </a:prstGeom>
         </p:spPr>
         <p:txBody>
-          <a:bodyPr anchorCtr="0" anchor="ctr" bIns="91425" lIns="91425" rIns="91425" wrap="square" tIns="91425"/>
+          <a:bodyPr wrap="square" lIns="91425" tIns="91425" rIns="91425" bIns="91425" anchor="ctr" anchorCtr="0"/>
           <a:lstStyle>
             <a:lvl1pPr lvl="0">
               <a:spcBef>
@@ -5845,15 +6247,19 @@
               </a:defRPr>
             </a:lvl9pPr>
           </a:lstStyle>
-          <a:p/>
+          <a:p>
+            <a:endParaRPr/>
+          </a:p>
         </p:txBody>
       </p:sp>
       <p:sp>
         <p:nvSpPr>
           <p:cNvPr id="38" name="Shape 38"/>
-          <p:cNvSpPr txBox="1"/>
-          <p:nvPr>
-            <p:ph idx="12" type="sldNum"/>
+          <p:cNvSpPr txBox="1">
+            <a:spLocks noGrp="1"/>
+          </p:cNvSpPr>
+          <p:nvPr>
+            <p:ph type="sldNum" idx="12"/>
           </p:nvPr>
         </p:nvSpPr>
         <p:spPr>
@@ -5866,7 +6272,7 @@
           </a:prstGeom>
         </p:spPr>
         <p:txBody>
-          <a:bodyPr anchorCtr="0" anchor="ctr" bIns="91425" lIns="91425" rIns="91425" wrap="square" tIns="91425">
+          <a:bodyPr wrap="square" lIns="91425" tIns="91425" rIns="91425" bIns="91425" anchor="ctr" anchorCtr="0">
             <a:noAutofit/>
           </a:bodyPr>
           <a:lstStyle/>
@@ -5883,8 +6289,13 @@
                   <a:schemeClr val="accent1"/>
                 </a:solidFill>
               </a:rPr>
-              <a:t>‹#›</a:t>
+              <a:t>‹Nr.›</a:t>
             </a:fld>
+            <a:endParaRPr lang="en">
+              <a:solidFill>
+                <a:schemeClr val="accent1"/>
+              </a:solidFill>
+            </a:endParaRPr>
           </a:p>
         </p:txBody>
       </p:sp>
@@ -5897,11 +6308,11 @@
 </file>
 
 <file path=ppt/slideLayouts/slideLayout8.xml><?xml version="1.0" encoding="utf-8"?>
-<p:sldLayout xmlns:a="http://schemas.openxmlformats.org/drawingml/2006/main" xmlns:r="http://schemas.openxmlformats.org/officeDocument/2006/relationships" xmlns:mc="http://schemas.openxmlformats.org/markup-compatibility/2006" xmlns:mv="urn:schemas-microsoft-com:mac:vml" xmlns:p="http://schemas.openxmlformats.org/presentationml/2006/main" xmlns:c="http://schemas.openxmlformats.org/drawingml/2006/chart" xmlns:dgm="http://schemas.openxmlformats.org/drawingml/2006/diagram" xmlns:o="urn:schemas-microsoft-com:office:office" xmlns:v="urn:schemas-microsoft-com:vml" xmlns:pvml="urn:schemas-microsoft-com:office:powerpoint" xmlns:com="http://schemas.openxmlformats.org/drawingml/2006/compatibility" xmlns:p14="http://schemas.microsoft.com/office/powerpoint/2010/main" xmlns:p15="http://schemas.microsoft.com/office/powerpoint/2012/main">
+<p:sldLayout xmlns:a="http://schemas.openxmlformats.org/drawingml/2006/main" xmlns:r="http://schemas.openxmlformats.org/officeDocument/2006/relationships" xmlns:p="http://schemas.openxmlformats.org/presentationml/2006/main">
   <p:cSld name="Section title and description">
     <p:spTree>
       <p:nvGrpSpPr>
-        <p:cNvPr id="39" name="Shape 39"/>
+        <p:cNvPr id="1" name="Shape 39"/>
         <p:cNvGrpSpPr/>
         <p:nvPr/>
       </p:nvGrpSpPr>
@@ -5935,7 +6346,7 @@
           </a:ln>
         </p:spPr>
         <p:txBody>
-          <a:bodyPr anchorCtr="0" anchor="ctr" bIns="91425" lIns="91425" rIns="91425" wrap="square" tIns="91425">
+          <a:bodyPr wrap="square" lIns="91425" tIns="91425" rIns="91425" bIns="91425" anchor="ctr" anchorCtr="0">
             <a:noAutofit/>
           </a:bodyPr>
           <a:lstStyle/>
@@ -5946,9 +6357,6 @@
               </a:spcBef>
               <a:buNone/>
             </a:pPr>
-            <a:r>
-              <a:t/>
-            </a:r>
             <a:endParaRPr/>
           </a:p>
         </p:txBody>
@@ -5968,21 +6376,23 @@
             <a:avLst/>
           </a:prstGeom>
           <a:noFill/>
-          <a:ln cap="flat" cmpd="sng" w="19050">
+          <a:ln w="19050" cap="flat" cmpd="sng">
             <a:solidFill>
               <a:schemeClr val="lt2"/>
             </a:solidFill>
             <a:prstDash val="solid"/>
             <a:round/>
-            <a:headEnd len="med" w="med" type="none"/>
-            <a:tailEnd len="med" w="med" type="none"/>
+            <a:headEnd type="none" w="med" len="med"/>
+            <a:tailEnd type="none" w="med" len="med"/>
           </a:ln>
         </p:spPr>
       </p:cxnSp>
       <p:sp>
         <p:nvSpPr>
           <p:cNvPr id="42" name="Shape 42"/>
-          <p:cNvSpPr txBox="1"/>
+          <p:cNvSpPr txBox="1">
+            <a:spLocks noGrp="1"/>
+          </p:cNvSpPr>
           <p:nvPr>
             <p:ph type="title"/>
           </p:nvPr>
@@ -5997,7 +6407,7 @@
           </a:prstGeom>
         </p:spPr>
         <p:txBody>
-          <a:bodyPr anchorCtr="0" anchor="b" bIns="91425" lIns="91425" rIns="91425" wrap="square" tIns="91425"/>
+          <a:bodyPr wrap="square" lIns="91425" tIns="91425" rIns="91425" bIns="91425" anchor="b" anchorCtr="0"/>
           <a:lstStyle>
             <a:lvl1pPr lvl="0" algn="ctr">
               <a:spcBef>
@@ -6126,15 +6536,19 @@
               </a:defRPr>
             </a:lvl9pPr>
           </a:lstStyle>
-          <a:p/>
+          <a:p>
+            <a:endParaRPr/>
+          </a:p>
         </p:txBody>
       </p:sp>
       <p:sp>
         <p:nvSpPr>
           <p:cNvPr id="43" name="Shape 43"/>
-          <p:cNvSpPr txBox="1"/>
-          <p:nvPr>
-            <p:ph idx="1" type="subTitle"/>
+          <p:cNvSpPr txBox="1">
+            <a:spLocks noGrp="1"/>
+          </p:cNvSpPr>
+          <p:nvPr>
+            <p:ph type="subTitle" idx="1"/>
           </p:nvPr>
         </p:nvSpPr>
         <p:spPr>
@@ -6147,7 +6561,7 @@
           </a:prstGeom>
         </p:spPr>
         <p:txBody>
-          <a:bodyPr anchorCtr="0" anchor="t" bIns="91425" lIns="91425" rIns="91425" wrap="square" tIns="91425"/>
+          <a:bodyPr wrap="square" lIns="91425" tIns="91425" rIns="91425" bIns="91425" anchor="t" anchorCtr="0"/>
           <a:lstStyle>
             <a:lvl1pPr lvl="0" algn="ctr">
               <a:lnSpc>
@@ -6276,15 +6690,19 @@
               <a:defRPr sz="2100"/>
             </a:lvl9pPr>
           </a:lstStyle>
-          <a:p/>
+          <a:p>
+            <a:endParaRPr/>
+          </a:p>
         </p:txBody>
       </p:sp>
       <p:sp>
         <p:nvSpPr>
           <p:cNvPr id="44" name="Shape 44"/>
-          <p:cNvSpPr txBox="1"/>
-          <p:nvPr>
-            <p:ph idx="2" type="body"/>
+          <p:cNvSpPr txBox="1">
+            <a:spLocks noGrp="1"/>
+          </p:cNvSpPr>
+          <p:nvPr>
+            <p:ph type="body" idx="2"/>
           </p:nvPr>
         </p:nvSpPr>
         <p:spPr>
@@ -6297,7 +6715,7 @@
           </a:prstGeom>
         </p:spPr>
         <p:txBody>
-          <a:bodyPr anchorCtr="0" anchor="ctr" bIns="91425" lIns="91425" rIns="91425" wrap="square" tIns="91425"/>
+          <a:bodyPr wrap="square" lIns="91425" tIns="91425" rIns="91425" bIns="91425" anchor="ctr" anchorCtr="0"/>
           <a:lstStyle>
             <a:lvl1pPr lvl="0">
               <a:spcBef>
@@ -6417,15 +6835,19 @@
               </a:defRPr>
             </a:lvl9pPr>
           </a:lstStyle>
-          <a:p/>
+          <a:p>
+            <a:endParaRPr/>
+          </a:p>
         </p:txBody>
       </p:sp>
       <p:sp>
         <p:nvSpPr>
           <p:cNvPr id="45" name="Shape 45"/>
-          <p:cNvSpPr txBox="1"/>
-          <p:nvPr>
-            <p:ph idx="12" type="sldNum"/>
+          <p:cNvSpPr txBox="1">
+            <a:spLocks noGrp="1"/>
+          </p:cNvSpPr>
+          <p:nvPr>
+            <p:ph type="sldNum" idx="12"/>
           </p:nvPr>
         </p:nvSpPr>
         <p:spPr>
@@ -6438,7 +6860,7 @@
           </a:prstGeom>
         </p:spPr>
         <p:txBody>
-          <a:bodyPr anchorCtr="0" anchor="ctr" bIns="91425" lIns="91425" rIns="91425" wrap="square" tIns="91425">
+          <a:bodyPr wrap="square" lIns="91425" tIns="91425" rIns="91425" bIns="91425" anchor="ctr" anchorCtr="0">
             <a:noAutofit/>
           </a:bodyPr>
           <a:lstStyle/>
@@ -6455,8 +6877,13 @@
                   <a:schemeClr val="accent1"/>
                 </a:solidFill>
               </a:rPr>
-              <a:t>‹#›</a:t>
+              <a:t>‹Nr.›</a:t>
             </a:fld>
+            <a:endParaRPr lang="en">
+              <a:solidFill>
+                <a:schemeClr val="accent1"/>
+              </a:solidFill>
+            </a:endParaRPr>
           </a:p>
         </p:txBody>
       </p:sp>
@@ -6469,11 +6896,11 @@
 </file>
 
 <file path=ppt/slideLayouts/slideLayout9.xml><?xml version="1.0" encoding="utf-8"?>
-<p:sldLayout xmlns:a="http://schemas.openxmlformats.org/drawingml/2006/main" xmlns:r="http://schemas.openxmlformats.org/officeDocument/2006/relationships" xmlns:mc="http://schemas.openxmlformats.org/markup-compatibility/2006" xmlns:mv="urn:schemas-microsoft-com:mac:vml" xmlns:p="http://schemas.openxmlformats.org/presentationml/2006/main" xmlns:c="http://schemas.openxmlformats.org/drawingml/2006/chart" xmlns:dgm="http://schemas.openxmlformats.org/drawingml/2006/diagram" xmlns:o="urn:schemas-microsoft-com:office:office" xmlns:v="urn:schemas-microsoft-com:vml" xmlns:pvml="urn:schemas-microsoft-com:office:powerpoint" xmlns:com="http://schemas.openxmlformats.org/drawingml/2006/compatibility" xmlns:p14="http://schemas.microsoft.com/office/powerpoint/2010/main" xmlns:p15="http://schemas.microsoft.com/office/powerpoint/2012/main">
+<p:sldLayout xmlns:a="http://schemas.openxmlformats.org/drawingml/2006/main" xmlns:r="http://schemas.openxmlformats.org/officeDocument/2006/relationships" xmlns:p="http://schemas.openxmlformats.org/presentationml/2006/main">
   <p:cSld name="Caption">
     <p:spTree>
       <p:nvGrpSpPr>
-        <p:cNvPr id="46" name="Shape 46"/>
+        <p:cNvPr id="1" name="Shape 46"/>
         <p:cNvGrpSpPr/>
         <p:nvPr/>
       </p:nvGrpSpPr>
@@ -6488,9 +6915,11 @@
       <p:sp>
         <p:nvSpPr>
           <p:cNvPr id="47" name="Shape 47"/>
-          <p:cNvSpPr txBox="1"/>
-          <p:nvPr>
-            <p:ph idx="1" type="body"/>
+          <p:cNvSpPr txBox="1">
+            <a:spLocks noGrp="1"/>
+          </p:cNvSpPr>
+          <p:nvPr>
+            <p:ph type="body" idx="1"/>
           </p:nvPr>
         </p:nvSpPr>
         <p:spPr>
@@ -6503,7 +6932,7 @@
           </a:prstGeom>
         </p:spPr>
         <p:txBody>
-          <a:bodyPr anchorCtr="0" anchor="ctr" bIns="91425" lIns="91425" rIns="91425" wrap="square" tIns="91425"/>
+          <a:bodyPr wrap="square" lIns="91425" tIns="91425" rIns="91425" bIns="91425" anchor="ctr" anchorCtr="0"/>
           <a:lstStyle>
             <a:lvl1pPr lvl="0">
               <a:lnSpc>
@@ -6519,15 +6948,19 @@
               <a:defRPr/>
             </a:lvl1pPr>
           </a:lstStyle>
-          <a:p/>
+          <a:p>
+            <a:endParaRPr/>
+          </a:p>
         </p:txBody>
       </p:sp>
       <p:sp>
         <p:nvSpPr>
           <p:cNvPr id="48" name="Shape 48"/>
-          <p:cNvSpPr txBox="1"/>
-          <p:nvPr>
-            <p:ph idx="12" type="sldNum"/>
+          <p:cNvSpPr txBox="1">
+            <a:spLocks noGrp="1"/>
+          </p:cNvSpPr>
+          <p:nvPr>
+            <p:ph type="sldNum" idx="12"/>
           </p:nvPr>
         </p:nvSpPr>
         <p:spPr>
@@ -6540,7 +6973,7 @@
           </a:prstGeom>
         </p:spPr>
         <p:txBody>
-          <a:bodyPr anchorCtr="0" anchor="ctr" bIns="91425" lIns="91425" rIns="91425" wrap="square" tIns="91425">
+          <a:bodyPr wrap="square" lIns="91425" tIns="91425" rIns="91425" bIns="91425" anchor="ctr" anchorCtr="0">
             <a:noAutofit/>
           </a:bodyPr>
           <a:lstStyle/>
@@ -6553,8 +6986,9 @@
             </a:pPr>
             <a:fld id="{00000000-1234-1234-1234-123412341234}" type="slidenum">
               <a:rPr lang="en"/>
-              <a:t>‹#›</a:t>
+              <a:t>‹Nr.›</a:t>
             </a:fld>
+            <a:endParaRPr lang="en"/>
           </a:p>
         </p:txBody>
       </p:sp>
@@ -6567,18 +7001,19 @@
 </file>
 
 <file path=ppt/slideMasters/slideMaster1.xml><?xml version="1.0" encoding="utf-8"?>
-<p:sldMaster xmlns:a="http://schemas.openxmlformats.org/drawingml/2006/main" xmlns:r="http://schemas.openxmlformats.org/officeDocument/2006/relationships" xmlns:mc="http://schemas.openxmlformats.org/markup-compatibility/2006" xmlns:mv="urn:schemas-microsoft-com:mac:vml" xmlns:p="http://schemas.openxmlformats.org/presentationml/2006/main" xmlns:c="http://schemas.openxmlformats.org/drawingml/2006/chart" xmlns:dgm="http://schemas.openxmlformats.org/drawingml/2006/diagram" xmlns:o="urn:schemas-microsoft-com:office:office" xmlns:v="urn:schemas-microsoft-com:vml" xmlns:pvml="urn:schemas-microsoft-com:office:powerpoint" xmlns:com="http://schemas.openxmlformats.org/drawingml/2006/compatibility" xmlns:p14="http://schemas.microsoft.com/office/powerpoint/2010/main" xmlns:p15="http://schemas.microsoft.com/office/powerpoint/2012/main">
+<p:sldMaster xmlns:a="http://schemas.openxmlformats.org/drawingml/2006/main" xmlns:r="http://schemas.openxmlformats.org/officeDocument/2006/relationships" xmlns:p="http://schemas.openxmlformats.org/presentationml/2006/main">
   <p:cSld name="paperback">
     <p:bg>
       <p:bgPr>
         <a:solidFill>
           <a:schemeClr val="accent1"/>
         </a:solidFill>
+        <a:effectLst/>
       </p:bgPr>
     </p:bg>
     <p:spTree>
       <p:nvGrpSpPr>
-        <p:cNvPr id="5" name="Shape 5"/>
+        <p:cNvPr id="1" name="Shape 5"/>
         <p:cNvGrpSpPr/>
         <p:nvPr/>
       </p:nvGrpSpPr>
@@ -6593,7 +7028,9 @@
       <p:sp>
         <p:nvSpPr>
           <p:cNvPr id="6" name="Shape 6"/>
-          <p:cNvSpPr txBox="1"/>
+          <p:cNvSpPr txBox="1">
+            <a:spLocks noGrp="1"/>
+          </p:cNvSpPr>
           <p:nvPr>
             <p:ph type="title"/>
           </p:nvPr>
@@ -6612,7 +7049,7 @@
           </a:ln>
         </p:spPr>
         <p:txBody>
-          <a:bodyPr anchorCtr="0" anchor="t" bIns="91425" lIns="91425" rIns="91425" wrap="square" tIns="91425"/>
+          <a:bodyPr wrap="square" lIns="91425" tIns="91425" rIns="91425" bIns="91425" anchor="t" anchorCtr="0"/>
           <a:lstStyle>
             <a:lvl1pPr lvl="0">
               <a:spcBef>
@@ -6795,15 +7232,19 @@
               </a:defRPr>
             </a:lvl9pPr>
           </a:lstStyle>
-          <a:p/>
+          <a:p>
+            <a:endParaRPr/>
+          </a:p>
         </p:txBody>
       </p:sp>
       <p:sp>
         <p:nvSpPr>
           <p:cNvPr id="7" name="Shape 7"/>
-          <p:cNvSpPr txBox="1"/>
-          <p:nvPr>
-            <p:ph idx="1" type="body"/>
+          <p:cNvSpPr txBox="1">
+            <a:spLocks noGrp="1"/>
+          </p:cNvSpPr>
+          <p:nvPr>
+            <p:ph type="body" idx="1"/>
           </p:nvPr>
         </p:nvSpPr>
         <p:spPr>
@@ -6820,7 +7261,7 @@
           </a:ln>
         </p:spPr>
         <p:txBody>
-          <a:bodyPr anchorCtr="0" anchor="t" bIns="91425" lIns="91425" rIns="91425" wrap="square" tIns="91425"/>
+          <a:bodyPr wrap="square" lIns="91425" tIns="91425" rIns="91425" bIns="91425" anchor="t" anchorCtr="0"/>
           <a:lstStyle>
             <a:lvl1pPr lvl="0">
               <a:lnSpc>
@@ -7049,15 +7490,19 @@
               </a:defRPr>
             </a:lvl9pPr>
           </a:lstStyle>
-          <a:p/>
+          <a:p>
+            <a:endParaRPr/>
+          </a:p>
         </p:txBody>
       </p:sp>
       <p:sp>
         <p:nvSpPr>
           <p:cNvPr id="8" name="Shape 8"/>
-          <p:cNvSpPr txBox="1"/>
-          <p:nvPr>
-            <p:ph idx="12" type="sldNum"/>
+          <p:cNvSpPr txBox="1">
+            <a:spLocks noGrp="1"/>
+          </p:cNvSpPr>
+          <p:nvPr>
+            <p:ph type="sldNum" idx="12"/>
           </p:nvPr>
         </p:nvSpPr>
         <p:spPr>
@@ -7074,7 +7519,7 @@
           </a:ln>
         </p:spPr>
         <p:txBody>
-          <a:bodyPr anchorCtr="0" anchor="ctr" bIns="91425" lIns="91425" rIns="91425" wrap="square" tIns="91425">
+          <a:bodyPr wrap="square" lIns="91425" tIns="91425" rIns="91425" bIns="91425" anchor="ctr" anchorCtr="0">
             <a:noAutofit/>
           </a:bodyPr>
           <a:lstStyle/>
@@ -7095,14 +7540,23 @@
                 <a:cs typeface="Old Standard TT"/>
                 <a:sym typeface="Old Standard TT"/>
               </a:rPr>
-              <a:t>‹#›</a:t>
+              <a:t>‹Nr.›</a:t>
             </a:fld>
+            <a:endParaRPr lang="en" sz="1000">
+              <a:solidFill>
+                <a:schemeClr val="dk1"/>
+              </a:solidFill>
+              <a:latin typeface="Old Standard TT"/>
+              <a:ea typeface="Old Standard TT"/>
+              <a:cs typeface="Old Standard TT"/>
+              <a:sym typeface="Old Standard TT"/>
+            </a:endParaRPr>
           </a:p>
         </p:txBody>
       </p:sp>
     </p:spTree>
   </p:cSld>
-  <p:clrMap accent1="accent1" accent2="accent2" accent3="accent3" accent4="accent4" accent5="accent5" accent6="accent6" bg1="lt1" bg2="dk2" tx1="dk1" tx2="lt2" folHlink="folHlink" hlink="hlink"/>
+  <p:clrMap bg1="lt1" tx1="dk1" bg2="dk2" tx2="lt2" accent1="accent1" accent2="accent2" accent3="accent3" accent4="accent4" accent5="accent5" accent6="accent6" hlink="hlink" folHlink="folHlink"/>
   <p:sldLayoutIdLst>
     <p:sldLayoutId id="2147483648" r:id="rId1"/>
     <p:sldLayoutId id="2147483649" r:id="rId2"/>
@@ -7116,10 +7570,10 @@
     <p:sldLayoutId id="2147483657" r:id="rId10"/>
     <p:sldLayoutId id="2147483658" r:id="rId11"/>
   </p:sldLayoutIdLst>
-  <p:hf dt="0" ftr="0" hdr="0"/>
+  <p:hf hdr="0" ftr="0" dt="0"/>
   <p:txStyles>
     <p:titleStyle>
-      <a:defPPr lvl="0" marR="0" rtl="0" algn="l">
+      <a:defPPr marR="0" lvl="0" algn="l" rtl="0">
         <a:lnSpc>
           <a:spcPct val="100000"/>
         </a:lnSpc>
@@ -7130,7 +7584,7 @@
           <a:spcPts val="0"/>
         </a:spcAft>
       </a:defPPr>
-      <a:lvl1pPr lvl="0" marR="0" rtl="0" algn="l">
+      <a:lvl1pPr marR="0" lvl="0" algn="l" rtl="0">
         <a:lnSpc>
           <a:spcPct val="100000"/>
         </a:lnSpc>
@@ -7141,7 +7595,7 @@
           <a:spcPts val="0"/>
         </a:spcAft>
         <a:buNone/>
-        <a:defRPr b="0" i="0" sz="1400" u="none" cap="none" strike="noStrike">
+        <a:defRPr sz="1400" b="0" i="0" u="none" strike="noStrike" cap="none">
           <a:solidFill>
             <a:srgbClr val="000000"/>
           </a:solidFill>
@@ -7153,7 +7607,7 @@
       </a:lvl1pPr>
     </p:titleStyle>
     <p:bodyStyle>
-      <a:defPPr lvl="0" marR="0" rtl="0" algn="l">
+      <a:defPPr marR="0" lvl="0" algn="l" rtl="0">
         <a:lnSpc>
           <a:spcPct val="100000"/>
         </a:lnSpc>
@@ -7164,7 +7618,7 @@
           <a:spcPts val="0"/>
         </a:spcAft>
       </a:defPPr>
-      <a:lvl1pPr lvl="0" marR="0" rtl="0" algn="l">
+      <a:lvl1pPr marR="0" lvl="0" algn="l" rtl="0">
         <a:lnSpc>
           <a:spcPct val="100000"/>
         </a:lnSpc>
@@ -7175,7 +7629,7 @@
           <a:spcPts val="0"/>
         </a:spcAft>
         <a:buNone/>
-        <a:defRPr b="0" i="0" sz="1400" u="none" cap="none" strike="noStrike">
+        <a:defRPr sz="1400" b="0" i="0" u="none" strike="noStrike" cap="none">
           <a:solidFill>
             <a:srgbClr val="000000"/>
           </a:solidFill>
@@ -7185,7 +7639,7 @@
           <a:sym typeface="Arial"/>
         </a:defRPr>
       </a:lvl1pPr>
-      <a:lvl2pPr lvl="1" marR="0" rtl="0" algn="l">
+      <a:lvl2pPr marR="0" lvl="1" algn="l" rtl="0">
         <a:lnSpc>
           <a:spcPct val="100000"/>
         </a:lnSpc>
@@ -7196,7 +7650,7 @@
           <a:spcPts val="0"/>
         </a:spcAft>
         <a:buNone/>
-        <a:defRPr b="0" i="0" sz="1400" u="none" cap="none" strike="noStrike">
+        <a:defRPr sz="1400" b="0" i="0" u="none" strike="noStrike" cap="none">
           <a:solidFill>
             <a:srgbClr val="000000"/>
           </a:solidFill>
@@ -7206,7 +7660,7 @@
           <a:sym typeface="Arial"/>
         </a:defRPr>
       </a:lvl2pPr>
-      <a:lvl3pPr lvl="2" marR="0" rtl="0" algn="l">
+      <a:lvl3pPr marR="0" lvl="2" algn="l" rtl="0">
         <a:lnSpc>
           <a:spcPct val="100000"/>
         </a:lnSpc>
@@ -7217,7 +7671,7 @@
           <a:spcPts val="0"/>
         </a:spcAft>
         <a:buNone/>
-        <a:defRPr b="0" i="0" sz="1400" u="none" cap="none" strike="noStrike">
+        <a:defRPr sz="1400" b="0" i="0" u="none" strike="noStrike" cap="none">
           <a:solidFill>
             <a:srgbClr val="000000"/>
           </a:solidFill>
@@ -7227,7 +7681,7 @@
           <a:sym typeface="Arial"/>
         </a:defRPr>
       </a:lvl3pPr>
-      <a:lvl4pPr lvl="3" marR="0" rtl="0" algn="l">
+      <a:lvl4pPr marR="0" lvl="3" algn="l" rtl="0">
         <a:lnSpc>
           <a:spcPct val="100000"/>
         </a:lnSpc>
@@ -7238,7 +7692,7 @@
           <a:spcPts val="0"/>
         </a:spcAft>
         <a:buNone/>
-        <a:defRPr b="0" i="0" sz="1400" u="none" cap="none" strike="noStrike">
+        <a:defRPr sz="1400" b="0" i="0" u="none" strike="noStrike" cap="none">
           <a:solidFill>
             <a:srgbClr val="000000"/>
           </a:solidFill>
@@ -7248,7 +7702,7 @@
           <a:sym typeface="Arial"/>
         </a:defRPr>
       </a:lvl4pPr>
-      <a:lvl5pPr lvl="4" marR="0" rtl="0" algn="l">
+      <a:lvl5pPr marR="0" lvl="4" algn="l" rtl="0">
         <a:lnSpc>
           <a:spcPct val="100000"/>
         </a:lnSpc>
@@ -7259,7 +7713,7 @@
           <a:spcPts val="0"/>
         </a:spcAft>
         <a:buNone/>
-        <a:defRPr b="0" i="0" sz="1400" u="none" cap="none" strike="noStrike">
+        <a:defRPr sz="1400" b="0" i="0" u="none" strike="noStrike" cap="none">
           <a:solidFill>
             <a:srgbClr val="000000"/>
           </a:solidFill>
@@ -7269,7 +7723,7 @@
           <a:sym typeface="Arial"/>
         </a:defRPr>
       </a:lvl5pPr>
-      <a:lvl6pPr lvl="5" marR="0" rtl="0" algn="l">
+      <a:lvl6pPr marR="0" lvl="5" algn="l" rtl="0">
         <a:lnSpc>
           <a:spcPct val="100000"/>
         </a:lnSpc>
@@ -7280,7 +7734,7 @@
           <a:spcPts val="0"/>
         </a:spcAft>
         <a:buNone/>
-        <a:defRPr b="0" i="0" sz="1400" u="none" cap="none" strike="noStrike">
+        <a:defRPr sz="1400" b="0" i="0" u="none" strike="noStrike" cap="none">
           <a:solidFill>
             <a:srgbClr val="000000"/>
           </a:solidFill>
@@ -7290,7 +7744,7 @@
           <a:sym typeface="Arial"/>
         </a:defRPr>
       </a:lvl6pPr>
-      <a:lvl7pPr lvl="6" marR="0" rtl="0" algn="l">
+      <a:lvl7pPr marR="0" lvl="6" algn="l" rtl="0">
         <a:lnSpc>
           <a:spcPct val="100000"/>
         </a:lnSpc>
@@ -7301,7 +7755,7 @@
           <a:spcPts val="0"/>
         </a:spcAft>
         <a:buNone/>
-        <a:defRPr b="0" i="0" sz="1400" u="none" cap="none" strike="noStrike">
+        <a:defRPr sz="1400" b="0" i="0" u="none" strike="noStrike" cap="none">
           <a:solidFill>
             <a:srgbClr val="000000"/>
           </a:solidFill>
@@ -7311,7 +7765,7 @@
           <a:sym typeface="Arial"/>
         </a:defRPr>
       </a:lvl7pPr>
-      <a:lvl8pPr lvl="7" marR="0" rtl="0" algn="l">
+      <a:lvl8pPr marR="0" lvl="7" algn="l" rtl="0">
         <a:lnSpc>
           <a:spcPct val="100000"/>
         </a:lnSpc>
@@ -7322,7 +7776,7 @@
           <a:spcPts val="0"/>
         </a:spcAft>
         <a:buNone/>
-        <a:defRPr b="0" i="0" sz="1400" u="none" cap="none" strike="noStrike">
+        <a:defRPr sz="1400" b="0" i="0" u="none" strike="noStrike" cap="none">
           <a:solidFill>
             <a:srgbClr val="000000"/>
           </a:solidFill>
@@ -7332,7 +7786,7 @@
           <a:sym typeface="Arial"/>
         </a:defRPr>
       </a:lvl8pPr>
-      <a:lvl9pPr lvl="8" marR="0" rtl="0" algn="l">
+      <a:lvl9pPr marR="0" lvl="8" algn="l" rtl="0">
         <a:lnSpc>
           <a:spcPct val="100000"/>
         </a:lnSpc>
@@ -7343,7 +7797,7 @@
           <a:spcPts val="0"/>
         </a:spcAft>
         <a:buNone/>
-        <a:defRPr b="0" i="0" sz="1400" u="none" cap="none" strike="noStrike">
+        <a:defRPr sz="1400" b="0" i="0" u="none" strike="noStrike" cap="none">
           <a:solidFill>
             <a:srgbClr val="000000"/>
           </a:solidFill>
@@ -7355,7 +7809,7 @@
       </a:lvl9pPr>
     </p:bodyStyle>
     <p:otherStyle>
-      <a:defPPr lvl="0" marR="0" rtl="0" algn="l">
+      <a:defPPr marR="0" lvl="0" algn="l" rtl="0">
         <a:lnSpc>
           <a:spcPct val="100000"/>
         </a:lnSpc>
@@ -7366,7 +7820,7 @@
           <a:spcPts val="0"/>
         </a:spcAft>
       </a:defPPr>
-      <a:lvl1pPr lvl="0" marR="0" rtl="0" algn="l">
+      <a:lvl1pPr marR="0" lvl="0" algn="l" rtl="0">
         <a:lnSpc>
           <a:spcPct val="100000"/>
         </a:lnSpc>
@@ -7377,7 +7831,7 @@
           <a:spcPts val="0"/>
         </a:spcAft>
         <a:buNone/>
-        <a:defRPr b="0" i="0" sz="1400" u="none" cap="none" strike="noStrike">
+        <a:defRPr sz="1400" b="0" i="0" u="none" strike="noStrike" cap="none">
           <a:solidFill>
             <a:srgbClr val="000000"/>
           </a:solidFill>
@@ -7387,7 +7841,7 @@
           <a:sym typeface="Arial"/>
         </a:defRPr>
       </a:lvl1pPr>
-      <a:lvl2pPr lvl="1" marR="0" rtl="0" algn="l">
+      <a:lvl2pPr marR="0" lvl="1" algn="l" rtl="0">
         <a:lnSpc>
           <a:spcPct val="100000"/>
         </a:lnSpc>
@@ -7398,7 +7852,7 @@
           <a:spcPts val="0"/>
         </a:spcAft>
         <a:buNone/>
-        <a:defRPr b="0" i="0" sz="1400" u="none" cap="none" strike="noStrike">
+        <a:defRPr sz="1400" b="0" i="0" u="none" strike="noStrike" cap="none">
           <a:solidFill>
             <a:srgbClr val="000000"/>
           </a:solidFill>
@@ -7408,7 +7862,7 @@
           <a:sym typeface="Arial"/>
         </a:defRPr>
       </a:lvl2pPr>
-      <a:lvl3pPr lvl="2" marR="0" rtl="0" algn="l">
+      <a:lvl3pPr marR="0" lvl="2" algn="l" rtl="0">
         <a:lnSpc>
           <a:spcPct val="100000"/>
         </a:lnSpc>
@@ -7419,7 +7873,7 @@
           <a:spcPts val="0"/>
         </a:spcAft>
         <a:buNone/>
-        <a:defRPr b="0" i="0" sz="1400" u="none" cap="none" strike="noStrike">
+        <a:defRPr sz="1400" b="0" i="0" u="none" strike="noStrike" cap="none">
           <a:solidFill>
             <a:srgbClr val="000000"/>
           </a:solidFill>
@@ -7429,7 +7883,7 @@
           <a:sym typeface="Arial"/>
         </a:defRPr>
       </a:lvl3pPr>
-      <a:lvl4pPr lvl="3" marR="0" rtl="0" algn="l">
+      <a:lvl4pPr marR="0" lvl="3" algn="l" rtl="0">
         <a:lnSpc>
           <a:spcPct val="100000"/>
         </a:lnSpc>
@@ -7440,7 +7894,7 @@
           <a:spcPts val="0"/>
         </a:spcAft>
         <a:buNone/>
-        <a:defRPr b="0" i="0" sz="1400" u="none" cap="none" strike="noStrike">
+        <a:defRPr sz="1400" b="0" i="0" u="none" strike="noStrike" cap="none">
           <a:solidFill>
             <a:srgbClr val="000000"/>
           </a:solidFill>
@@ -7450,7 +7904,7 @@
           <a:sym typeface="Arial"/>
         </a:defRPr>
       </a:lvl4pPr>
-      <a:lvl5pPr lvl="4" marR="0" rtl="0" algn="l">
+      <a:lvl5pPr marR="0" lvl="4" algn="l" rtl="0">
         <a:lnSpc>
           <a:spcPct val="100000"/>
         </a:lnSpc>
@@ -7461,7 +7915,7 @@
           <a:spcPts val="0"/>
         </a:spcAft>
         <a:buNone/>
-        <a:defRPr b="0" i="0" sz="1400" u="none" cap="none" strike="noStrike">
+        <a:defRPr sz="1400" b="0" i="0" u="none" strike="noStrike" cap="none">
           <a:solidFill>
             <a:srgbClr val="000000"/>
           </a:solidFill>
@@ -7471,7 +7925,7 @@
           <a:sym typeface="Arial"/>
         </a:defRPr>
       </a:lvl5pPr>
-      <a:lvl6pPr lvl="5" marR="0" rtl="0" algn="l">
+      <a:lvl6pPr marR="0" lvl="5" algn="l" rtl="0">
         <a:lnSpc>
           <a:spcPct val="100000"/>
         </a:lnSpc>
@@ -7482,7 +7936,7 @@
           <a:spcPts val="0"/>
         </a:spcAft>
         <a:buNone/>
-        <a:defRPr b="0" i="0" sz="1400" u="none" cap="none" strike="noStrike">
+        <a:defRPr sz="1400" b="0" i="0" u="none" strike="noStrike" cap="none">
           <a:solidFill>
             <a:srgbClr val="000000"/>
           </a:solidFill>
@@ -7492,7 +7946,7 @@
           <a:sym typeface="Arial"/>
         </a:defRPr>
       </a:lvl6pPr>
-      <a:lvl7pPr lvl="6" marR="0" rtl="0" algn="l">
+      <a:lvl7pPr marR="0" lvl="6" algn="l" rtl="0">
         <a:lnSpc>
           <a:spcPct val="100000"/>
         </a:lnSpc>
@@ -7503,7 +7957,7 @@
           <a:spcPts val="0"/>
         </a:spcAft>
         <a:buNone/>
-        <a:defRPr b="0" i="0" sz="1400" u="none" cap="none" strike="noStrike">
+        <a:defRPr sz="1400" b="0" i="0" u="none" strike="noStrike" cap="none">
           <a:solidFill>
             <a:srgbClr val="000000"/>
           </a:solidFill>
@@ -7513,7 +7967,7 @@
           <a:sym typeface="Arial"/>
         </a:defRPr>
       </a:lvl7pPr>
-      <a:lvl8pPr lvl="7" marR="0" rtl="0" algn="l">
+      <a:lvl8pPr marR="0" lvl="7" algn="l" rtl="0">
         <a:lnSpc>
           <a:spcPct val="100000"/>
         </a:lnSpc>
@@ -7524,7 +7978,7 @@
           <a:spcPts val="0"/>
         </a:spcAft>
         <a:buNone/>
-        <a:defRPr b="0" i="0" sz="1400" u="none" cap="none" strike="noStrike">
+        <a:defRPr sz="1400" b="0" i="0" u="none" strike="noStrike" cap="none">
           <a:solidFill>
             <a:srgbClr val="000000"/>
           </a:solidFill>
@@ -7534,7 +7988,7 @@
           <a:sym typeface="Arial"/>
         </a:defRPr>
       </a:lvl8pPr>
-      <a:lvl9pPr lvl="8" marR="0" rtl="0" algn="l">
+      <a:lvl9pPr marR="0" lvl="8" algn="l" rtl="0">
         <a:lnSpc>
           <a:spcPct val="100000"/>
         </a:lnSpc>
@@ -7545,7 +7999,7 @@
           <a:spcPts val="0"/>
         </a:spcAft>
         <a:buNone/>
-        <a:defRPr b="0" i="0" sz="1400" u="none" cap="none" strike="noStrike">
+        <a:defRPr sz="1400" b="0" i="0" u="none" strike="noStrike" cap="none">
           <a:solidFill>
             <a:srgbClr val="000000"/>
           </a:solidFill>
@@ -7561,11 +8015,11 @@
 </file>
 
 <file path=ppt/slides/slide1.xml><?xml version="1.0" encoding="utf-8"?>
-<p:sld xmlns:a="http://schemas.openxmlformats.org/drawingml/2006/main" xmlns:r="http://schemas.openxmlformats.org/officeDocument/2006/relationships" xmlns:mc="http://schemas.openxmlformats.org/markup-compatibility/2006" xmlns:mv="urn:schemas-microsoft-com:mac:vml" xmlns:p="http://schemas.openxmlformats.org/presentationml/2006/main" xmlns:c="http://schemas.openxmlformats.org/drawingml/2006/chart" xmlns:dgm="http://schemas.openxmlformats.org/drawingml/2006/diagram" xmlns:o="urn:schemas-microsoft-com:office:office" xmlns:v="urn:schemas-microsoft-com:vml" xmlns:pvml="urn:schemas-microsoft-com:office:powerpoint" xmlns:com="http://schemas.openxmlformats.org/drawingml/2006/compatibility" xmlns:p14="http://schemas.microsoft.com/office/powerpoint/2010/main" xmlns:p15="http://schemas.microsoft.com/office/powerpoint/2012/main">
+<p:sld xmlns:a="http://schemas.openxmlformats.org/drawingml/2006/main" xmlns:r="http://schemas.openxmlformats.org/officeDocument/2006/relationships" xmlns:p="http://schemas.openxmlformats.org/presentationml/2006/main">
   <p:cSld>
     <p:spTree>
       <p:nvGrpSpPr>
-        <p:cNvPr id="58" name="Shape 58"/>
+        <p:cNvPr id="1" name="Shape 58"/>
         <p:cNvGrpSpPr/>
         <p:nvPr/>
       </p:nvGrpSpPr>
@@ -7580,7 +8034,9 @@
       <p:sp>
         <p:nvSpPr>
           <p:cNvPr id="59" name="Shape 59"/>
-          <p:cNvSpPr txBox="1"/>
+          <p:cNvSpPr txBox="1">
+            <a:spLocks noGrp="1"/>
+          </p:cNvSpPr>
           <p:nvPr>
             <p:ph type="ctrTitle"/>
           </p:nvPr>
@@ -7595,7 +8051,7 @@
           </a:prstGeom>
         </p:spPr>
         <p:txBody>
-          <a:bodyPr anchorCtr="0" anchor="b" bIns="91425" lIns="91425" rIns="91425" wrap="square" tIns="91425">
+          <a:bodyPr wrap="square" lIns="91425" tIns="91425" rIns="91425" bIns="91425" anchor="b" anchorCtr="0">
             <a:noAutofit/>
           </a:bodyPr>
           <a:lstStyle/>
@@ -7628,9 +8084,11 @@
       <p:sp>
         <p:nvSpPr>
           <p:cNvPr id="60" name="Shape 60"/>
-          <p:cNvSpPr txBox="1"/>
-          <p:nvPr>
-            <p:ph idx="1" type="subTitle"/>
+          <p:cNvSpPr txBox="1">
+            <a:spLocks noGrp="1"/>
+          </p:cNvSpPr>
+          <p:nvPr>
+            <p:ph type="subTitle" idx="1"/>
           </p:nvPr>
         </p:nvSpPr>
         <p:spPr>
@@ -7643,7 +8101,7 @@
           </a:prstGeom>
         </p:spPr>
         <p:txBody>
-          <a:bodyPr anchorCtr="0" anchor="t" bIns="91425" lIns="91425" rIns="91425" wrap="square" tIns="91425">
+          <a:bodyPr wrap="square" lIns="91425" tIns="91425" rIns="91425" bIns="91425" anchor="t" anchorCtr="0">
             <a:noAutofit/>
           </a:bodyPr>
           <a:lstStyle/>
@@ -7675,7 +8133,7 @@
       </p:sp>
       <p:pic>
         <p:nvPicPr>
-          <p:cNvPr descr="UoN_Primary_Logo_RGB.png" id="61" name="Shape 61"/>
+          <p:cNvPr id="61" name="Shape 61" descr="UoN_Primary_Logo_RGB.png"/>
           <p:cNvPicPr preferRelativeResize="0"/>
           <p:nvPr/>
         </p:nvPicPr>
@@ -7689,7 +8147,7 @@
         </p:blipFill>
         <p:spPr>
           <a:xfrm>
-            <a:off x="5470500" y="5120850"/>
+            <a:off x="5378425" y="324850"/>
             <a:ext cx="3338924" cy="1240549"/>
           </a:xfrm>
           <a:prstGeom prst="rect">
@@ -7710,11 +8168,11 @@
 </file>
 
 <file path=ppt/slides/slide10.xml><?xml version="1.0" encoding="utf-8"?>
-<p:sld xmlns:a="http://schemas.openxmlformats.org/drawingml/2006/main" xmlns:r="http://schemas.openxmlformats.org/officeDocument/2006/relationships" xmlns:mc="http://schemas.openxmlformats.org/markup-compatibility/2006" xmlns:mv="urn:schemas-microsoft-com:mac:vml" xmlns:p="http://schemas.openxmlformats.org/presentationml/2006/main" xmlns:c="http://schemas.openxmlformats.org/drawingml/2006/chart" xmlns:dgm="http://schemas.openxmlformats.org/drawingml/2006/diagram" xmlns:o="urn:schemas-microsoft-com:office:office" xmlns:v="urn:schemas-microsoft-com:vml" xmlns:pvml="urn:schemas-microsoft-com:office:powerpoint" xmlns:com="http://schemas.openxmlformats.org/drawingml/2006/compatibility" xmlns:p14="http://schemas.microsoft.com/office/powerpoint/2010/main" xmlns:p15="http://schemas.microsoft.com/office/powerpoint/2012/main">
+<p:sld xmlns:a="http://schemas.openxmlformats.org/drawingml/2006/main" xmlns:r="http://schemas.openxmlformats.org/officeDocument/2006/relationships" xmlns:p="http://schemas.openxmlformats.org/presentationml/2006/main">
   <p:cSld>
     <p:spTree>
       <p:nvGrpSpPr>
-        <p:cNvPr id="118" name="Shape 118"/>
+        <p:cNvPr id="1" name="Shape 118"/>
         <p:cNvGrpSpPr/>
         <p:nvPr/>
       </p:nvGrpSpPr>
@@ -7728,7 +8186,7 @@
       </p:grpSpPr>
       <p:pic>
         <p:nvPicPr>
-          <p:cNvPr descr="bloom-county-on-strong-ai.png" id="119" name="Shape 119"/>
+          <p:cNvPr id="119" name="Shape 119" descr="bloom-county-on-strong-ai.png"/>
           <p:cNvPicPr preferRelativeResize="0"/>
           <p:nvPr/>
         </p:nvPicPr>
@@ -7757,9 +8215,11 @@
       <p:sp>
         <p:nvSpPr>
           <p:cNvPr id="120" name="Shape 120"/>
-          <p:cNvSpPr txBox="1"/>
-          <p:nvPr>
-            <p:ph idx="12" type="sldNum"/>
+          <p:cNvSpPr txBox="1">
+            <a:spLocks noGrp="1"/>
+          </p:cNvSpPr>
+          <p:nvPr>
+            <p:ph type="sldNum" idx="12"/>
           </p:nvPr>
         </p:nvSpPr>
         <p:spPr>
@@ -7772,7 +8232,7 @@
           </a:prstGeom>
         </p:spPr>
         <p:txBody>
-          <a:bodyPr anchorCtr="0" anchor="ctr" bIns="91425" lIns="91425" rIns="91425" wrap="square" tIns="91425">
+          <a:bodyPr wrap="square" lIns="91425" tIns="91425" rIns="91425" bIns="91425" anchor="ctr" anchorCtr="0">
             <a:noAutofit/>
           </a:bodyPr>
           <a:lstStyle/>
@@ -7785,7 +8245,7 @@
             </a:pPr>
             <a:fld id="{00000000-1234-1234-1234-123412341234}" type="slidenum">
               <a:rPr lang="en"/>
-              <a:t>‹#›</a:t>
+              <a:t>10</a:t>
             </a:fld>
             <a:r>
               <a:rPr lang="en"/>
@@ -7803,11 +8263,11 @@
 </file>
 
 <file path=ppt/slides/slide11.xml><?xml version="1.0" encoding="utf-8"?>
-<p:sld xmlns:a="http://schemas.openxmlformats.org/drawingml/2006/main" xmlns:r="http://schemas.openxmlformats.org/officeDocument/2006/relationships" xmlns:mc="http://schemas.openxmlformats.org/markup-compatibility/2006" xmlns:mv="urn:schemas-microsoft-com:mac:vml" xmlns:p="http://schemas.openxmlformats.org/presentationml/2006/main" xmlns:c="http://schemas.openxmlformats.org/drawingml/2006/chart" xmlns:dgm="http://schemas.openxmlformats.org/drawingml/2006/diagram" xmlns:o="urn:schemas-microsoft-com:office:office" xmlns:v="urn:schemas-microsoft-com:vml" xmlns:pvml="urn:schemas-microsoft-com:office:powerpoint" xmlns:com="http://schemas.openxmlformats.org/drawingml/2006/compatibility" xmlns:p14="http://schemas.microsoft.com/office/powerpoint/2010/main" xmlns:p15="http://schemas.microsoft.com/office/powerpoint/2012/main">
+<p:sld xmlns:a="http://schemas.openxmlformats.org/drawingml/2006/main" xmlns:r="http://schemas.openxmlformats.org/officeDocument/2006/relationships" xmlns:p="http://schemas.openxmlformats.org/presentationml/2006/main">
   <p:cSld>
     <p:spTree>
       <p:nvGrpSpPr>
-        <p:cNvPr id="124" name="Shape 124"/>
+        <p:cNvPr id="1" name="Shape 124"/>
         <p:cNvGrpSpPr/>
         <p:nvPr/>
       </p:nvGrpSpPr>
@@ -7822,7 +8282,9 @@
       <p:sp>
         <p:nvSpPr>
           <p:cNvPr id="125" name="Shape 125"/>
-          <p:cNvSpPr txBox="1"/>
+          <p:cNvSpPr txBox="1">
+            <a:spLocks noGrp="1"/>
+          </p:cNvSpPr>
           <p:nvPr>
             <p:ph type="title"/>
           </p:nvPr>
@@ -7837,7 +8299,7 @@
           </a:prstGeom>
         </p:spPr>
         <p:txBody>
-          <a:bodyPr anchorCtr="0" anchor="t" bIns="91425" lIns="91425" rIns="91425" wrap="square" tIns="91425">
+          <a:bodyPr wrap="square" lIns="91425" tIns="91425" rIns="91425" bIns="91425" anchor="t" anchorCtr="0">
             <a:noAutofit/>
           </a:bodyPr>
           <a:lstStyle/>
@@ -7858,9 +8320,11 @@
       <p:sp>
         <p:nvSpPr>
           <p:cNvPr id="126" name="Shape 126"/>
-          <p:cNvSpPr txBox="1"/>
-          <p:nvPr>
-            <p:ph idx="1" type="body"/>
+          <p:cNvSpPr txBox="1">
+            <a:spLocks noGrp="1"/>
+          </p:cNvSpPr>
+          <p:nvPr>
+            <p:ph type="body" idx="1"/>
           </p:nvPr>
         </p:nvSpPr>
         <p:spPr>
@@ -7873,12 +8337,12 @@
           </a:prstGeom>
         </p:spPr>
         <p:txBody>
-          <a:bodyPr anchorCtr="0" anchor="t" bIns="91425" lIns="91425" rIns="91425" wrap="square" tIns="91425">
+          <a:bodyPr wrap="square" lIns="91425" tIns="91425" rIns="91425" bIns="91425" anchor="t" anchorCtr="0">
             <a:noAutofit/>
           </a:bodyPr>
           <a:lstStyle/>
           <a:p>
-            <a:pPr indent="-381000" lvl="0" marL="457200" rtl="0">
+            <a:pPr marL="457200" lvl="0" indent="-381000" rtl="0">
               <a:spcBef>
                 <a:spcPts val="0"/>
               </a:spcBef>
@@ -7889,19 +8353,16 @@
               <a:t>Need </a:t>
             </a:r>
             <a:r>
-              <a:rPr i="1" lang="en" sz="2400"/>
-              <a:t>some</a:t>
+              <a:rPr lang="en" sz="2400" i="1"/>
+              <a:t>independent</a:t>
             </a:r>
             <a:r>
               <a:rPr lang="en" sz="2400"/>
               <a:t> stimulus</a:t>
             </a:r>
-            <a:br>
-              <a:rPr lang="en" sz="2000"/>
-            </a:br>
-          </a:p>
-          <a:p>
-            <a:pPr indent="-381000" lvl="0" marL="457200" rtl="0">
+          </a:p>
+          <a:p>
+            <a:pPr marL="457200" lvl="0" indent="-381000" rtl="0">
               <a:spcBef>
                 <a:spcPts val="0"/>
               </a:spcBef>
@@ -7909,14 +8370,27 @@
             </a:pPr>
             <a:r>
               <a:rPr lang="en" sz="2400"/>
-              <a:t>Independent stimulus: Time</a:t>
+              <a:t>Independent stimulus allows to perceive change</a:t>
+            </a:r>
+          </a:p>
+          <a:p>
+            <a:pPr marL="457200" lvl="0" indent="-381000" rtl="0">
+              <a:spcBef>
+                <a:spcPts val="0"/>
+              </a:spcBef>
+              <a:buSzPct val="100000"/>
+            </a:pPr>
+            <a:r>
+              <a:rPr lang="en" sz="2400"/>
+              <a:t>Time = Change = Time</a:t>
             </a:r>
             <a:br>
               <a:rPr lang="en" sz="2400"/>
             </a:br>
-          </a:p>
-          <a:p>
-            <a:pPr indent="-381000" lvl="0" marL="457200" rtl="0">
+            <a:endParaRPr lang="en" sz="2400"/>
+          </a:p>
+          <a:p>
+            <a:pPr marL="457200" lvl="0" indent="-381000" rtl="0">
               <a:spcBef>
                 <a:spcPts val="0"/>
               </a:spcBef>
@@ -7936,9 +8410,10 @@
             <a:br>
               <a:rPr lang="en" sz="2400"/>
             </a:br>
-          </a:p>
-          <a:p>
-            <a:pPr indent="-381000" lvl="0" marL="457200" rtl="0">
+            <a:endParaRPr lang="en" sz="2400"/>
+          </a:p>
+          <a:p>
+            <a:pPr marL="457200" lvl="0" indent="-381000" rtl="0">
               <a:spcBef>
                 <a:spcPts val="0"/>
               </a:spcBef>
@@ -7954,9 +8429,11 @@
       <p:sp>
         <p:nvSpPr>
           <p:cNvPr id="127" name="Shape 127"/>
-          <p:cNvSpPr txBox="1"/>
-          <p:nvPr>
-            <p:ph idx="12" type="sldNum"/>
+          <p:cNvSpPr txBox="1">
+            <a:spLocks noGrp="1"/>
+          </p:cNvSpPr>
+          <p:nvPr>
+            <p:ph type="sldNum" idx="12"/>
           </p:nvPr>
         </p:nvSpPr>
         <p:spPr>
@@ -7969,7 +8446,7 @@
           </a:prstGeom>
         </p:spPr>
         <p:txBody>
-          <a:bodyPr anchorCtr="0" anchor="ctr" bIns="91425" lIns="91425" rIns="91425" wrap="square" tIns="91425">
+          <a:bodyPr wrap="square" lIns="91425" tIns="91425" rIns="91425" bIns="91425" anchor="ctr" anchorCtr="0">
             <a:noAutofit/>
           </a:bodyPr>
           <a:lstStyle/>
@@ -7982,7 +8459,7 @@
             </a:pPr>
             <a:fld id="{00000000-1234-1234-1234-123412341234}" type="slidenum">
               <a:rPr lang="en"/>
-              <a:t>‹#›</a:t>
+              <a:t>11</a:t>
             </a:fld>
             <a:r>
               <a:rPr lang="en"/>
@@ -8000,11 +8477,11 @@
 </file>
 
 <file path=ppt/slides/slide12.xml><?xml version="1.0" encoding="utf-8"?>
-<p:sld xmlns:a="http://schemas.openxmlformats.org/drawingml/2006/main" xmlns:r="http://schemas.openxmlformats.org/officeDocument/2006/relationships" xmlns:mc="http://schemas.openxmlformats.org/markup-compatibility/2006" xmlns:mv="urn:schemas-microsoft-com:mac:vml" xmlns:p="http://schemas.openxmlformats.org/presentationml/2006/main" xmlns:c="http://schemas.openxmlformats.org/drawingml/2006/chart" xmlns:dgm="http://schemas.openxmlformats.org/drawingml/2006/diagram" xmlns:o="urn:schemas-microsoft-com:office:office" xmlns:v="urn:schemas-microsoft-com:vml" xmlns:pvml="urn:schemas-microsoft-com:office:powerpoint" xmlns:com="http://schemas.openxmlformats.org/drawingml/2006/compatibility" xmlns:p14="http://schemas.microsoft.com/office/powerpoint/2010/main" xmlns:p15="http://schemas.microsoft.com/office/powerpoint/2012/main">
+<p:sld xmlns:a="http://schemas.openxmlformats.org/drawingml/2006/main" xmlns:r="http://schemas.openxmlformats.org/officeDocument/2006/relationships" xmlns:p="http://schemas.openxmlformats.org/presentationml/2006/main">
   <p:cSld>
     <p:spTree>
       <p:nvGrpSpPr>
-        <p:cNvPr id="131" name="Shape 131"/>
+        <p:cNvPr id="1" name="Shape 131"/>
         <p:cNvGrpSpPr/>
         <p:nvPr/>
       </p:nvGrpSpPr>
@@ -8019,7 +8496,9 @@
       <p:sp>
         <p:nvSpPr>
           <p:cNvPr id="132" name="Shape 132"/>
-          <p:cNvSpPr txBox="1"/>
+          <p:cNvSpPr txBox="1">
+            <a:spLocks noGrp="1"/>
+          </p:cNvSpPr>
           <p:nvPr>
             <p:ph type="title"/>
           </p:nvPr>
@@ -8034,7 +8513,7 @@
           </a:prstGeom>
         </p:spPr>
         <p:txBody>
-          <a:bodyPr anchorCtr="0" anchor="t" bIns="91425" lIns="91425" rIns="91425" wrap="square" tIns="91425">
+          <a:bodyPr wrap="square" lIns="91425" tIns="91425" rIns="91425" bIns="91425" anchor="t" anchorCtr="0">
             <a:noAutofit/>
           </a:bodyPr>
           <a:lstStyle/>
@@ -8055,9 +8534,11 @@
       <p:sp>
         <p:nvSpPr>
           <p:cNvPr id="133" name="Shape 133"/>
-          <p:cNvSpPr txBox="1"/>
-          <p:nvPr>
-            <p:ph idx="1" type="body"/>
+          <p:cNvSpPr txBox="1">
+            <a:spLocks noGrp="1"/>
+          </p:cNvSpPr>
+          <p:nvPr>
+            <p:ph type="body" idx="1"/>
           </p:nvPr>
         </p:nvSpPr>
         <p:spPr>
@@ -8070,12 +8551,12 @@
           </a:prstGeom>
         </p:spPr>
         <p:txBody>
-          <a:bodyPr anchorCtr="0" anchor="t" bIns="91425" lIns="91425" rIns="91425" wrap="square" tIns="91425">
+          <a:bodyPr wrap="square" lIns="91425" tIns="91425" rIns="91425" bIns="91425" anchor="t" anchorCtr="0">
             <a:noAutofit/>
           </a:bodyPr>
           <a:lstStyle/>
           <a:p>
-            <a:pPr indent="-381000" lvl="0" marL="457200" rtl="0">
+            <a:pPr marL="457200" lvl="0" indent="-381000" rtl="0">
               <a:spcBef>
                 <a:spcPts val="0"/>
               </a:spcBef>
@@ -8088,9 +8569,10 @@
             <a:br>
               <a:rPr lang="en" sz="2400"/>
             </a:br>
-          </a:p>
-          <a:p>
-            <a:pPr indent="-381000" lvl="0" marL="457200" rtl="0">
+            <a:endParaRPr lang="en" sz="2400"/>
+          </a:p>
+          <a:p>
+            <a:pPr marL="457200" lvl="0" indent="-381000" rtl="0">
               <a:spcBef>
                 <a:spcPts val="0"/>
               </a:spcBef>
@@ -8117,9 +8599,10 @@
             <a:br>
               <a:rPr lang="en" sz="2400"/>
             </a:br>
-          </a:p>
-          <a:p>
-            <a:pPr indent="-381000" lvl="0" marL="457200" rtl="0">
+            <a:endParaRPr lang="en" sz="2400"/>
+          </a:p>
+          <a:p>
+            <a:pPr marL="457200" lvl="0" indent="-381000" rtl="0">
               <a:spcBef>
                 <a:spcPts val="0"/>
               </a:spcBef>
@@ -8142,9 +8625,11 @@
       <p:sp>
         <p:nvSpPr>
           <p:cNvPr id="134" name="Shape 134"/>
-          <p:cNvSpPr txBox="1"/>
-          <p:nvPr>
-            <p:ph idx="12" type="sldNum"/>
+          <p:cNvSpPr txBox="1">
+            <a:spLocks noGrp="1"/>
+          </p:cNvSpPr>
+          <p:nvPr>
+            <p:ph type="sldNum" idx="12"/>
           </p:nvPr>
         </p:nvSpPr>
         <p:spPr>
@@ -8157,7 +8642,7 @@
           </a:prstGeom>
         </p:spPr>
         <p:txBody>
-          <a:bodyPr anchorCtr="0" anchor="ctr" bIns="91425" lIns="91425" rIns="91425" wrap="square" tIns="91425">
+          <a:bodyPr wrap="square" lIns="91425" tIns="91425" rIns="91425" bIns="91425" anchor="ctr" anchorCtr="0">
             <a:noAutofit/>
           </a:bodyPr>
           <a:lstStyle/>
@@ -8170,7 +8655,7 @@
             </a:pPr>
             <a:fld id="{00000000-1234-1234-1234-123412341234}" type="slidenum">
               <a:rPr lang="en"/>
-              <a:t>‹#›</a:t>
+              <a:t>12</a:t>
             </a:fld>
             <a:r>
               <a:rPr lang="en"/>
@@ -8188,11 +8673,11 @@
 </file>
 
 <file path=ppt/slides/slide13.xml><?xml version="1.0" encoding="utf-8"?>
-<p:sld xmlns:a="http://schemas.openxmlformats.org/drawingml/2006/main" xmlns:r="http://schemas.openxmlformats.org/officeDocument/2006/relationships" xmlns:mc="http://schemas.openxmlformats.org/markup-compatibility/2006" xmlns:mv="urn:schemas-microsoft-com:mac:vml" xmlns:p="http://schemas.openxmlformats.org/presentationml/2006/main" xmlns:c="http://schemas.openxmlformats.org/drawingml/2006/chart" xmlns:dgm="http://schemas.openxmlformats.org/drawingml/2006/diagram" xmlns:o="urn:schemas-microsoft-com:office:office" xmlns:v="urn:schemas-microsoft-com:vml" xmlns:pvml="urn:schemas-microsoft-com:office:powerpoint" xmlns:com="http://schemas.openxmlformats.org/drawingml/2006/compatibility" xmlns:p14="http://schemas.microsoft.com/office/powerpoint/2010/main" xmlns:p15="http://schemas.microsoft.com/office/powerpoint/2012/main">
+<p:sld xmlns:a="http://schemas.openxmlformats.org/drawingml/2006/main" xmlns:r="http://schemas.openxmlformats.org/officeDocument/2006/relationships" xmlns:p="http://schemas.openxmlformats.org/presentationml/2006/main">
   <p:cSld>
     <p:spTree>
       <p:nvGrpSpPr>
-        <p:cNvPr id="138" name="Shape 138"/>
+        <p:cNvPr id="1" name="Shape 138"/>
         <p:cNvGrpSpPr/>
         <p:nvPr/>
       </p:nvGrpSpPr>
@@ -8207,7 +8692,9 @@
       <p:sp>
         <p:nvSpPr>
           <p:cNvPr id="139" name="Shape 139"/>
-          <p:cNvSpPr txBox="1"/>
+          <p:cNvSpPr txBox="1">
+            <a:spLocks noGrp="1"/>
+          </p:cNvSpPr>
           <p:nvPr>
             <p:ph type="title"/>
           </p:nvPr>
@@ -8222,7 +8709,7 @@
           </a:prstGeom>
         </p:spPr>
         <p:txBody>
-          <a:bodyPr anchorCtr="0" anchor="b" bIns="91425" lIns="91425" rIns="91425" wrap="square" tIns="91425">
+          <a:bodyPr wrap="square" lIns="91425" tIns="91425" rIns="91425" bIns="91425" anchor="b" anchorCtr="0">
             <a:noAutofit/>
           </a:bodyPr>
           <a:lstStyle/>
@@ -8249,11 +8736,11 @@
 </file>
 
 <file path=ppt/slides/slide14.xml><?xml version="1.0" encoding="utf-8"?>
-<p:sld xmlns:a="http://schemas.openxmlformats.org/drawingml/2006/main" xmlns:r="http://schemas.openxmlformats.org/officeDocument/2006/relationships" xmlns:mc="http://schemas.openxmlformats.org/markup-compatibility/2006" xmlns:mv="urn:schemas-microsoft-com:mac:vml" xmlns:p="http://schemas.openxmlformats.org/presentationml/2006/main" xmlns:c="http://schemas.openxmlformats.org/drawingml/2006/chart" xmlns:dgm="http://schemas.openxmlformats.org/drawingml/2006/diagram" xmlns:o="urn:schemas-microsoft-com:office:office" xmlns:v="urn:schemas-microsoft-com:vml" xmlns:pvml="urn:schemas-microsoft-com:office:powerpoint" xmlns:com="http://schemas.openxmlformats.org/drawingml/2006/compatibility" xmlns:p14="http://schemas.microsoft.com/office/powerpoint/2010/main" xmlns:p15="http://schemas.microsoft.com/office/powerpoint/2012/main">
+<p:sld xmlns:a="http://schemas.openxmlformats.org/drawingml/2006/main" xmlns:r="http://schemas.openxmlformats.org/officeDocument/2006/relationships" xmlns:p="http://schemas.openxmlformats.org/presentationml/2006/main">
   <p:cSld>
     <p:spTree>
       <p:nvGrpSpPr>
-        <p:cNvPr id="143" name="Shape 143"/>
+        <p:cNvPr id="1" name="Shape 143"/>
         <p:cNvGrpSpPr/>
         <p:nvPr/>
       </p:nvGrpSpPr>
@@ -8268,7 +8755,9 @@
       <p:sp>
         <p:nvSpPr>
           <p:cNvPr id="144" name="Shape 144"/>
-          <p:cNvSpPr txBox="1"/>
+          <p:cNvSpPr txBox="1">
+            <a:spLocks noGrp="1"/>
+          </p:cNvSpPr>
           <p:nvPr>
             <p:ph type="title"/>
           </p:nvPr>
@@ -8283,7 +8772,7 @@
           </a:prstGeom>
         </p:spPr>
         <p:txBody>
-          <a:bodyPr anchorCtr="0" anchor="t" bIns="91425" lIns="91425" rIns="91425" wrap="square" tIns="91425">
+          <a:bodyPr wrap="square" lIns="91425" tIns="91425" rIns="91425" bIns="91425" anchor="t" anchorCtr="0">
             <a:noAutofit/>
           </a:bodyPr>
           <a:lstStyle/>
@@ -8304,9 +8793,11 @@
       <p:sp>
         <p:nvSpPr>
           <p:cNvPr id="145" name="Shape 145"/>
-          <p:cNvSpPr txBox="1"/>
-          <p:nvPr>
-            <p:ph idx="1" type="body"/>
+          <p:cNvSpPr txBox="1">
+            <a:spLocks noGrp="1"/>
+          </p:cNvSpPr>
+          <p:nvPr>
+            <p:ph type="body" idx="1"/>
           </p:nvPr>
         </p:nvSpPr>
         <p:spPr>
@@ -8319,7 +8810,7 @@
           </a:prstGeom>
         </p:spPr>
         <p:txBody>
-          <a:bodyPr anchorCtr="0" anchor="t" bIns="91425" lIns="91425" rIns="91425" wrap="square" tIns="91425">
+          <a:bodyPr wrap="square" lIns="91425" tIns="91425" rIns="91425" bIns="91425" anchor="t" anchorCtr="0">
             <a:noAutofit/>
           </a:bodyPr>
           <a:lstStyle/>
@@ -8331,102 +8822,86 @@
               <a:buNone/>
             </a:pPr>
             <a:r>
-              <a:rPr b="1" lang="en" sz="2400"/>
+              <a:rPr lang="en" sz="2400" b="1" dirty="0"/>
               <a:t>Agents act after another</a:t>
             </a:r>
           </a:p>
           <a:p>
-            <a:pPr indent="-381000" lvl="0" marL="457200" rtl="0">
-              <a:spcBef>
-                <a:spcPts val="0"/>
-              </a:spcBef>
-              <a:buSzPct val="100000"/>
-            </a:pPr>
-            <a:r>
-              <a:rPr lang="en" sz="2400"/>
-              <a:t>Global, absolute</a:t>
-            </a:r>
-            <a:r>
-              <a:rPr lang="en" sz="2400"/>
-              <a:t> Time</a:t>
-            </a:r>
-          </a:p>
-          <a:p>
-            <a:pPr indent="-381000" lvl="0" marL="457200" rtl="0">
-              <a:spcBef>
-                <a:spcPts val="0"/>
-              </a:spcBef>
-              <a:buSzPct val="100000"/>
-            </a:pPr>
-            <a:r>
-              <a:rPr lang="en" sz="2400"/>
+            <a:pPr marL="457200" lvl="0" indent="-381000" rtl="0">
+              <a:spcBef>
+                <a:spcPts val="0"/>
+              </a:spcBef>
+              <a:buSzPct val="100000"/>
+            </a:pPr>
+            <a:r>
+              <a:rPr lang="en" sz="2400" dirty="0"/>
+              <a:t>Global, absolute Time</a:t>
+            </a:r>
+          </a:p>
+          <a:p>
+            <a:pPr marL="457200" lvl="0" indent="-381000" rtl="0">
+              <a:spcBef>
+                <a:spcPts val="0"/>
+              </a:spcBef>
+              <a:buSzPct val="100000"/>
+            </a:pPr>
+            <a:r>
+              <a:rPr lang="en" sz="2400" dirty="0"/>
               <a:t>Agents see changes of Agents before</a:t>
             </a:r>
           </a:p>
           <a:p>
-            <a:pPr indent="-381000" lvl="0" marL="457200" rtl="0">
-              <a:spcBef>
-                <a:spcPts val="0"/>
-              </a:spcBef>
-              <a:buSzPct val="100000"/>
-            </a:pPr>
-            <a:r>
-              <a:rPr lang="en" sz="2400"/>
+            <a:pPr marL="457200" lvl="0" indent="-381000" rtl="0">
+              <a:spcBef>
+                <a:spcPts val="0"/>
+              </a:spcBef>
+              <a:buSzPct val="100000"/>
+            </a:pPr>
+            <a:r>
+              <a:rPr lang="en" sz="2400" dirty="0"/>
               <a:t>Single, shared Thread</a:t>
             </a:r>
           </a:p>
           <a:p>
-            <a:pPr indent="-381000" lvl="0" marL="457200" rtl="0">
-              <a:spcBef>
-                <a:spcPts val="0"/>
-              </a:spcBef>
-              <a:buSzPct val="100000"/>
-            </a:pPr>
-            <a:r>
-              <a:rPr lang="en" sz="2400"/>
+            <a:pPr marL="457200" lvl="0" indent="-381000" rtl="0">
+              <a:spcBef>
+                <a:spcPts val="0"/>
+              </a:spcBef>
+              <a:buSzPct val="100000"/>
+            </a:pPr>
+            <a:r>
+              <a:rPr lang="en" sz="2400" dirty="0"/>
               <a:t>Deterministic</a:t>
             </a:r>
-          </a:p>
-          <a:p>
-            <a:pPr lvl="0" rtl="0">
-              <a:spcBef>
-                <a:spcPts val="0"/>
-              </a:spcBef>
-              <a:buNone/>
-            </a:pPr>
-            <a:r>
-              <a:t/>
-            </a:r>
-            <a:endParaRPr sz="2400"/>
-          </a:p>
-          <a:p>
-            <a:pPr indent="-381000" lvl="0" marL="457200" rtl="0">
-              <a:spcBef>
-                <a:spcPts val="0"/>
-              </a:spcBef>
-              <a:buSzPct val="100000"/>
-            </a:pPr>
-            <a:r>
-              <a:rPr lang="en" sz="2400"/>
+            <a:br>
+              <a:rPr lang="en" sz="2400" dirty="0"/>
+            </a:br>
+            <a:endParaRPr sz="2400" dirty="0"/>
+          </a:p>
+          <a:p>
+            <a:pPr marL="457200" lvl="0" indent="-381000" rtl="0">
+              <a:spcBef>
+                <a:spcPts val="0"/>
+              </a:spcBef>
+              <a:buSzPct val="100000"/>
+            </a:pPr>
+            <a:r>
+              <a:rPr lang="en" sz="2000" dirty="0"/>
               <a:t>Imperative / OO languages </a:t>
             </a:r>
             <a:br>
-              <a:rPr lang="en" sz="2400"/>
+              <a:rPr lang="en" sz="2000" dirty="0"/>
             </a:br>
             <a:r>
-              <a:rPr lang="en" sz="2400"/>
-              <a:t>(Java, C++) </a:t>
-            </a:r>
-            <a:r>
-              <a:rPr lang="en" sz="2400"/>
-              <a:t>strong</a:t>
+              <a:rPr lang="en" sz="2000" dirty="0"/>
+              <a:t>(Java, C++) strong</a:t>
             </a:r>
           </a:p>
         </p:txBody>
       </p:sp>
       <p:pic>
         <p:nvPicPr>
-          <p:cNvPr descr="Sequential.png" id="146" name="Shape 146"/>
+          <p:cNvPr id="146" name="Shape 146" descr="Sequential.png"/>
           <p:cNvPicPr preferRelativeResize="0"/>
           <p:nvPr/>
         </p:nvPicPr>
@@ -8434,7 +8909,7 @@
           <a:blip r:embed="rId3">
             <a:alphaModFix/>
           </a:blip>
-          <a:srcRect b="0" l="0" r="0" t="0"/>
+          <a:srcRect/>
           <a:stretch/>
         </p:blipFill>
         <p:spPr>
@@ -8454,9 +8929,11 @@
       <p:sp>
         <p:nvSpPr>
           <p:cNvPr id="147" name="Shape 147"/>
-          <p:cNvSpPr txBox="1"/>
-          <p:nvPr>
-            <p:ph idx="12" type="sldNum"/>
+          <p:cNvSpPr txBox="1">
+            <a:spLocks noGrp="1"/>
+          </p:cNvSpPr>
+          <p:nvPr>
+            <p:ph type="sldNum" idx="12"/>
           </p:nvPr>
         </p:nvSpPr>
         <p:spPr>
@@ -8469,7 +8946,7 @@
           </a:prstGeom>
         </p:spPr>
         <p:txBody>
-          <a:bodyPr anchorCtr="0" anchor="ctr" bIns="91425" lIns="91425" rIns="91425" wrap="square" tIns="91425">
+          <a:bodyPr wrap="square" lIns="91425" tIns="91425" rIns="91425" bIns="91425" anchor="ctr" anchorCtr="0">
             <a:noAutofit/>
           </a:bodyPr>
           <a:lstStyle/>
@@ -8482,7 +8959,7 @@
             </a:pPr>
             <a:fld id="{00000000-1234-1234-1234-123412341234}" type="slidenum">
               <a:rPr lang="en"/>
-              <a:t>‹#›</a:t>
+              <a:t>14</a:t>
             </a:fld>
             <a:r>
               <a:rPr lang="en"/>
@@ -8500,11 +8977,11 @@
 </file>
 
 <file path=ppt/slides/slide15.xml><?xml version="1.0" encoding="utf-8"?>
-<p:sld xmlns:a="http://schemas.openxmlformats.org/drawingml/2006/main" xmlns:r="http://schemas.openxmlformats.org/officeDocument/2006/relationships" xmlns:mc="http://schemas.openxmlformats.org/markup-compatibility/2006" xmlns:mv="urn:schemas-microsoft-com:mac:vml" xmlns:p="http://schemas.openxmlformats.org/presentationml/2006/main" xmlns:c="http://schemas.openxmlformats.org/drawingml/2006/chart" xmlns:dgm="http://schemas.openxmlformats.org/drawingml/2006/diagram" xmlns:o="urn:schemas-microsoft-com:office:office" xmlns:v="urn:schemas-microsoft-com:vml" xmlns:pvml="urn:schemas-microsoft-com:office:powerpoint" xmlns:com="http://schemas.openxmlformats.org/drawingml/2006/compatibility" xmlns:p14="http://schemas.microsoft.com/office/powerpoint/2010/main" xmlns:p15="http://schemas.microsoft.com/office/powerpoint/2012/main">
+<p:sld xmlns:a="http://schemas.openxmlformats.org/drawingml/2006/main" xmlns:r="http://schemas.openxmlformats.org/officeDocument/2006/relationships" xmlns:p="http://schemas.openxmlformats.org/presentationml/2006/main">
   <p:cSld>
     <p:spTree>
       <p:nvGrpSpPr>
-        <p:cNvPr id="151" name="Shape 151"/>
+        <p:cNvPr id="1" name="Shape 151"/>
         <p:cNvGrpSpPr/>
         <p:nvPr/>
       </p:nvGrpSpPr>
@@ -8519,7 +8996,9 @@
       <p:sp>
         <p:nvSpPr>
           <p:cNvPr id="152" name="Shape 152"/>
-          <p:cNvSpPr txBox="1"/>
+          <p:cNvSpPr txBox="1">
+            <a:spLocks noGrp="1"/>
+          </p:cNvSpPr>
           <p:nvPr>
             <p:ph type="title"/>
           </p:nvPr>
@@ -8534,7 +9013,7 @@
           </a:prstGeom>
         </p:spPr>
         <p:txBody>
-          <a:bodyPr anchorCtr="0" anchor="t" bIns="91425" lIns="91425" rIns="91425" wrap="square" tIns="91425">
+          <a:bodyPr wrap="square" lIns="91425" tIns="91425" rIns="91425" bIns="91425" anchor="t" anchorCtr="0">
             <a:noAutofit/>
           </a:bodyPr>
           <a:lstStyle/>
@@ -8554,7 +9033,7 @@
       </p:sp>
       <p:pic>
         <p:nvPicPr>
-          <p:cNvPr descr="seq_HAC_100_000_500steps_java.png" id="153" name="Shape 153"/>
+          <p:cNvPr id="153" name="Shape 153" descr="seq_HAC_100_000_500steps_java.png"/>
           <p:cNvPicPr preferRelativeResize="0"/>
           <p:nvPr/>
         </p:nvPicPr>
@@ -8582,7 +9061,7 @@
       </p:pic>
       <p:pic>
         <p:nvPicPr>
-          <p:cNvPr descr="seq_QUEUED_SG_436steps_java.png" id="154" name="Shape 154"/>
+          <p:cNvPr id="154" name="Shape 154" descr="seq_QUEUED_SG_436steps_java.png"/>
           <p:cNvPicPr preferRelativeResize="0"/>
           <p:nvPr/>
         </p:nvPicPr>
@@ -8611,9 +9090,11 @@
       <p:sp>
         <p:nvSpPr>
           <p:cNvPr id="155" name="Shape 155"/>
-          <p:cNvSpPr txBox="1"/>
-          <p:nvPr>
-            <p:ph idx="12" type="sldNum"/>
+          <p:cNvSpPr txBox="1">
+            <a:spLocks noGrp="1"/>
+          </p:cNvSpPr>
+          <p:nvPr>
+            <p:ph type="sldNum" idx="12"/>
           </p:nvPr>
         </p:nvSpPr>
         <p:spPr>
@@ -8626,7 +9107,7 @@
           </a:prstGeom>
         </p:spPr>
         <p:txBody>
-          <a:bodyPr anchorCtr="0" anchor="ctr" bIns="91425" lIns="91425" rIns="91425" wrap="square" tIns="91425">
+          <a:bodyPr wrap="square" lIns="91425" tIns="91425" rIns="91425" bIns="91425" anchor="ctr" anchorCtr="0">
             <a:noAutofit/>
           </a:bodyPr>
           <a:lstStyle/>
@@ -8639,7 +9120,7 @@
             </a:pPr>
             <a:fld id="{00000000-1234-1234-1234-123412341234}" type="slidenum">
               <a:rPr lang="en"/>
-              <a:t>‹#›</a:t>
+              <a:t>15</a:t>
             </a:fld>
             <a:r>
               <a:rPr lang="en"/>
@@ -8657,11 +9138,11 @@
 </file>
 
 <file path=ppt/slides/slide16.xml><?xml version="1.0" encoding="utf-8"?>
-<p:sld xmlns:a="http://schemas.openxmlformats.org/drawingml/2006/main" xmlns:r="http://schemas.openxmlformats.org/officeDocument/2006/relationships" xmlns:mc="http://schemas.openxmlformats.org/markup-compatibility/2006" xmlns:mv="urn:schemas-microsoft-com:mac:vml" xmlns:p="http://schemas.openxmlformats.org/presentationml/2006/main" xmlns:c="http://schemas.openxmlformats.org/drawingml/2006/chart" xmlns:dgm="http://schemas.openxmlformats.org/drawingml/2006/diagram" xmlns:o="urn:schemas-microsoft-com:office:office" xmlns:v="urn:schemas-microsoft-com:vml" xmlns:pvml="urn:schemas-microsoft-com:office:powerpoint" xmlns:com="http://schemas.openxmlformats.org/drawingml/2006/compatibility" xmlns:p14="http://schemas.microsoft.com/office/powerpoint/2010/main" xmlns:p15="http://schemas.microsoft.com/office/powerpoint/2012/main">
+<p:sld xmlns:a="http://schemas.openxmlformats.org/drawingml/2006/main" xmlns:r="http://schemas.openxmlformats.org/officeDocument/2006/relationships" xmlns:p="http://schemas.openxmlformats.org/presentationml/2006/main">
   <p:cSld>
     <p:spTree>
       <p:nvGrpSpPr>
-        <p:cNvPr id="159" name="Shape 159"/>
+        <p:cNvPr id="1" name="Shape 159"/>
         <p:cNvGrpSpPr/>
         <p:nvPr/>
       </p:nvGrpSpPr>
@@ -8676,7 +9157,9 @@
       <p:sp>
         <p:nvSpPr>
           <p:cNvPr id="160" name="Shape 160"/>
-          <p:cNvSpPr txBox="1"/>
+          <p:cNvSpPr txBox="1">
+            <a:spLocks noGrp="1"/>
+          </p:cNvSpPr>
           <p:nvPr>
             <p:ph type="title"/>
           </p:nvPr>
@@ -8691,7 +9174,7 @@
           </a:prstGeom>
         </p:spPr>
         <p:txBody>
-          <a:bodyPr anchorCtr="0" anchor="t" bIns="91425" lIns="91425" rIns="91425" wrap="square" tIns="91425">
+          <a:bodyPr wrap="square" lIns="91425" tIns="91425" rIns="91425" bIns="91425" anchor="t" anchorCtr="0">
             <a:noAutofit/>
           </a:bodyPr>
           <a:lstStyle/>
@@ -8711,7 +9194,7 @@
       </p:sp>
       <p:pic>
         <p:nvPicPr>
-          <p:cNvPr descr="seq_HAC_100_000_500steps_java.png" id="161" name="Shape 161"/>
+          <p:cNvPr id="161" name="Shape 161" descr="seq_HAC_100_000_500steps_java.png"/>
           <p:cNvPicPr preferRelativeResize="0"/>
           <p:nvPr/>
         </p:nvPicPr>
@@ -8739,7 +9222,7 @@
       </p:pic>
       <p:pic>
         <p:nvPicPr>
-          <p:cNvPr descr="sync_patterns.png" id="162" name="Shape 162"/>
+          <p:cNvPr id="162" name="Shape 162" descr="sync_patterns.png"/>
           <p:cNvPicPr preferRelativeResize="0"/>
           <p:nvPr/>
         </p:nvPicPr>
@@ -8747,7 +9230,7 @@
           <a:blip r:embed="rId4">
             <a:alphaModFix/>
           </a:blip>
-          <a:srcRect b="777" l="0" r="0" t="767"/>
+          <a:srcRect t="767" b="777"/>
           <a:stretch/>
         </p:blipFill>
         <p:spPr>
@@ -8767,9 +9250,11 @@
       <p:sp>
         <p:nvSpPr>
           <p:cNvPr id="163" name="Shape 163"/>
-          <p:cNvSpPr txBox="1"/>
-          <p:nvPr>
-            <p:ph idx="12" type="sldNum"/>
+          <p:cNvSpPr txBox="1">
+            <a:spLocks noGrp="1"/>
+          </p:cNvSpPr>
+          <p:nvPr>
+            <p:ph type="sldNum" idx="12"/>
           </p:nvPr>
         </p:nvSpPr>
         <p:spPr>
@@ -8782,7 +9267,7 @@
           </a:prstGeom>
         </p:spPr>
         <p:txBody>
-          <a:bodyPr anchorCtr="0" anchor="ctr" bIns="91425" lIns="91425" rIns="91425" wrap="square" tIns="91425">
+          <a:bodyPr wrap="square" lIns="91425" tIns="91425" rIns="91425" bIns="91425" anchor="ctr" anchorCtr="0">
             <a:noAutofit/>
           </a:bodyPr>
           <a:lstStyle/>
@@ -8795,7 +9280,7 @@
             </a:pPr>
             <a:fld id="{00000000-1234-1234-1234-123412341234}" type="slidenum">
               <a:rPr lang="en"/>
-              <a:t>‹#›</a:t>
+              <a:t>16</a:t>
             </a:fld>
             <a:r>
               <a:rPr lang="en"/>
@@ -8813,11 +9298,11 @@
 </file>
 
 <file path=ppt/slides/slide17.xml><?xml version="1.0" encoding="utf-8"?>
-<p:sld xmlns:a="http://schemas.openxmlformats.org/drawingml/2006/main" xmlns:r="http://schemas.openxmlformats.org/officeDocument/2006/relationships" xmlns:mc="http://schemas.openxmlformats.org/markup-compatibility/2006" xmlns:mv="urn:schemas-microsoft-com:mac:vml" xmlns:p="http://schemas.openxmlformats.org/presentationml/2006/main" xmlns:c="http://schemas.openxmlformats.org/drawingml/2006/chart" xmlns:dgm="http://schemas.openxmlformats.org/drawingml/2006/diagram" xmlns:o="urn:schemas-microsoft-com:office:office" xmlns:v="urn:schemas-microsoft-com:vml" xmlns:pvml="urn:schemas-microsoft-com:office:powerpoint" xmlns:com="http://schemas.openxmlformats.org/drawingml/2006/compatibility" xmlns:p14="http://schemas.microsoft.com/office/powerpoint/2010/main" xmlns:p15="http://schemas.microsoft.com/office/powerpoint/2012/main">
+<p:sld xmlns:a="http://schemas.openxmlformats.org/drawingml/2006/main" xmlns:r="http://schemas.openxmlformats.org/officeDocument/2006/relationships" xmlns:p="http://schemas.openxmlformats.org/presentationml/2006/main">
   <p:cSld>
     <p:spTree>
       <p:nvGrpSpPr>
-        <p:cNvPr id="167" name="Shape 167"/>
+        <p:cNvPr id="1" name="Shape 167"/>
         <p:cNvGrpSpPr/>
         <p:nvPr/>
       </p:nvGrpSpPr>
@@ -8832,7 +9317,9 @@
       <p:sp>
         <p:nvSpPr>
           <p:cNvPr id="168" name="Shape 168"/>
-          <p:cNvSpPr txBox="1"/>
+          <p:cNvSpPr txBox="1">
+            <a:spLocks noGrp="1"/>
+          </p:cNvSpPr>
           <p:nvPr>
             <p:ph type="title"/>
           </p:nvPr>
@@ -8847,7 +9334,7 @@
           </a:prstGeom>
         </p:spPr>
         <p:txBody>
-          <a:bodyPr anchorCtr="0" anchor="t" bIns="91425" lIns="91425" rIns="91425" wrap="square" tIns="91425">
+          <a:bodyPr wrap="square" lIns="91425" tIns="91425" rIns="91425" bIns="91425" anchor="t" anchorCtr="0">
             <a:noAutofit/>
           </a:bodyPr>
           <a:lstStyle/>
@@ -8868,9 +9355,11 @@
       <p:sp>
         <p:nvSpPr>
           <p:cNvPr id="169" name="Shape 169"/>
-          <p:cNvSpPr txBox="1"/>
-          <p:nvPr>
-            <p:ph idx="1" type="body"/>
+          <p:cNvSpPr txBox="1">
+            <a:spLocks noGrp="1"/>
+          </p:cNvSpPr>
+          <p:nvPr>
+            <p:ph type="body" idx="1"/>
           </p:nvPr>
         </p:nvSpPr>
         <p:spPr>
@@ -8883,7 +9372,7 @@
           </a:prstGeom>
         </p:spPr>
         <p:txBody>
-          <a:bodyPr anchorCtr="0" anchor="t" bIns="91425" lIns="91425" rIns="91425" wrap="square" tIns="91425">
+          <a:bodyPr wrap="square" lIns="91425" tIns="91425" rIns="91425" bIns="91425" anchor="t" anchorCtr="0">
             <a:noAutofit/>
           </a:bodyPr>
           <a:lstStyle/>
@@ -8895,103 +9384,96 @@
               <a:buNone/>
             </a:pPr>
             <a:r>
-              <a:rPr b="1" lang="en" sz="2400"/>
-              <a:t>A</a:t>
-            </a:r>
-            <a:r>
-              <a:rPr b="1" lang="en" sz="2400"/>
-              <a:t>gents act at the same time </a:t>
+              <a:rPr lang="en" sz="2400" b="1" dirty="0"/>
+              <a:t>Agents act at the same time </a:t>
             </a:r>
             <a:br>
-              <a:rPr b="1" lang="en" sz="2400"/>
+              <a:rPr lang="en" sz="2400" b="1" dirty="0"/>
             </a:br>
             <a:r>
-              <a:rPr b="1" lang="en" sz="2400"/>
+              <a:rPr lang="en" sz="2400" b="1" dirty="0"/>
               <a:t>in lockstep</a:t>
             </a:r>
           </a:p>
           <a:p>
-            <a:pPr indent="-381000" lvl="0" marL="457200" rtl="0">
-              <a:spcBef>
-                <a:spcPts val="0"/>
-              </a:spcBef>
-              <a:buSzPct val="100000"/>
-            </a:pPr>
-            <a:r>
-              <a:rPr lang="en" sz="2400"/>
+            <a:pPr marL="457200" lvl="0" indent="-381000" rtl="0">
+              <a:spcBef>
+                <a:spcPts val="0"/>
+              </a:spcBef>
+              <a:buSzPct val="100000"/>
+            </a:pPr>
+            <a:r>
+              <a:rPr lang="en" sz="2400" dirty="0"/>
               <a:t>Global, absolute Time</a:t>
             </a:r>
           </a:p>
           <a:p>
-            <a:pPr indent="-381000" lvl="0" marL="457200" rtl="0">
-              <a:spcBef>
-                <a:spcPts val="0"/>
-              </a:spcBef>
-              <a:buSzPct val="100000"/>
-            </a:pPr>
-            <a:r>
-              <a:rPr lang="en" sz="2400"/>
+            <a:pPr marL="457200" lvl="0" indent="-381000" rtl="0">
+              <a:spcBef>
+                <a:spcPts val="0"/>
+              </a:spcBef>
+              <a:buSzPct val="100000"/>
+            </a:pPr>
+            <a:r>
+              <a:rPr lang="en" sz="2400" dirty="0"/>
               <a:t>Actions </a:t>
             </a:r>
             <a:r>
-              <a:rPr b="1" lang="en" sz="2400"/>
+              <a:rPr lang="en" sz="2400" b="1" dirty="0"/>
               <a:t>not</a:t>
             </a:r>
             <a:r>
-              <a:rPr lang="en" sz="2400"/>
+              <a:rPr lang="en" sz="2400" dirty="0"/>
               <a:t> visible </a:t>
             </a:r>
             <a:br>
-              <a:rPr lang="en" sz="2400"/>
+              <a:rPr lang="en" sz="2400" dirty="0"/>
             </a:br>
             <a:r>
-              <a:rPr lang="en" sz="2400"/>
+              <a:rPr lang="en" sz="2400" dirty="0"/>
               <a:t>during update-step</a:t>
             </a:r>
           </a:p>
           <a:p>
-            <a:pPr indent="-381000" lvl="0" marL="457200" rtl="0">
-              <a:spcBef>
-                <a:spcPts val="0"/>
-              </a:spcBef>
-              <a:buSzPct val="100000"/>
-            </a:pPr>
-            <a:r>
-              <a:rPr lang="en" sz="2400"/>
+            <a:pPr marL="457200" lvl="0" indent="-381000" rtl="0">
+              <a:spcBef>
+                <a:spcPts val="0"/>
+              </a:spcBef>
+              <a:buSzPct val="100000"/>
+            </a:pPr>
+            <a:r>
+              <a:rPr lang="en" sz="2400" dirty="0"/>
               <a:t>Single shared / separate Threads</a:t>
             </a:r>
           </a:p>
           <a:p>
-            <a:pPr indent="-381000" lvl="0" marL="457200" rtl="0">
-              <a:spcBef>
-                <a:spcPts val="0"/>
-              </a:spcBef>
-              <a:buSzPct val="100000"/>
-            </a:pPr>
-            <a:r>
-              <a:rPr lang="en" sz="2400"/>
+            <a:pPr marL="457200" lvl="0" indent="-381000" rtl="0">
+              <a:spcBef>
+                <a:spcPts val="0"/>
+              </a:spcBef>
+              <a:buSzPct val="100000"/>
+            </a:pPr>
+            <a:r>
+              <a:rPr lang="en" sz="2400" dirty="0"/>
               <a:t>Deterministic</a:t>
             </a:r>
+          </a:p>
+          <a:p>
+            <a:pPr marL="457200" lvl="0" indent="-381000" rtl="0">
+              <a:spcBef>
+                <a:spcPts val="0"/>
+              </a:spcBef>
+              <a:buSzPct val="100000"/>
+            </a:pPr>
+            <a:r>
+              <a:rPr lang="en" sz="2000" dirty="0"/>
+              <a:t>Functional languages </a:t>
+            </a:r>
             <a:br>
-              <a:rPr lang="en" sz="2400"/>
+              <a:rPr lang="en" sz="2000" dirty="0"/>
             </a:br>
-          </a:p>
-          <a:p>
-            <a:pPr indent="-381000" lvl="0" marL="457200" rtl="0">
-              <a:spcBef>
-                <a:spcPts val="0"/>
-              </a:spcBef>
-              <a:buSzPct val="100000"/>
-            </a:pPr>
-            <a:r>
-              <a:rPr lang="en" sz="2400"/>
-              <a:t>Functional languages </a:t>
-            </a:r>
-            <a:br>
-              <a:rPr lang="en" sz="2400"/>
-            </a:br>
-            <a:r>
-              <a:rPr lang="en" sz="2400"/>
+            <a:r>
+              <a:rPr lang="en" sz="2000" dirty="0"/>
               <a:t>(Haskell, Clojure) strong</a:t>
             </a:r>
           </a:p>
@@ -8999,7 +9481,7 @@
       </p:sp>
       <p:pic>
         <p:nvPicPr>
-          <p:cNvPr descr="Parallel.png" id="170" name="Shape 170"/>
+          <p:cNvPr id="170" name="Shape 170" descr="Parallel.png"/>
           <p:cNvPicPr preferRelativeResize="0"/>
           <p:nvPr/>
         </p:nvPicPr>
@@ -9028,9 +9510,11 @@
       <p:sp>
         <p:nvSpPr>
           <p:cNvPr id="171" name="Shape 171"/>
-          <p:cNvSpPr txBox="1"/>
-          <p:nvPr>
-            <p:ph idx="12" type="sldNum"/>
+          <p:cNvSpPr txBox="1">
+            <a:spLocks noGrp="1"/>
+          </p:cNvSpPr>
+          <p:nvPr>
+            <p:ph type="sldNum" idx="12"/>
           </p:nvPr>
         </p:nvSpPr>
         <p:spPr>
@@ -9043,7 +9527,7 @@
           </a:prstGeom>
         </p:spPr>
         <p:txBody>
-          <a:bodyPr anchorCtr="0" anchor="ctr" bIns="91425" lIns="91425" rIns="91425" wrap="square" tIns="91425">
+          <a:bodyPr wrap="square" lIns="91425" tIns="91425" rIns="91425" bIns="91425" anchor="ctr" anchorCtr="0">
             <a:noAutofit/>
           </a:bodyPr>
           <a:lstStyle/>
@@ -9056,7 +9540,7 @@
             </a:pPr>
             <a:fld id="{00000000-1234-1234-1234-123412341234}" type="slidenum">
               <a:rPr lang="en"/>
-              <a:t>‹#›</a:t>
+              <a:t>17</a:t>
             </a:fld>
             <a:r>
               <a:rPr lang="en"/>
@@ -9074,11 +9558,11 @@
 </file>
 
 <file path=ppt/slides/slide18.xml><?xml version="1.0" encoding="utf-8"?>
-<p:sld xmlns:a="http://schemas.openxmlformats.org/drawingml/2006/main" xmlns:r="http://schemas.openxmlformats.org/officeDocument/2006/relationships" xmlns:mc="http://schemas.openxmlformats.org/markup-compatibility/2006" xmlns:mv="urn:schemas-microsoft-com:mac:vml" xmlns:p="http://schemas.openxmlformats.org/presentationml/2006/main" xmlns:c="http://schemas.openxmlformats.org/drawingml/2006/chart" xmlns:dgm="http://schemas.openxmlformats.org/drawingml/2006/diagram" xmlns:o="urn:schemas-microsoft-com:office:office" xmlns:v="urn:schemas-microsoft-com:vml" xmlns:pvml="urn:schemas-microsoft-com:office:powerpoint" xmlns:com="http://schemas.openxmlformats.org/drawingml/2006/compatibility" xmlns:p14="http://schemas.microsoft.com/office/powerpoint/2010/main" xmlns:p15="http://schemas.microsoft.com/office/powerpoint/2012/main">
+<p:sld xmlns:a="http://schemas.openxmlformats.org/drawingml/2006/main" xmlns:r="http://schemas.openxmlformats.org/officeDocument/2006/relationships" xmlns:p="http://schemas.openxmlformats.org/presentationml/2006/main">
   <p:cSld>
     <p:spTree>
       <p:nvGrpSpPr>
-        <p:cNvPr id="175" name="Shape 175"/>
+        <p:cNvPr id="1" name="Shape 175"/>
         <p:cNvGrpSpPr/>
         <p:nvPr/>
       </p:nvGrpSpPr>
@@ -9093,7 +9577,9 @@
       <p:sp>
         <p:nvSpPr>
           <p:cNvPr id="176" name="Shape 176"/>
-          <p:cNvSpPr txBox="1"/>
+          <p:cNvSpPr txBox="1">
+            <a:spLocks noGrp="1"/>
+          </p:cNvSpPr>
           <p:nvPr>
             <p:ph type="title"/>
           </p:nvPr>
@@ -9108,7 +9594,7 @@
           </a:prstGeom>
         </p:spPr>
         <p:txBody>
-          <a:bodyPr anchorCtr="0" anchor="t" bIns="91425" lIns="91425" rIns="91425" wrap="square" tIns="91425">
+          <a:bodyPr wrap="square" lIns="91425" tIns="91425" rIns="91425" bIns="91425" anchor="t" anchorCtr="0">
             <a:noAutofit/>
           </a:bodyPr>
           <a:lstStyle/>
@@ -9128,7 +9614,7 @@
       </p:sp>
       <p:pic>
         <p:nvPicPr>
-          <p:cNvPr descr="par_HAC_100_000_500steps_java.png" id="177" name="Shape 177"/>
+          <p:cNvPr id="177" name="Shape 177" descr="par_HAC_100_000_500steps_java.png"/>
           <p:cNvPicPr preferRelativeResize="0"/>
           <p:nvPr/>
         </p:nvPicPr>
@@ -9136,7 +9622,7 @@
           <a:blip r:embed="rId3">
             <a:alphaModFix/>
           </a:blip>
-          <a:srcRect b="0" l="49" r="49" t="0"/>
+          <a:srcRect l="49" r="49"/>
           <a:stretch/>
         </p:blipFill>
         <p:spPr>
@@ -9155,7 +9641,7 @@
       </p:pic>
       <p:pic>
         <p:nvPicPr>
-          <p:cNvPr descr="par_SG_436steps_java.png" id="178" name="Shape 178"/>
+          <p:cNvPr id="178" name="Shape 178" descr="par_SG_436steps_java.png"/>
           <p:cNvPicPr preferRelativeResize="0"/>
           <p:nvPr/>
         </p:nvPicPr>
@@ -9163,7 +9649,7 @@
           <a:blip r:embed="rId4">
             <a:alphaModFix/>
           </a:blip>
-          <a:srcRect b="0" l="0" r="0" t="0"/>
+          <a:srcRect/>
           <a:stretch/>
         </p:blipFill>
         <p:spPr>
@@ -9183,9 +9669,11 @@
       <p:sp>
         <p:nvSpPr>
           <p:cNvPr id="179" name="Shape 179"/>
-          <p:cNvSpPr txBox="1"/>
-          <p:nvPr>
-            <p:ph idx="12" type="sldNum"/>
+          <p:cNvSpPr txBox="1">
+            <a:spLocks noGrp="1"/>
+          </p:cNvSpPr>
+          <p:nvPr>
+            <p:ph type="sldNum" idx="12"/>
           </p:nvPr>
         </p:nvSpPr>
         <p:spPr>
@@ -9198,7 +9686,7 @@
           </a:prstGeom>
         </p:spPr>
         <p:txBody>
-          <a:bodyPr anchorCtr="0" anchor="ctr" bIns="91425" lIns="91425" rIns="91425" wrap="square" tIns="91425">
+          <a:bodyPr wrap="square" lIns="91425" tIns="91425" rIns="91425" bIns="91425" anchor="ctr" anchorCtr="0">
             <a:noAutofit/>
           </a:bodyPr>
           <a:lstStyle/>
@@ -9211,7 +9699,7 @@
             </a:pPr>
             <a:fld id="{00000000-1234-1234-1234-123412341234}" type="slidenum">
               <a:rPr lang="en"/>
-              <a:t>‹#›</a:t>
+              <a:t>18</a:t>
             </a:fld>
             <a:r>
               <a:rPr lang="en"/>
@@ -9229,11 +9717,11 @@
 </file>
 
 <file path=ppt/slides/slide19.xml><?xml version="1.0" encoding="utf-8"?>
-<p:sld xmlns:a="http://schemas.openxmlformats.org/drawingml/2006/main" xmlns:r="http://schemas.openxmlformats.org/officeDocument/2006/relationships" xmlns:mc="http://schemas.openxmlformats.org/markup-compatibility/2006" xmlns:mv="urn:schemas-microsoft-com:mac:vml" xmlns:p="http://schemas.openxmlformats.org/presentationml/2006/main" xmlns:c="http://schemas.openxmlformats.org/drawingml/2006/chart" xmlns:dgm="http://schemas.openxmlformats.org/drawingml/2006/diagram" xmlns:o="urn:schemas-microsoft-com:office:office" xmlns:v="urn:schemas-microsoft-com:vml" xmlns:pvml="urn:schemas-microsoft-com:office:powerpoint" xmlns:com="http://schemas.openxmlformats.org/drawingml/2006/compatibility" xmlns:p14="http://schemas.microsoft.com/office/powerpoint/2010/main" xmlns:p15="http://schemas.microsoft.com/office/powerpoint/2012/main">
+<p:sld xmlns:a="http://schemas.openxmlformats.org/drawingml/2006/main" xmlns:r="http://schemas.openxmlformats.org/officeDocument/2006/relationships" xmlns:p="http://schemas.openxmlformats.org/presentationml/2006/main">
   <p:cSld>
     <p:spTree>
       <p:nvGrpSpPr>
-        <p:cNvPr id="183" name="Shape 183"/>
+        <p:cNvPr id="1" name="Shape 183"/>
         <p:cNvGrpSpPr/>
         <p:nvPr/>
       </p:nvGrpSpPr>
@@ -9248,7 +9736,9 @@
       <p:sp>
         <p:nvSpPr>
           <p:cNvPr id="184" name="Shape 184"/>
-          <p:cNvSpPr txBox="1"/>
+          <p:cNvSpPr txBox="1">
+            <a:spLocks noGrp="1"/>
+          </p:cNvSpPr>
           <p:nvPr>
             <p:ph type="title"/>
           </p:nvPr>
@@ -9263,7 +9753,7 @@
           </a:prstGeom>
         </p:spPr>
         <p:txBody>
-          <a:bodyPr anchorCtr="0" anchor="t" bIns="91425" lIns="91425" rIns="91425" wrap="square" tIns="91425">
+          <a:bodyPr wrap="square" lIns="91425" tIns="91425" rIns="91425" bIns="91425" anchor="t" anchorCtr="0">
             <a:noAutofit/>
           </a:bodyPr>
           <a:lstStyle/>
@@ -9288,7 +9778,7 @@
       </p:sp>
       <p:pic>
         <p:nvPicPr>
-          <p:cNvPr descr="sync_patterns.png" id="185" name="Shape 185"/>
+          <p:cNvPr id="185" name="Shape 185" descr="sync_patterns.png"/>
           <p:cNvPicPr preferRelativeResize="0"/>
           <p:nvPr/>
         </p:nvPicPr>
@@ -9296,7 +9786,7 @@
           <a:blip r:embed="rId3">
             <a:alphaModFix/>
           </a:blip>
-          <a:srcRect b="777" l="0" r="0" t="767"/>
+          <a:srcRect t="767" b="777"/>
           <a:stretch/>
         </p:blipFill>
         <p:spPr>
@@ -9315,7 +9805,7 @@
       </p:pic>
       <p:pic>
         <p:nvPicPr>
-          <p:cNvPr descr="par_HAC_100_000_500steps_java.png" id="186" name="Shape 186"/>
+          <p:cNvPr id="186" name="Shape 186" descr="par_HAC_100_000_500steps_java.png"/>
           <p:cNvPicPr preferRelativeResize="0"/>
           <p:nvPr/>
         </p:nvPicPr>
@@ -9323,7 +9813,7 @@
           <a:blip r:embed="rId4">
             <a:alphaModFix/>
           </a:blip>
-          <a:srcRect b="0" l="49" r="49" t="0"/>
+          <a:srcRect l="49" r="49"/>
           <a:stretch/>
         </p:blipFill>
         <p:spPr>
@@ -9343,9 +9833,11 @@
       <p:sp>
         <p:nvSpPr>
           <p:cNvPr id="187" name="Shape 187"/>
-          <p:cNvSpPr txBox="1"/>
-          <p:nvPr>
-            <p:ph idx="12" type="sldNum"/>
+          <p:cNvSpPr txBox="1">
+            <a:spLocks noGrp="1"/>
+          </p:cNvSpPr>
+          <p:nvPr>
+            <p:ph type="sldNum" idx="12"/>
           </p:nvPr>
         </p:nvSpPr>
         <p:spPr>
@@ -9358,7 +9850,7 @@
           </a:prstGeom>
         </p:spPr>
         <p:txBody>
-          <a:bodyPr anchorCtr="0" anchor="ctr" bIns="91425" lIns="91425" rIns="91425" wrap="square" tIns="91425">
+          <a:bodyPr wrap="square" lIns="91425" tIns="91425" rIns="91425" bIns="91425" anchor="ctr" anchorCtr="0">
             <a:noAutofit/>
           </a:bodyPr>
           <a:lstStyle/>
@@ -9371,7 +9863,7 @@
             </a:pPr>
             <a:fld id="{00000000-1234-1234-1234-123412341234}" type="slidenum">
               <a:rPr lang="en"/>
-              <a:t>‹#›</a:t>
+              <a:t>19</a:t>
             </a:fld>
             <a:r>
               <a:rPr lang="en"/>
@@ -9389,11 +9881,11 @@
 </file>
 
 <file path=ppt/slides/slide2.xml><?xml version="1.0" encoding="utf-8"?>
-<p:sld xmlns:a="http://schemas.openxmlformats.org/drawingml/2006/main" xmlns:r="http://schemas.openxmlformats.org/officeDocument/2006/relationships" xmlns:mc="http://schemas.openxmlformats.org/markup-compatibility/2006" xmlns:mv="urn:schemas-microsoft-com:mac:vml" xmlns:p="http://schemas.openxmlformats.org/presentationml/2006/main" xmlns:c="http://schemas.openxmlformats.org/drawingml/2006/chart" xmlns:dgm="http://schemas.openxmlformats.org/drawingml/2006/diagram" xmlns:o="urn:schemas-microsoft-com:office:office" xmlns:v="urn:schemas-microsoft-com:vml" xmlns:pvml="urn:schemas-microsoft-com:office:powerpoint" xmlns:com="http://schemas.openxmlformats.org/drawingml/2006/compatibility" xmlns:p14="http://schemas.microsoft.com/office/powerpoint/2010/main" xmlns:p15="http://schemas.microsoft.com/office/powerpoint/2012/main">
+<p:sld xmlns:a="http://schemas.openxmlformats.org/drawingml/2006/main" xmlns:r="http://schemas.openxmlformats.org/officeDocument/2006/relationships" xmlns:p="http://schemas.openxmlformats.org/presentationml/2006/main">
   <p:cSld>
     <p:spTree>
       <p:nvGrpSpPr>
-        <p:cNvPr id="65" name="Shape 65"/>
+        <p:cNvPr id="1" name="Shape 65"/>
         <p:cNvGrpSpPr/>
         <p:nvPr/>
       </p:nvGrpSpPr>
@@ -9408,7 +9900,9 @@
       <p:sp>
         <p:nvSpPr>
           <p:cNvPr id="66" name="Shape 66"/>
-          <p:cNvSpPr txBox="1"/>
+          <p:cNvSpPr txBox="1">
+            <a:spLocks noGrp="1"/>
+          </p:cNvSpPr>
           <p:nvPr>
             <p:ph type="title"/>
           </p:nvPr>
@@ -9423,7 +9917,7 @@
           </a:prstGeom>
         </p:spPr>
         <p:txBody>
-          <a:bodyPr anchorCtr="0" anchor="t" bIns="91425" lIns="91425" rIns="91425" wrap="square" tIns="91425">
+          <a:bodyPr wrap="square" lIns="91425" tIns="91425" rIns="91425" bIns="91425" anchor="t" anchorCtr="0">
             <a:noAutofit/>
           </a:bodyPr>
           <a:lstStyle/>
@@ -9444,9 +9938,11 @@
       <p:sp>
         <p:nvSpPr>
           <p:cNvPr id="67" name="Shape 67"/>
-          <p:cNvSpPr txBox="1"/>
-          <p:nvPr>
-            <p:ph idx="1" type="body"/>
+          <p:cNvSpPr txBox="1">
+            <a:spLocks noGrp="1"/>
+          </p:cNvSpPr>
+          <p:nvPr>
+            <p:ph type="body" idx="1"/>
           </p:nvPr>
         </p:nvSpPr>
         <p:spPr>
@@ -9459,116 +9955,104 @@
           </a:prstGeom>
         </p:spPr>
         <p:txBody>
-          <a:bodyPr anchorCtr="0" anchor="t" bIns="91425" lIns="91425" rIns="91425" wrap="square" tIns="91425">
+          <a:bodyPr wrap="square" lIns="91425" tIns="91425" rIns="91425" bIns="91425" anchor="t" anchorCtr="0">
             <a:noAutofit/>
           </a:bodyPr>
           <a:lstStyle/>
           <a:p>
-            <a:pPr indent="-381000" lvl="0" marL="457200" rtl="0">
-              <a:spcBef>
-                <a:spcPts val="0"/>
-              </a:spcBef>
-              <a:buSzPct val="100000"/>
-            </a:pPr>
-            <a:r>
-              <a:rPr lang="en" sz="2400"/>
+            <a:pPr marL="457200" lvl="0" indent="-381000" rtl="0">
+              <a:spcBef>
+                <a:spcPts val="0"/>
+              </a:spcBef>
+              <a:buSzPct val="100000"/>
+            </a:pPr>
+            <a:r>
+              <a:rPr lang="en" sz="2400" dirty="0"/>
               <a:t>Motivating Examples</a:t>
             </a:r>
           </a:p>
           <a:p>
-            <a:pPr indent="-381000" lvl="1" marL="914400" rtl="0">
+            <a:pPr marL="914400" lvl="1" indent="-381000" rtl="0">
               <a:spcBef>
                 <a:spcPts val="0"/>
               </a:spcBef>
               <a:buSzPct val="133333"/>
             </a:pPr>
             <a:r>
-              <a:rPr lang="en" sz="1800"/>
+              <a:rPr lang="en" sz="1800" dirty="0"/>
               <a:t>Heroes &amp; Cowards</a:t>
             </a:r>
           </a:p>
           <a:p>
-            <a:pPr indent="-381000" lvl="1" marL="914400" rtl="0">
+            <a:pPr marL="914400" lvl="1" indent="-381000" rtl="0">
               <a:spcBef>
                 <a:spcPts val="0"/>
               </a:spcBef>
               <a:buSzPct val="133333"/>
             </a:pPr>
             <a:r>
-              <a:rPr lang="en" sz="1800"/>
-              <a:t>Prisoner's</a:t>
-            </a:r>
-            <a:r>
-              <a:rPr lang="en" sz="1800"/>
-              <a:t> Dilemma 2D</a:t>
-            </a:r>
-            <a:br>
-              <a:rPr lang="en" sz="1800"/>
-            </a:br>
-          </a:p>
-          <a:p>
-            <a:pPr indent="-381000" lvl="0" marL="457200" rtl="0">
-              <a:spcBef>
-                <a:spcPts val="0"/>
-              </a:spcBef>
-              <a:buSzPct val="100000"/>
-            </a:pPr>
-            <a:r>
-              <a:rPr lang="en" sz="2400"/>
+              <a:rPr lang="en" sz="1800" dirty="0"/>
+              <a:t>Prisoner's Dilemma 2D</a:t>
+            </a:r>
+          </a:p>
+          <a:p>
+            <a:pPr marL="457200" lvl="0" indent="-381000" rtl="0">
+              <a:spcBef>
+                <a:spcPts val="0"/>
+              </a:spcBef>
+              <a:buSzPct val="100000"/>
+            </a:pPr>
+            <a:r>
+              <a:rPr lang="en" sz="2400" dirty="0"/>
               <a:t>The Agent Metaphor</a:t>
             </a:r>
           </a:p>
           <a:p>
-            <a:pPr indent="-381000" lvl="1" marL="914400" rtl="0">
+            <a:pPr marL="914400" lvl="1" indent="-381000" rtl="0">
               <a:spcBef>
                 <a:spcPts val="0"/>
               </a:spcBef>
               <a:buSzPct val="133333"/>
             </a:pPr>
             <a:r>
-              <a:rPr lang="en" sz="1800"/>
+              <a:rPr lang="en" sz="1800" dirty="0"/>
               <a:t>How can an Agent be awakened in a computational environment?</a:t>
             </a:r>
-            <a:br>
-              <a:rPr lang="en" sz="1800"/>
-            </a:br>
-          </a:p>
-          <a:p>
-            <a:pPr indent="-381000" lvl="0" marL="457200" rtl="0">
-              <a:spcBef>
-                <a:spcPts val="0"/>
-              </a:spcBef>
-              <a:buSzPct val="100000"/>
-            </a:pPr>
-            <a:r>
-              <a:rPr lang="en" sz="2400"/>
+          </a:p>
+          <a:p>
+            <a:pPr marL="457200" lvl="0" indent="-381000" rtl="0">
+              <a:spcBef>
+                <a:spcPts val="0"/>
+              </a:spcBef>
+              <a:buSzPct val="100000"/>
+            </a:pPr>
+            <a:r>
+              <a:rPr lang="en" sz="2400" dirty="0"/>
               <a:t>Update-Strategies</a:t>
             </a:r>
           </a:p>
           <a:p>
-            <a:pPr indent="-381000" lvl="1" marL="914400" rtl="0">
+            <a:pPr marL="914400" lvl="1" indent="-381000" rtl="0">
               <a:spcBef>
                 <a:spcPts val="0"/>
               </a:spcBef>
               <a:buSzPct val="133333"/>
             </a:pPr>
             <a:r>
-              <a:rPr lang="en" sz="1800"/>
+              <a:rPr lang="en" sz="1800" dirty="0"/>
               <a:t>Four ways of awakening Agents</a:t>
             </a:r>
-            <a:br>
-              <a:rPr lang="en" sz="2400"/>
-            </a:br>
-          </a:p>
-          <a:p>
-            <a:pPr indent="-381000" lvl="0" marL="457200" rtl="0">
-              <a:spcBef>
-                <a:spcPts val="0"/>
-              </a:spcBef>
-              <a:buSzPct val="100000"/>
-            </a:pPr>
-            <a:r>
-              <a:rPr lang="en" sz="2400"/>
+            <a:endParaRPr lang="en" sz="2400" dirty="0"/>
+          </a:p>
+          <a:p>
+            <a:pPr marL="457200" lvl="0" indent="-381000" rtl="0">
+              <a:spcBef>
+                <a:spcPts val="0"/>
+              </a:spcBef>
+              <a:buSzPct val="100000"/>
+            </a:pPr>
+            <a:r>
+              <a:rPr lang="en" sz="2400" dirty="0"/>
               <a:t>Conclusions</a:t>
             </a:r>
           </a:p>
@@ -9577,9 +10061,11 @@
       <p:sp>
         <p:nvSpPr>
           <p:cNvPr id="68" name="Shape 68"/>
-          <p:cNvSpPr txBox="1"/>
-          <p:nvPr>
-            <p:ph idx="12" type="sldNum"/>
+          <p:cNvSpPr txBox="1">
+            <a:spLocks noGrp="1"/>
+          </p:cNvSpPr>
+          <p:nvPr>
+            <p:ph type="sldNum" idx="12"/>
           </p:nvPr>
         </p:nvSpPr>
         <p:spPr>
@@ -9592,7 +10078,7 @@
           </a:prstGeom>
         </p:spPr>
         <p:txBody>
-          <a:bodyPr anchorCtr="0" anchor="ctr" bIns="91425" lIns="91425" rIns="91425" wrap="square" tIns="91425">
+          <a:bodyPr wrap="square" lIns="91425" tIns="91425" rIns="91425" bIns="91425" anchor="ctr" anchorCtr="0">
             <a:noAutofit/>
           </a:bodyPr>
           <a:lstStyle/>
@@ -9605,7 +10091,7 @@
             </a:pPr>
             <a:fld id="{00000000-1234-1234-1234-123412341234}" type="slidenum">
               <a:rPr lang="en"/>
-              <a:t>‹#›</a:t>
+              <a:t>2</a:t>
             </a:fld>
             <a:r>
               <a:rPr lang="en"/>
@@ -9623,11 +10109,11 @@
 </file>
 
 <file path=ppt/slides/slide20.xml><?xml version="1.0" encoding="utf-8"?>
-<p:sld xmlns:a="http://schemas.openxmlformats.org/drawingml/2006/main" xmlns:r="http://schemas.openxmlformats.org/officeDocument/2006/relationships" xmlns:mc="http://schemas.openxmlformats.org/markup-compatibility/2006" xmlns:mv="urn:schemas-microsoft-com:mac:vml" xmlns:p="http://schemas.openxmlformats.org/presentationml/2006/main" xmlns:c="http://schemas.openxmlformats.org/drawingml/2006/chart" xmlns:dgm="http://schemas.openxmlformats.org/drawingml/2006/diagram" xmlns:o="urn:schemas-microsoft-com:office:office" xmlns:v="urn:schemas-microsoft-com:vml" xmlns:pvml="urn:schemas-microsoft-com:office:powerpoint" xmlns:com="http://schemas.openxmlformats.org/drawingml/2006/compatibility" xmlns:p14="http://schemas.microsoft.com/office/powerpoint/2010/main" xmlns:p15="http://schemas.microsoft.com/office/powerpoint/2012/main">
+<p:sld xmlns:a="http://schemas.openxmlformats.org/drawingml/2006/main" xmlns:r="http://schemas.openxmlformats.org/officeDocument/2006/relationships" xmlns:p="http://schemas.openxmlformats.org/presentationml/2006/main">
   <p:cSld>
     <p:spTree>
       <p:nvGrpSpPr>
-        <p:cNvPr id="191" name="Shape 191"/>
+        <p:cNvPr id="1" name="Shape 191"/>
         <p:cNvGrpSpPr/>
         <p:nvPr/>
       </p:nvGrpSpPr>
@@ -9642,7 +10128,9 @@
       <p:sp>
         <p:nvSpPr>
           <p:cNvPr id="192" name="Shape 192"/>
-          <p:cNvSpPr txBox="1"/>
+          <p:cNvSpPr txBox="1">
+            <a:spLocks noGrp="1"/>
+          </p:cNvSpPr>
           <p:nvPr>
             <p:ph type="title"/>
           </p:nvPr>
@@ -9657,7 +10145,7 @@
           </a:prstGeom>
         </p:spPr>
         <p:txBody>
-          <a:bodyPr anchorCtr="0" anchor="t" bIns="91425" lIns="91425" rIns="91425" wrap="square" tIns="91425">
+          <a:bodyPr wrap="square" lIns="91425" tIns="91425" rIns="91425" bIns="91425" anchor="t" anchorCtr="0">
             <a:noAutofit/>
           </a:bodyPr>
           <a:lstStyle/>
@@ -9678,9 +10166,11 @@
       <p:sp>
         <p:nvSpPr>
           <p:cNvPr id="193" name="Shape 193"/>
-          <p:cNvSpPr txBox="1"/>
-          <p:nvPr>
-            <p:ph idx="1" type="body"/>
+          <p:cNvSpPr txBox="1">
+            <a:spLocks noGrp="1"/>
+          </p:cNvSpPr>
+          <p:nvPr>
+            <p:ph type="body" idx="1"/>
           </p:nvPr>
         </p:nvSpPr>
         <p:spPr>
@@ -9693,7 +10183,7 @@
           </a:prstGeom>
         </p:spPr>
         <p:txBody>
-          <a:bodyPr anchorCtr="0" anchor="t" bIns="91425" lIns="91425" rIns="91425" wrap="square" tIns="91425">
+          <a:bodyPr wrap="square" lIns="91425" tIns="91425" rIns="91425" bIns="91425" anchor="t" anchorCtr="0">
             <a:noAutofit/>
           </a:bodyPr>
           <a:lstStyle/>
@@ -9705,92 +10195,86 @@
               <a:buNone/>
             </a:pPr>
             <a:r>
-              <a:rPr b="1" lang="en" sz="2400"/>
+              <a:rPr lang="en" sz="2400" b="1" dirty="0"/>
               <a:t>Agents act concurrently at the same time in lockstep</a:t>
             </a:r>
           </a:p>
           <a:p>
-            <a:pPr indent="-381000" lvl="0" marL="457200" rtl="0">
-              <a:spcBef>
-                <a:spcPts val="0"/>
-              </a:spcBef>
-              <a:buSzPct val="100000"/>
-            </a:pPr>
-            <a:r>
-              <a:rPr lang="en" sz="2400"/>
-              <a:t>Global, a</a:t>
-            </a:r>
-            <a:r>
-              <a:rPr lang="en" sz="2400"/>
-              <a:t>bsolute Time</a:t>
-            </a:r>
-          </a:p>
-          <a:p>
-            <a:pPr indent="-381000" lvl="0" marL="457200" rtl="0">
-              <a:spcBef>
-                <a:spcPts val="0"/>
-              </a:spcBef>
-              <a:buSzPct val="100000"/>
-            </a:pPr>
-            <a:r>
-              <a:rPr lang="en" sz="2400"/>
+            <a:pPr marL="457200" lvl="0" indent="-381000" rtl="0">
+              <a:spcBef>
+                <a:spcPts val="0"/>
+              </a:spcBef>
+              <a:buSzPct val="100000"/>
+            </a:pPr>
+            <a:r>
+              <a:rPr lang="en" sz="2400" dirty="0"/>
+              <a:t>Global, absolute Time</a:t>
+            </a:r>
+          </a:p>
+          <a:p>
+            <a:pPr marL="457200" lvl="0" indent="-381000" rtl="0">
+              <a:spcBef>
+                <a:spcPts val="0"/>
+              </a:spcBef>
+              <a:buSzPct val="100000"/>
+            </a:pPr>
+            <a:r>
+              <a:rPr lang="en" sz="2400" dirty="0"/>
               <a:t>Changes visible </a:t>
             </a:r>
             <a:r>
-              <a:rPr b="1" lang="en" sz="2400"/>
+              <a:rPr lang="en" sz="2400" b="1" dirty="0"/>
               <a:t>within</a:t>
             </a:r>
             <a:r>
-              <a:rPr lang="en" sz="2400"/>
+              <a:rPr lang="en" sz="2400" dirty="0"/>
               <a:t> update-step</a:t>
             </a:r>
           </a:p>
           <a:p>
-            <a:pPr indent="-381000" lvl="0" marL="457200" rtl="0">
-              <a:spcBef>
-                <a:spcPts val="0"/>
-              </a:spcBef>
-              <a:buSzPct val="100000"/>
-            </a:pPr>
-            <a:r>
-              <a:rPr lang="en" sz="2400"/>
+            <a:pPr marL="457200" lvl="0" indent="-381000" rtl="0">
+              <a:spcBef>
+                <a:spcPts val="0"/>
+              </a:spcBef>
+              <a:buSzPct val="100000"/>
+            </a:pPr>
+            <a:r>
+              <a:rPr lang="en" sz="2400" dirty="0"/>
               <a:t>Separate Threads</a:t>
             </a:r>
           </a:p>
           <a:p>
-            <a:pPr indent="-381000" lvl="0" marL="457200" rtl="0">
-              <a:spcBef>
-                <a:spcPts val="0"/>
-              </a:spcBef>
-              <a:buSzPct val="100000"/>
-            </a:pPr>
-            <a:r>
-              <a:rPr lang="en" sz="2400"/>
+            <a:pPr marL="457200" lvl="0" indent="-381000" rtl="0">
+              <a:spcBef>
+                <a:spcPts val="0"/>
+              </a:spcBef>
+              <a:buSzPct val="100000"/>
+            </a:pPr>
+            <a:r>
+              <a:rPr lang="en" sz="2400" dirty="0"/>
               <a:t>Non-Deterministic</a:t>
             </a:r>
             <a:br>
-              <a:rPr lang="en" sz="2400"/>
+              <a:rPr lang="en" sz="2400" dirty="0"/>
             </a:br>
+            <a:endParaRPr lang="en" sz="2400" dirty="0"/>
+          </a:p>
+          <a:p>
+            <a:pPr marL="457200" lvl="0" indent="-381000" rtl="0">
+              <a:spcBef>
+                <a:spcPts val="0"/>
+              </a:spcBef>
+              <a:buSzPct val="100000"/>
+            </a:pPr>
+            <a:r>
+              <a:rPr lang="en" sz="2000" dirty="0"/>
+              <a:t>Languages with concurrency </a:t>
+            </a:r>
             <a:br>
-              <a:rPr lang="en" sz="2400"/>
+              <a:rPr lang="en" sz="2000" dirty="0"/>
             </a:br>
-          </a:p>
-          <a:p>
-            <a:pPr indent="-381000" lvl="0" marL="457200" rtl="0">
-              <a:spcBef>
-                <a:spcPts val="0"/>
-              </a:spcBef>
-              <a:buSzPct val="100000"/>
-            </a:pPr>
-            <a:r>
-              <a:rPr lang="en" sz="2400"/>
-              <a:t>Languages with concurrency </a:t>
-            </a:r>
-            <a:br>
-              <a:rPr lang="en" sz="2400"/>
-            </a:br>
-            <a:r>
-              <a:rPr lang="en" sz="2400"/>
+            <a:r>
+              <a:rPr lang="en" sz="2000" dirty="0"/>
               <a:t>features (Java, Haskell) strong</a:t>
             </a:r>
           </a:p>
@@ -9798,7 +10282,7 @@
       </p:sp>
       <p:pic>
         <p:nvPicPr>
-          <p:cNvPr descr="Concurrent.png" id="194" name="Shape 194"/>
+          <p:cNvPr id="194" name="Shape 194" descr="Concurrent.png"/>
           <p:cNvPicPr preferRelativeResize="0"/>
           <p:nvPr/>
         </p:nvPicPr>
@@ -9827,9 +10311,11 @@
       <p:sp>
         <p:nvSpPr>
           <p:cNvPr id="195" name="Shape 195"/>
-          <p:cNvSpPr txBox="1"/>
-          <p:nvPr>
-            <p:ph idx="12" type="sldNum"/>
+          <p:cNvSpPr txBox="1">
+            <a:spLocks noGrp="1"/>
+          </p:cNvSpPr>
+          <p:nvPr>
+            <p:ph type="sldNum" idx="12"/>
           </p:nvPr>
         </p:nvSpPr>
         <p:spPr>
@@ -9842,7 +10328,7 @@
           </a:prstGeom>
         </p:spPr>
         <p:txBody>
-          <a:bodyPr anchorCtr="0" anchor="ctr" bIns="91425" lIns="91425" rIns="91425" wrap="square" tIns="91425">
+          <a:bodyPr wrap="square" lIns="91425" tIns="91425" rIns="91425" bIns="91425" anchor="ctr" anchorCtr="0">
             <a:noAutofit/>
           </a:bodyPr>
           <a:lstStyle/>
@@ -9855,7 +10341,7 @@
             </a:pPr>
             <a:fld id="{00000000-1234-1234-1234-123412341234}" type="slidenum">
               <a:rPr lang="en"/>
-              <a:t>‹#›</a:t>
+              <a:t>20</a:t>
             </a:fld>
             <a:r>
               <a:rPr lang="en"/>
@@ -9873,11 +10359,11 @@
 </file>
 
 <file path=ppt/slides/slide21.xml><?xml version="1.0" encoding="utf-8"?>
-<p:sld xmlns:a="http://schemas.openxmlformats.org/drawingml/2006/main" xmlns:r="http://schemas.openxmlformats.org/officeDocument/2006/relationships" xmlns:mc="http://schemas.openxmlformats.org/markup-compatibility/2006" xmlns:mv="urn:schemas-microsoft-com:mac:vml" xmlns:p="http://schemas.openxmlformats.org/presentationml/2006/main" xmlns:c="http://schemas.openxmlformats.org/drawingml/2006/chart" xmlns:dgm="http://schemas.openxmlformats.org/drawingml/2006/diagram" xmlns:o="urn:schemas-microsoft-com:office:office" xmlns:v="urn:schemas-microsoft-com:vml" xmlns:pvml="urn:schemas-microsoft-com:office:powerpoint" xmlns:com="http://schemas.openxmlformats.org/drawingml/2006/compatibility" xmlns:p14="http://schemas.microsoft.com/office/powerpoint/2010/main" xmlns:p15="http://schemas.microsoft.com/office/powerpoint/2012/main">
+<p:sld xmlns:a="http://schemas.openxmlformats.org/drawingml/2006/main" xmlns:r="http://schemas.openxmlformats.org/officeDocument/2006/relationships" xmlns:p="http://schemas.openxmlformats.org/presentationml/2006/main">
   <p:cSld>
     <p:spTree>
       <p:nvGrpSpPr>
-        <p:cNvPr id="199" name="Shape 199"/>
+        <p:cNvPr id="1" name="Shape 199"/>
         <p:cNvGrpSpPr/>
         <p:nvPr/>
       </p:nvGrpSpPr>
@@ -9892,7 +10378,9 @@
       <p:sp>
         <p:nvSpPr>
           <p:cNvPr id="200" name="Shape 200"/>
-          <p:cNvSpPr txBox="1"/>
+          <p:cNvSpPr txBox="1">
+            <a:spLocks noGrp="1"/>
+          </p:cNvSpPr>
           <p:nvPr>
             <p:ph type="title"/>
           </p:nvPr>
@@ -9907,7 +10395,7 @@
           </a:prstGeom>
         </p:spPr>
         <p:txBody>
-          <a:bodyPr anchorCtr="0" anchor="t" bIns="91425" lIns="91425" rIns="91425" wrap="square" tIns="91425">
+          <a:bodyPr wrap="square" lIns="91425" tIns="91425" rIns="91425" bIns="91425" anchor="t" anchorCtr="0">
             <a:noAutofit/>
           </a:bodyPr>
           <a:lstStyle/>
@@ -9927,7 +10415,7 @@
       </p:sp>
       <p:pic>
         <p:nvPicPr>
-          <p:cNvPr descr="con_HAC_100_000_500steps_java.png" id="201" name="Shape 201"/>
+          <p:cNvPr id="201" name="Shape 201" descr="con_HAC_100_000_500steps_java.png"/>
           <p:cNvPicPr preferRelativeResize="0"/>
           <p:nvPr/>
         </p:nvPicPr>
@@ -9935,7 +10423,7 @@
           <a:blip r:embed="rId3">
             <a:alphaModFix/>
           </a:blip>
-          <a:srcRect b="0" l="49" r="49" t="0"/>
+          <a:srcRect l="49" r="49"/>
           <a:stretch/>
         </p:blipFill>
         <p:spPr>
@@ -9954,7 +10442,7 @@
       </p:pic>
       <p:pic>
         <p:nvPicPr>
-          <p:cNvPr descr="con_SG_436steps_java.png" id="202" name="Shape 202"/>
+          <p:cNvPr id="202" name="Shape 202" descr="con_SG_436steps_java.png"/>
           <p:cNvPicPr preferRelativeResize="0"/>
           <p:nvPr/>
         </p:nvPicPr>
@@ -9962,7 +10450,7 @@
           <a:blip r:embed="rId4">
             <a:alphaModFix/>
           </a:blip>
-          <a:srcRect b="0" l="0" r="0" t="0"/>
+          <a:srcRect/>
           <a:stretch/>
         </p:blipFill>
         <p:spPr>
@@ -9982,9 +10470,11 @@
       <p:sp>
         <p:nvSpPr>
           <p:cNvPr id="203" name="Shape 203"/>
-          <p:cNvSpPr txBox="1"/>
-          <p:nvPr>
-            <p:ph idx="12" type="sldNum"/>
+          <p:cNvSpPr txBox="1">
+            <a:spLocks noGrp="1"/>
+          </p:cNvSpPr>
+          <p:nvPr>
+            <p:ph type="sldNum" idx="12"/>
           </p:nvPr>
         </p:nvSpPr>
         <p:spPr>
@@ -9997,7 +10487,7 @@
           </a:prstGeom>
         </p:spPr>
         <p:txBody>
-          <a:bodyPr anchorCtr="0" anchor="ctr" bIns="91425" lIns="91425" rIns="91425" wrap="square" tIns="91425">
+          <a:bodyPr wrap="square" lIns="91425" tIns="91425" rIns="91425" bIns="91425" anchor="ctr" anchorCtr="0">
             <a:noAutofit/>
           </a:bodyPr>
           <a:lstStyle/>
@@ -10010,7 +10500,7 @@
             </a:pPr>
             <a:fld id="{00000000-1234-1234-1234-123412341234}" type="slidenum">
               <a:rPr lang="en"/>
-              <a:t>‹#›</a:t>
+              <a:t>21</a:t>
             </a:fld>
             <a:r>
               <a:rPr lang="en"/>
@@ -10028,11 +10518,11 @@
 </file>
 
 <file path=ppt/slides/slide22.xml><?xml version="1.0" encoding="utf-8"?>
-<p:sld xmlns:a="http://schemas.openxmlformats.org/drawingml/2006/main" xmlns:r="http://schemas.openxmlformats.org/officeDocument/2006/relationships" xmlns:mc="http://schemas.openxmlformats.org/markup-compatibility/2006" xmlns:mv="urn:schemas-microsoft-com:mac:vml" xmlns:p="http://schemas.openxmlformats.org/presentationml/2006/main" xmlns:c="http://schemas.openxmlformats.org/drawingml/2006/chart" xmlns:dgm="http://schemas.openxmlformats.org/drawingml/2006/diagram" xmlns:o="urn:schemas-microsoft-com:office:office" xmlns:v="urn:schemas-microsoft-com:vml" xmlns:pvml="urn:schemas-microsoft-com:office:powerpoint" xmlns:com="http://schemas.openxmlformats.org/drawingml/2006/compatibility" xmlns:p14="http://schemas.microsoft.com/office/powerpoint/2010/main" xmlns:p15="http://schemas.microsoft.com/office/powerpoint/2012/main">
+<p:sld xmlns:a="http://schemas.openxmlformats.org/drawingml/2006/main" xmlns:r="http://schemas.openxmlformats.org/officeDocument/2006/relationships" xmlns:p="http://schemas.openxmlformats.org/presentationml/2006/main">
   <p:cSld>
     <p:spTree>
       <p:nvGrpSpPr>
-        <p:cNvPr id="207" name="Shape 207"/>
+        <p:cNvPr id="1" name="Shape 207"/>
         <p:cNvGrpSpPr/>
         <p:nvPr/>
       </p:nvGrpSpPr>
@@ -10047,7 +10537,9 @@
       <p:sp>
         <p:nvSpPr>
           <p:cNvPr id="208" name="Shape 208"/>
-          <p:cNvSpPr txBox="1"/>
+          <p:cNvSpPr txBox="1">
+            <a:spLocks noGrp="1"/>
+          </p:cNvSpPr>
           <p:nvPr>
             <p:ph type="title"/>
           </p:nvPr>
@@ -10062,7 +10554,7 @@
           </a:prstGeom>
         </p:spPr>
         <p:txBody>
-          <a:bodyPr anchorCtr="0" anchor="t" bIns="91425" lIns="91425" rIns="91425" wrap="square" tIns="91425">
+          <a:bodyPr wrap="square" lIns="91425" tIns="91425" rIns="91425" bIns="91425" anchor="t" anchorCtr="0">
             <a:noAutofit/>
           </a:bodyPr>
           <a:lstStyle/>
@@ -10090,16 +10582,13 @@
               </a:spcBef>
               <a:buNone/>
             </a:pPr>
-            <a:r>
-              <a:t/>
-            </a:r>
             <a:endParaRPr/>
           </a:p>
         </p:txBody>
       </p:sp>
       <p:pic>
         <p:nvPicPr>
-          <p:cNvPr descr="sync_patterns.png" id="209" name="Shape 209"/>
+          <p:cNvPr id="209" name="Shape 209" descr="sync_patterns.png"/>
           <p:cNvPicPr preferRelativeResize="0"/>
           <p:nvPr/>
         </p:nvPicPr>
@@ -10107,7 +10596,7 @@
           <a:blip r:embed="rId3">
             <a:alphaModFix/>
           </a:blip>
-          <a:srcRect b="777" l="0" r="0" t="767"/>
+          <a:srcRect t="767" b="777"/>
           <a:stretch/>
         </p:blipFill>
         <p:spPr>
@@ -10126,7 +10615,7 @@
       </p:pic>
       <p:pic>
         <p:nvPicPr>
-          <p:cNvPr descr="con_HAC_100_000_500steps_java.png" id="210" name="Shape 210"/>
+          <p:cNvPr id="210" name="Shape 210" descr="con_HAC_100_000_500steps_java.png"/>
           <p:cNvPicPr preferRelativeResize="0"/>
           <p:nvPr/>
         </p:nvPicPr>
@@ -10134,7 +10623,7 @@
           <a:blip r:embed="rId4">
             <a:alphaModFix/>
           </a:blip>
-          <a:srcRect b="0" l="49" r="49" t="0"/>
+          <a:srcRect l="49" r="49"/>
           <a:stretch/>
         </p:blipFill>
         <p:spPr>
@@ -10154,9 +10643,11 @@
       <p:sp>
         <p:nvSpPr>
           <p:cNvPr id="211" name="Shape 211"/>
-          <p:cNvSpPr txBox="1"/>
-          <p:nvPr>
-            <p:ph idx="12" type="sldNum"/>
+          <p:cNvSpPr txBox="1">
+            <a:spLocks noGrp="1"/>
+          </p:cNvSpPr>
+          <p:nvPr>
+            <p:ph type="sldNum" idx="12"/>
           </p:nvPr>
         </p:nvSpPr>
         <p:spPr>
@@ -10169,7 +10660,7 @@
           </a:prstGeom>
         </p:spPr>
         <p:txBody>
-          <a:bodyPr anchorCtr="0" anchor="ctr" bIns="91425" lIns="91425" rIns="91425" wrap="square" tIns="91425">
+          <a:bodyPr wrap="square" lIns="91425" tIns="91425" rIns="91425" bIns="91425" anchor="ctr" anchorCtr="0">
             <a:noAutofit/>
           </a:bodyPr>
           <a:lstStyle/>
@@ -10182,7 +10673,7 @@
             </a:pPr>
             <a:fld id="{00000000-1234-1234-1234-123412341234}" type="slidenum">
               <a:rPr lang="en"/>
-              <a:t>‹#›</a:t>
+              <a:t>22</a:t>
             </a:fld>
             <a:r>
               <a:rPr lang="en"/>
@@ -10200,11 +10691,11 @@
 </file>
 
 <file path=ppt/slides/slide23.xml><?xml version="1.0" encoding="utf-8"?>
-<p:sld xmlns:a="http://schemas.openxmlformats.org/drawingml/2006/main" xmlns:r="http://schemas.openxmlformats.org/officeDocument/2006/relationships" xmlns:mc="http://schemas.openxmlformats.org/markup-compatibility/2006" xmlns:mv="urn:schemas-microsoft-com:mac:vml" xmlns:p="http://schemas.openxmlformats.org/presentationml/2006/main" xmlns:c="http://schemas.openxmlformats.org/drawingml/2006/chart" xmlns:dgm="http://schemas.openxmlformats.org/drawingml/2006/diagram" xmlns:o="urn:schemas-microsoft-com:office:office" xmlns:v="urn:schemas-microsoft-com:vml" xmlns:pvml="urn:schemas-microsoft-com:office:powerpoint" xmlns:com="http://schemas.openxmlformats.org/drawingml/2006/compatibility" xmlns:p14="http://schemas.microsoft.com/office/powerpoint/2010/main" xmlns:p15="http://schemas.microsoft.com/office/powerpoint/2012/main">
+<p:sld xmlns:a="http://schemas.openxmlformats.org/drawingml/2006/main" xmlns:r="http://schemas.openxmlformats.org/officeDocument/2006/relationships" xmlns:p="http://schemas.openxmlformats.org/presentationml/2006/main">
   <p:cSld>
     <p:spTree>
       <p:nvGrpSpPr>
-        <p:cNvPr id="215" name="Shape 215"/>
+        <p:cNvPr id="1" name="Shape 215"/>
         <p:cNvGrpSpPr/>
         <p:nvPr/>
       </p:nvGrpSpPr>
@@ -10219,7 +10710,9 @@
       <p:sp>
         <p:nvSpPr>
           <p:cNvPr id="216" name="Shape 216"/>
-          <p:cNvSpPr txBox="1"/>
+          <p:cNvSpPr txBox="1">
+            <a:spLocks noGrp="1"/>
+          </p:cNvSpPr>
           <p:nvPr>
             <p:ph type="title"/>
           </p:nvPr>
@@ -10234,7 +10727,7 @@
           </a:prstGeom>
         </p:spPr>
         <p:txBody>
-          <a:bodyPr anchorCtr="0" anchor="t" bIns="91425" lIns="91425" rIns="91425" wrap="square" tIns="91425">
+          <a:bodyPr wrap="square" lIns="91425" tIns="91425" rIns="91425" bIns="91425" anchor="t" anchorCtr="0">
             <a:noAutofit/>
           </a:bodyPr>
           <a:lstStyle/>
@@ -10255,9 +10748,11 @@
       <p:sp>
         <p:nvSpPr>
           <p:cNvPr id="217" name="Shape 217"/>
-          <p:cNvSpPr txBox="1"/>
-          <p:nvPr>
-            <p:ph idx="1" type="body"/>
+          <p:cNvSpPr txBox="1">
+            <a:spLocks noGrp="1"/>
+          </p:cNvSpPr>
+          <p:nvPr>
+            <p:ph type="body" idx="1"/>
           </p:nvPr>
         </p:nvSpPr>
         <p:spPr>
@@ -10270,7 +10765,7 @@
           </a:prstGeom>
         </p:spPr>
         <p:txBody>
-          <a:bodyPr anchorCtr="0" anchor="t" bIns="91425" lIns="91425" rIns="91425" wrap="square" tIns="91425">
+          <a:bodyPr wrap="square" lIns="91425" tIns="91425" rIns="91425" bIns="91425" anchor="t" anchorCtr="0">
             <a:noAutofit/>
           </a:bodyPr>
           <a:lstStyle/>
@@ -10282,73 +10777,77 @@
               <a:buNone/>
             </a:pPr>
             <a:r>
-              <a:rPr b="1" lang="en" sz="2400"/>
-              <a:t>Agents act at the same time in </a:t>
-            </a:r>
-            <a:r>
-              <a:rPr b="1" lang="en" sz="2400"/>
-              <a:t>their own relative universe</a:t>
-            </a:r>
-          </a:p>
-          <a:p>
-            <a:pPr indent="-381000" lvl="0" marL="457200" rtl="0">
-              <a:spcBef>
-                <a:spcPts val="0"/>
-              </a:spcBef>
-              <a:buSzPct val="100000"/>
-            </a:pPr>
-            <a:r>
-              <a:rPr lang="en" sz="2400"/>
+              <a:rPr lang="en" sz="2400" b="1" dirty="0"/>
+              <a:t>Agents act at the same time in their own relative universe</a:t>
+            </a:r>
+          </a:p>
+          <a:p>
+            <a:pPr marL="457200" lvl="0" indent="-381000" rtl="0">
+              <a:spcBef>
+                <a:spcPts val="0"/>
+              </a:spcBef>
+              <a:buSzPct val="100000"/>
+            </a:pPr>
+            <a:r>
+              <a:rPr lang="en" sz="2400" dirty="0"/>
               <a:t>Local time</a:t>
             </a:r>
           </a:p>
           <a:p>
-            <a:pPr indent="-381000" lvl="0" marL="457200" rtl="0">
-              <a:spcBef>
-                <a:spcPts val="0"/>
-              </a:spcBef>
-              <a:buSzPct val="100000"/>
-            </a:pPr>
-            <a:r>
-              <a:rPr lang="en" sz="2400"/>
+            <a:pPr marL="457200" lvl="0" indent="-381000" rtl="0">
+              <a:spcBef>
+                <a:spcPts val="0"/>
+              </a:spcBef>
+              <a:buSzPct val="100000"/>
+            </a:pPr>
+            <a:r>
+              <a:rPr lang="en" sz="2400" dirty="0"/>
               <a:t>Separate Threads</a:t>
             </a:r>
           </a:p>
           <a:p>
-            <a:pPr indent="-381000" lvl="0" marL="457200" rtl="0">
-              <a:spcBef>
-                <a:spcPts val="0"/>
-              </a:spcBef>
-              <a:buSzPct val="100000"/>
-            </a:pPr>
-            <a:r>
-              <a:rPr lang="en" sz="2400"/>
+            <a:pPr marL="457200" lvl="0" indent="-381000" rtl="0">
+              <a:spcBef>
+                <a:spcPts val="0"/>
+              </a:spcBef>
+              <a:buSzPct val="100000"/>
+            </a:pPr>
+            <a:r>
+              <a:rPr lang="en" sz="2400" dirty="0"/>
               <a:t>Non-Deterministic</a:t>
             </a:r>
             <a:br>
-              <a:rPr lang="en" sz="2400"/>
+              <a:rPr lang="en" sz="2400" dirty="0"/>
             </a:br>
             <a:br>
-              <a:rPr lang="en" sz="2400"/>
+              <a:rPr lang="en" sz="2400" dirty="0"/>
             </a:br>
-          </a:p>
-          <a:p>
-            <a:pPr indent="-381000" lvl="0" marL="457200" rtl="0">
-              <a:spcBef>
-                <a:spcPts val="0"/>
-              </a:spcBef>
-              <a:buSzPct val="100000"/>
-            </a:pPr>
-            <a:r>
-              <a:rPr lang="en" sz="2400"/>
-              <a:t>Actor-based languages (Erlang, Scala) strong</a:t>
+            <a:endParaRPr lang="en" sz="2400" dirty="0"/>
+          </a:p>
+          <a:p>
+            <a:pPr marL="457200" lvl="0" indent="-381000" rtl="0">
+              <a:spcBef>
+                <a:spcPts val="0"/>
+              </a:spcBef>
+              <a:buSzPct val="100000"/>
+            </a:pPr>
+            <a:r>
+              <a:rPr lang="en" sz="2000" dirty="0"/>
+              <a:t>Actor-based languages </a:t>
+            </a:r>
+            <a:br>
+              <a:rPr lang="en" sz="2000" dirty="0"/>
+            </a:br>
+            <a:r>
+              <a:rPr lang="en" sz="2000" dirty="0"/>
+              <a:t>(Erlang, Scala) strong</a:t>
             </a:r>
           </a:p>
         </p:txBody>
       </p:sp>
       <p:pic>
         <p:nvPicPr>
-          <p:cNvPr descr="Actor.png" id="218" name="Shape 218"/>
+          <p:cNvPr id="218" name="Shape 218" descr="Actor.png"/>
           <p:cNvPicPr preferRelativeResize="0"/>
           <p:nvPr/>
         </p:nvPicPr>
@@ -10377,9 +10876,11 @@
       <p:sp>
         <p:nvSpPr>
           <p:cNvPr id="219" name="Shape 219"/>
-          <p:cNvSpPr txBox="1"/>
-          <p:nvPr>
-            <p:ph idx="12" type="sldNum"/>
+          <p:cNvSpPr txBox="1">
+            <a:spLocks noGrp="1"/>
+          </p:cNvSpPr>
+          <p:nvPr>
+            <p:ph type="sldNum" idx="12"/>
           </p:nvPr>
         </p:nvSpPr>
         <p:spPr>
@@ -10392,7 +10893,7 @@
           </a:prstGeom>
         </p:spPr>
         <p:txBody>
-          <a:bodyPr anchorCtr="0" anchor="ctr" bIns="91425" lIns="91425" rIns="91425" wrap="square" tIns="91425">
+          <a:bodyPr wrap="square" lIns="91425" tIns="91425" rIns="91425" bIns="91425" anchor="ctr" anchorCtr="0">
             <a:noAutofit/>
           </a:bodyPr>
           <a:lstStyle/>
@@ -10405,7 +10906,7 @@
             </a:pPr>
             <a:fld id="{00000000-1234-1234-1234-123412341234}" type="slidenum">
               <a:rPr lang="en"/>
-              <a:t>‹#›</a:t>
+              <a:t>23</a:t>
             </a:fld>
             <a:r>
               <a:rPr lang="en"/>
@@ -10423,11 +10924,11 @@
 </file>
 
 <file path=ppt/slides/slide24.xml><?xml version="1.0" encoding="utf-8"?>
-<p:sld xmlns:a="http://schemas.openxmlformats.org/drawingml/2006/main" xmlns:r="http://schemas.openxmlformats.org/officeDocument/2006/relationships" xmlns:mc="http://schemas.openxmlformats.org/markup-compatibility/2006" xmlns:mv="urn:schemas-microsoft-com:mac:vml" xmlns:p="http://schemas.openxmlformats.org/presentationml/2006/main" xmlns:c="http://schemas.openxmlformats.org/drawingml/2006/chart" xmlns:dgm="http://schemas.openxmlformats.org/drawingml/2006/diagram" xmlns:o="urn:schemas-microsoft-com:office:office" xmlns:v="urn:schemas-microsoft-com:vml" xmlns:pvml="urn:schemas-microsoft-com:office:powerpoint" xmlns:com="http://schemas.openxmlformats.org/drawingml/2006/compatibility" xmlns:p14="http://schemas.microsoft.com/office/powerpoint/2010/main" xmlns:p15="http://schemas.microsoft.com/office/powerpoint/2012/main">
+<p:sld xmlns:a="http://schemas.openxmlformats.org/drawingml/2006/main" xmlns:r="http://schemas.openxmlformats.org/officeDocument/2006/relationships" xmlns:p="http://schemas.openxmlformats.org/presentationml/2006/main">
   <p:cSld>
     <p:spTree>
       <p:nvGrpSpPr>
-        <p:cNvPr id="223" name="Shape 223"/>
+        <p:cNvPr id="1" name="Shape 223"/>
         <p:cNvGrpSpPr/>
         <p:nvPr/>
       </p:nvGrpSpPr>
@@ -10442,7 +10943,9 @@
       <p:sp>
         <p:nvSpPr>
           <p:cNvPr id="224" name="Shape 224"/>
-          <p:cNvSpPr txBox="1"/>
+          <p:cNvSpPr txBox="1">
+            <a:spLocks noGrp="1"/>
+          </p:cNvSpPr>
           <p:nvPr>
             <p:ph type="title"/>
           </p:nvPr>
@@ -10457,7 +10960,7 @@
           </a:prstGeom>
         </p:spPr>
         <p:txBody>
-          <a:bodyPr anchorCtr="0" anchor="t" bIns="91425" lIns="91425" rIns="91425" wrap="square" tIns="91425">
+          <a:bodyPr wrap="square" lIns="91425" tIns="91425" rIns="91425" bIns="91425" anchor="t" anchorCtr="0">
             <a:noAutofit/>
           </a:bodyPr>
           <a:lstStyle/>
@@ -10470,18 +10973,14 @@
             </a:pPr>
             <a:r>
               <a:rPr lang="en"/>
-              <a:t>IV: </a:t>
-            </a:r>
-            <a:r>
-              <a:rPr lang="en"/>
-              <a:t>Actor</a:t>
+              <a:t>IV: Actor</a:t>
             </a:r>
           </a:p>
         </p:txBody>
       </p:sp>
       <p:pic>
         <p:nvPicPr>
-          <p:cNvPr descr="act_HAC_100_000_500steps_scala.png" id="225" name="Shape 225"/>
+          <p:cNvPr id="225" name="Shape 225" descr="act_HAC_100_000_500steps_scala.png"/>
           <p:cNvPicPr preferRelativeResize="0"/>
           <p:nvPr/>
         </p:nvPicPr>
@@ -10489,7 +10988,7 @@
           <a:blip r:embed="rId3">
             <a:alphaModFix/>
           </a:blip>
-          <a:srcRect b="0" l="69" r="79" t="0"/>
+          <a:srcRect l="69" r="79"/>
           <a:stretch/>
         </p:blipFill>
         <p:spPr>
@@ -10508,7 +11007,7 @@
       </p:pic>
       <p:pic>
         <p:nvPicPr>
-          <p:cNvPr descr="act_SG_scala.png" id="226" name="Shape 226"/>
+          <p:cNvPr id="226" name="Shape 226" descr="act_SG_scala.png"/>
           <p:cNvPicPr preferRelativeResize="0"/>
           <p:nvPr/>
         </p:nvPicPr>
@@ -10516,7 +11015,7 @@
           <a:blip r:embed="rId4">
             <a:alphaModFix/>
           </a:blip>
-          <a:srcRect b="1028" l="0" r="0" t="1018"/>
+          <a:srcRect t="1018" b="1028"/>
           <a:stretch/>
         </p:blipFill>
         <p:spPr>
@@ -10536,9 +11035,11 @@
       <p:sp>
         <p:nvSpPr>
           <p:cNvPr id="227" name="Shape 227"/>
-          <p:cNvSpPr txBox="1"/>
-          <p:nvPr>
-            <p:ph idx="12" type="sldNum"/>
+          <p:cNvSpPr txBox="1">
+            <a:spLocks noGrp="1"/>
+          </p:cNvSpPr>
+          <p:nvPr>
+            <p:ph type="sldNum" idx="12"/>
           </p:nvPr>
         </p:nvSpPr>
         <p:spPr>
@@ -10551,7 +11052,7 @@
           </a:prstGeom>
         </p:spPr>
         <p:txBody>
-          <a:bodyPr anchorCtr="0" anchor="ctr" bIns="91425" lIns="91425" rIns="91425" wrap="square" tIns="91425">
+          <a:bodyPr wrap="square" lIns="91425" tIns="91425" rIns="91425" bIns="91425" anchor="ctr" anchorCtr="0">
             <a:noAutofit/>
           </a:bodyPr>
           <a:lstStyle/>
@@ -10564,7 +11065,7 @@
             </a:pPr>
             <a:fld id="{00000000-1234-1234-1234-123412341234}" type="slidenum">
               <a:rPr lang="en"/>
-              <a:t>‹#›</a:t>
+              <a:t>24</a:t>
             </a:fld>
             <a:r>
               <a:rPr lang="en"/>
@@ -10582,11 +11083,11 @@
 </file>
 
 <file path=ppt/slides/slide25.xml><?xml version="1.0" encoding="utf-8"?>
-<p:sld xmlns:a="http://schemas.openxmlformats.org/drawingml/2006/main" xmlns:r="http://schemas.openxmlformats.org/officeDocument/2006/relationships" xmlns:mc="http://schemas.openxmlformats.org/markup-compatibility/2006" xmlns:mv="urn:schemas-microsoft-com:mac:vml" xmlns:p="http://schemas.openxmlformats.org/presentationml/2006/main" xmlns:c="http://schemas.openxmlformats.org/drawingml/2006/chart" xmlns:dgm="http://schemas.openxmlformats.org/drawingml/2006/diagram" xmlns:o="urn:schemas-microsoft-com:office:office" xmlns:v="urn:schemas-microsoft-com:vml" xmlns:pvml="urn:schemas-microsoft-com:office:powerpoint" xmlns:com="http://schemas.openxmlformats.org/drawingml/2006/compatibility" xmlns:p14="http://schemas.microsoft.com/office/powerpoint/2010/main" xmlns:p15="http://schemas.microsoft.com/office/powerpoint/2012/main">
+<p:sld xmlns:a="http://schemas.openxmlformats.org/drawingml/2006/main" xmlns:r="http://schemas.openxmlformats.org/officeDocument/2006/relationships" xmlns:p="http://schemas.openxmlformats.org/presentationml/2006/main">
   <p:cSld>
     <p:spTree>
       <p:nvGrpSpPr>
-        <p:cNvPr id="231" name="Shape 231"/>
+        <p:cNvPr id="1" name="Shape 231"/>
         <p:cNvGrpSpPr/>
         <p:nvPr/>
       </p:nvGrpSpPr>
@@ -10601,7 +11102,9 @@
       <p:sp>
         <p:nvSpPr>
           <p:cNvPr id="232" name="Shape 232"/>
-          <p:cNvSpPr txBox="1"/>
+          <p:cNvSpPr txBox="1">
+            <a:spLocks noGrp="1"/>
+          </p:cNvSpPr>
           <p:nvPr>
             <p:ph type="title"/>
           </p:nvPr>
@@ -10616,7 +11119,7 @@
           </a:prstGeom>
         </p:spPr>
         <p:txBody>
-          <a:bodyPr anchorCtr="0" anchor="t" bIns="91425" lIns="91425" rIns="91425" wrap="square" tIns="91425">
+          <a:bodyPr wrap="square" lIns="91425" tIns="91425" rIns="91425" bIns="91425" anchor="t" anchorCtr="0">
             <a:noAutofit/>
           </a:bodyPr>
           <a:lstStyle/>
@@ -10636,7 +11139,7 @@
       </p:sp>
       <p:pic>
         <p:nvPicPr>
-          <p:cNvPr descr="sync_patterns.png" id="233" name="Shape 233"/>
+          <p:cNvPr id="233" name="Shape 233" descr="sync_patterns.png"/>
           <p:cNvPicPr preferRelativeResize="0"/>
           <p:nvPr/>
         </p:nvPicPr>
@@ -10644,7 +11147,7 @@
           <a:blip r:embed="rId3">
             <a:alphaModFix/>
           </a:blip>
-          <a:srcRect b="777" l="0" r="0" t="767"/>
+          <a:srcRect t="767" b="777"/>
           <a:stretch/>
         </p:blipFill>
         <p:spPr>
@@ -10663,7 +11166,7 @@
       </p:pic>
       <p:pic>
         <p:nvPicPr>
-          <p:cNvPr descr="act_HAC_100_000_500steps_scala.png" id="234" name="Shape 234"/>
+          <p:cNvPr id="234" name="Shape 234" descr="act_HAC_100_000_500steps_scala.png"/>
           <p:cNvPicPr preferRelativeResize="0"/>
           <p:nvPr/>
         </p:nvPicPr>
@@ -10671,7 +11174,7 @@
           <a:blip r:embed="rId4">
             <a:alphaModFix/>
           </a:blip>
-          <a:srcRect b="0" l="69" r="79" t="0"/>
+          <a:srcRect l="69" r="79"/>
           <a:stretch/>
         </p:blipFill>
         <p:spPr>
@@ -10691,9 +11194,11 @@
       <p:sp>
         <p:nvSpPr>
           <p:cNvPr id="235" name="Shape 235"/>
-          <p:cNvSpPr txBox="1"/>
-          <p:nvPr>
-            <p:ph idx="12" type="sldNum"/>
+          <p:cNvSpPr txBox="1">
+            <a:spLocks noGrp="1"/>
+          </p:cNvSpPr>
+          <p:nvPr>
+            <p:ph type="sldNum" idx="12"/>
           </p:nvPr>
         </p:nvSpPr>
         <p:spPr>
@@ -10706,7 +11211,7 @@
           </a:prstGeom>
         </p:spPr>
         <p:txBody>
-          <a:bodyPr anchorCtr="0" anchor="ctr" bIns="91425" lIns="91425" rIns="91425" wrap="square" tIns="91425">
+          <a:bodyPr wrap="square" lIns="91425" tIns="91425" rIns="91425" bIns="91425" anchor="ctr" anchorCtr="0">
             <a:noAutofit/>
           </a:bodyPr>
           <a:lstStyle/>
@@ -10719,7 +11224,7 @@
             </a:pPr>
             <a:fld id="{00000000-1234-1234-1234-123412341234}" type="slidenum">
               <a:rPr lang="en"/>
-              <a:t>‹#›</a:t>
+              <a:t>25</a:t>
             </a:fld>
             <a:r>
               <a:rPr lang="en"/>
@@ -10737,11 +11242,11 @@
 </file>
 
 <file path=ppt/slides/slide26.xml><?xml version="1.0" encoding="utf-8"?>
-<p:sld xmlns:a="http://schemas.openxmlformats.org/drawingml/2006/main" xmlns:r="http://schemas.openxmlformats.org/officeDocument/2006/relationships" xmlns:mc="http://schemas.openxmlformats.org/markup-compatibility/2006" xmlns:mv="urn:schemas-microsoft-com:mac:vml" xmlns:p="http://schemas.openxmlformats.org/presentationml/2006/main" xmlns:c="http://schemas.openxmlformats.org/drawingml/2006/chart" xmlns:dgm="http://schemas.openxmlformats.org/drawingml/2006/diagram" xmlns:o="urn:schemas-microsoft-com:office:office" xmlns:v="urn:schemas-microsoft-com:vml" xmlns:pvml="urn:schemas-microsoft-com:office:powerpoint" xmlns:com="http://schemas.openxmlformats.org/drawingml/2006/compatibility" xmlns:p14="http://schemas.microsoft.com/office/powerpoint/2010/main" xmlns:p15="http://schemas.microsoft.com/office/powerpoint/2012/main">
+<p:sld xmlns:a="http://schemas.openxmlformats.org/drawingml/2006/main" xmlns:r="http://schemas.openxmlformats.org/officeDocument/2006/relationships" xmlns:p="http://schemas.openxmlformats.org/presentationml/2006/main">
   <p:cSld>
     <p:spTree>
       <p:nvGrpSpPr>
-        <p:cNvPr id="239" name="Shape 239"/>
+        <p:cNvPr id="1" name="Shape 239"/>
         <p:cNvGrpSpPr/>
         <p:nvPr/>
       </p:nvGrpSpPr>
@@ -10756,7 +11261,9 @@
       <p:sp>
         <p:nvSpPr>
           <p:cNvPr id="240" name="Shape 240"/>
-          <p:cNvSpPr txBox="1"/>
+          <p:cNvSpPr txBox="1">
+            <a:spLocks noGrp="1"/>
+          </p:cNvSpPr>
           <p:nvPr>
             <p:ph type="title"/>
           </p:nvPr>
@@ -10771,7 +11278,7 @@
           </a:prstGeom>
         </p:spPr>
         <p:txBody>
-          <a:bodyPr anchorCtr="0" anchor="t" bIns="91425" lIns="91425" rIns="91425" wrap="square" tIns="91425">
+          <a:bodyPr wrap="square" lIns="91425" tIns="91425" rIns="91425" bIns="91425" anchor="t" anchorCtr="0">
             <a:noAutofit/>
           </a:bodyPr>
           <a:lstStyle/>
@@ -10792,9 +11299,11 @@
       <p:sp>
         <p:nvSpPr>
           <p:cNvPr id="241" name="Shape 241"/>
-          <p:cNvSpPr txBox="1"/>
-          <p:nvPr>
-            <p:ph idx="1" type="body"/>
+          <p:cNvSpPr txBox="1">
+            <a:spLocks noGrp="1"/>
+          </p:cNvSpPr>
+          <p:nvPr>
+            <p:ph type="body" idx="1"/>
           </p:nvPr>
         </p:nvSpPr>
         <p:spPr>
@@ -10807,12 +11316,12 @@
           </a:prstGeom>
         </p:spPr>
         <p:txBody>
-          <a:bodyPr anchorCtr="0" anchor="t" bIns="91425" lIns="91425" rIns="91425" wrap="square" tIns="91425">
+          <a:bodyPr wrap="square" lIns="91425" tIns="91425" rIns="91425" bIns="91425" anchor="t" anchorCtr="0">
             <a:noAutofit/>
           </a:bodyPr>
           <a:lstStyle/>
           <a:p>
-            <a:pPr indent="-381000" lvl="0" marL="457200" rtl="0">
+            <a:pPr marL="457200" lvl="0" indent="-381000" rtl="0">
               <a:spcBef>
                 <a:spcPts val="0"/>
               </a:spcBef>
@@ -10824,7 +11333,7 @@
             </a:r>
           </a:p>
           <a:p>
-            <a:pPr indent="-381000" lvl="0" marL="457200" rtl="0">
+            <a:pPr marL="457200" lvl="0" indent="-381000" rtl="0">
               <a:spcBef>
                 <a:spcPts val="0"/>
               </a:spcBef>
@@ -10832,37 +11341,38 @@
             </a:pPr>
             <a:r>
               <a:rPr lang="en" sz="2400"/>
-              <a:t>External stimulus: time = being executed / updated</a:t>
+              <a:t>Independent stimulus:</a:t>
             </a:r>
             <a:br>
               <a:rPr lang="en" sz="2400"/>
             </a:br>
-          </a:p>
-          <a:p>
-            <a:pPr indent="-381000" lvl="0" marL="457200" rtl="0">
-              <a:spcBef>
-                <a:spcPts val="0"/>
-              </a:spcBef>
-              <a:buSzPct val="100000"/>
-            </a:pPr>
             <a:r>
               <a:rPr lang="en" sz="2400"/>
-              <a:t>Match update-</a:t>
-            </a:r>
-            <a:r>
-              <a:rPr lang="en" sz="2400"/>
-              <a:t>strategy to </a:t>
-            </a:r>
-            <a:r>
-              <a:rPr lang="en" sz="2400"/>
-              <a:t>semantics of the model</a:t>
+              <a:t>Change = Time = being executed / updated</a:t>
             </a:r>
             <a:br>
               <a:rPr lang="en" sz="2400"/>
             </a:br>
-          </a:p>
-          <a:p>
-            <a:pPr indent="-381000" lvl="0" marL="457200" rtl="0">
+            <a:endParaRPr lang="en" sz="2400"/>
+          </a:p>
+          <a:p>
+            <a:pPr marL="457200" lvl="0" indent="-381000" rtl="0">
+              <a:spcBef>
+                <a:spcPts val="0"/>
+              </a:spcBef>
+              <a:buSzPct val="100000"/>
+            </a:pPr>
+            <a:r>
+              <a:rPr lang="en" sz="2400"/>
+              <a:t>Match update-strategy to semantics of the model</a:t>
+            </a:r>
+            <a:br>
+              <a:rPr lang="en" sz="2400"/>
+            </a:br>
+            <a:endParaRPr lang="en" sz="2400"/>
+          </a:p>
+          <a:p>
+            <a:pPr marL="457200" lvl="0" indent="-381000" rtl="0">
               <a:spcBef>
                 <a:spcPts val="0"/>
               </a:spcBef>
@@ -10878,9 +11388,11 @@
       <p:sp>
         <p:nvSpPr>
           <p:cNvPr id="242" name="Shape 242"/>
-          <p:cNvSpPr txBox="1"/>
-          <p:nvPr>
-            <p:ph idx="12" type="sldNum"/>
+          <p:cNvSpPr txBox="1">
+            <a:spLocks noGrp="1"/>
+          </p:cNvSpPr>
+          <p:nvPr>
+            <p:ph type="sldNum" idx="12"/>
           </p:nvPr>
         </p:nvSpPr>
         <p:spPr>
@@ -10893,7 +11405,7 @@
           </a:prstGeom>
         </p:spPr>
         <p:txBody>
-          <a:bodyPr anchorCtr="0" anchor="ctr" bIns="91425" lIns="91425" rIns="91425" wrap="square" tIns="91425">
+          <a:bodyPr wrap="square" lIns="91425" tIns="91425" rIns="91425" bIns="91425" anchor="ctr" anchorCtr="0">
             <a:noAutofit/>
           </a:bodyPr>
           <a:lstStyle/>
@@ -10906,7 +11418,7 @@
             </a:pPr>
             <a:fld id="{00000000-1234-1234-1234-123412341234}" type="slidenum">
               <a:rPr lang="en"/>
-              <a:t>‹#›</a:t>
+              <a:t>26</a:t>
             </a:fld>
             <a:r>
               <a:rPr lang="en"/>
@@ -10924,11 +11436,11 @@
 </file>
 
 <file path=ppt/slides/slide27.xml><?xml version="1.0" encoding="utf-8"?>
-<p:sld xmlns:a="http://schemas.openxmlformats.org/drawingml/2006/main" xmlns:r="http://schemas.openxmlformats.org/officeDocument/2006/relationships" xmlns:mc="http://schemas.openxmlformats.org/markup-compatibility/2006" xmlns:mv="urn:schemas-microsoft-com:mac:vml" xmlns:p="http://schemas.openxmlformats.org/presentationml/2006/main" xmlns:c="http://schemas.openxmlformats.org/drawingml/2006/chart" xmlns:dgm="http://schemas.openxmlformats.org/drawingml/2006/diagram" xmlns:o="urn:schemas-microsoft-com:office:office" xmlns:v="urn:schemas-microsoft-com:vml" xmlns:pvml="urn:schemas-microsoft-com:office:powerpoint" xmlns:com="http://schemas.openxmlformats.org/drawingml/2006/compatibility" xmlns:p14="http://schemas.microsoft.com/office/powerpoint/2010/main" xmlns:p15="http://schemas.microsoft.com/office/powerpoint/2012/main">
+<p:sld xmlns:a="http://schemas.openxmlformats.org/drawingml/2006/main" xmlns:r="http://schemas.openxmlformats.org/officeDocument/2006/relationships" xmlns:p="http://schemas.openxmlformats.org/presentationml/2006/main">
   <p:cSld>
     <p:spTree>
       <p:nvGrpSpPr>
-        <p:cNvPr id="246" name="Shape 246"/>
+        <p:cNvPr id="1" name="Shape 246"/>
         <p:cNvGrpSpPr/>
         <p:nvPr/>
       </p:nvGrpSpPr>
@@ -10943,7 +11455,9 @@
       <p:sp>
         <p:nvSpPr>
           <p:cNvPr id="247" name="Shape 247"/>
-          <p:cNvSpPr txBox="1"/>
+          <p:cNvSpPr txBox="1">
+            <a:spLocks noGrp="1"/>
+          </p:cNvSpPr>
           <p:nvPr>
             <p:ph type="title"/>
           </p:nvPr>
@@ -10958,7 +11472,7 @@
           </a:prstGeom>
         </p:spPr>
         <p:txBody>
-          <a:bodyPr anchorCtr="0" anchor="ctr" bIns="91425" lIns="91425" rIns="91425" wrap="square" tIns="91425">
+          <a:bodyPr wrap="square" lIns="91425" tIns="91425" rIns="91425" bIns="91425" anchor="ctr" anchorCtr="0">
             <a:noAutofit/>
           </a:bodyPr>
           <a:lstStyle/>
@@ -10985,11 +11499,11 @@
 </file>
 
 <file path=ppt/slides/slide3.xml><?xml version="1.0" encoding="utf-8"?>
-<p:sld xmlns:a="http://schemas.openxmlformats.org/drawingml/2006/main" xmlns:r="http://schemas.openxmlformats.org/officeDocument/2006/relationships" xmlns:mc="http://schemas.openxmlformats.org/markup-compatibility/2006" xmlns:mv="urn:schemas-microsoft-com:mac:vml" xmlns:p="http://schemas.openxmlformats.org/presentationml/2006/main" xmlns:c="http://schemas.openxmlformats.org/drawingml/2006/chart" xmlns:dgm="http://schemas.openxmlformats.org/drawingml/2006/diagram" xmlns:o="urn:schemas-microsoft-com:office:office" xmlns:v="urn:schemas-microsoft-com:vml" xmlns:pvml="urn:schemas-microsoft-com:office:powerpoint" xmlns:com="http://schemas.openxmlformats.org/drawingml/2006/compatibility" xmlns:p14="http://schemas.microsoft.com/office/powerpoint/2010/main" xmlns:p15="http://schemas.microsoft.com/office/powerpoint/2012/main">
+<p:sld xmlns:a="http://schemas.openxmlformats.org/drawingml/2006/main" xmlns:r="http://schemas.openxmlformats.org/officeDocument/2006/relationships" xmlns:p="http://schemas.openxmlformats.org/presentationml/2006/main">
   <p:cSld>
     <p:spTree>
       <p:nvGrpSpPr>
-        <p:cNvPr id="72" name="Shape 72"/>
+        <p:cNvPr id="1" name="Shape 72"/>
         <p:cNvGrpSpPr/>
         <p:nvPr/>
       </p:nvGrpSpPr>
@@ -11004,7 +11518,9 @@
       <p:sp>
         <p:nvSpPr>
           <p:cNvPr id="73" name="Shape 73"/>
-          <p:cNvSpPr txBox="1"/>
+          <p:cNvSpPr txBox="1">
+            <a:spLocks noGrp="1"/>
+          </p:cNvSpPr>
           <p:nvPr>
             <p:ph type="title"/>
           </p:nvPr>
@@ -11019,7 +11535,7 @@
           </a:prstGeom>
         </p:spPr>
         <p:txBody>
-          <a:bodyPr anchorCtr="0" anchor="b" bIns="91425" lIns="91425" rIns="91425" wrap="square" tIns="91425">
+          <a:bodyPr wrap="square" lIns="91425" tIns="91425" rIns="91425" bIns="91425" anchor="b" anchorCtr="0">
             <a:noAutofit/>
           </a:bodyPr>
           <a:lstStyle/>
@@ -11046,11 +11562,11 @@
 </file>
 
 <file path=ppt/slides/slide4.xml><?xml version="1.0" encoding="utf-8"?>
-<p:sld xmlns:a="http://schemas.openxmlformats.org/drawingml/2006/main" xmlns:r="http://schemas.openxmlformats.org/officeDocument/2006/relationships" xmlns:mc="http://schemas.openxmlformats.org/markup-compatibility/2006" xmlns:mv="urn:schemas-microsoft-com:mac:vml" xmlns:p="http://schemas.openxmlformats.org/presentationml/2006/main" xmlns:c="http://schemas.openxmlformats.org/drawingml/2006/chart" xmlns:dgm="http://schemas.openxmlformats.org/drawingml/2006/diagram" xmlns:o="urn:schemas-microsoft-com:office:office" xmlns:v="urn:schemas-microsoft-com:vml" xmlns:pvml="urn:schemas-microsoft-com:office:powerpoint" xmlns:com="http://schemas.openxmlformats.org/drawingml/2006/compatibility" xmlns:p14="http://schemas.microsoft.com/office/powerpoint/2010/main" xmlns:p15="http://schemas.microsoft.com/office/powerpoint/2012/main">
+<p:sld xmlns:a="http://schemas.openxmlformats.org/drawingml/2006/main" xmlns:r="http://schemas.openxmlformats.org/officeDocument/2006/relationships" xmlns:p="http://schemas.openxmlformats.org/presentationml/2006/main">
   <p:cSld>
     <p:spTree>
       <p:nvGrpSpPr>
-        <p:cNvPr id="77" name="Shape 77"/>
+        <p:cNvPr id="1" name="Shape 77"/>
         <p:cNvGrpSpPr/>
         <p:nvPr/>
       </p:nvGrpSpPr>
@@ -11065,7 +11581,9 @@
       <p:sp>
         <p:nvSpPr>
           <p:cNvPr id="78" name="Shape 78"/>
-          <p:cNvSpPr txBox="1"/>
+          <p:cNvSpPr txBox="1">
+            <a:spLocks noGrp="1"/>
+          </p:cNvSpPr>
           <p:nvPr>
             <p:ph type="title"/>
           </p:nvPr>
@@ -11080,7 +11598,7 @@
           </a:prstGeom>
         </p:spPr>
         <p:txBody>
-          <a:bodyPr anchorCtr="0" anchor="t" bIns="91425" lIns="91425" rIns="91425" wrap="square" tIns="91425">
+          <a:bodyPr wrap="square" lIns="91425" tIns="91425" rIns="91425" bIns="91425" anchor="t" anchorCtr="0">
             <a:noAutofit/>
           </a:bodyPr>
           <a:lstStyle/>
@@ -11104,7 +11622,7 @@
       </p:sp>
       <p:pic>
         <p:nvPicPr>
-          <p:cNvPr descr="Heroes and Cowards.png" id="79" name="Shape 79"/>
+          <p:cNvPr id="79" name="Shape 79" descr="Heroes and Cowards.png"/>
           <p:cNvPicPr preferRelativeResize="0"/>
           <p:nvPr/>
         </p:nvPicPr>
@@ -11133,9 +11651,11 @@
       <p:sp>
         <p:nvSpPr>
           <p:cNvPr id="80" name="Shape 80"/>
-          <p:cNvSpPr txBox="1"/>
-          <p:nvPr>
-            <p:ph idx="12" type="sldNum"/>
+          <p:cNvSpPr txBox="1">
+            <a:spLocks noGrp="1"/>
+          </p:cNvSpPr>
+          <p:nvPr>
+            <p:ph type="sldNum" idx="12"/>
           </p:nvPr>
         </p:nvSpPr>
         <p:spPr>
@@ -11148,7 +11668,7 @@
           </a:prstGeom>
         </p:spPr>
         <p:txBody>
-          <a:bodyPr anchorCtr="0" anchor="ctr" bIns="91425" lIns="91425" rIns="91425" wrap="square" tIns="91425">
+          <a:bodyPr wrap="square" lIns="91425" tIns="91425" rIns="91425" bIns="91425" anchor="ctr" anchorCtr="0">
             <a:noAutofit/>
           </a:bodyPr>
           <a:lstStyle/>
@@ -11161,7 +11681,7 @@
             </a:pPr>
             <a:fld id="{00000000-1234-1234-1234-123412341234}" type="slidenum">
               <a:rPr lang="en"/>
-              <a:t>‹#›</a:t>
+              <a:t>4</a:t>
             </a:fld>
             <a:r>
               <a:rPr lang="en"/>
@@ -11172,7 +11692,7 @@
       </p:sp>
       <p:pic>
         <p:nvPicPr>
-          <p:cNvPr descr="Heroes And Cowards.png" id="81" name="Shape 81"/>
+          <p:cNvPr id="81" name="Shape 81" descr="Heroes And Cowards.png"/>
           <p:cNvPicPr preferRelativeResize="0"/>
           <p:nvPr/>
         </p:nvPicPr>
@@ -11207,11 +11727,11 @@
 </file>
 
 <file path=ppt/slides/slide5.xml><?xml version="1.0" encoding="utf-8"?>
-<p:sld xmlns:a="http://schemas.openxmlformats.org/drawingml/2006/main" xmlns:r="http://schemas.openxmlformats.org/officeDocument/2006/relationships" xmlns:mc="http://schemas.openxmlformats.org/markup-compatibility/2006" xmlns:mv="urn:schemas-microsoft-com:mac:vml" xmlns:p="http://schemas.openxmlformats.org/presentationml/2006/main" xmlns:c="http://schemas.openxmlformats.org/drawingml/2006/chart" xmlns:dgm="http://schemas.openxmlformats.org/drawingml/2006/diagram" xmlns:o="urn:schemas-microsoft-com:office:office" xmlns:v="urn:schemas-microsoft-com:vml" xmlns:pvml="urn:schemas-microsoft-com:office:powerpoint" xmlns:com="http://schemas.openxmlformats.org/drawingml/2006/compatibility" xmlns:p14="http://schemas.microsoft.com/office/powerpoint/2010/main" xmlns:p15="http://schemas.microsoft.com/office/powerpoint/2012/main">
+<p:sld xmlns:a="http://schemas.openxmlformats.org/drawingml/2006/main" xmlns:r="http://schemas.openxmlformats.org/officeDocument/2006/relationships" xmlns:p="http://schemas.openxmlformats.org/presentationml/2006/main">
   <p:cSld>
     <p:spTree>
       <p:nvGrpSpPr>
-        <p:cNvPr id="85" name="Shape 85"/>
+        <p:cNvPr id="1" name="Shape 85"/>
         <p:cNvGrpSpPr/>
         <p:nvPr/>
       </p:nvGrpSpPr>
@@ -11226,7 +11746,9 @@
       <p:sp>
         <p:nvSpPr>
           <p:cNvPr id="86" name="Shape 86"/>
-          <p:cNvSpPr txBox="1"/>
+          <p:cNvSpPr txBox="1">
+            <a:spLocks noGrp="1"/>
+          </p:cNvSpPr>
           <p:nvPr>
             <p:ph type="title"/>
           </p:nvPr>
@@ -11241,7 +11763,7 @@
           </a:prstGeom>
         </p:spPr>
         <p:txBody>
-          <a:bodyPr anchorCtr="0" anchor="t" bIns="91425" lIns="91425" rIns="91425" wrap="square" tIns="91425">
+          <a:bodyPr wrap="square" lIns="91425" tIns="91425" rIns="91425" bIns="91425" anchor="t" anchorCtr="0">
             <a:noAutofit/>
           </a:bodyPr>
           <a:lstStyle/>
@@ -11254,19 +11776,11 @@
             </a:pPr>
             <a:r>
               <a:rPr lang="en"/>
-              <a:t>Prisoner’s Dilemma </a:t>
-            </a:r>
-            <a:r>
-              <a:rPr lang="en"/>
-              <a:t>2D </a:t>
+              <a:t>Prisoner’s Dilemma 2D </a:t>
             </a:r>
             <a:r>
               <a:rPr lang="en" sz="1800"/>
-              <a:t>(Nowak &amp; May, 1992)</a:t>
-            </a:r>
-            <a:r>
-              <a:rPr lang="en" sz="1800"/>
-              <a:t> </a:t>
+              <a:t>(Nowak &amp; May, 1992) </a:t>
             </a:r>
           </a:p>
         </p:txBody>
@@ -11274,9 +11788,11 @@
       <p:sp>
         <p:nvSpPr>
           <p:cNvPr id="87" name="Shape 87"/>
-          <p:cNvSpPr txBox="1"/>
-          <p:nvPr>
-            <p:ph idx="1" type="body"/>
+          <p:cNvSpPr txBox="1">
+            <a:spLocks noGrp="1"/>
+          </p:cNvSpPr>
+          <p:nvPr>
+            <p:ph type="body" idx="1"/>
           </p:nvPr>
         </p:nvSpPr>
         <p:spPr>
@@ -11289,12 +11805,12 @@
           </a:prstGeom>
         </p:spPr>
         <p:txBody>
-          <a:bodyPr anchorCtr="0" anchor="t" bIns="91425" lIns="91425" rIns="91425" wrap="square" tIns="91425">
+          <a:bodyPr wrap="square" lIns="91425" tIns="91425" rIns="91425" bIns="91425" anchor="t" anchorCtr="0">
             <a:noAutofit/>
           </a:bodyPr>
           <a:lstStyle/>
           <a:p>
-            <a:pPr indent="-381000" lvl="0" marL="457200" rtl="0">
+            <a:pPr marL="457200" lvl="0" indent="-381000" rtl="0">
               <a:spcBef>
                 <a:spcPts val="0"/>
               </a:spcBef>
@@ -11307,9 +11823,10 @@
             <a:br>
               <a:rPr lang="en" sz="2400"/>
             </a:br>
-          </a:p>
-          <a:p>
-            <a:pPr indent="-381000" lvl="0" marL="457200" rtl="0">
+            <a:endParaRPr lang="en" sz="2400"/>
+          </a:p>
+          <a:p>
+            <a:pPr marL="457200" lvl="0" indent="-381000" rtl="0">
               <a:spcBef>
                 <a:spcPts val="0"/>
               </a:spcBef>
@@ -11317,11 +11834,7 @@
             </a:pPr>
             <a:r>
               <a:rPr lang="en" sz="2400"/>
-              <a:t>Two</a:t>
-            </a:r>
-            <a:r>
-              <a:rPr lang="en" sz="2400"/>
-              <a:t> prisoners cooperate (say nothing) </a:t>
+              <a:t>Two prisoners cooperate (say nothing) </a:t>
             </a:r>
             <a:br>
               <a:rPr lang="en" sz="2400"/>
@@ -11333,9 +11846,10 @@
             <a:br>
               <a:rPr lang="en" sz="2400"/>
             </a:br>
-          </a:p>
-          <a:p>
-            <a:pPr indent="-381000" lvl="0" marL="457200" rtl="0">
+            <a:endParaRPr lang="en" sz="2400"/>
+          </a:p>
+          <a:p>
+            <a:pPr marL="457200" lvl="0" indent="-381000" rtl="0">
               <a:spcBef>
                 <a:spcPts val="0"/>
               </a:spcBef>
@@ -11347,7 +11861,7 @@
             </a:r>
           </a:p>
           <a:p>
-            <a:pPr indent="-381000" lvl="1" marL="914400" rtl="0">
+            <a:pPr marL="914400" lvl="1" indent="-381000" rtl="0">
               <a:spcBef>
                 <a:spcPts val="0"/>
               </a:spcBef>
@@ -11359,7 +11873,7 @@
             </a:r>
           </a:p>
           <a:p>
-            <a:pPr indent="-381000" lvl="1" marL="914400" rtl="0">
+            <a:pPr marL="914400" lvl="1" indent="-381000" rtl="0">
               <a:spcBef>
                 <a:spcPts val="0"/>
               </a:spcBef>
@@ -11371,7 +11885,7 @@
             </a:r>
           </a:p>
           <a:p>
-            <a:pPr indent="-381000" lvl="1" marL="914400" rtl="0">
+            <a:pPr marL="914400" lvl="1" indent="-381000" rtl="0">
               <a:spcBef>
                 <a:spcPts val="0"/>
               </a:spcBef>
@@ -11387,9 +11901,11 @@
       <p:sp>
         <p:nvSpPr>
           <p:cNvPr id="88" name="Shape 88"/>
-          <p:cNvSpPr txBox="1"/>
-          <p:nvPr>
-            <p:ph idx="12" type="sldNum"/>
+          <p:cNvSpPr txBox="1">
+            <a:spLocks noGrp="1"/>
+          </p:cNvSpPr>
+          <p:nvPr>
+            <p:ph type="sldNum" idx="12"/>
           </p:nvPr>
         </p:nvSpPr>
         <p:spPr>
@@ -11402,7 +11918,7 @@
           </a:prstGeom>
         </p:spPr>
         <p:txBody>
-          <a:bodyPr anchorCtr="0" anchor="ctr" bIns="91425" lIns="91425" rIns="91425" wrap="square" tIns="91425">
+          <a:bodyPr wrap="square" lIns="91425" tIns="91425" rIns="91425" bIns="91425" anchor="ctr" anchorCtr="0">
             <a:noAutofit/>
           </a:bodyPr>
           <a:lstStyle/>
@@ -11415,7 +11931,7 @@
             </a:pPr>
             <a:fld id="{00000000-1234-1234-1234-123412341234}" type="slidenum">
               <a:rPr lang="en"/>
-              <a:t>‹#›</a:t>
+              <a:t>5</a:t>
             </a:fld>
             <a:r>
               <a:rPr lang="en"/>
@@ -11433,11 +11949,11 @@
 </file>
 
 <file path=ppt/slides/slide6.xml><?xml version="1.0" encoding="utf-8"?>
-<p:sld xmlns:a="http://schemas.openxmlformats.org/drawingml/2006/main" xmlns:r="http://schemas.openxmlformats.org/officeDocument/2006/relationships" xmlns:mc="http://schemas.openxmlformats.org/markup-compatibility/2006" xmlns:mv="urn:schemas-microsoft-com:mac:vml" xmlns:p="http://schemas.openxmlformats.org/presentationml/2006/main" xmlns:c="http://schemas.openxmlformats.org/drawingml/2006/chart" xmlns:dgm="http://schemas.openxmlformats.org/drawingml/2006/diagram" xmlns:o="urn:schemas-microsoft-com:office:office" xmlns:v="urn:schemas-microsoft-com:vml" xmlns:pvml="urn:schemas-microsoft-com:office:powerpoint" xmlns:com="http://schemas.openxmlformats.org/drawingml/2006/compatibility" xmlns:p14="http://schemas.microsoft.com/office/powerpoint/2010/main" xmlns:p15="http://schemas.microsoft.com/office/powerpoint/2012/main">
+<p:sld xmlns:a="http://schemas.openxmlformats.org/drawingml/2006/main" xmlns:r="http://schemas.openxmlformats.org/officeDocument/2006/relationships" xmlns:p="http://schemas.openxmlformats.org/presentationml/2006/main">
   <p:cSld>
     <p:spTree>
       <p:nvGrpSpPr>
-        <p:cNvPr id="92" name="Shape 92"/>
+        <p:cNvPr id="1" name="Shape 92"/>
         <p:cNvGrpSpPr/>
         <p:nvPr/>
       </p:nvGrpSpPr>
@@ -11452,7 +11968,9 @@
       <p:sp>
         <p:nvSpPr>
           <p:cNvPr id="93" name="Shape 93"/>
-          <p:cNvSpPr txBox="1"/>
+          <p:cNvSpPr txBox="1">
+            <a:spLocks noGrp="1"/>
+          </p:cNvSpPr>
           <p:nvPr>
             <p:ph type="title"/>
           </p:nvPr>
@@ -11467,7 +11985,7 @@
           </a:prstGeom>
         </p:spPr>
         <p:txBody>
-          <a:bodyPr anchorCtr="0" anchor="t" bIns="91425" lIns="91425" rIns="91425" wrap="square" tIns="91425">
+          <a:bodyPr wrap="square" lIns="91425" tIns="91425" rIns="91425" bIns="91425" anchor="t" anchorCtr="0">
             <a:noAutofit/>
           </a:bodyPr>
           <a:lstStyle/>
@@ -11488,9 +12006,11 @@
       <p:sp>
         <p:nvSpPr>
           <p:cNvPr id="94" name="Shape 94"/>
-          <p:cNvSpPr txBox="1"/>
-          <p:nvPr>
-            <p:ph idx="1" type="body"/>
+          <p:cNvSpPr txBox="1">
+            <a:spLocks noGrp="1"/>
+          </p:cNvSpPr>
+          <p:nvPr>
+            <p:ph type="body" idx="1"/>
           </p:nvPr>
         </p:nvSpPr>
         <p:spPr>
@@ -11503,7 +12023,7 @@
           </a:prstGeom>
         </p:spPr>
         <p:txBody>
-          <a:bodyPr anchorCtr="0" anchor="t" bIns="91425" lIns="91425" rIns="91425" wrap="square" tIns="91425">
+          <a:bodyPr wrap="square" lIns="91425" tIns="91425" rIns="91425" bIns="91425" anchor="t" anchorCtr="0">
             <a:noAutofit/>
           </a:bodyPr>
           <a:lstStyle/>
@@ -11533,9 +12053,10 @@
             <a:br>
               <a:rPr lang="en"/>
             </a:br>
-          </a:p>
-          <a:p>
-            <a:pPr indent="-330200" lvl="0" marL="457200" rtl="0">
+            <a:endParaRPr lang="en"/>
+          </a:p>
+          <a:p>
+            <a:pPr marL="457200" lvl="0" indent="-330200" rtl="0">
               <a:spcBef>
                 <a:spcPts val="0"/>
               </a:spcBef>
@@ -11544,15 +12065,11 @@
             </a:pPr>
             <a:r>
               <a:rPr lang="en" sz="1600"/>
-              <a:t>P</a:t>
-            </a:r>
-            <a:r>
-              <a:rPr lang="en" sz="1600"/>
-              <a:t>lay game with neighbours &amp; self, sum reward</a:t>
-            </a:r>
-          </a:p>
-          <a:p>
-            <a:pPr indent="-330200" lvl="0" marL="457200" rtl="0">
+              <a:t>Play game with neighbours &amp; self, sum reward</a:t>
+            </a:r>
+          </a:p>
+          <a:p>
+            <a:pPr marL="457200" lvl="0" indent="-330200" rtl="0">
               <a:spcBef>
                 <a:spcPts val="0"/>
               </a:spcBef>
@@ -11566,6 +12083,7 @@
             <a:br>
               <a:rPr lang="en" sz="1600"/>
             </a:br>
+            <a:endParaRPr lang="en" sz="1600"/>
           </a:p>
           <a:p>
             <a:pPr lvl="0" rtl="0">
@@ -11576,15 +12094,7 @@
             </a:pPr>
             <a:r>
               <a:rPr lang="en"/>
-              <a:t>Blue: 	</a:t>
-            </a:r>
-            <a:r>
-              <a:rPr lang="en"/>
-              <a:t>C</a:t>
-            </a:r>
-            <a:r>
-              <a:rPr lang="en"/>
-              <a:t>ooperators now &amp; before</a:t>
+              <a:t>Blue: 	Cooperators now &amp; before</a:t>
             </a:r>
             <a:br>
               <a:rPr lang="en"/>
@@ -11612,7 +12122,7 @@
       </p:sp>
       <p:pic>
         <p:nvPicPr>
-          <p:cNvPr descr="sync_patterns.png" id="95" name="Shape 95"/>
+          <p:cNvPr id="95" name="Shape 95" descr="sync_patterns.png"/>
           <p:cNvPicPr preferRelativeResize="0"/>
           <p:nvPr/>
         </p:nvPicPr>
@@ -11620,7 +12130,7 @@
           <a:blip r:embed="rId3">
             <a:alphaModFix/>
           </a:blip>
-          <a:srcRect b="777" l="0" r="0" t="767"/>
+          <a:srcRect t="767" b="777"/>
           <a:stretch/>
         </p:blipFill>
         <p:spPr>
@@ -11640,9 +12150,11 @@
       <p:sp>
         <p:nvSpPr>
           <p:cNvPr id="96" name="Shape 96"/>
-          <p:cNvSpPr txBox="1"/>
-          <p:nvPr>
-            <p:ph idx="12" type="sldNum"/>
+          <p:cNvSpPr txBox="1">
+            <a:spLocks noGrp="1"/>
+          </p:cNvSpPr>
+          <p:nvPr>
+            <p:ph type="sldNum" idx="12"/>
           </p:nvPr>
         </p:nvSpPr>
         <p:spPr>
@@ -11655,7 +12167,7 @@
           </a:prstGeom>
         </p:spPr>
         <p:txBody>
-          <a:bodyPr anchorCtr="0" anchor="ctr" bIns="91425" lIns="91425" rIns="91425" wrap="square" tIns="91425">
+          <a:bodyPr wrap="square" lIns="91425" tIns="91425" rIns="91425" bIns="91425" anchor="ctr" anchorCtr="0">
             <a:noAutofit/>
           </a:bodyPr>
           <a:lstStyle/>
@@ -11668,7 +12180,7 @@
             </a:pPr>
             <a:fld id="{00000000-1234-1234-1234-123412341234}" type="slidenum">
               <a:rPr lang="en"/>
-              <a:t>‹#›</a:t>
+              <a:t>6</a:t>
             </a:fld>
             <a:r>
               <a:rPr lang="en"/>
@@ -11686,11 +12198,11 @@
 </file>
 
 <file path=ppt/slides/slide7.xml><?xml version="1.0" encoding="utf-8"?>
-<p:sld xmlns:a="http://schemas.openxmlformats.org/drawingml/2006/main" xmlns:r="http://schemas.openxmlformats.org/officeDocument/2006/relationships" xmlns:mc="http://schemas.openxmlformats.org/markup-compatibility/2006" xmlns:mv="urn:schemas-microsoft-com:mac:vml" xmlns:p="http://schemas.openxmlformats.org/presentationml/2006/main" xmlns:c="http://schemas.openxmlformats.org/drawingml/2006/chart" xmlns:dgm="http://schemas.openxmlformats.org/drawingml/2006/diagram" xmlns:o="urn:schemas-microsoft-com:office:office" xmlns:v="urn:schemas-microsoft-com:vml" xmlns:pvml="urn:schemas-microsoft-com:office:powerpoint" xmlns:com="http://schemas.openxmlformats.org/drawingml/2006/compatibility" xmlns:p14="http://schemas.microsoft.com/office/powerpoint/2010/main" xmlns:p15="http://schemas.microsoft.com/office/powerpoint/2012/main">
+<p:sld xmlns:a="http://schemas.openxmlformats.org/drawingml/2006/main" xmlns:r="http://schemas.openxmlformats.org/officeDocument/2006/relationships" xmlns:p="http://schemas.openxmlformats.org/presentationml/2006/main">
   <p:cSld>
     <p:spTree>
       <p:nvGrpSpPr>
-        <p:cNvPr id="100" name="Shape 100"/>
+        <p:cNvPr id="1" name="Shape 100"/>
         <p:cNvGrpSpPr/>
         <p:nvPr/>
       </p:nvGrpSpPr>
@@ -11705,7 +12217,9 @@
       <p:sp>
         <p:nvSpPr>
           <p:cNvPr id="101" name="Shape 101"/>
-          <p:cNvSpPr txBox="1"/>
+          <p:cNvSpPr txBox="1">
+            <a:spLocks noGrp="1"/>
+          </p:cNvSpPr>
           <p:nvPr>
             <p:ph type="title"/>
           </p:nvPr>
@@ -11720,7 +12234,7 @@
           </a:prstGeom>
         </p:spPr>
         <p:txBody>
-          <a:bodyPr anchorCtr="0" anchor="b" bIns="91425" lIns="91425" rIns="91425" wrap="square" tIns="91425">
+          <a:bodyPr wrap="square" lIns="91425" tIns="91425" rIns="91425" bIns="91425" anchor="b" anchorCtr="0">
             <a:noAutofit/>
           </a:bodyPr>
           <a:lstStyle/>
@@ -11747,11 +12261,11 @@
 </file>
 
 <file path=ppt/slides/slide8.xml><?xml version="1.0" encoding="utf-8"?>
-<p:sld xmlns:a="http://schemas.openxmlformats.org/drawingml/2006/main" xmlns:r="http://schemas.openxmlformats.org/officeDocument/2006/relationships" xmlns:mc="http://schemas.openxmlformats.org/markup-compatibility/2006" xmlns:mv="urn:schemas-microsoft-com:mac:vml" xmlns:p="http://schemas.openxmlformats.org/presentationml/2006/main" xmlns:c="http://schemas.openxmlformats.org/drawingml/2006/chart" xmlns:dgm="http://schemas.openxmlformats.org/drawingml/2006/diagram" xmlns:o="urn:schemas-microsoft-com:office:office" xmlns:v="urn:schemas-microsoft-com:vml" xmlns:pvml="urn:schemas-microsoft-com:office:powerpoint" xmlns:com="http://schemas.openxmlformats.org/drawingml/2006/compatibility" xmlns:p14="http://schemas.microsoft.com/office/powerpoint/2010/main" xmlns:p15="http://schemas.microsoft.com/office/powerpoint/2012/main">
+<p:sld xmlns:a="http://schemas.openxmlformats.org/drawingml/2006/main" xmlns:r="http://schemas.openxmlformats.org/officeDocument/2006/relationships" xmlns:p="http://schemas.openxmlformats.org/presentationml/2006/main">
   <p:cSld>
     <p:spTree>
       <p:nvGrpSpPr>
-        <p:cNvPr id="105" name="Shape 105"/>
+        <p:cNvPr id="1" name="Shape 105"/>
         <p:cNvGrpSpPr/>
         <p:nvPr/>
       </p:nvGrpSpPr>
@@ -11766,7 +12280,9 @@
       <p:sp>
         <p:nvSpPr>
           <p:cNvPr id="106" name="Shape 106"/>
-          <p:cNvSpPr txBox="1"/>
+          <p:cNvSpPr txBox="1">
+            <a:spLocks noGrp="1"/>
+          </p:cNvSpPr>
           <p:nvPr>
             <p:ph type="title"/>
           </p:nvPr>
@@ -11781,7 +12297,7 @@
           </a:prstGeom>
         </p:spPr>
         <p:txBody>
-          <a:bodyPr anchorCtr="0" anchor="t" bIns="91425" lIns="91425" rIns="91425" wrap="square" tIns="91425">
+          <a:bodyPr wrap="square" lIns="91425" tIns="91425" rIns="91425" bIns="91425" anchor="t" anchorCtr="0">
             <a:noAutofit/>
           </a:bodyPr>
           <a:lstStyle/>
@@ -11802,9 +12318,11 @@
       <p:sp>
         <p:nvSpPr>
           <p:cNvPr id="107" name="Shape 107"/>
-          <p:cNvSpPr txBox="1"/>
-          <p:nvPr>
-            <p:ph idx="1" type="body"/>
+          <p:cNvSpPr txBox="1">
+            <a:spLocks noGrp="1"/>
+          </p:cNvSpPr>
+          <p:nvPr>
+            <p:ph type="body" idx="1"/>
           </p:nvPr>
         </p:nvSpPr>
         <p:spPr>
@@ -11817,12 +12335,12 @@
           </a:prstGeom>
         </p:spPr>
         <p:txBody>
-          <a:bodyPr anchorCtr="0" anchor="t" bIns="91425" lIns="91425" rIns="91425" wrap="square" tIns="91425">
+          <a:bodyPr wrap="square" lIns="91425" tIns="91425" rIns="91425" bIns="91425" anchor="t" anchorCtr="0">
             <a:noAutofit/>
           </a:bodyPr>
           <a:lstStyle/>
           <a:p>
-            <a:pPr indent="-381000" lvl="0" marL="457200" rtl="0">
+            <a:pPr marL="457200" lvl="0" indent="-381000" rtl="0">
               <a:spcBef>
                 <a:spcPts val="0"/>
               </a:spcBef>
@@ -11834,7 +12352,7 @@
             </a:r>
           </a:p>
           <a:p>
-            <a:pPr indent="-381000" lvl="0" marL="457200" rtl="0">
+            <a:pPr marL="457200" lvl="0" indent="-381000" rtl="0">
               <a:spcBef>
                 <a:spcPts val="0"/>
               </a:spcBef>
@@ -11846,7 +12364,7 @@
             </a:r>
           </a:p>
           <a:p>
-            <a:pPr indent="-381000" lvl="0" marL="457200" rtl="0">
+            <a:pPr marL="457200" lvl="0" indent="-381000" rtl="0">
               <a:spcBef>
                 <a:spcPts val="0"/>
               </a:spcBef>
@@ -11858,7 +12376,7 @@
             </a:r>
           </a:p>
           <a:p>
-            <a:pPr indent="-381000" lvl="0" marL="457200" rtl="0">
+            <a:pPr marL="457200" lvl="0" indent="-381000" rtl="0">
               <a:spcBef>
                 <a:spcPts val="0"/>
               </a:spcBef>
@@ -11874,23 +12392,24 @@
             <a:br>
               <a:rPr lang="en" sz="2400"/>
             </a:br>
-          </a:p>
-          <a:p>
-            <a:pPr lvl="0" rtl="0" algn="ctr">
-              <a:spcBef>
-                <a:spcPts val="0"/>
-              </a:spcBef>
-              <a:buNone/>
-            </a:pPr>
-            <a:r>
-              <a:rPr b="1" lang="en" sz="3000"/>
+            <a:endParaRPr lang="en" sz="2400"/>
+          </a:p>
+          <a:p>
+            <a:pPr lvl="0" algn="ctr" rtl="0">
+              <a:spcBef>
+                <a:spcPts val="0"/>
+              </a:spcBef>
+              <a:buNone/>
+            </a:pPr>
+            <a:r>
+              <a:rPr lang="en" sz="3000" b="1"/>
               <a:t>How can we raise Agents to existence </a:t>
             </a:r>
             <a:br>
-              <a:rPr b="1" lang="en" sz="3000"/>
+              <a:rPr lang="en" sz="3000" b="1"/>
             </a:br>
             <a:r>
-              <a:rPr b="1" lang="en" sz="3000"/>
+              <a:rPr lang="en" sz="3000" b="1"/>
               <a:t>in a computational environment?</a:t>
             </a:r>
           </a:p>
@@ -11899,9 +12418,11 @@
       <p:sp>
         <p:nvSpPr>
           <p:cNvPr id="108" name="Shape 108"/>
-          <p:cNvSpPr txBox="1"/>
-          <p:nvPr>
-            <p:ph idx="12" type="sldNum"/>
+          <p:cNvSpPr txBox="1">
+            <a:spLocks noGrp="1"/>
+          </p:cNvSpPr>
+          <p:nvPr>
+            <p:ph type="sldNum" idx="12"/>
           </p:nvPr>
         </p:nvSpPr>
         <p:spPr>
@@ -11914,7 +12435,7 @@
           </a:prstGeom>
         </p:spPr>
         <p:txBody>
-          <a:bodyPr anchorCtr="0" anchor="ctr" bIns="91425" lIns="91425" rIns="91425" wrap="square" tIns="91425">
+          <a:bodyPr wrap="square" lIns="91425" tIns="91425" rIns="91425" bIns="91425" anchor="ctr" anchorCtr="0">
             <a:noAutofit/>
           </a:bodyPr>
           <a:lstStyle/>
@@ -11927,7 +12448,7 @@
             </a:pPr>
             <a:fld id="{00000000-1234-1234-1234-123412341234}" type="slidenum">
               <a:rPr lang="en"/>
-              <a:t>‹#›</a:t>
+              <a:t>8</a:t>
             </a:fld>
             <a:r>
               <a:rPr lang="en"/>
@@ -11945,11 +12466,11 @@
 </file>
 
 <file path=ppt/slides/slide9.xml><?xml version="1.0" encoding="utf-8"?>
-<p:sld xmlns:a="http://schemas.openxmlformats.org/drawingml/2006/main" xmlns:r="http://schemas.openxmlformats.org/officeDocument/2006/relationships" xmlns:mc="http://schemas.openxmlformats.org/markup-compatibility/2006" xmlns:mv="urn:schemas-microsoft-com:mac:vml" xmlns:p="http://schemas.openxmlformats.org/presentationml/2006/main" xmlns:c="http://schemas.openxmlformats.org/drawingml/2006/chart" xmlns:dgm="http://schemas.openxmlformats.org/drawingml/2006/diagram" xmlns:o="urn:schemas-microsoft-com:office:office" xmlns:v="urn:schemas-microsoft-com:vml" xmlns:pvml="urn:schemas-microsoft-com:office:powerpoint" xmlns:com="http://schemas.openxmlformats.org/drawingml/2006/compatibility" xmlns:p14="http://schemas.microsoft.com/office/powerpoint/2010/main" xmlns:p15="http://schemas.microsoft.com/office/powerpoint/2012/main">
+<p:sld xmlns:a="http://schemas.openxmlformats.org/drawingml/2006/main" xmlns:r="http://schemas.openxmlformats.org/officeDocument/2006/relationships" xmlns:p="http://schemas.openxmlformats.org/presentationml/2006/main">
   <p:cSld>
     <p:spTree>
       <p:nvGrpSpPr>
-        <p:cNvPr id="112" name="Shape 112"/>
+        <p:cNvPr id="1" name="Shape 112"/>
         <p:cNvGrpSpPr/>
         <p:nvPr/>
       </p:nvGrpSpPr>
@@ -11963,7 +12484,7 @@
       </p:grpSpPr>
       <p:pic>
         <p:nvPicPr>
-          <p:cNvPr descr="descartes.jpg" id="113" name="Shape 113"/>
+          <p:cNvPr id="113" name="Shape 113" descr="descartes.jpg"/>
           <p:cNvPicPr preferRelativeResize="0"/>
           <p:nvPr/>
         </p:nvPicPr>
@@ -11992,9 +12513,11 @@
       <p:sp>
         <p:nvSpPr>
           <p:cNvPr id="114" name="Shape 114"/>
-          <p:cNvSpPr txBox="1"/>
-          <p:nvPr>
-            <p:ph idx="12" type="sldNum"/>
+          <p:cNvSpPr txBox="1">
+            <a:spLocks noGrp="1"/>
+          </p:cNvSpPr>
+          <p:nvPr>
+            <p:ph type="sldNum" idx="12"/>
           </p:nvPr>
         </p:nvSpPr>
         <p:spPr>
@@ -12007,7 +12530,7 @@
           </a:prstGeom>
         </p:spPr>
         <p:txBody>
-          <a:bodyPr anchorCtr="0" anchor="ctr" bIns="91425" lIns="91425" rIns="91425" wrap="square" tIns="91425">
+          <a:bodyPr wrap="square" lIns="91425" tIns="91425" rIns="91425" bIns="91425" anchor="ctr" anchorCtr="0">
             <a:noAutofit/>
           </a:bodyPr>
           <a:lstStyle/>
@@ -12020,7 +12543,7 @@
             </a:pPr>
             <a:fld id="{00000000-1234-1234-1234-123412341234}" type="slidenum">
               <a:rPr lang="en"/>
-              <a:t>‹#›</a:t>
+              <a:t>9</a:t>
             </a:fld>
             <a:r>
               <a:rPr lang="en"/>
@@ -12038,7 +12561,288 @@
 </file>
 
 <file path=ppt/theme/theme1.xml><?xml version="1.0" encoding="utf-8"?>
-<a:theme xmlns:a="http://schemas.openxmlformats.org/drawingml/2006/main" xmlns:r="http://schemas.openxmlformats.org/officeDocument/2006/relationships" name="Custom Theme">
+<a:theme xmlns:a="http://schemas.openxmlformats.org/drawingml/2006/main" name="Paperback">
+  <a:themeElements>
+    <a:clrScheme name="Paperback">
+      <a:dk1>
+        <a:srgbClr val="000000"/>
+      </a:dk1>
+      <a:lt1>
+        <a:srgbClr val="FFFFFF"/>
+      </a:lt1>
+      <a:dk2>
+        <a:srgbClr val="00695C"/>
+      </a:dk2>
+      <a:lt2>
+        <a:srgbClr val="26A69A"/>
+      </a:lt2>
+      <a:accent1>
+        <a:srgbClr val="FFFBF0"/>
+      </a:accent1>
+      <a:accent2>
+        <a:srgbClr val="B7B7B7"/>
+      </a:accent2>
+      <a:accent3>
+        <a:srgbClr val="FB8C00"/>
+      </a:accent3>
+      <a:accent4>
+        <a:srgbClr val="80CBC4"/>
+      </a:accent4>
+      <a:accent5>
+        <a:srgbClr val="AF4345"/>
+      </a:accent5>
+      <a:accent6>
+        <a:srgbClr val="F58F8F"/>
+      </a:accent6>
+      <a:hlink>
+        <a:srgbClr val="AF4345"/>
+      </a:hlink>
+      <a:folHlink>
+        <a:srgbClr val="AF4345"/>
+      </a:folHlink>
+    </a:clrScheme>
+    <a:fontScheme name="Office">
+      <a:majorFont>
+        <a:latin typeface="Arial"/>
+        <a:ea typeface=""/>
+        <a:cs typeface=""/>
+        <a:font script="Jpan" typeface="ＭＳ Ｐゴシック"/>
+        <a:font script="Hang" typeface="맑은 고딕"/>
+        <a:font script="Hans" typeface="宋体"/>
+        <a:font script="Hant" typeface="新細明體"/>
+        <a:font script="Arab" typeface="Times New Roman"/>
+        <a:font script="Hebr" typeface="Times New Roman"/>
+        <a:font script="Thai" typeface="Angsana New"/>
+        <a:font script="Ethi" typeface="Nyala"/>
+        <a:font script="Beng" typeface="Vrinda"/>
+        <a:font script="Gujr" typeface="Shruti"/>
+        <a:font script="Khmr" typeface="MoolBoran"/>
+        <a:font script="Knda" typeface="Tunga"/>
+        <a:font script="Guru" typeface="Raavi"/>
+        <a:font script="Cans" typeface="Euphemia"/>
+        <a:font script="Cher" typeface="Plantagenet Cherokee"/>
+        <a:font script="Yiii" typeface="Microsoft Yi Baiti"/>
+        <a:font script="Tibt" typeface="Microsoft Himalaya"/>
+        <a:font script="Thaa" typeface="MV Boli"/>
+        <a:font script="Deva" typeface="Mangal"/>
+        <a:font script="Telu" typeface="Gautami"/>
+        <a:font script="Taml" typeface="Latha"/>
+        <a:font script="Syrc" typeface="Estrangelo Edessa"/>
+        <a:font script="Orya" typeface="Kalinga"/>
+        <a:font script="Mlym" typeface="Kartika"/>
+        <a:font script="Laoo" typeface="DokChampa"/>
+        <a:font script="Sinh" typeface="Iskoola Pota"/>
+        <a:font script="Mong" typeface="Mongolian Baiti"/>
+        <a:font script="Viet" typeface="Times New Roman"/>
+        <a:font script="Uigh" typeface="Microsoft Uighur"/>
+        <a:font script="Geor" typeface="Sylfaen"/>
+      </a:majorFont>
+      <a:minorFont>
+        <a:latin typeface="Arial"/>
+        <a:ea typeface=""/>
+        <a:cs typeface=""/>
+        <a:font script="Jpan" typeface="ＭＳ Ｐゴシック"/>
+        <a:font script="Hang" typeface="맑은 고딕"/>
+        <a:font script="Hans" typeface="宋体"/>
+        <a:font script="Hant" typeface="新細明體"/>
+        <a:font script="Arab" typeface="Arial"/>
+        <a:font script="Hebr" typeface="Arial"/>
+        <a:font script="Thai" typeface="Cordia New"/>
+        <a:font script="Ethi" typeface="Nyala"/>
+        <a:font script="Beng" typeface="Vrinda"/>
+        <a:font script="Gujr" typeface="Shruti"/>
+        <a:font script="Khmr" typeface="DaunPenh"/>
+        <a:font script="Knda" typeface="Tunga"/>
+        <a:font script="Guru" typeface="Raavi"/>
+        <a:font script="Cans" typeface="Euphemia"/>
+        <a:font script="Cher" typeface="Plantagenet Cherokee"/>
+        <a:font script="Yiii" typeface="Microsoft Yi Baiti"/>
+        <a:font script="Tibt" typeface="Microsoft Himalaya"/>
+        <a:font script="Thaa" typeface="MV Boli"/>
+        <a:font script="Deva" typeface="Mangal"/>
+        <a:font script="Telu" typeface="Gautami"/>
+        <a:font script="Taml" typeface="Latha"/>
+        <a:font script="Syrc" typeface="Estrangelo Edessa"/>
+        <a:font script="Orya" typeface="Kalinga"/>
+        <a:font script="Mlym" typeface="Kartika"/>
+        <a:font script="Laoo" typeface="DokChampa"/>
+        <a:font script="Sinh" typeface="Iskoola Pota"/>
+        <a:font script="Mong" typeface="Mongolian Baiti"/>
+        <a:font script="Viet" typeface="Arial"/>
+        <a:font script="Uigh" typeface="Microsoft Uighur"/>
+        <a:font script="Geor" typeface="Sylfaen"/>
+      </a:minorFont>
+    </a:fontScheme>
+    <a:fmtScheme name="Office">
+      <a:fillStyleLst>
+        <a:solidFill>
+          <a:schemeClr val="phClr"/>
+        </a:solidFill>
+        <a:gradFill rotWithShape="1">
+          <a:gsLst>
+            <a:gs pos="0">
+              <a:schemeClr val="phClr">
+                <a:tint val="50000"/>
+                <a:satMod val="300000"/>
+              </a:schemeClr>
+            </a:gs>
+            <a:gs pos="35000">
+              <a:schemeClr val="phClr">
+                <a:tint val="37000"/>
+                <a:satMod val="300000"/>
+              </a:schemeClr>
+            </a:gs>
+            <a:gs pos="100000">
+              <a:schemeClr val="phClr">
+                <a:tint val="15000"/>
+                <a:satMod val="350000"/>
+              </a:schemeClr>
+            </a:gs>
+          </a:gsLst>
+          <a:lin ang="16200000" scaled="1"/>
+        </a:gradFill>
+        <a:gradFill rotWithShape="1">
+          <a:gsLst>
+            <a:gs pos="0">
+              <a:schemeClr val="phClr">
+                <a:tint val="100000"/>
+                <a:shade val="100000"/>
+                <a:satMod val="130000"/>
+              </a:schemeClr>
+            </a:gs>
+            <a:gs pos="100000">
+              <a:schemeClr val="phClr">
+                <a:tint val="50000"/>
+                <a:shade val="100000"/>
+                <a:satMod val="350000"/>
+              </a:schemeClr>
+            </a:gs>
+          </a:gsLst>
+          <a:lin ang="16200000" scaled="0"/>
+        </a:gradFill>
+      </a:fillStyleLst>
+      <a:lnStyleLst>
+        <a:ln w="9525" cap="flat" cmpd="sng" algn="ctr">
+          <a:solidFill>
+            <a:schemeClr val="phClr">
+              <a:shade val="95000"/>
+              <a:satMod val="105000"/>
+            </a:schemeClr>
+          </a:solidFill>
+          <a:prstDash val="solid"/>
+        </a:ln>
+        <a:ln w="25400" cap="flat" cmpd="sng" algn="ctr">
+          <a:solidFill>
+            <a:schemeClr val="phClr"/>
+          </a:solidFill>
+          <a:prstDash val="solid"/>
+        </a:ln>
+        <a:ln w="38100" cap="flat" cmpd="sng" algn="ctr">
+          <a:solidFill>
+            <a:schemeClr val="phClr"/>
+          </a:solidFill>
+          <a:prstDash val="solid"/>
+        </a:ln>
+      </a:lnStyleLst>
+      <a:effectStyleLst>
+        <a:effectStyle>
+          <a:effectLst>
+            <a:outerShdw blurRad="40000" dist="20000" dir="5400000" rotWithShape="0">
+              <a:srgbClr val="000000">
+                <a:alpha val="38000"/>
+              </a:srgbClr>
+            </a:outerShdw>
+          </a:effectLst>
+        </a:effectStyle>
+        <a:effectStyle>
+          <a:effectLst>
+            <a:outerShdw blurRad="40000" dist="23000" dir="5400000" rotWithShape="0">
+              <a:srgbClr val="000000">
+                <a:alpha val="35000"/>
+              </a:srgbClr>
+            </a:outerShdw>
+          </a:effectLst>
+        </a:effectStyle>
+        <a:effectStyle>
+          <a:effectLst>
+            <a:outerShdw blurRad="40000" dist="23000" dir="5400000" rotWithShape="0">
+              <a:srgbClr val="000000">
+                <a:alpha val="35000"/>
+              </a:srgbClr>
+            </a:outerShdw>
+          </a:effectLst>
+          <a:scene3d>
+            <a:camera prst="orthographicFront">
+              <a:rot lat="0" lon="0" rev="0"/>
+            </a:camera>
+            <a:lightRig rig="threePt" dir="t">
+              <a:rot lat="0" lon="0" rev="1200000"/>
+            </a:lightRig>
+          </a:scene3d>
+          <a:sp3d>
+            <a:bevelT w="63500" h="25400"/>
+          </a:sp3d>
+        </a:effectStyle>
+      </a:effectStyleLst>
+      <a:bgFillStyleLst>
+        <a:solidFill>
+          <a:schemeClr val="phClr"/>
+        </a:solidFill>
+        <a:gradFill rotWithShape="1">
+          <a:gsLst>
+            <a:gs pos="0">
+              <a:schemeClr val="phClr">
+                <a:tint val="40000"/>
+                <a:satMod val="350000"/>
+              </a:schemeClr>
+            </a:gs>
+            <a:gs pos="40000">
+              <a:schemeClr val="phClr">
+                <a:tint val="45000"/>
+                <a:shade val="99000"/>
+                <a:satMod val="350000"/>
+              </a:schemeClr>
+            </a:gs>
+            <a:gs pos="100000">
+              <a:schemeClr val="phClr">
+                <a:shade val="20000"/>
+                <a:satMod val="255000"/>
+              </a:schemeClr>
+            </a:gs>
+          </a:gsLst>
+          <a:path path="circle">
+            <a:fillToRect l="50000" t="-80000" r="50000" b="180000"/>
+          </a:path>
+        </a:gradFill>
+        <a:gradFill rotWithShape="1">
+          <a:gsLst>
+            <a:gs pos="0">
+              <a:schemeClr val="phClr">
+                <a:tint val="80000"/>
+                <a:satMod val="300000"/>
+              </a:schemeClr>
+            </a:gs>
+            <a:gs pos="100000">
+              <a:schemeClr val="phClr">
+                <a:shade val="30000"/>
+                <a:satMod val="200000"/>
+              </a:schemeClr>
+            </a:gs>
+          </a:gsLst>
+          <a:path path="circle">
+            <a:fillToRect l="50000" t="50000" r="50000" b="50000"/>
+          </a:path>
+        </a:gradFill>
+      </a:bgFillStyleLst>
+    </a:fmtScheme>
+  </a:themeElements>
+  <a:objectDefaults/>
+  <a:extraClrSchemeLst/>
+</a:theme>
+</file>
+
+<file path=ppt/theme/theme2.xml><?xml version="1.0" encoding="utf-8"?>
+<a:theme xmlns:a="http://schemas.openxmlformats.org/drawingml/2006/main" name="Custom Theme">
   <a:themeElements>
     <a:clrScheme name="Default">
       <a:dk1>
@@ -12313,284 +13117,7 @@
       </a:bgFillStyleLst>
     </a:fmtScheme>
   </a:themeElements>
-</a:theme>
-</file>
-
-<file path=ppt/theme/theme2.xml><?xml version="1.0" encoding="utf-8"?>
-<a:theme xmlns:a="http://schemas.openxmlformats.org/drawingml/2006/main" xmlns:r="http://schemas.openxmlformats.org/officeDocument/2006/relationships" name="Paperback">
-  <a:themeElements>
-    <a:clrScheme name="Paperback">
-      <a:dk1>
-        <a:srgbClr val="000000"/>
-      </a:dk1>
-      <a:lt1>
-        <a:srgbClr val="FFFFFF"/>
-      </a:lt1>
-      <a:dk2>
-        <a:srgbClr val="00695C"/>
-      </a:dk2>
-      <a:lt2>
-        <a:srgbClr val="26A69A"/>
-      </a:lt2>
-      <a:accent1>
-        <a:srgbClr val="FFFBF0"/>
-      </a:accent1>
-      <a:accent2>
-        <a:srgbClr val="B7B7B7"/>
-      </a:accent2>
-      <a:accent3>
-        <a:srgbClr val="FB8C00"/>
-      </a:accent3>
-      <a:accent4>
-        <a:srgbClr val="80CBC4"/>
-      </a:accent4>
-      <a:accent5>
-        <a:srgbClr val="AF4345"/>
-      </a:accent5>
-      <a:accent6>
-        <a:srgbClr val="F58F8F"/>
-      </a:accent6>
-      <a:hlink>
-        <a:srgbClr val="AF4345"/>
-      </a:hlink>
-      <a:folHlink>
-        <a:srgbClr val="AF4345"/>
-      </a:folHlink>
-    </a:clrScheme>
-    <a:fontScheme name="Office">
-      <a:majorFont>
-        <a:latin typeface="Arial"/>
-        <a:ea typeface=""/>
-        <a:cs typeface=""/>
-        <a:font script="Jpan" typeface="ＭＳ Ｐゴシック"/>
-        <a:font script="Hang" typeface="맑은 고딕"/>
-        <a:font script="Hans" typeface="宋体"/>
-        <a:font script="Hant" typeface="新細明體"/>
-        <a:font script="Arab" typeface="Times New Roman"/>
-        <a:font script="Hebr" typeface="Times New Roman"/>
-        <a:font script="Thai" typeface="Angsana New"/>
-        <a:font script="Ethi" typeface="Nyala"/>
-        <a:font script="Beng" typeface="Vrinda"/>
-        <a:font script="Gujr" typeface="Shruti"/>
-        <a:font script="Khmr" typeface="MoolBoran"/>
-        <a:font script="Knda" typeface="Tunga"/>
-        <a:font script="Guru" typeface="Raavi"/>
-        <a:font script="Cans" typeface="Euphemia"/>
-        <a:font script="Cher" typeface="Plantagenet Cherokee"/>
-        <a:font script="Yiii" typeface="Microsoft Yi Baiti"/>
-        <a:font script="Tibt" typeface="Microsoft Himalaya"/>
-        <a:font script="Thaa" typeface="MV Boli"/>
-        <a:font script="Deva" typeface="Mangal"/>
-        <a:font script="Telu" typeface="Gautami"/>
-        <a:font script="Taml" typeface="Latha"/>
-        <a:font script="Syrc" typeface="Estrangelo Edessa"/>
-        <a:font script="Orya" typeface="Kalinga"/>
-        <a:font script="Mlym" typeface="Kartika"/>
-        <a:font script="Laoo" typeface="DokChampa"/>
-        <a:font script="Sinh" typeface="Iskoola Pota"/>
-        <a:font script="Mong" typeface="Mongolian Baiti"/>
-        <a:font script="Viet" typeface="Times New Roman"/>
-        <a:font script="Uigh" typeface="Microsoft Uighur"/>
-        <a:font script="Geor" typeface="Sylfaen"/>
-      </a:majorFont>
-      <a:minorFont>
-        <a:latin typeface="Arial"/>
-        <a:ea typeface=""/>
-        <a:cs typeface=""/>
-        <a:font script="Jpan" typeface="ＭＳ Ｐゴシック"/>
-        <a:font script="Hang" typeface="맑은 고딕"/>
-        <a:font script="Hans" typeface="宋体"/>
-        <a:font script="Hant" typeface="新細明體"/>
-        <a:font script="Arab" typeface="Arial"/>
-        <a:font script="Hebr" typeface="Arial"/>
-        <a:font script="Thai" typeface="Cordia New"/>
-        <a:font script="Ethi" typeface="Nyala"/>
-        <a:font script="Beng" typeface="Vrinda"/>
-        <a:font script="Gujr" typeface="Shruti"/>
-        <a:font script="Khmr" typeface="DaunPenh"/>
-        <a:font script="Knda" typeface="Tunga"/>
-        <a:font script="Guru" typeface="Raavi"/>
-        <a:font script="Cans" typeface="Euphemia"/>
-        <a:font script="Cher" typeface="Plantagenet Cherokee"/>
-        <a:font script="Yiii" typeface="Microsoft Yi Baiti"/>
-        <a:font script="Tibt" typeface="Microsoft Himalaya"/>
-        <a:font script="Thaa" typeface="MV Boli"/>
-        <a:font script="Deva" typeface="Mangal"/>
-        <a:font script="Telu" typeface="Gautami"/>
-        <a:font script="Taml" typeface="Latha"/>
-        <a:font script="Syrc" typeface="Estrangelo Edessa"/>
-        <a:font script="Orya" typeface="Kalinga"/>
-        <a:font script="Mlym" typeface="Kartika"/>
-        <a:font script="Laoo" typeface="DokChampa"/>
-        <a:font script="Sinh" typeface="Iskoola Pota"/>
-        <a:font script="Mong" typeface="Mongolian Baiti"/>
-        <a:font script="Viet" typeface="Arial"/>
-        <a:font script="Uigh" typeface="Microsoft Uighur"/>
-        <a:font script="Geor" typeface="Sylfaen"/>
-      </a:minorFont>
-    </a:fontScheme>
-    <a:fmtScheme name="Office">
-      <a:fillStyleLst>
-        <a:solidFill>
-          <a:schemeClr val="phClr"/>
-        </a:solidFill>
-        <a:gradFill rotWithShape="1">
-          <a:gsLst>
-            <a:gs pos="0">
-              <a:schemeClr val="phClr">
-                <a:tint val="50000"/>
-                <a:satMod val="300000"/>
-              </a:schemeClr>
-            </a:gs>
-            <a:gs pos="35000">
-              <a:schemeClr val="phClr">
-                <a:tint val="37000"/>
-                <a:satMod val="300000"/>
-              </a:schemeClr>
-            </a:gs>
-            <a:gs pos="100000">
-              <a:schemeClr val="phClr">
-                <a:tint val="15000"/>
-                <a:satMod val="350000"/>
-              </a:schemeClr>
-            </a:gs>
-          </a:gsLst>
-          <a:lin ang="16200000" scaled="1"/>
-        </a:gradFill>
-        <a:gradFill rotWithShape="1">
-          <a:gsLst>
-            <a:gs pos="0">
-              <a:schemeClr val="phClr">
-                <a:tint val="100000"/>
-                <a:shade val="100000"/>
-                <a:satMod val="130000"/>
-              </a:schemeClr>
-            </a:gs>
-            <a:gs pos="100000">
-              <a:schemeClr val="phClr">
-                <a:tint val="50000"/>
-                <a:shade val="100000"/>
-                <a:satMod val="350000"/>
-              </a:schemeClr>
-            </a:gs>
-          </a:gsLst>
-          <a:lin ang="16200000" scaled="0"/>
-        </a:gradFill>
-      </a:fillStyleLst>
-      <a:lnStyleLst>
-        <a:ln w="9525" cap="flat" cmpd="sng" algn="ctr">
-          <a:solidFill>
-            <a:schemeClr val="phClr">
-              <a:shade val="95000"/>
-              <a:satMod val="105000"/>
-            </a:schemeClr>
-          </a:solidFill>
-          <a:prstDash val="solid"/>
-        </a:ln>
-        <a:ln w="25400" cap="flat" cmpd="sng" algn="ctr">
-          <a:solidFill>
-            <a:schemeClr val="phClr"/>
-          </a:solidFill>
-          <a:prstDash val="solid"/>
-        </a:ln>
-        <a:ln w="38100" cap="flat" cmpd="sng" algn="ctr">
-          <a:solidFill>
-            <a:schemeClr val="phClr"/>
-          </a:solidFill>
-          <a:prstDash val="solid"/>
-        </a:ln>
-      </a:lnStyleLst>
-      <a:effectStyleLst>
-        <a:effectStyle>
-          <a:effectLst>
-            <a:outerShdw blurRad="40000" dist="20000" dir="5400000" rotWithShape="0">
-              <a:srgbClr val="000000">
-                <a:alpha val="38000"/>
-              </a:srgbClr>
-            </a:outerShdw>
-          </a:effectLst>
-        </a:effectStyle>
-        <a:effectStyle>
-          <a:effectLst>
-            <a:outerShdw blurRad="40000" dist="23000" dir="5400000" rotWithShape="0">
-              <a:srgbClr val="000000">
-                <a:alpha val="35000"/>
-              </a:srgbClr>
-            </a:outerShdw>
-          </a:effectLst>
-        </a:effectStyle>
-        <a:effectStyle>
-          <a:effectLst>
-            <a:outerShdw blurRad="40000" dist="23000" dir="5400000" rotWithShape="0">
-              <a:srgbClr val="000000">
-                <a:alpha val="35000"/>
-              </a:srgbClr>
-            </a:outerShdw>
-          </a:effectLst>
-          <a:scene3d>
-            <a:camera prst="orthographicFront">
-              <a:rot lat="0" lon="0" rev="0"/>
-            </a:camera>
-            <a:lightRig rig="threePt" dir="t">
-              <a:rot lat="0" lon="0" rev="1200000"/>
-            </a:lightRig>
-          </a:scene3d>
-          <a:sp3d>
-            <a:bevelT w="63500" h="25400"/>
-          </a:sp3d>
-        </a:effectStyle>
-      </a:effectStyleLst>
-      <a:bgFillStyleLst>
-        <a:solidFill>
-          <a:schemeClr val="phClr"/>
-        </a:solidFill>
-        <a:gradFill rotWithShape="1">
-          <a:gsLst>
-            <a:gs pos="0">
-              <a:schemeClr val="phClr">
-                <a:tint val="40000"/>
-                <a:satMod val="350000"/>
-              </a:schemeClr>
-            </a:gs>
-            <a:gs pos="40000">
-              <a:schemeClr val="phClr">
-                <a:tint val="45000"/>
-                <a:shade val="99000"/>
-                <a:satMod val="350000"/>
-              </a:schemeClr>
-            </a:gs>
-            <a:gs pos="100000">
-              <a:schemeClr val="phClr">
-                <a:shade val="20000"/>
-                <a:satMod val="255000"/>
-              </a:schemeClr>
-            </a:gs>
-          </a:gsLst>
-          <a:path path="circle">
-            <a:fillToRect l="50000" t="-80000" r="50000" b="180000"/>
-          </a:path>
-        </a:gradFill>
-        <a:gradFill rotWithShape="1">
-          <a:gsLst>
-            <a:gs pos="0">
-              <a:schemeClr val="phClr">
-                <a:tint val="80000"/>
-                <a:satMod val="300000"/>
-              </a:schemeClr>
-            </a:gs>
-            <a:gs pos="100000">
-              <a:schemeClr val="phClr">
-                <a:shade val="30000"/>
-                <a:satMod val="200000"/>
-              </a:schemeClr>
-            </a:gs>
-          </a:gsLst>
-          <a:path path="circle">
-            <a:fillToRect l="50000" t="50000" r="50000" b="50000"/>
-          </a:path>
-        </a:gradFill>
-      </a:bgFillStyleLst>
-    </a:fmtScheme>
-  </a:themeElements>
+  <a:objectDefaults/>
+  <a:extraClrSchemeLst/>
 </a:theme>
 </file>
--- a/presentations/ssc2017/SSC 2017.pptx
+++ b/presentations/ssc2017/SSC 2017.pptx
@@ -248,6 +248,11 @@
       </a:defRPr>
     </a:lvl9pPr>
   </p:defaultTextStyle>
+  <p:extLst>
+    <p:ext uri="{EFAFB233-063F-42B5-8137-9DF3F51BA10A}">
+      <p15:sldGuideLst xmlns:p15="http://schemas.microsoft.com/office/powerpoint/2012/main"/>
+    </p:ext>
+  </p:extLst>
 </p:presentation>
 </file>
 
@@ -8064,7 +8069,7 @@
             </a:pPr>
             <a:r>
               <a:rPr lang="en"/>
-              <a:t>The Art Of Iterating</a:t>
+              <a:t>The Art Of Iterating:</a:t>
             </a:r>
           </a:p>
           <a:p>
@@ -8075,7 +8080,7 @@
               <a:buNone/>
             </a:pPr>
             <a:r>
-              <a:rPr lang="en"/>
+              <a:rPr lang="en" dirty="0"/>
               <a:t>Update-Strategies in ABS</a:t>
             </a:r>
           </a:p>
